--- a/TA_Class_I.pptx
+++ b/TA_Class_I.pptx
@@ -17,22 +17,24 @@
     <p:sldId id="295" r:id="rId11"/>
     <p:sldId id="296" r:id="rId12"/>
     <p:sldId id="297" r:id="rId13"/>
-    <p:sldId id="294" r:id="rId14"/>
-    <p:sldId id="298" r:id="rId15"/>
-    <p:sldId id="299" r:id="rId16"/>
-    <p:sldId id="300" r:id="rId17"/>
-    <p:sldId id="280" r:id="rId18"/>
-    <p:sldId id="279" r:id="rId19"/>
-    <p:sldId id="278" r:id="rId20"/>
-    <p:sldId id="301" r:id="rId21"/>
-    <p:sldId id="302" r:id="rId22"/>
-    <p:sldId id="303" r:id="rId23"/>
-    <p:sldId id="304" r:id="rId24"/>
-    <p:sldId id="305" r:id="rId25"/>
-    <p:sldId id="306" r:id="rId26"/>
-    <p:sldId id="307" r:id="rId27"/>
-    <p:sldId id="308" r:id="rId28"/>
-    <p:sldId id="266" r:id="rId29"/>
+    <p:sldId id="309" r:id="rId14"/>
+    <p:sldId id="310" r:id="rId15"/>
+    <p:sldId id="294" r:id="rId16"/>
+    <p:sldId id="298" r:id="rId17"/>
+    <p:sldId id="299" r:id="rId18"/>
+    <p:sldId id="300" r:id="rId19"/>
+    <p:sldId id="280" r:id="rId20"/>
+    <p:sldId id="279" r:id="rId21"/>
+    <p:sldId id="278" r:id="rId22"/>
+    <p:sldId id="301" r:id="rId23"/>
+    <p:sldId id="302" r:id="rId24"/>
+    <p:sldId id="303" r:id="rId25"/>
+    <p:sldId id="304" r:id="rId26"/>
+    <p:sldId id="305" r:id="rId27"/>
+    <p:sldId id="306" r:id="rId28"/>
+    <p:sldId id="307" r:id="rId29"/>
+    <p:sldId id="308" r:id="rId30"/>
+    <p:sldId id="266" r:id="rId31"/>
   </p:sldIdLst>
   <p:sldSz cx="9144000" cy="6858000" type="screen4x3"/>
   <p:notesSz cx="6858000" cy="9144000"/>
@@ -131,6 +133,11 @@
       </a:defRPr>
     </a:lvl9pPr>
   </p:defaultTextStyle>
+  <p:extLst>
+    <p:ext uri="{EFAFB233-063F-42B5-8137-9DF3F51BA10A}">
+      <p15:sldGuideLst xmlns:p15="http://schemas.microsoft.com/office/powerpoint/2012/main"/>
+    </p:ext>
+  </p:extLst>
 </p:presentation>
 </file>
 
@@ -3847,10 +3854,10 @@
       </p:pic>
       <p:sp>
         <p:nvSpPr>
-          <p:cNvPr id="9" name="矩形 8">
-            <a:extLst>
-              <a:ext uri="{FF2B5EF4-FFF2-40B4-BE49-F238E27FC236}">
-                <a16:creationId xmlns:a16="http://schemas.microsoft.com/office/drawing/2014/main" id="{92C15B3E-BBBE-4D6B-86D5-1CB517E65301}"/>
+          <p:cNvPr id="5" name="矩形 4">
+            <a:extLst>
+              <a:ext uri="{FF2B5EF4-FFF2-40B4-BE49-F238E27FC236}">
+                <a16:creationId xmlns:a16="http://schemas.microsoft.com/office/drawing/2014/main" id="{39A7062D-9012-4217-B254-93B09C8B4167}"/>
               </a:ext>
             </a:extLst>
           </p:cNvPr>
@@ -3860,7 +3867,7 @@
         <p:spPr>
           <a:xfrm>
             <a:off x="729809" y="608473"/>
-            <a:ext cx="3474028" cy="578492"/>
+            <a:ext cx="3698448" cy="578492"/>
           </a:xfrm>
           <a:prstGeom prst="rect">
             <a:avLst/>
@@ -3882,17 +3889,17 @@
                 <a:latin typeface="微軟正黑體" panose="020B0604030504040204" pitchFamily="34" charset="-120"/>
                 <a:ea typeface="微軟正黑體" panose="020B0604030504040204" pitchFamily="34" charset="-120"/>
               </a:rPr>
-              <a:t>mutable vs. immutable</a:t>
+              <a:t>for / while / if else / def()</a:t>
             </a:r>
           </a:p>
         </p:txBody>
       </p:sp>
       <p:pic>
         <p:nvPicPr>
-          <p:cNvPr id="11" name="圖片 10" descr="一張含有 螢幕擷取畫面 的圖片&#10;&#10;自動產生的描述">
-            <a:extLst>
-              <a:ext uri="{FF2B5EF4-FFF2-40B4-BE49-F238E27FC236}">
-                <a16:creationId xmlns:a16="http://schemas.microsoft.com/office/drawing/2014/main" id="{44FC0BDE-8AF6-46F1-870E-429FA2097ED3}"/>
+          <p:cNvPr id="8" name="圖片 7" descr="一張含有 螢幕擷取畫面 的圖片&#10;&#10;自動產生的描述">
+            <a:extLst>
+              <a:ext uri="{FF2B5EF4-FFF2-40B4-BE49-F238E27FC236}">
+                <a16:creationId xmlns:a16="http://schemas.microsoft.com/office/drawing/2014/main" id="{A0E70E2A-61C2-4948-8997-91B51C7F559E}"/>
               </a:ext>
             </a:extLst>
           </p:cNvPr>
@@ -3916,7 +3923,7 @@
         <p:spPr>
           <a:xfrm>
             <a:off x="729809" y="1647447"/>
-            <a:ext cx="7776154" cy="2401384"/>
+            <a:ext cx="7776155" cy="2252616"/>
           </a:xfrm>
           <a:prstGeom prst="rect">
             <a:avLst/>
@@ -3926,7 +3933,7 @@
     </p:spTree>
     <p:extLst>
       <p:ext uri="{BB962C8B-B14F-4D97-AF65-F5344CB8AC3E}">
-        <p14:creationId xmlns:p14="http://schemas.microsoft.com/office/powerpoint/2010/main" val="286176865"/>
+        <p14:creationId xmlns:p14="http://schemas.microsoft.com/office/powerpoint/2010/main" val="3676835552"/>
       </p:ext>
     </p:extLst>
   </p:cSld>
@@ -4025,54 +4032,12 @@
           </a:prstGeom>
         </p:spPr>
       </p:pic>
-      <p:sp>
-        <p:nvSpPr>
-          <p:cNvPr id="9" name="矩形 8">
-            <a:extLst>
-              <a:ext uri="{FF2B5EF4-FFF2-40B4-BE49-F238E27FC236}">
-                <a16:creationId xmlns:a16="http://schemas.microsoft.com/office/drawing/2014/main" id="{92C15B3E-BBBE-4D6B-86D5-1CB517E65301}"/>
-              </a:ext>
-            </a:extLst>
-          </p:cNvPr>
-          <p:cNvSpPr/>
-          <p:nvPr/>
-        </p:nvSpPr>
-        <p:spPr>
-          <a:xfrm>
-            <a:off x="729809" y="608473"/>
-            <a:ext cx="5411546" cy="578492"/>
-          </a:xfrm>
-          <a:prstGeom prst="rect">
-            <a:avLst/>
-          </a:prstGeom>
-        </p:spPr>
-        <p:txBody>
-          <a:bodyPr wrap="none">
-            <a:spAutoFit/>
-          </a:bodyPr>
-          <a:lstStyle/>
-          <a:p>
-            <a:pPr>
-              <a:lnSpc>
-                <a:spcPct val="150000"/>
-              </a:lnSpc>
-            </a:pPr>
-            <a:r>
-              <a:rPr lang="en-US" altLang="zh-TW" sz="2400" dirty="0">
-                <a:latin typeface="微軟正黑體" panose="020B0604030504040204" pitchFamily="34" charset="-120"/>
-                <a:ea typeface="微軟正黑體" panose="020B0604030504040204" pitchFamily="34" charset="-120"/>
-              </a:rPr>
-              <a:t>Address - Binding Names to Objects</a:t>
-            </a:r>
-          </a:p>
-        </p:txBody>
-      </p:sp>
       <p:pic>
         <p:nvPicPr>
-          <p:cNvPr id="8" name="圖片 7" descr="一張含有 螢幕擷取畫面 的圖片&#10;&#10;自動產生的描述">
-            <a:extLst>
-              <a:ext uri="{FF2B5EF4-FFF2-40B4-BE49-F238E27FC236}">
-                <a16:creationId xmlns:a16="http://schemas.microsoft.com/office/drawing/2014/main" id="{C0EE1147-F783-4B9A-9312-2337387466D3}"/>
+          <p:cNvPr id="6" name="圖片 5" descr="一張含有 螢幕擷取畫面 的圖片&#10;&#10;自動產生的描述">
+            <a:extLst>
+              <a:ext uri="{FF2B5EF4-FFF2-40B4-BE49-F238E27FC236}">
+                <a16:creationId xmlns:a16="http://schemas.microsoft.com/office/drawing/2014/main" id="{ED68D364-FF32-426A-9033-B08154839C09}"/>
               </a:ext>
             </a:extLst>
           </p:cNvPr>
@@ -4095,8 +4060,8 @@
         </p:blipFill>
         <p:spPr>
           <a:xfrm>
-            <a:off x="729809" y="1647447"/>
-            <a:ext cx="7776154" cy="2700484"/>
+            <a:off x="683922" y="1647447"/>
+            <a:ext cx="7776155" cy="2604060"/>
           </a:xfrm>
           <a:prstGeom prst="rect">
             <a:avLst/>
@@ -4106,7 +4071,7 @@
     </p:spTree>
     <p:extLst>
       <p:ext uri="{BB962C8B-B14F-4D97-AF65-F5344CB8AC3E}">
-        <p14:creationId xmlns:p14="http://schemas.microsoft.com/office/powerpoint/2010/main" val="1144447257"/>
+        <p14:creationId xmlns:p14="http://schemas.microsoft.com/office/powerpoint/2010/main" val="2180686953"/>
       </p:ext>
     </p:extLst>
   </p:cSld>
@@ -4205,12 +4170,54 @@
           </a:prstGeom>
         </p:spPr>
       </p:pic>
+      <p:sp>
+        <p:nvSpPr>
+          <p:cNvPr id="9" name="矩形 8">
+            <a:extLst>
+              <a:ext uri="{FF2B5EF4-FFF2-40B4-BE49-F238E27FC236}">
+                <a16:creationId xmlns:a16="http://schemas.microsoft.com/office/drawing/2014/main" id="{92C15B3E-BBBE-4D6B-86D5-1CB517E65301}"/>
+              </a:ext>
+            </a:extLst>
+          </p:cNvPr>
+          <p:cNvSpPr/>
+          <p:nvPr/>
+        </p:nvSpPr>
+        <p:spPr>
+          <a:xfrm>
+            <a:off x="729809" y="608473"/>
+            <a:ext cx="3474028" cy="578492"/>
+          </a:xfrm>
+          <a:prstGeom prst="rect">
+            <a:avLst/>
+          </a:prstGeom>
+        </p:spPr>
+        <p:txBody>
+          <a:bodyPr wrap="none">
+            <a:spAutoFit/>
+          </a:bodyPr>
+          <a:lstStyle/>
+          <a:p>
+            <a:pPr>
+              <a:lnSpc>
+                <a:spcPct val="150000"/>
+              </a:lnSpc>
+            </a:pPr>
+            <a:r>
+              <a:rPr lang="en-US" altLang="zh-TW" sz="2400" dirty="0">
+                <a:latin typeface="微軟正黑體" panose="020B0604030504040204" pitchFamily="34" charset="-120"/>
+                <a:ea typeface="微軟正黑體" panose="020B0604030504040204" pitchFamily="34" charset="-120"/>
+              </a:rPr>
+              <a:t>mutable vs. immutable</a:t>
+            </a:r>
+          </a:p>
+        </p:txBody>
+      </p:sp>
       <p:pic>
         <p:nvPicPr>
-          <p:cNvPr id="5" name="圖片 4" descr="一張含有 螢幕擷取畫面 的圖片&#10;&#10;自動產生的描述">
-            <a:extLst>
-              <a:ext uri="{FF2B5EF4-FFF2-40B4-BE49-F238E27FC236}">
-                <a16:creationId xmlns:a16="http://schemas.microsoft.com/office/drawing/2014/main" id="{6C853FD9-339B-4DB6-B986-AC912A3F72A8}"/>
+          <p:cNvPr id="11" name="圖片 10" descr="一張含有 螢幕擷取畫面 的圖片&#10;&#10;自動產生的描述">
+            <a:extLst>
+              <a:ext uri="{FF2B5EF4-FFF2-40B4-BE49-F238E27FC236}">
+                <a16:creationId xmlns:a16="http://schemas.microsoft.com/office/drawing/2014/main" id="{44FC0BDE-8AF6-46F1-870E-429FA2097ED3}"/>
               </a:ext>
             </a:extLst>
           </p:cNvPr>
@@ -4234,7 +4241,7 @@
         <p:spPr>
           <a:xfrm>
             <a:off x="729809" y="1647447"/>
-            <a:ext cx="7776154" cy="2583474"/>
+            <a:ext cx="7776154" cy="2401384"/>
           </a:xfrm>
           <a:prstGeom prst="rect">
             <a:avLst/>
@@ -4244,7 +4251,7 @@
     </p:spTree>
     <p:extLst>
       <p:ext uri="{BB962C8B-B14F-4D97-AF65-F5344CB8AC3E}">
-        <p14:creationId xmlns:p14="http://schemas.microsoft.com/office/powerpoint/2010/main" val="3284996421"/>
+        <p14:creationId xmlns:p14="http://schemas.microsoft.com/office/powerpoint/2010/main" val="286176865"/>
       </p:ext>
     </p:extLst>
   </p:cSld>
@@ -4345,10 +4352,10 @@
       </p:pic>
       <p:sp>
         <p:nvSpPr>
-          <p:cNvPr id="5" name="矩形 4">
-            <a:extLst>
-              <a:ext uri="{FF2B5EF4-FFF2-40B4-BE49-F238E27FC236}">
-                <a16:creationId xmlns:a16="http://schemas.microsoft.com/office/drawing/2014/main" id="{973E8D2D-159F-4A54-A9F3-55342886FD40}"/>
+          <p:cNvPr id="9" name="矩形 8">
+            <a:extLst>
+              <a:ext uri="{FF2B5EF4-FFF2-40B4-BE49-F238E27FC236}">
+                <a16:creationId xmlns:a16="http://schemas.microsoft.com/office/drawing/2014/main" id="{92C15B3E-BBBE-4D6B-86D5-1CB517E65301}"/>
               </a:ext>
             </a:extLst>
           </p:cNvPr>
@@ -4358,7 +4365,7 @@
         <p:spPr>
           <a:xfrm>
             <a:off x="729809" y="608473"/>
-            <a:ext cx="2898550" cy="578492"/>
+            <a:ext cx="5411546" cy="578492"/>
           </a:xfrm>
           <a:prstGeom prst="rect">
             <a:avLst/>
@@ -4380,17 +4387,17 @@
                 <a:latin typeface="微軟正黑體" panose="020B0604030504040204" pitchFamily="34" charset="-120"/>
                 <a:ea typeface="微軟正黑體" panose="020B0604030504040204" pitchFamily="34" charset="-120"/>
               </a:rPr>
-              <a:t>Call by assignment</a:t>
+              <a:t>Address - Binding Names to Objects</a:t>
             </a:r>
           </a:p>
         </p:txBody>
       </p:sp>
       <p:pic>
         <p:nvPicPr>
-          <p:cNvPr id="7" name="圖片 6" descr="一張含有 螢幕擷取畫面 的圖片&#10;&#10;自動產生的描述">
-            <a:extLst>
-              <a:ext uri="{FF2B5EF4-FFF2-40B4-BE49-F238E27FC236}">
-                <a16:creationId xmlns:a16="http://schemas.microsoft.com/office/drawing/2014/main" id="{D4D3C773-0B2E-4F52-AFDE-A313B4222ACC}"/>
+          <p:cNvPr id="8" name="圖片 7" descr="一張含有 螢幕擷取畫面 的圖片&#10;&#10;自動產生的描述">
+            <a:extLst>
+              <a:ext uri="{FF2B5EF4-FFF2-40B4-BE49-F238E27FC236}">
+                <a16:creationId xmlns:a16="http://schemas.microsoft.com/office/drawing/2014/main" id="{C0EE1147-F783-4B9A-9312-2337387466D3}"/>
               </a:ext>
             </a:extLst>
           </p:cNvPr>
@@ -4414,7 +4421,7 @@
         <p:spPr>
           <a:xfrm>
             <a:off x="729809" y="1647447"/>
-            <a:ext cx="7776154" cy="3447479"/>
+            <a:ext cx="7776154" cy="2700484"/>
           </a:xfrm>
           <a:prstGeom prst="rect">
             <a:avLst/>
@@ -4424,7 +4431,7 @@
     </p:spTree>
     <p:extLst>
       <p:ext uri="{BB962C8B-B14F-4D97-AF65-F5344CB8AC3E}">
-        <p14:creationId xmlns:p14="http://schemas.microsoft.com/office/powerpoint/2010/main" val="463498846"/>
+        <p14:creationId xmlns:p14="http://schemas.microsoft.com/office/powerpoint/2010/main" val="1144447257"/>
       </p:ext>
     </p:extLst>
   </p:cSld>
@@ -4523,236 +4530,12 @@
           </a:prstGeom>
         </p:spPr>
       </p:pic>
-      <p:cxnSp>
-        <p:nvCxnSpPr>
-          <p:cNvPr id="5" name="直線接點 4">
-            <a:extLst>
-              <a:ext uri="{FF2B5EF4-FFF2-40B4-BE49-F238E27FC236}">
-                <a16:creationId xmlns:a16="http://schemas.microsoft.com/office/drawing/2014/main" id="{D5F0CB79-799A-4CC2-98F0-75E3818BB5BB}"/>
-              </a:ext>
-            </a:extLst>
-          </p:cNvPr>
-          <p:cNvCxnSpPr>
-            <a:cxnSpLocks/>
-          </p:cNvCxnSpPr>
-          <p:nvPr/>
-        </p:nvCxnSpPr>
-        <p:spPr>
-          <a:xfrm>
-            <a:off x="678535" y="637564"/>
-            <a:ext cx="285226" cy="503339"/>
-          </a:xfrm>
-          <a:prstGeom prst="line">
-            <a:avLst/>
-          </a:prstGeom>
-          <a:ln w="28575">
-            <a:solidFill>
-              <a:schemeClr val="bg1">
-                <a:lumMod val="50000"/>
-              </a:schemeClr>
-            </a:solidFill>
-          </a:ln>
-        </p:spPr>
-        <p:style>
-          <a:lnRef idx="1">
-            <a:schemeClr val="accent1"/>
-          </a:lnRef>
-          <a:fillRef idx="0">
-            <a:schemeClr val="accent1"/>
-          </a:fillRef>
-          <a:effectRef idx="0">
-            <a:schemeClr val="accent1"/>
-          </a:effectRef>
-          <a:fontRef idx="minor">
-            <a:schemeClr val="tx1"/>
-          </a:fontRef>
-        </p:style>
-      </p:cxnSp>
-      <p:cxnSp>
-        <p:nvCxnSpPr>
-          <p:cNvPr id="6" name="直線接點 5">
-            <a:extLst>
-              <a:ext uri="{FF2B5EF4-FFF2-40B4-BE49-F238E27FC236}">
-                <a16:creationId xmlns:a16="http://schemas.microsoft.com/office/drawing/2014/main" id="{922E2757-E96E-4B60-8304-8FB93A805828}"/>
-              </a:ext>
-            </a:extLst>
-          </p:cNvPr>
-          <p:cNvCxnSpPr>
-            <a:cxnSpLocks/>
-          </p:cNvCxnSpPr>
-          <p:nvPr/>
-        </p:nvCxnSpPr>
-        <p:spPr>
-          <a:xfrm>
-            <a:off x="963761" y="1140903"/>
-            <a:ext cx="3162650" cy="0"/>
-          </a:xfrm>
-          <a:prstGeom prst="line">
-            <a:avLst/>
-          </a:prstGeom>
-          <a:ln w="28575">
-            <a:solidFill>
-              <a:schemeClr val="bg1">
-                <a:lumMod val="50000"/>
-              </a:schemeClr>
-            </a:solidFill>
-          </a:ln>
-        </p:spPr>
-        <p:style>
-          <a:lnRef idx="1">
-            <a:schemeClr val="accent1"/>
-          </a:lnRef>
-          <a:fillRef idx="0">
-            <a:schemeClr val="accent1"/>
-          </a:fillRef>
-          <a:effectRef idx="0">
-            <a:schemeClr val="accent1"/>
-          </a:effectRef>
-          <a:fontRef idx="minor">
-            <a:schemeClr val="tx1"/>
-          </a:fontRef>
-        </p:style>
-      </p:cxnSp>
-      <p:cxnSp>
-        <p:nvCxnSpPr>
-          <p:cNvPr id="7" name="直線接點 6">
-            <a:extLst>
-              <a:ext uri="{FF2B5EF4-FFF2-40B4-BE49-F238E27FC236}">
-                <a16:creationId xmlns:a16="http://schemas.microsoft.com/office/drawing/2014/main" id="{742066B1-934E-4E50-8862-0E4B0976815C}"/>
-              </a:ext>
-            </a:extLst>
-          </p:cNvPr>
-          <p:cNvCxnSpPr>
-            <a:cxnSpLocks/>
-          </p:cNvCxnSpPr>
-          <p:nvPr/>
-        </p:nvCxnSpPr>
-        <p:spPr>
-          <a:xfrm>
-            <a:off x="4126411" y="1140904"/>
-            <a:ext cx="285226" cy="503339"/>
-          </a:xfrm>
-          <a:prstGeom prst="line">
-            <a:avLst/>
-          </a:prstGeom>
-          <a:ln w="28575">
-            <a:solidFill>
-              <a:schemeClr val="bg1">
-                <a:lumMod val="50000"/>
-              </a:schemeClr>
-            </a:solidFill>
-          </a:ln>
-        </p:spPr>
-        <p:style>
-          <a:lnRef idx="1">
-            <a:schemeClr val="accent1"/>
-          </a:lnRef>
-          <a:fillRef idx="0">
-            <a:schemeClr val="accent1"/>
-          </a:fillRef>
-          <a:effectRef idx="0">
-            <a:schemeClr val="accent1"/>
-          </a:effectRef>
-          <a:fontRef idx="minor">
-            <a:schemeClr val="tx1"/>
-          </a:fontRef>
-        </p:style>
-      </p:cxnSp>
-      <p:sp>
-        <p:nvSpPr>
-          <p:cNvPr id="8" name="文字方塊 7">
-            <a:extLst>
-              <a:ext uri="{FF2B5EF4-FFF2-40B4-BE49-F238E27FC236}">
-                <a16:creationId xmlns:a16="http://schemas.microsoft.com/office/drawing/2014/main" id="{F37CB849-7B3F-4D20-B9C9-8EADDC6746E2}"/>
-              </a:ext>
-            </a:extLst>
-          </p:cNvPr>
-          <p:cNvSpPr txBox="1"/>
-          <p:nvPr/>
-        </p:nvSpPr>
-        <p:spPr>
-          <a:xfrm>
-            <a:off x="963761" y="433017"/>
-            <a:ext cx="2682145" cy="707886"/>
-          </a:xfrm>
-          <a:prstGeom prst="rect">
-            <a:avLst/>
-          </a:prstGeom>
-          <a:noFill/>
-        </p:spPr>
-        <p:txBody>
-          <a:bodyPr wrap="none" rtlCol="0">
-            <a:spAutoFit/>
-          </a:bodyPr>
-          <a:lstStyle/>
-          <a:p>
-            <a:r>
-              <a:rPr lang="en-US" altLang="zh-TW" sz="4000" dirty="0">
-                <a:latin typeface="微軟正黑體" panose="020B0604030504040204" pitchFamily="34" charset="-120"/>
-                <a:ea typeface="微軟正黑體" panose="020B0604030504040204" pitchFamily="34" charset="-120"/>
-                <a:cs typeface="Times New Roman" panose="02020603050405020304" pitchFamily="18" charset="0"/>
-                <a:hlinkClick r:id="rId4"/>
-              </a:rPr>
-              <a:t>matplotlib</a:t>
-            </a:r>
-            <a:endParaRPr lang="zh-TW" altLang="en-US" sz="4000" dirty="0">
-              <a:latin typeface="微軟正黑體" panose="020B0604030504040204" pitchFamily="34" charset="-120"/>
-              <a:ea typeface="微軟正黑體" panose="020B0604030504040204" pitchFamily="34" charset="-120"/>
-              <a:cs typeface="Times New Roman" panose="02020603050405020304" pitchFamily="18" charset="0"/>
-            </a:endParaRPr>
-          </a:p>
-        </p:txBody>
-      </p:sp>
-      <p:sp>
-        <p:nvSpPr>
-          <p:cNvPr id="10" name="文字方塊 9">
-            <a:extLst>
-              <a:ext uri="{FF2B5EF4-FFF2-40B4-BE49-F238E27FC236}">
-                <a16:creationId xmlns:a16="http://schemas.microsoft.com/office/drawing/2014/main" id="{7E676790-64E8-4754-B12A-E1C16C54D948}"/>
-              </a:ext>
-            </a:extLst>
-          </p:cNvPr>
-          <p:cNvSpPr txBox="1"/>
-          <p:nvPr/>
-        </p:nvSpPr>
-        <p:spPr>
-          <a:xfrm>
-            <a:off x="1378690" y="5517041"/>
-            <a:ext cx="6386620" cy="400110"/>
-          </a:xfrm>
-          <a:prstGeom prst="rect">
-            <a:avLst/>
-          </a:prstGeom>
-          <a:noFill/>
-        </p:spPr>
-        <p:txBody>
-          <a:bodyPr wrap="none" rtlCol="0">
-            <a:spAutoFit/>
-          </a:bodyPr>
-          <a:lstStyle/>
-          <a:p>
-            <a:r>
-              <a:rPr lang="en-US" altLang="zh-TW" sz="2000" u="sng" dirty="0">
-                <a:solidFill>
-                  <a:srgbClr val="FF0000"/>
-                </a:solidFill>
-              </a:rPr>
-              <a:t>Check out what parameters should be put in each functions</a:t>
-            </a:r>
-            <a:endParaRPr lang="zh-TW" altLang="en-US" sz="2000" u="sng" dirty="0">
-              <a:solidFill>
-                <a:srgbClr val="FF0000"/>
-              </a:solidFill>
-            </a:endParaRPr>
-          </a:p>
-        </p:txBody>
-      </p:sp>
       <p:pic>
         <p:nvPicPr>
-          <p:cNvPr id="11" name="圖片 10" descr="一張含有 螢幕擷取畫面 的圖片&#10;&#10;自動產生的描述">
-            <a:extLst>
-              <a:ext uri="{FF2B5EF4-FFF2-40B4-BE49-F238E27FC236}">
-                <a16:creationId xmlns:a16="http://schemas.microsoft.com/office/drawing/2014/main" id="{4722C2FA-BC24-42DE-9581-6D7405E8D176}"/>
+          <p:cNvPr id="5" name="圖片 4" descr="一張含有 螢幕擷取畫面 的圖片&#10;&#10;自動產生的描述">
+            <a:extLst>
+              <a:ext uri="{FF2B5EF4-FFF2-40B4-BE49-F238E27FC236}">
+                <a16:creationId xmlns:a16="http://schemas.microsoft.com/office/drawing/2014/main" id="{6C853FD9-339B-4DB6-B986-AC912A3F72A8}"/>
               </a:ext>
             </a:extLst>
           </p:cNvPr>
@@ -4762,7 +4545,7 @@
           <p:nvPr/>
         </p:nvPicPr>
         <p:blipFill>
-          <a:blip r:embed="rId5">
+          <a:blip r:embed="rId4">
             <a:extLst>
               <a:ext uri="{28A0092B-C50C-407E-A947-70E740481C1C}">
                 <a14:useLocalDpi xmlns:a14="http://schemas.microsoft.com/office/drawing/2010/main" val="0"/>
@@ -4775,44 +4558,8 @@
         </p:blipFill>
         <p:spPr>
           <a:xfrm>
-            <a:off x="1134858" y="1420593"/>
-            <a:ext cx="2389583" cy="3656785"/>
-          </a:xfrm>
-          <a:prstGeom prst="rect">
-            <a:avLst/>
-          </a:prstGeom>
-        </p:spPr>
-      </p:pic>
-      <p:pic>
-        <p:nvPicPr>
-          <p:cNvPr id="12" name="圖片 11" descr="一張含有 螢幕擷取畫面 的圖片&#10;&#10;自動產生的描述">
-            <a:extLst>
-              <a:ext uri="{FF2B5EF4-FFF2-40B4-BE49-F238E27FC236}">
-                <a16:creationId xmlns:a16="http://schemas.microsoft.com/office/drawing/2014/main" id="{1DF7228C-6A44-430A-8726-87E3AAAD40DA}"/>
-              </a:ext>
-            </a:extLst>
-          </p:cNvPr>
-          <p:cNvPicPr>
-            <a:picLocks noChangeAspect="1"/>
-          </p:cNvPicPr>
-          <p:nvPr/>
-        </p:nvPicPr>
-        <p:blipFill>
-          <a:blip r:embed="rId6">
-            <a:extLst>
-              <a:ext uri="{28A0092B-C50C-407E-A947-70E740481C1C}">
-                <a14:useLocalDpi xmlns:a14="http://schemas.microsoft.com/office/drawing/2010/main" val="0"/>
-              </a:ext>
-            </a:extLst>
-          </a:blip>
-          <a:stretch>
-            <a:fillRect/>
-          </a:stretch>
-        </p:blipFill>
-        <p:spPr>
-          <a:xfrm>
-            <a:off x="5039500" y="1420593"/>
-            <a:ext cx="2971215" cy="3765702"/>
+            <a:off x="729809" y="1647447"/>
+            <a:ext cx="7776154" cy="2583474"/>
           </a:xfrm>
           <a:prstGeom prst="rect">
             <a:avLst/>
@@ -4822,7 +4569,7 @@
     </p:spTree>
     <p:extLst>
       <p:ext uri="{BB962C8B-B14F-4D97-AF65-F5344CB8AC3E}">
-        <p14:creationId xmlns:p14="http://schemas.microsoft.com/office/powerpoint/2010/main" val="1612569964"/>
+        <p14:creationId xmlns:p14="http://schemas.microsoft.com/office/powerpoint/2010/main" val="3284996421"/>
       </p:ext>
     </p:extLst>
   </p:cSld>
@@ -4926,7 +4673,7 @@
           <p:cNvPr id="5" name="矩形 4">
             <a:extLst>
               <a:ext uri="{FF2B5EF4-FFF2-40B4-BE49-F238E27FC236}">
-                <a16:creationId xmlns:a16="http://schemas.microsoft.com/office/drawing/2014/main" id="{AA3ECC21-343E-4408-A40F-0382BA633D21}"/>
+                <a16:creationId xmlns:a16="http://schemas.microsoft.com/office/drawing/2014/main" id="{973E8D2D-159F-4A54-A9F3-55342886FD40}"/>
               </a:ext>
             </a:extLst>
           </p:cNvPr>
@@ -4935,8 +4682,8 @@
         </p:nvSpPr>
         <p:spPr>
           <a:xfrm>
-            <a:off x="729809" y="440693"/>
-            <a:ext cx="2456122" cy="578492"/>
+            <a:off x="729809" y="608473"/>
+            <a:ext cx="2898550" cy="578492"/>
           </a:xfrm>
           <a:prstGeom prst="rect">
             <a:avLst/>
@@ -4958,17 +4705,17 @@
                 <a:latin typeface="微軟正黑體" panose="020B0604030504040204" pitchFamily="34" charset="-120"/>
                 <a:ea typeface="微軟正黑體" panose="020B0604030504040204" pitchFamily="34" charset="-120"/>
               </a:rPr>
-              <a:t>Some examples</a:t>
+              <a:t>Call by assignment</a:t>
             </a:r>
           </a:p>
         </p:txBody>
       </p:sp>
       <p:pic>
         <p:nvPicPr>
-          <p:cNvPr id="8" name="圖片 7">
-            <a:extLst>
-              <a:ext uri="{FF2B5EF4-FFF2-40B4-BE49-F238E27FC236}">
-                <a16:creationId xmlns:a16="http://schemas.microsoft.com/office/drawing/2014/main" id="{4200DA8D-0216-46B3-9B7C-F9F2B56DEF71}"/>
+          <p:cNvPr id="7" name="圖片 6" descr="一張含有 螢幕擷取畫面 的圖片&#10;&#10;自動產生的描述">
+            <a:extLst>
+              <a:ext uri="{FF2B5EF4-FFF2-40B4-BE49-F238E27FC236}">
+                <a16:creationId xmlns:a16="http://schemas.microsoft.com/office/drawing/2014/main" id="{D4D3C773-0B2E-4F52-AFDE-A313B4222ACC}"/>
               </a:ext>
             </a:extLst>
           </p:cNvPr>
@@ -4991,96 +4738,18 @@
         </p:blipFill>
         <p:spPr>
           <a:xfrm>
-            <a:off x="729809" y="1378999"/>
-            <a:ext cx="7684382" cy="697655"/>
+            <a:off x="729809" y="1647447"/>
+            <a:ext cx="7776154" cy="3447479"/>
           </a:xfrm>
           <a:prstGeom prst="rect">
             <a:avLst/>
           </a:prstGeom>
         </p:spPr>
       </p:pic>
-      <p:pic>
-        <p:nvPicPr>
-          <p:cNvPr id="10" name="圖片 9" descr="一張含有 螢幕擷取畫面 的圖片&#10;&#10;自動產生的描述">
-            <a:extLst>
-              <a:ext uri="{FF2B5EF4-FFF2-40B4-BE49-F238E27FC236}">
-                <a16:creationId xmlns:a16="http://schemas.microsoft.com/office/drawing/2014/main" id="{73B11239-8DA8-4182-B7AE-9BD67014E139}"/>
-              </a:ext>
-            </a:extLst>
-          </p:cNvPr>
-          <p:cNvPicPr>
-            <a:picLocks noChangeAspect="1"/>
-          </p:cNvPicPr>
-          <p:nvPr/>
-        </p:nvPicPr>
-        <p:blipFill>
-          <a:blip r:embed="rId5">
-            <a:extLst>
-              <a:ext uri="{28A0092B-C50C-407E-A947-70E740481C1C}">
-                <a14:useLocalDpi xmlns:a14="http://schemas.microsoft.com/office/drawing/2010/main" val="0"/>
-              </a:ext>
-            </a:extLst>
-          </a:blip>
-          <a:stretch>
-            <a:fillRect/>
-          </a:stretch>
-        </p:blipFill>
-        <p:spPr>
-          <a:xfrm>
-            <a:off x="729809" y="2677065"/>
-            <a:ext cx="7693451" cy="3231046"/>
-          </a:xfrm>
-          <a:prstGeom prst="rect">
-            <a:avLst/>
-          </a:prstGeom>
-        </p:spPr>
-      </p:pic>
-      <p:sp>
-        <p:nvSpPr>
-          <p:cNvPr id="11" name="矩形 10">
-            <a:extLst>
-              <a:ext uri="{FF2B5EF4-FFF2-40B4-BE49-F238E27FC236}">
-                <a16:creationId xmlns:a16="http://schemas.microsoft.com/office/drawing/2014/main" id="{C07107BD-2114-4B03-927E-012BF1309FD8}"/>
-              </a:ext>
-            </a:extLst>
-          </p:cNvPr>
-          <p:cNvSpPr/>
-          <p:nvPr/>
-        </p:nvSpPr>
-        <p:spPr>
-          <a:xfrm>
-            <a:off x="1178923" y="2168661"/>
-            <a:ext cx="6786153" cy="416396"/>
-          </a:xfrm>
-          <a:prstGeom prst="rect">
-            <a:avLst/>
-          </a:prstGeom>
-        </p:spPr>
-        <p:txBody>
-          <a:bodyPr wrap="none">
-            <a:spAutoFit/>
-          </a:bodyPr>
-          <a:lstStyle/>
-          <a:p>
-            <a:pPr>
-              <a:lnSpc>
-                <a:spcPct val="150000"/>
-              </a:lnSpc>
-            </a:pPr>
-            <a:r>
-              <a:rPr lang="en-US" altLang="zh-TW" sz="1600" b="1" dirty="0">
-                <a:latin typeface="微軟正黑體" panose="020B0604030504040204" pitchFamily="34" charset="-120"/>
-                <a:ea typeface="微軟正黑體" panose="020B0604030504040204" pitchFamily="34" charset="-120"/>
-              </a:rPr>
-              <a:t>You can either plot a list directly or assign some specific X's and Y's.</a:t>
-            </a:r>
-          </a:p>
-        </p:txBody>
-      </p:sp>
     </p:spTree>
     <p:extLst>
       <p:ext uri="{BB962C8B-B14F-4D97-AF65-F5344CB8AC3E}">
-        <p14:creationId xmlns:p14="http://schemas.microsoft.com/office/powerpoint/2010/main" val="797468573"/>
+        <p14:creationId xmlns:p14="http://schemas.microsoft.com/office/powerpoint/2010/main" val="463498846"/>
       </p:ext>
     </p:extLst>
   </p:cSld>
@@ -5179,12 +4848,236 @@
           </a:prstGeom>
         </p:spPr>
       </p:pic>
+      <p:cxnSp>
+        <p:nvCxnSpPr>
+          <p:cNvPr id="5" name="直線接點 4">
+            <a:extLst>
+              <a:ext uri="{FF2B5EF4-FFF2-40B4-BE49-F238E27FC236}">
+                <a16:creationId xmlns:a16="http://schemas.microsoft.com/office/drawing/2014/main" id="{D5F0CB79-799A-4CC2-98F0-75E3818BB5BB}"/>
+              </a:ext>
+            </a:extLst>
+          </p:cNvPr>
+          <p:cNvCxnSpPr>
+            <a:cxnSpLocks/>
+          </p:cNvCxnSpPr>
+          <p:nvPr/>
+        </p:nvCxnSpPr>
+        <p:spPr>
+          <a:xfrm>
+            <a:off x="678535" y="637564"/>
+            <a:ext cx="285226" cy="503339"/>
+          </a:xfrm>
+          <a:prstGeom prst="line">
+            <a:avLst/>
+          </a:prstGeom>
+          <a:ln w="28575">
+            <a:solidFill>
+              <a:schemeClr val="bg1">
+                <a:lumMod val="50000"/>
+              </a:schemeClr>
+            </a:solidFill>
+          </a:ln>
+        </p:spPr>
+        <p:style>
+          <a:lnRef idx="1">
+            <a:schemeClr val="accent1"/>
+          </a:lnRef>
+          <a:fillRef idx="0">
+            <a:schemeClr val="accent1"/>
+          </a:fillRef>
+          <a:effectRef idx="0">
+            <a:schemeClr val="accent1"/>
+          </a:effectRef>
+          <a:fontRef idx="minor">
+            <a:schemeClr val="tx1"/>
+          </a:fontRef>
+        </p:style>
+      </p:cxnSp>
+      <p:cxnSp>
+        <p:nvCxnSpPr>
+          <p:cNvPr id="6" name="直線接點 5">
+            <a:extLst>
+              <a:ext uri="{FF2B5EF4-FFF2-40B4-BE49-F238E27FC236}">
+                <a16:creationId xmlns:a16="http://schemas.microsoft.com/office/drawing/2014/main" id="{922E2757-E96E-4B60-8304-8FB93A805828}"/>
+              </a:ext>
+            </a:extLst>
+          </p:cNvPr>
+          <p:cNvCxnSpPr>
+            <a:cxnSpLocks/>
+          </p:cNvCxnSpPr>
+          <p:nvPr/>
+        </p:nvCxnSpPr>
+        <p:spPr>
+          <a:xfrm>
+            <a:off x="963761" y="1140903"/>
+            <a:ext cx="3162650" cy="0"/>
+          </a:xfrm>
+          <a:prstGeom prst="line">
+            <a:avLst/>
+          </a:prstGeom>
+          <a:ln w="28575">
+            <a:solidFill>
+              <a:schemeClr val="bg1">
+                <a:lumMod val="50000"/>
+              </a:schemeClr>
+            </a:solidFill>
+          </a:ln>
+        </p:spPr>
+        <p:style>
+          <a:lnRef idx="1">
+            <a:schemeClr val="accent1"/>
+          </a:lnRef>
+          <a:fillRef idx="0">
+            <a:schemeClr val="accent1"/>
+          </a:fillRef>
+          <a:effectRef idx="0">
+            <a:schemeClr val="accent1"/>
+          </a:effectRef>
+          <a:fontRef idx="minor">
+            <a:schemeClr val="tx1"/>
+          </a:fontRef>
+        </p:style>
+      </p:cxnSp>
+      <p:cxnSp>
+        <p:nvCxnSpPr>
+          <p:cNvPr id="7" name="直線接點 6">
+            <a:extLst>
+              <a:ext uri="{FF2B5EF4-FFF2-40B4-BE49-F238E27FC236}">
+                <a16:creationId xmlns:a16="http://schemas.microsoft.com/office/drawing/2014/main" id="{742066B1-934E-4E50-8862-0E4B0976815C}"/>
+              </a:ext>
+            </a:extLst>
+          </p:cNvPr>
+          <p:cNvCxnSpPr>
+            <a:cxnSpLocks/>
+          </p:cNvCxnSpPr>
+          <p:nvPr/>
+        </p:nvCxnSpPr>
+        <p:spPr>
+          <a:xfrm>
+            <a:off x="4126411" y="1140904"/>
+            <a:ext cx="285226" cy="503339"/>
+          </a:xfrm>
+          <a:prstGeom prst="line">
+            <a:avLst/>
+          </a:prstGeom>
+          <a:ln w="28575">
+            <a:solidFill>
+              <a:schemeClr val="bg1">
+                <a:lumMod val="50000"/>
+              </a:schemeClr>
+            </a:solidFill>
+          </a:ln>
+        </p:spPr>
+        <p:style>
+          <a:lnRef idx="1">
+            <a:schemeClr val="accent1"/>
+          </a:lnRef>
+          <a:fillRef idx="0">
+            <a:schemeClr val="accent1"/>
+          </a:fillRef>
+          <a:effectRef idx="0">
+            <a:schemeClr val="accent1"/>
+          </a:effectRef>
+          <a:fontRef idx="minor">
+            <a:schemeClr val="tx1"/>
+          </a:fontRef>
+        </p:style>
+      </p:cxnSp>
+      <p:sp>
+        <p:nvSpPr>
+          <p:cNvPr id="8" name="文字方塊 7">
+            <a:extLst>
+              <a:ext uri="{FF2B5EF4-FFF2-40B4-BE49-F238E27FC236}">
+                <a16:creationId xmlns:a16="http://schemas.microsoft.com/office/drawing/2014/main" id="{F37CB849-7B3F-4D20-B9C9-8EADDC6746E2}"/>
+              </a:ext>
+            </a:extLst>
+          </p:cNvPr>
+          <p:cNvSpPr txBox="1"/>
+          <p:nvPr/>
+        </p:nvSpPr>
+        <p:spPr>
+          <a:xfrm>
+            <a:off x="963761" y="433017"/>
+            <a:ext cx="2682145" cy="707886"/>
+          </a:xfrm>
+          <a:prstGeom prst="rect">
+            <a:avLst/>
+          </a:prstGeom>
+          <a:noFill/>
+        </p:spPr>
+        <p:txBody>
+          <a:bodyPr wrap="none" rtlCol="0">
+            <a:spAutoFit/>
+          </a:bodyPr>
+          <a:lstStyle/>
+          <a:p>
+            <a:r>
+              <a:rPr lang="en-US" altLang="zh-TW" sz="4000" dirty="0">
+                <a:latin typeface="微軟正黑體" panose="020B0604030504040204" pitchFamily="34" charset="-120"/>
+                <a:ea typeface="微軟正黑體" panose="020B0604030504040204" pitchFamily="34" charset="-120"/>
+                <a:cs typeface="Times New Roman" panose="02020603050405020304" pitchFamily="18" charset="0"/>
+                <a:hlinkClick r:id="rId4"/>
+              </a:rPr>
+              <a:t>matplotlib</a:t>
+            </a:r>
+            <a:endParaRPr lang="zh-TW" altLang="en-US" sz="4000" dirty="0">
+              <a:latin typeface="微軟正黑體" panose="020B0604030504040204" pitchFamily="34" charset="-120"/>
+              <a:ea typeface="微軟正黑體" panose="020B0604030504040204" pitchFamily="34" charset="-120"/>
+              <a:cs typeface="Times New Roman" panose="02020603050405020304" pitchFamily="18" charset="0"/>
+            </a:endParaRPr>
+          </a:p>
+        </p:txBody>
+      </p:sp>
+      <p:sp>
+        <p:nvSpPr>
+          <p:cNvPr id="10" name="文字方塊 9">
+            <a:extLst>
+              <a:ext uri="{FF2B5EF4-FFF2-40B4-BE49-F238E27FC236}">
+                <a16:creationId xmlns:a16="http://schemas.microsoft.com/office/drawing/2014/main" id="{7E676790-64E8-4754-B12A-E1C16C54D948}"/>
+              </a:ext>
+            </a:extLst>
+          </p:cNvPr>
+          <p:cNvSpPr txBox="1"/>
+          <p:nvPr/>
+        </p:nvSpPr>
+        <p:spPr>
+          <a:xfrm>
+            <a:off x="1378690" y="5517041"/>
+            <a:ext cx="6386620" cy="400110"/>
+          </a:xfrm>
+          <a:prstGeom prst="rect">
+            <a:avLst/>
+          </a:prstGeom>
+          <a:noFill/>
+        </p:spPr>
+        <p:txBody>
+          <a:bodyPr wrap="none" rtlCol="0">
+            <a:spAutoFit/>
+          </a:bodyPr>
+          <a:lstStyle/>
+          <a:p>
+            <a:r>
+              <a:rPr lang="en-US" altLang="zh-TW" sz="2000" u="sng" dirty="0">
+                <a:solidFill>
+                  <a:srgbClr val="FF0000"/>
+                </a:solidFill>
+              </a:rPr>
+              <a:t>Check out what parameters should be put in each functions</a:t>
+            </a:r>
+            <a:endParaRPr lang="zh-TW" altLang="en-US" sz="2000" u="sng" dirty="0">
+              <a:solidFill>
+                <a:srgbClr val="FF0000"/>
+              </a:solidFill>
+            </a:endParaRPr>
+          </a:p>
+        </p:txBody>
+      </p:sp>
       <p:pic>
         <p:nvPicPr>
-          <p:cNvPr id="9" name="圖片 8" descr="一張含有 螢幕擷取畫面 的圖片&#10;&#10;自動產生的描述">
-            <a:extLst>
-              <a:ext uri="{FF2B5EF4-FFF2-40B4-BE49-F238E27FC236}">
-                <a16:creationId xmlns:a16="http://schemas.microsoft.com/office/drawing/2014/main" id="{90E71E63-51A8-4C50-A2EA-C015EB770692}"/>
+          <p:cNvPr id="11" name="圖片 10" descr="一張含有 螢幕擷取畫面 的圖片&#10;&#10;自動產生的描述">
+            <a:extLst>
+              <a:ext uri="{FF2B5EF4-FFF2-40B4-BE49-F238E27FC236}">
+                <a16:creationId xmlns:a16="http://schemas.microsoft.com/office/drawing/2014/main" id="{4722C2FA-BC24-42DE-9581-6D7405E8D176}"/>
               </a:ext>
             </a:extLst>
           </p:cNvPr>
@@ -5194,7 +5087,7 @@
           <p:nvPr/>
         </p:nvPicPr>
         <p:blipFill>
-          <a:blip r:embed="rId4">
+          <a:blip r:embed="rId5">
             <a:extLst>
               <a:ext uri="{28A0092B-C50C-407E-A947-70E740481C1C}">
                 <a14:useLocalDpi xmlns:a14="http://schemas.microsoft.com/office/drawing/2010/main" val="0"/>
@@ -5207,8 +5100,8 @@
         </p:blipFill>
         <p:spPr>
           <a:xfrm>
-            <a:off x="729808" y="344527"/>
-            <a:ext cx="7684382" cy="2825215"/>
+            <a:off x="1134858" y="1420593"/>
+            <a:ext cx="2389583" cy="3656785"/>
           </a:xfrm>
           <a:prstGeom prst="rect">
             <a:avLst/>
@@ -5217,10 +5110,10 @@
       </p:pic>
       <p:pic>
         <p:nvPicPr>
-          <p:cNvPr id="11" name="圖片 10" descr="一張含有 螢幕擷取畫面 的圖片&#10;&#10;自動產生的描述">
-            <a:extLst>
-              <a:ext uri="{FF2B5EF4-FFF2-40B4-BE49-F238E27FC236}">
-                <a16:creationId xmlns:a16="http://schemas.microsoft.com/office/drawing/2014/main" id="{F4AB5E2B-665B-4BE0-9F88-606249884B63}"/>
+          <p:cNvPr id="12" name="圖片 11" descr="一張含有 螢幕擷取畫面 的圖片&#10;&#10;自動產生的描述">
+            <a:extLst>
+              <a:ext uri="{FF2B5EF4-FFF2-40B4-BE49-F238E27FC236}">
+                <a16:creationId xmlns:a16="http://schemas.microsoft.com/office/drawing/2014/main" id="{1DF7228C-6A44-430A-8726-87E3AAAD40DA}"/>
               </a:ext>
             </a:extLst>
           </p:cNvPr>
@@ -5229,73 +5122,32 @@
           </p:cNvPicPr>
           <p:nvPr/>
         </p:nvPicPr>
-        <p:blipFill rotWithShape="1">
-          <a:blip r:embed="rId5">
+        <p:blipFill>
+          <a:blip r:embed="rId6">
             <a:extLst>
               <a:ext uri="{28A0092B-C50C-407E-A947-70E740481C1C}">
                 <a14:useLocalDpi xmlns:a14="http://schemas.microsoft.com/office/drawing/2010/main" val="0"/>
               </a:ext>
             </a:extLst>
           </a:blip>
-          <a:srcRect r="57547"/>
-          <a:stretch/>
+          <a:stretch>
+            <a:fillRect/>
+          </a:stretch>
         </p:blipFill>
         <p:spPr>
           <a:xfrm>
-            <a:off x="4967795" y="3427091"/>
-            <a:ext cx="3262239" cy="2678585"/>
+            <a:off x="5039500" y="1420593"/>
+            <a:ext cx="2971215" cy="3765702"/>
           </a:xfrm>
           <a:prstGeom prst="rect">
             <a:avLst/>
           </a:prstGeom>
         </p:spPr>
       </p:pic>
-      <p:sp>
-        <p:nvSpPr>
-          <p:cNvPr id="12" name="矩形 11">
-            <a:extLst>
-              <a:ext uri="{FF2B5EF4-FFF2-40B4-BE49-F238E27FC236}">
-                <a16:creationId xmlns:a16="http://schemas.microsoft.com/office/drawing/2014/main" id="{1C1C0AD6-C729-41AC-80D8-929974F13442}"/>
-              </a:ext>
-            </a:extLst>
-          </p:cNvPr>
-          <p:cNvSpPr/>
-          <p:nvPr/>
-        </p:nvSpPr>
-        <p:spPr>
-          <a:xfrm>
-            <a:off x="1619040" y="3427091"/>
-            <a:ext cx="3262240" cy="416396"/>
-          </a:xfrm>
-          <a:prstGeom prst="rect">
-            <a:avLst/>
-          </a:prstGeom>
-        </p:spPr>
-        <p:txBody>
-          <a:bodyPr wrap="none">
-            <a:spAutoFit/>
-          </a:bodyPr>
-          <a:lstStyle/>
-          <a:p>
-            <a:pPr>
-              <a:lnSpc>
-                <a:spcPct val="150000"/>
-              </a:lnSpc>
-            </a:pPr>
-            <a:r>
-              <a:rPr lang="en-US" altLang="zh-TW" sz="1600" b="1" dirty="0">
-                <a:latin typeface="微軟正黑體" panose="020B0604030504040204" pitchFamily="34" charset="-120"/>
-                <a:ea typeface="微軟正黑體" panose="020B0604030504040204" pitchFamily="34" charset="-120"/>
-              </a:rPr>
-              <a:t>You can slice the list and plot it.</a:t>
-            </a:r>
-          </a:p>
-        </p:txBody>
-      </p:sp>
     </p:spTree>
     <p:extLst>
       <p:ext uri="{BB962C8B-B14F-4D97-AF65-F5344CB8AC3E}">
-        <p14:creationId xmlns:p14="http://schemas.microsoft.com/office/powerpoint/2010/main" val="912473192"/>
+        <p14:creationId xmlns:p14="http://schemas.microsoft.com/office/powerpoint/2010/main" val="1612569964"/>
       </p:ext>
     </p:extLst>
   </p:cSld>
@@ -5991,10 +5843,10 @@
       </p:pic>
       <p:sp>
         <p:nvSpPr>
-          <p:cNvPr id="8" name="矩形 7">
-            <a:extLst>
-              <a:ext uri="{FF2B5EF4-FFF2-40B4-BE49-F238E27FC236}">
-                <a16:creationId xmlns:a16="http://schemas.microsoft.com/office/drawing/2014/main" id="{B3CCD8B6-CEA2-4069-BB6E-67A689369320}"/>
+          <p:cNvPr id="5" name="矩形 4">
+            <a:extLst>
+              <a:ext uri="{FF2B5EF4-FFF2-40B4-BE49-F238E27FC236}">
+                <a16:creationId xmlns:a16="http://schemas.microsoft.com/office/drawing/2014/main" id="{AA3ECC21-343E-4408-A40F-0382BA633D21}"/>
               </a:ext>
             </a:extLst>
           </p:cNvPr>
@@ -6003,8 +5855,8 @@
         </p:nvSpPr>
         <p:spPr>
           <a:xfrm>
-            <a:off x="729809" y="533493"/>
-            <a:ext cx="965329" cy="416396"/>
+            <a:off x="729809" y="440693"/>
+            <a:ext cx="2456122" cy="578492"/>
           </a:xfrm>
           <a:prstGeom prst="rect">
             <a:avLst/>
@@ -6022,21 +5874,21 @@
               </a:lnSpc>
             </a:pPr>
             <a:r>
-              <a:rPr lang="en-US" altLang="zh-TW" sz="1600" b="1" dirty="0">
+              <a:rPr lang="en-US" altLang="zh-TW" sz="2400" dirty="0">
                 <a:latin typeface="微軟正黑體" panose="020B0604030504040204" pitchFamily="34" charset="-120"/>
                 <a:ea typeface="微軟正黑體" panose="020B0604030504040204" pitchFamily="34" charset="-120"/>
               </a:rPr>
-              <a:t>Bar plot</a:t>
+              <a:t>Some examples</a:t>
             </a:r>
           </a:p>
         </p:txBody>
       </p:sp>
       <p:pic>
         <p:nvPicPr>
-          <p:cNvPr id="10" name="圖片 9" descr="一張含有 螢幕擷取畫面 的圖片&#10;&#10;自動產生的描述">
-            <a:extLst>
-              <a:ext uri="{FF2B5EF4-FFF2-40B4-BE49-F238E27FC236}">
-                <a16:creationId xmlns:a16="http://schemas.microsoft.com/office/drawing/2014/main" id="{42A5AEEC-C3D8-4259-A36A-D7CA607C5E14}"/>
+          <p:cNvPr id="8" name="圖片 7">
+            <a:extLst>
+              <a:ext uri="{FF2B5EF4-FFF2-40B4-BE49-F238E27FC236}">
+                <a16:creationId xmlns:a16="http://schemas.microsoft.com/office/drawing/2014/main" id="{4200DA8D-0216-46B3-9B7C-F9F2B56DEF71}"/>
               </a:ext>
             </a:extLst>
           </p:cNvPr>
@@ -6059,8 +5911,44 @@
         </p:blipFill>
         <p:spPr>
           <a:xfrm>
-            <a:off x="729809" y="949889"/>
-            <a:ext cx="3554388" cy="2820203"/>
+            <a:off x="729809" y="1378999"/>
+            <a:ext cx="7684382" cy="697655"/>
+          </a:xfrm>
+          <a:prstGeom prst="rect">
+            <a:avLst/>
+          </a:prstGeom>
+        </p:spPr>
+      </p:pic>
+      <p:pic>
+        <p:nvPicPr>
+          <p:cNvPr id="10" name="圖片 9" descr="一張含有 螢幕擷取畫面 的圖片&#10;&#10;自動產生的描述">
+            <a:extLst>
+              <a:ext uri="{FF2B5EF4-FFF2-40B4-BE49-F238E27FC236}">
+                <a16:creationId xmlns:a16="http://schemas.microsoft.com/office/drawing/2014/main" id="{73B11239-8DA8-4182-B7AE-9BD67014E139}"/>
+              </a:ext>
+            </a:extLst>
+          </p:cNvPr>
+          <p:cNvPicPr>
+            <a:picLocks noChangeAspect="1"/>
+          </p:cNvPicPr>
+          <p:nvPr/>
+        </p:nvPicPr>
+        <p:blipFill>
+          <a:blip r:embed="rId5">
+            <a:extLst>
+              <a:ext uri="{28A0092B-C50C-407E-A947-70E740481C1C}">
+                <a14:useLocalDpi xmlns:a14="http://schemas.microsoft.com/office/drawing/2010/main" val="0"/>
+              </a:ext>
+            </a:extLst>
+          </a:blip>
+          <a:stretch>
+            <a:fillRect/>
+          </a:stretch>
+        </p:blipFill>
+        <p:spPr>
+          <a:xfrm>
+            <a:off x="729809" y="2677065"/>
+            <a:ext cx="7693451" cy="3231046"/>
           </a:xfrm>
           <a:prstGeom prst="rect">
             <a:avLst/>
@@ -6072,7 +5960,7 @@
           <p:cNvPr id="11" name="矩形 10">
             <a:extLst>
               <a:ext uri="{FF2B5EF4-FFF2-40B4-BE49-F238E27FC236}">
-                <a16:creationId xmlns:a16="http://schemas.microsoft.com/office/drawing/2014/main" id="{866928DE-68AC-42A3-91B2-8BEF73E4D9FB}"/>
+                <a16:creationId xmlns:a16="http://schemas.microsoft.com/office/drawing/2014/main" id="{C07107BD-2114-4B03-927E-012BF1309FD8}"/>
               </a:ext>
             </a:extLst>
           </p:cNvPr>
@@ -6081,8 +5969,8 @@
         </p:nvSpPr>
         <p:spPr>
           <a:xfrm>
-            <a:off x="4572000" y="2878497"/>
-            <a:ext cx="1226490" cy="416396"/>
+            <a:off x="1178923" y="2168661"/>
+            <a:ext cx="6786153" cy="416396"/>
           </a:xfrm>
           <a:prstGeom prst="rect">
             <a:avLst/>
@@ -6104,51 +5992,15 @@
                 <a:latin typeface="微軟正黑體" panose="020B0604030504040204" pitchFamily="34" charset="-120"/>
                 <a:ea typeface="微軟正黑體" panose="020B0604030504040204" pitchFamily="34" charset="-120"/>
               </a:rPr>
-              <a:t>Customize</a:t>
+              <a:t>You can either plot a list directly or assign some specific X's and Y's.</a:t>
             </a:r>
           </a:p>
         </p:txBody>
       </p:sp>
-      <p:pic>
-        <p:nvPicPr>
-          <p:cNvPr id="13" name="圖片 12" descr="一張含有 螢幕擷取畫面 的圖片&#10;&#10;自動產生的描述">
-            <a:extLst>
-              <a:ext uri="{FF2B5EF4-FFF2-40B4-BE49-F238E27FC236}">
-                <a16:creationId xmlns:a16="http://schemas.microsoft.com/office/drawing/2014/main" id="{D6E2773D-63D9-439A-B4CC-5586E7630C23}"/>
-              </a:ext>
-            </a:extLst>
-          </p:cNvPr>
-          <p:cNvPicPr>
-            <a:picLocks noChangeAspect="1"/>
-          </p:cNvPicPr>
-          <p:nvPr/>
-        </p:nvPicPr>
-        <p:blipFill>
-          <a:blip r:embed="rId5">
-            <a:extLst>
-              <a:ext uri="{28A0092B-C50C-407E-A947-70E740481C1C}">
-                <a14:useLocalDpi xmlns:a14="http://schemas.microsoft.com/office/drawing/2010/main" val="0"/>
-              </a:ext>
-            </a:extLst>
-          </a:blip>
-          <a:stretch>
-            <a:fillRect/>
-          </a:stretch>
-        </p:blipFill>
-        <p:spPr>
-          <a:xfrm>
-            <a:off x="4572000" y="3294894"/>
-            <a:ext cx="3551480" cy="3100875"/>
-          </a:xfrm>
-          <a:prstGeom prst="rect">
-            <a:avLst/>
-          </a:prstGeom>
-        </p:spPr>
-      </p:pic>
     </p:spTree>
     <p:extLst>
       <p:ext uri="{BB962C8B-B14F-4D97-AF65-F5344CB8AC3E}">
-        <p14:creationId xmlns:p14="http://schemas.microsoft.com/office/powerpoint/2010/main" val="699820645"/>
+        <p14:creationId xmlns:p14="http://schemas.microsoft.com/office/powerpoint/2010/main" val="797468573"/>
       </p:ext>
     </p:extLst>
   </p:cSld>
@@ -6249,10 +6101,10 @@
       </p:pic>
       <p:pic>
         <p:nvPicPr>
-          <p:cNvPr id="5" name="圖片 4" descr="一張含有 螢幕擷取畫面 的圖片&#10;&#10;自動產生的描述">
-            <a:extLst>
-              <a:ext uri="{FF2B5EF4-FFF2-40B4-BE49-F238E27FC236}">
-                <a16:creationId xmlns:a16="http://schemas.microsoft.com/office/drawing/2014/main" id="{017F5FC1-29ED-4CFA-BEAF-439D73E4739B}"/>
+          <p:cNvPr id="9" name="圖片 8" descr="一張含有 螢幕擷取畫面 的圖片&#10;&#10;自動產生的描述">
+            <a:extLst>
+              <a:ext uri="{FF2B5EF4-FFF2-40B4-BE49-F238E27FC236}">
+                <a16:creationId xmlns:a16="http://schemas.microsoft.com/office/drawing/2014/main" id="{90E71E63-51A8-4C50-A2EA-C015EB770692}"/>
               </a:ext>
             </a:extLst>
           </p:cNvPr>
@@ -6275,8 +6127,43 @@
         </p:blipFill>
         <p:spPr>
           <a:xfrm>
-            <a:off x="1702175" y="1189519"/>
-            <a:ext cx="5739649" cy="4478962"/>
+            <a:off x="729808" y="344527"/>
+            <a:ext cx="7684382" cy="2825215"/>
+          </a:xfrm>
+          <a:prstGeom prst="rect">
+            <a:avLst/>
+          </a:prstGeom>
+        </p:spPr>
+      </p:pic>
+      <p:pic>
+        <p:nvPicPr>
+          <p:cNvPr id="11" name="圖片 10" descr="一張含有 螢幕擷取畫面 的圖片&#10;&#10;自動產生的描述">
+            <a:extLst>
+              <a:ext uri="{FF2B5EF4-FFF2-40B4-BE49-F238E27FC236}">
+                <a16:creationId xmlns:a16="http://schemas.microsoft.com/office/drawing/2014/main" id="{F4AB5E2B-665B-4BE0-9F88-606249884B63}"/>
+              </a:ext>
+            </a:extLst>
+          </p:cNvPr>
+          <p:cNvPicPr>
+            <a:picLocks noChangeAspect="1"/>
+          </p:cNvPicPr>
+          <p:nvPr/>
+        </p:nvPicPr>
+        <p:blipFill rotWithShape="1">
+          <a:blip r:embed="rId5">
+            <a:extLst>
+              <a:ext uri="{28A0092B-C50C-407E-A947-70E740481C1C}">
+                <a14:useLocalDpi xmlns:a14="http://schemas.microsoft.com/office/drawing/2010/main" val="0"/>
+              </a:ext>
+            </a:extLst>
+          </a:blip>
+          <a:srcRect r="57547"/>
+          <a:stretch/>
+        </p:blipFill>
+        <p:spPr>
+          <a:xfrm>
+            <a:off x="4967795" y="3427091"/>
+            <a:ext cx="3262239" cy="2678585"/>
           </a:xfrm>
           <a:prstGeom prst="rect">
             <a:avLst/>
@@ -6285,10 +6172,10 @@
       </p:pic>
       <p:sp>
         <p:nvSpPr>
-          <p:cNvPr id="6" name="矩形 5">
-            <a:extLst>
-              <a:ext uri="{FF2B5EF4-FFF2-40B4-BE49-F238E27FC236}">
-                <a16:creationId xmlns:a16="http://schemas.microsoft.com/office/drawing/2014/main" id="{52B25D5E-A842-4EEE-8E34-10646778A9D6}"/>
+          <p:cNvPr id="12" name="矩形 11">
+            <a:extLst>
+              <a:ext uri="{FF2B5EF4-FFF2-40B4-BE49-F238E27FC236}">
+                <a16:creationId xmlns:a16="http://schemas.microsoft.com/office/drawing/2014/main" id="{1C1C0AD6-C729-41AC-80D8-929974F13442}"/>
               </a:ext>
             </a:extLst>
           </p:cNvPr>
@@ -6297,8 +6184,8 @@
         </p:nvSpPr>
         <p:spPr>
           <a:xfrm>
-            <a:off x="1308354" y="568953"/>
-            <a:ext cx="2114681" cy="416396"/>
+            <a:off x="1619040" y="3427091"/>
+            <a:ext cx="3262240" cy="416396"/>
           </a:xfrm>
           <a:prstGeom prst="rect">
             <a:avLst/>
@@ -6320,7 +6207,7 @@
                 <a:latin typeface="微軟正黑體" panose="020B0604030504040204" pitchFamily="34" charset="-120"/>
                 <a:ea typeface="微軟正黑體" panose="020B0604030504040204" pitchFamily="34" charset="-120"/>
               </a:rPr>
-              <a:t>Setting X tick labels</a:t>
+              <a:t>You can slice the list and plot it.</a:t>
             </a:r>
           </a:p>
         </p:txBody>
@@ -6328,7 +6215,7 @@
     </p:spTree>
     <p:extLst>
       <p:ext uri="{BB962C8B-B14F-4D97-AF65-F5344CB8AC3E}">
-        <p14:creationId xmlns:p14="http://schemas.microsoft.com/office/powerpoint/2010/main" val="2388961411"/>
+        <p14:creationId xmlns:p14="http://schemas.microsoft.com/office/powerpoint/2010/main" val="912473192"/>
       </p:ext>
     </p:extLst>
   </p:cSld>
@@ -6429,10 +6316,10 @@
       </p:pic>
       <p:sp>
         <p:nvSpPr>
-          <p:cNvPr id="5" name="矩形 4">
-            <a:extLst>
-              <a:ext uri="{FF2B5EF4-FFF2-40B4-BE49-F238E27FC236}">
-                <a16:creationId xmlns:a16="http://schemas.microsoft.com/office/drawing/2014/main" id="{8A82B761-6E25-41CE-9D5A-9439E7E2123E}"/>
+          <p:cNvPr id="8" name="矩形 7">
+            <a:extLst>
+              <a:ext uri="{FF2B5EF4-FFF2-40B4-BE49-F238E27FC236}">
+                <a16:creationId xmlns:a16="http://schemas.microsoft.com/office/drawing/2014/main" id="{B3CCD8B6-CEA2-4069-BB6E-67A689369320}"/>
               </a:ext>
             </a:extLst>
           </p:cNvPr>
@@ -6441,8 +6328,8 @@
         </p:nvSpPr>
         <p:spPr>
           <a:xfrm>
-            <a:off x="1845249" y="602509"/>
-            <a:ext cx="1051891" cy="416396"/>
+            <a:off x="729809" y="533493"/>
+            <a:ext cx="965329" cy="416396"/>
           </a:xfrm>
           <a:prstGeom prst="rect">
             <a:avLst/>
@@ -6464,17 +6351,17 @@
                 <a:latin typeface="微軟正黑體" panose="020B0604030504040204" pitchFamily="34" charset="-120"/>
                 <a:ea typeface="微軟正黑體" panose="020B0604030504040204" pitchFamily="34" charset="-120"/>
               </a:rPr>
-              <a:t>Pie chart</a:t>
+              <a:t>Bar plot</a:t>
             </a:r>
           </a:p>
         </p:txBody>
       </p:sp>
       <p:pic>
         <p:nvPicPr>
-          <p:cNvPr id="6" name="圖片 5" descr="一張含有 螢幕擷取畫面 的圖片&#10;&#10;自動產生的描述">
-            <a:extLst>
-              <a:ext uri="{FF2B5EF4-FFF2-40B4-BE49-F238E27FC236}">
-                <a16:creationId xmlns:a16="http://schemas.microsoft.com/office/drawing/2014/main" id="{F6796FC2-199B-4192-A916-019FB12A391F}"/>
+          <p:cNvPr id="10" name="圖片 9" descr="一張含有 螢幕擷取畫面 的圖片&#10;&#10;自動產生的描述">
+            <a:extLst>
+              <a:ext uri="{FF2B5EF4-FFF2-40B4-BE49-F238E27FC236}">
+                <a16:creationId xmlns:a16="http://schemas.microsoft.com/office/drawing/2014/main" id="{42A5AEEC-C3D8-4259-A36A-D7CA607C5E14}"/>
               </a:ext>
             </a:extLst>
           </p:cNvPr>
@@ -6497,8 +6384,86 @@
         </p:blipFill>
         <p:spPr>
           <a:xfrm>
-            <a:off x="2123630" y="1147645"/>
-            <a:ext cx="4896740" cy="4562710"/>
+            <a:off x="729809" y="949889"/>
+            <a:ext cx="3554388" cy="2820203"/>
+          </a:xfrm>
+          <a:prstGeom prst="rect">
+            <a:avLst/>
+          </a:prstGeom>
+        </p:spPr>
+      </p:pic>
+      <p:sp>
+        <p:nvSpPr>
+          <p:cNvPr id="11" name="矩形 10">
+            <a:extLst>
+              <a:ext uri="{FF2B5EF4-FFF2-40B4-BE49-F238E27FC236}">
+                <a16:creationId xmlns:a16="http://schemas.microsoft.com/office/drawing/2014/main" id="{866928DE-68AC-42A3-91B2-8BEF73E4D9FB}"/>
+              </a:ext>
+            </a:extLst>
+          </p:cNvPr>
+          <p:cNvSpPr/>
+          <p:nvPr/>
+        </p:nvSpPr>
+        <p:spPr>
+          <a:xfrm>
+            <a:off x="4572000" y="2878497"/>
+            <a:ext cx="1226490" cy="416396"/>
+          </a:xfrm>
+          <a:prstGeom prst="rect">
+            <a:avLst/>
+          </a:prstGeom>
+        </p:spPr>
+        <p:txBody>
+          <a:bodyPr wrap="none">
+            <a:spAutoFit/>
+          </a:bodyPr>
+          <a:lstStyle/>
+          <a:p>
+            <a:pPr>
+              <a:lnSpc>
+                <a:spcPct val="150000"/>
+              </a:lnSpc>
+            </a:pPr>
+            <a:r>
+              <a:rPr lang="en-US" altLang="zh-TW" sz="1600" b="1" dirty="0">
+                <a:latin typeface="微軟正黑體" panose="020B0604030504040204" pitchFamily="34" charset="-120"/>
+                <a:ea typeface="微軟正黑體" panose="020B0604030504040204" pitchFamily="34" charset="-120"/>
+              </a:rPr>
+              <a:t>Customize</a:t>
+            </a:r>
+          </a:p>
+        </p:txBody>
+      </p:sp>
+      <p:pic>
+        <p:nvPicPr>
+          <p:cNvPr id="13" name="圖片 12" descr="一張含有 螢幕擷取畫面 的圖片&#10;&#10;自動產生的描述">
+            <a:extLst>
+              <a:ext uri="{FF2B5EF4-FFF2-40B4-BE49-F238E27FC236}">
+                <a16:creationId xmlns:a16="http://schemas.microsoft.com/office/drawing/2014/main" id="{D6E2773D-63D9-439A-B4CC-5586E7630C23}"/>
+              </a:ext>
+            </a:extLst>
+          </p:cNvPr>
+          <p:cNvPicPr>
+            <a:picLocks noChangeAspect="1"/>
+          </p:cNvPicPr>
+          <p:nvPr/>
+        </p:nvPicPr>
+        <p:blipFill>
+          <a:blip r:embed="rId5">
+            <a:extLst>
+              <a:ext uri="{28A0092B-C50C-407E-A947-70E740481C1C}">
+                <a14:useLocalDpi xmlns:a14="http://schemas.microsoft.com/office/drawing/2010/main" val="0"/>
+              </a:ext>
+            </a:extLst>
+          </a:blip>
+          <a:stretch>
+            <a:fillRect/>
+          </a:stretch>
+        </p:blipFill>
+        <p:spPr>
+          <a:xfrm>
+            <a:off x="4572000" y="3294894"/>
+            <a:ext cx="3551480" cy="3100875"/>
           </a:xfrm>
           <a:prstGeom prst="rect">
             <a:avLst/>
@@ -6508,7 +6473,7 @@
     </p:spTree>
     <p:extLst>
       <p:ext uri="{BB962C8B-B14F-4D97-AF65-F5344CB8AC3E}">
-        <p14:creationId xmlns:p14="http://schemas.microsoft.com/office/powerpoint/2010/main" val="832152175"/>
+        <p14:creationId xmlns:p14="http://schemas.microsoft.com/office/powerpoint/2010/main" val="699820645"/>
       </p:ext>
     </p:extLst>
   </p:cSld>
@@ -6607,12 +6572,48 @@
           </a:prstGeom>
         </p:spPr>
       </p:pic>
+      <p:pic>
+        <p:nvPicPr>
+          <p:cNvPr id="5" name="圖片 4" descr="一張含有 螢幕擷取畫面 的圖片&#10;&#10;自動產生的描述">
+            <a:extLst>
+              <a:ext uri="{FF2B5EF4-FFF2-40B4-BE49-F238E27FC236}">
+                <a16:creationId xmlns:a16="http://schemas.microsoft.com/office/drawing/2014/main" id="{017F5FC1-29ED-4CFA-BEAF-439D73E4739B}"/>
+              </a:ext>
+            </a:extLst>
+          </p:cNvPr>
+          <p:cNvPicPr>
+            <a:picLocks noChangeAspect="1"/>
+          </p:cNvPicPr>
+          <p:nvPr/>
+        </p:nvPicPr>
+        <p:blipFill>
+          <a:blip r:embed="rId4">
+            <a:extLst>
+              <a:ext uri="{28A0092B-C50C-407E-A947-70E740481C1C}">
+                <a14:useLocalDpi xmlns:a14="http://schemas.microsoft.com/office/drawing/2010/main" val="0"/>
+              </a:ext>
+            </a:extLst>
+          </a:blip>
+          <a:stretch>
+            <a:fillRect/>
+          </a:stretch>
+        </p:blipFill>
+        <p:spPr>
+          <a:xfrm>
+            <a:off x="1702175" y="1189519"/>
+            <a:ext cx="5739649" cy="4478962"/>
+          </a:xfrm>
+          <a:prstGeom prst="rect">
+            <a:avLst/>
+          </a:prstGeom>
+        </p:spPr>
+      </p:pic>
       <p:sp>
         <p:nvSpPr>
-          <p:cNvPr id="5" name="矩形 4">
-            <a:extLst>
-              <a:ext uri="{FF2B5EF4-FFF2-40B4-BE49-F238E27FC236}">
-                <a16:creationId xmlns:a16="http://schemas.microsoft.com/office/drawing/2014/main" id="{1341B138-41AE-4BCD-BC80-D6FD45EAD2FD}"/>
+          <p:cNvPr id="6" name="矩形 5">
+            <a:extLst>
+              <a:ext uri="{FF2B5EF4-FFF2-40B4-BE49-F238E27FC236}">
+                <a16:creationId xmlns:a16="http://schemas.microsoft.com/office/drawing/2014/main" id="{52B25D5E-A842-4EEE-8E34-10646778A9D6}"/>
               </a:ext>
             </a:extLst>
           </p:cNvPr>
@@ -6621,8 +6622,8 @@
         </p:nvSpPr>
         <p:spPr>
           <a:xfrm>
-            <a:off x="684179" y="457993"/>
-            <a:ext cx="1061509" cy="416396"/>
+            <a:off x="1308354" y="568953"/>
+            <a:ext cx="2114681" cy="416396"/>
           </a:xfrm>
           <a:prstGeom prst="rect">
             <a:avLst/>
@@ -6644,51 +6645,15 @@
                 <a:latin typeface="微軟正黑體" panose="020B0604030504040204" pitchFamily="34" charset="-120"/>
                 <a:ea typeface="微軟正黑體" panose="020B0604030504040204" pitchFamily="34" charset="-120"/>
               </a:rPr>
-              <a:t>Subplots</a:t>
+              <a:t>Setting X tick labels</a:t>
             </a:r>
           </a:p>
         </p:txBody>
       </p:sp>
-      <p:pic>
-        <p:nvPicPr>
-          <p:cNvPr id="7" name="圖片 6" descr="一張含有 地圖 的圖片&#10;&#10;自動產生的描述">
-            <a:extLst>
-              <a:ext uri="{FF2B5EF4-FFF2-40B4-BE49-F238E27FC236}">
-                <a16:creationId xmlns:a16="http://schemas.microsoft.com/office/drawing/2014/main" id="{EF95FB7A-3DDE-45C1-8144-07D2A279219C}"/>
-              </a:ext>
-            </a:extLst>
-          </p:cNvPr>
-          <p:cNvPicPr>
-            <a:picLocks noChangeAspect="1"/>
-          </p:cNvPicPr>
-          <p:nvPr/>
-        </p:nvPicPr>
-        <p:blipFill>
-          <a:blip r:embed="rId4">
-            <a:extLst>
-              <a:ext uri="{28A0092B-C50C-407E-A947-70E740481C1C}">
-                <a14:useLocalDpi xmlns:a14="http://schemas.microsoft.com/office/drawing/2010/main" val="0"/>
-              </a:ext>
-            </a:extLst>
-          </a:blip>
-          <a:stretch>
-            <a:fillRect/>
-          </a:stretch>
-        </p:blipFill>
-        <p:spPr>
-          <a:xfrm>
-            <a:off x="684179" y="1000655"/>
-            <a:ext cx="7775641" cy="4856690"/>
-          </a:xfrm>
-          <a:prstGeom prst="rect">
-            <a:avLst/>
-          </a:prstGeom>
-        </p:spPr>
-      </p:pic>
     </p:spTree>
     <p:extLst>
       <p:ext uri="{BB962C8B-B14F-4D97-AF65-F5344CB8AC3E}">
-        <p14:creationId xmlns:p14="http://schemas.microsoft.com/office/powerpoint/2010/main" val="1204964469"/>
+        <p14:creationId xmlns:p14="http://schemas.microsoft.com/office/powerpoint/2010/main" val="2388961411"/>
       </p:ext>
     </p:extLst>
   </p:cSld>
@@ -6792,7 +6757,7 @@
           <p:cNvPr id="5" name="矩形 4">
             <a:extLst>
               <a:ext uri="{FF2B5EF4-FFF2-40B4-BE49-F238E27FC236}">
-                <a16:creationId xmlns:a16="http://schemas.microsoft.com/office/drawing/2014/main" id="{92082ACA-0A28-4638-9D6E-3BB57713A6B7}"/>
+                <a16:creationId xmlns:a16="http://schemas.microsoft.com/office/drawing/2014/main" id="{8A82B761-6E25-41CE-9D5A-9439E7E2123E}"/>
               </a:ext>
             </a:extLst>
           </p:cNvPr>
@@ -6802,7 +6767,7 @@
         <p:spPr>
           <a:xfrm>
             <a:off x="1845249" y="602509"/>
-            <a:ext cx="1329082" cy="416396"/>
+            <a:ext cx="1051891" cy="416396"/>
           </a:xfrm>
           <a:prstGeom prst="rect">
             <a:avLst/>
@@ -6824,17 +6789,17 @@
                 <a:latin typeface="微軟正黑體" panose="020B0604030504040204" pitchFamily="34" charset="-120"/>
                 <a:ea typeface="微軟正黑體" panose="020B0604030504040204" pitchFamily="34" charset="-120"/>
               </a:rPr>
-              <a:t>Scatter plot</a:t>
+              <a:t>Pie chart</a:t>
             </a:r>
           </a:p>
         </p:txBody>
       </p:sp>
       <p:pic>
         <p:nvPicPr>
-          <p:cNvPr id="6" name="圖片 5" descr="一張含有 地圖 的圖片&#10;&#10;自動產生的描述">
-            <a:extLst>
-              <a:ext uri="{FF2B5EF4-FFF2-40B4-BE49-F238E27FC236}">
-                <a16:creationId xmlns:a16="http://schemas.microsoft.com/office/drawing/2014/main" id="{F8CBEBFF-3D9E-493A-B869-775B166A3EE2}"/>
+          <p:cNvPr id="6" name="圖片 5" descr="一張含有 螢幕擷取畫面 的圖片&#10;&#10;自動產生的描述">
+            <a:extLst>
+              <a:ext uri="{FF2B5EF4-FFF2-40B4-BE49-F238E27FC236}">
+                <a16:creationId xmlns:a16="http://schemas.microsoft.com/office/drawing/2014/main" id="{F6796FC2-199B-4192-A916-019FB12A391F}"/>
               </a:ext>
             </a:extLst>
           </p:cNvPr>
@@ -6858,7 +6823,7 @@
         <p:spPr>
           <a:xfrm>
             <a:off x="2123630" y="1147645"/>
-            <a:ext cx="4895476" cy="4036498"/>
+            <a:ext cx="4896740" cy="4562710"/>
           </a:xfrm>
           <a:prstGeom prst="rect">
             <a:avLst/>
@@ -6868,7 +6833,7 @@
     </p:spTree>
     <p:extLst>
       <p:ext uri="{BB962C8B-B14F-4D97-AF65-F5344CB8AC3E}">
-        <p14:creationId xmlns:p14="http://schemas.microsoft.com/office/powerpoint/2010/main" val="2700069183"/>
+        <p14:creationId xmlns:p14="http://schemas.microsoft.com/office/powerpoint/2010/main" val="832152175"/>
       </p:ext>
     </p:extLst>
   </p:cSld>
@@ -6972,7 +6937,7 @@
           <p:cNvPr id="5" name="矩形 4">
             <a:extLst>
               <a:ext uri="{FF2B5EF4-FFF2-40B4-BE49-F238E27FC236}">
-                <a16:creationId xmlns:a16="http://schemas.microsoft.com/office/drawing/2014/main" id="{C860DBAF-3D6F-4336-ACC8-B0FC73298DE9}"/>
+                <a16:creationId xmlns:a16="http://schemas.microsoft.com/office/drawing/2014/main" id="{1341B138-41AE-4BCD-BC80-D6FD45EAD2FD}"/>
               </a:ext>
             </a:extLst>
           </p:cNvPr>
@@ -6981,8 +6946,8 @@
         </p:nvSpPr>
         <p:spPr>
           <a:xfrm>
-            <a:off x="729809" y="533493"/>
-            <a:ext cx="2069413" cy="416396"/>
+            <a:off x="684179" y="457993"/>
+            <a:ext cx="1061509" cy="416396"/>
           </a:xfrm>
           <a:prstGeom prst="rect">
             <a:avLst/>
@@ -7004,17 +6969,17 @@
                 <a:latin typeface="微軟正黑體" panose="020B0604030504040204" pitchFamily="34" charset="-120"/>
                 <a:ea typeface="微軟正黑體" panose="020B0604030504040204" pitchFamily="34" charset="-120"/>
               </a:rPr>
-              <a:t>Real world data……</a:t>
+              <a:t>Subplots</a:t>
             </a:r>
           </a:p>
         </p:txBody>
       </p:sp>
       <p:pic>
         <p:nvPicPr>
-          <p:cNvPr id="6" name="圖片 5" descr="一張含有 螢幕擷取畫面 的圖片&#10;&#10;自動產生的描述">
-            <a:extLst>
-              <a:ext uri="{FF2B5EF4-FFF2-40B4-BE49-F238E27FC236}">
-                <a16:creationId xmlns:a16="http://schemas.microsoft.com/office/drawing/2014/main" id="{7AA6C4C5-35CB-48CB-A5CB-DCBC06EB0FA9}"/>
+          <p:cNvPr id="7" name="圖片 6" descr="一張含有 地圖 的圖片&#10;&#10;自動產生的描述">
+            <a:extLst>
+              <a:ext uri="{FF2B5EF4-FFF2-40B4-BE49-F238E27FC236}">
+                <a16:creationId xmlns:a16="http://schemas.microsoft.com/office/drawing/2014/main" id="{EF95FB7A-3DDE-45C1-8144-07D2A279219C}"/>
               </a:ext>
             </a:extLst>
           </p:cNvPr>
@@ -7037,8 +7002,8 @@
         </p:blipFill>
         <p:spPr>
           <a:xfrm>
-            <a:off x="1627815" y="1062246"/>
-            <a:ext cx="5888370" cy="4733508"/>
+            <a:off x="684179" y="1000655"/>
+            <a:ext cx="7775641" cy="4856690"/>
           </a:xfrm>
           <a:prstGeom prst="rect">
             <a:avLst/>
@@ -7048,7 +7013,7 @@
     </p:spTree>
     <p:extLst>
       <p:ext uri="{BB962C8B-B14F-4D97-AF65-F5344CB8AC3E}">
-        <p14:creationId xmlns:p14="http://schemas.microsoft.com/office/powerpoint/2010/main" val="2059185028"/>
+        <p14:creationId xmlns:p14="http://schemas.microsoft.com/office/powerpoint/2010/main" val="1204964469"/>
       </p:ext>
     </p:extLst>
   </p:cSld>
@@ -7147,12 +7112,54 @@
           </a:prstGeom>
         </p:spPr>
       </p:pic>
+      <p:sp>
+        <p:nvSpPr>
+          <p:cNvPr id="5" name="矩形 4">
+            <a:extLst>
+              <a:ext uri="{FF2B5EF4-FFF2-40B4-BE49-F238E27FC236}">
+                <a16:creationId xmlns:a16="http://schemas.microsoft.com/office/drawing/2014/main" id="{92082ACA-0A28-4638-9D6E-3BB57713A6B7}"/>
+              </a:ext>
+            </a:extLst>
+          </p:cNvPr>
+          <p:cNvSpPr/>
+          <p:nvPr/>
+        </p:nvSpPr>
+        <p:spPr>
+          <a:xfrm>
+            <a:off x="1845249" y="602509"/>
+            <a:ext cx="1329082" cy="416396"/>
+          </a:xfrm>
+          <a:prstGeom prst="rect">
+            <a:avLst/>
+          </a:prstGeom>
+        </p:spPr>
+        <p:txBody>
+          <a:bodyPr wrap="none">
+            <a:spAutoFit/>
+          </a:bodyPr>
+          <a:lstStyle/>
+          <a:p>
+            <a:pPr>
+              <a:lnSpc>
+                <a:spcPct val="150000"/>
+              </a:lnSpc>
+            </a:pPr>
+            <a:r>
+              <a:rPr lang="en-US" altLang="zh-TW" sz="1600" b="1" dirty="0">
+                <a:latin typeface="微軟正黑體" panose="020B0604030504040204" pitchFamily="34" charset="-120"/>
+                <a:ea typeface="微軟正黑體" panose="020B0604030504040204" pitchFamily="34" charset="-120"/>
+              </a:rPr>
+              <a:t>Scatter plot</a:t>
+            </a:r>
+          </a:p>
+        </p:txBody>
+      </p:sp>
       <p:pic>
         <p:nvPicPr>
-          <p:cNvPr id="5" name="圖片 4" descr="一張含有 螢幕擷取畫面 的圖片&#10;&#10;自動產生的描述">
-            <a:extLst>
-              <a:ext uri="{FF2B5EF4-FFF2-40B4-BE49-F238E27FC236}">
-                <a16:creationId xmlns:a16="http://schemas.microsoft.com/office/drawing/2014/main" id="{48B99C3B-6244-40F5-A085-EC716612A527}"/>
+          <p:cNvPr id="6" name="圖片 5" descr="一張含有 地圖 的圖片&#10;&#10;自動產生的描述">
+            <a:extLst>
+              <a:ext uri="{FF2B5EF4-FFF2-40B4-BE49-F238E27FC236}">
+                <a16:creationId xmlns:a16="http://schemas.microsoft.com/office/drawing/2014/main" id="{F8CBEBFF-3D9E-493A-B869-775B166A3EE2}"/>
               </a:ext>
             </a:extLst>
           </p:cNvPr>
@@ -7161,7 +7168,7 @@
           </p:cNvPicPr>
           <p:nvPr/>
         </p:nvPicPr>
-        <p:blipFill rotWithShape="1">
+        <p:blipFill>
           <a:blip r:embed="rId4">
             <a:extLst>
               <a:ext uri="{28A0092B-C50C-407E-A947-70E740481C1C}">
@@ -7169,13 +7176,14 @@
               </a:ext>
             </a:extLst>
           </a:blip>
-          <a:srcRect r="50004"/>
-          <a:stretch/>
+          <a:stretch>
+            <a:fillRect/>
+          </a:stretch>
         </p:blipFill>
         <p:spPr>
           <a:xfrm>
-            <a:off x="1627815" y="741301"/>
-            <a:ext cx="5888370" cy="5375398"/>
+            <a:off x="2123630" y="1147645"/>
+            <a:ext cx="4895476" cy="4036498"/>
           </a:xfrm>
           <a:prstGeom prst="rect">
             <a:avLst/>
@@ -7185,7 +7193,7 @@
     </p:spTree>
     <p:extLst>
       <p:ext uri="{BB962C8B-B14F-4D97-AF65-F5344CB8AC3E}">
-        <p14:creationId xmlns:p14="http://schemas.microsoft.com/office/powerpoint/2010/main" val="4201013775"/>
+        <p14:creationId xmlns:p14="http://schemas.microsoft.com/office/powerpoint/2010/main" val="2700069183"/>
       </p:ext>
     </p:extLst>
   </p:cSld>
@@ -7284,12 +7292,54 @@
           </a:prstGeom>
         </p:spPr>
       </p:pic>
+      <p:sp>
+        <p:nvSpPr>
+          <p:cNvPr id="5" name="矩形 4">
+            <a:extLst>
+              <a:ext uri="{FF2B5EF4-FFF2-40B4-BE49-F238E27FC236}">
+                <a16:creationId xmlns:a16="http://schemas.microsoft.com/office/drawing/2014/main" id="{C860DBAF-3D6F-4336-ACC8-B0FC73298DE9}"/>
+              </a:ext>
+            </a:extLst>
+          </p:cNvPr>
+          <p:cNvSpPr/>
+          <p:nvPr/>
+        </p:nvSpPr>
+        <p:spPr>
+          <a:xfrm>
+            <a:off x="729809" y="533493"/>
+            <a:ext cx="2069413" cy="416396"/>
+          </a:xfrm>
+          <a:prstGeom prst="rect">
+            <a:avLst/>
+          </a:prstGeom>
+        </p:spPr>
+        <p:txBody>
+          <a:bodyPr wrap="none">
+            <a:spAutoFit/>
+          </a:bodyPr>
+          <a:lstStyle/>
+          <a:p>
+            <a:pPr>
+              <a:lnSpc>
+                <a:spcPct val="150000"/>
+              </a:lnSpc>
+            </a:pPr>
+            <a:r>
+              <a:rPr lang="en-US" altLang="zh-TW" sz="1600" b="1" dirty="0">
+                <a:latin typeface="微軟正黑體" panose="020B0604030504040204" pitchFamily="34" charset="-120"/>
+                <a:ea typeface="微軟正黑體" panose="020B0604030504040204" pitchFamily="34" charset="-120"/>
+              </a:rPr>
+              <a:t>Real world data……</a:t>
+            </a:r>
+          </a:p>
+        </p:txBody>
+      </p:sp>
       <p:pic>
         <p:nvPicPr>
-          <p:cNvPr id="5" name="圖片 4" descr="一張含有 螢幕擷取畫面 的圖片&#10;&#10;自動產生的描述">
-            <a:extLst>
-              <a:ext uri="{FF2B5EF4-FFF2-40B4-BE49-F238E27FC236}">
-                <a16:creationId xmlns:a16="http://schemas.microsoft.com/office/drawing/2014/main" id="{B9BC734C-7985-4E8C-8F3B-7342113B0113}"/>
+          <p:cNvPr id="6" name="圖片 5" descr="一張含有 螢幕擷取畫面 的圖片&#10;&#10;自動產生的描述">
+            <a:extLst>
+              <a:ext uri="{FF2B5EF4-FFF2-40B4-BE49-F238E27FC236}">
+                <a16:creationId xmlns:a16="http://schemas.microsoft.com/office/drawing/2014/main" id="{7AA6C4C5-35CB-48CB-A5CB-DCBC06EB0FA9}"/>
               </a:ext>
             </a:extLst>
           </p:cNvPr>
@@ -7312,8 +7362,8 @@
         </p:blipFill>
         <p:spPr>
           <a:xfrm>
-            <a:off x="2022051" y="583630"/>
-            <a:ext cx="5099897" cy="5690739"/>
+            <a:off x="1627815" y="1062246"/>
+            <a:ext cx="5888370" cy="4733508"/>
           </a:xfrm>
           <a:prstGeom prst="rect">
             <a:avLst/>
@@ -7323,7 +7373,7 @@
     </p:spTree>
     <p:extLst>
       <p:ext uri="{BB962C8B-B14F-4D97-AF65-F5344CB8AC3E}">
-        <p14:creationId xmlns:p14="http://schemas.microsoft.com/office/powerpoint/2010/main" val="9219675"/>
+        <p14:creationId xmlns:p14="http://schemas.microsoft.com/office/powerpoint/2010/main" val="2059185028"/>
       </p:ext>
     </p:extLst>
   </p:cSld>
@@ -7422,124 +7472,183 @@
           </a:prstGeom>
         </p:spPr>
       </p:pic>
-      <p:sp>
-        <p:nvSpPr>
-          <p:cNvPr id="5" name="文字方塊 4">
-            <a:extLst>
-              <a:ext uri="{FF2B5EF4-FFF2-40B4-BE49-F238E27FC236}">
-                <a16:creationId xmlns:a16="http://schemas.microsoft.com/office/drawing/2014/main" id="{91A50393-F597-4A23-9EA5-079944A6AFA0}"/>
-              </a:ext>
-            </a:extLst>
-          </p:cNvPr>
-          <p:cNvSpPr txBox="1"/>
-          <p:nvPr/>
-        </p:nvSpPr>
-        <p:spPr>
-          <a:xfrm>
-            <a:off x="1161603" y="1262963"/>
-            <a:ext cx="5830892" cy="1493101"/>
-          </a:xfrm>
-          <a:prstGeom prst="rect">
-            <a:avLst/>
-          </a:prstGeom>
-          <a:noFill/>
-        </p:spPr>
-        <p:txBody>
-          <a:bodyPr wrap="none" rtlCol="0">
-            <a:spAutoFit/>
-          </a:bodyPr>
-          <a:lstStyle/>
-          <a:p>
-            <a:pPr>
-              <a:lnSpc>
-                <a:spcPct val="150000"/>
-              </a:lnSpc>
-            </a:pPr>
-            <a:r>
-              <a:rPr lang="en-US" altLang="zh-TW" sz="3200" dirty="0">
-                <a:latin typeface="Arial Black" panose="020B0A04020102020204" pitchFamily="34" charset="0"/>
-                <a:ea typeface="微軟正黑體" panose="020B0604030504040204" pitchFamily="34" charset="-120"/>
-              </a:rPr>
-              <a:t>For most functions, </a:t>
-            </a:r>
-          </a:p>
-          <a:p>
-            <a:pPr>
-              <a:lnSpc>
-                <a:spcPct val="150000"/>
-              </a:lnSpc>
-            </a:pPr>
-            <a:r>
-              <a:rPr lang="en-US" altLang="zh-TW" sz="3200" dirty="0">
-                <a:latin typeface="Arial Black" panose="020B0A04020102020204" pitchFamily="34" charset="0"/>
-                <a:ea typeface="微軟正黑體" panose="020B0604030504040204" pitchFamily="34" charset="-120"/>
-              </a:rPr>
-              <a:t>you don’t have to build it.</a:t>
-            </a:r>
-          </a:p>
-        </p:txBody>
-      </p:sp>
-      <p:sp>
-        <p:nvSpPr>
-          <p:cNvPr id="6" name="文字方塊 5">
-            <a:extLst>
-              <a:ext uri="{FF2B5EF4-FFF2-40B4-BE49-F238E27FC236}">
-                <a16:creationId xmlns:a16="http://schemas.microsoft.com/office/drawing/2014/main" id="{E02F6E03-34CB-40F3-8AE9-D60F8B92935F}"/>
-              </a:ext>
-            </a:extLst>
-          </p:cNvPr>
-          <p:cNvSpPr txBox="1"/>
-          <p:nvPr/>
-        </p:nvSpPr>
-        <p:spPr>
-          <a:xfrm>
-            <a:off x="2597202" y="3429000"/>
-            <a:ext cx="5493170" cy="1493101"/>
-          </a:xfrm>
-          <a:prstGeom prst="rect">
-            <a:avLst/>
-          </a:prstGeom>
-          <a:noFill/>
-        </p:spPr>
-        <p:txBody>
-          <a:bodyPr wrap="none" rtlCol="0">
-            <a:spAutoFit/>
-          </a:bodyPr>
-          <a:lstStyle/>
-          <a:p>
-            <a:pPr>
-              <a:lnSpc>
-                <a:spcPct val="150000"/>
-              </a:lnSpc>
-            </a:pPr>
-            <a:r>
-              <a:rPr lang="en-US" altLang="zh-TW" sz="3200" dirty="0">
-                <a:latin typeface="Arial Black" panose="020B0A04020102020204" pitchFamily="34" charset="0"/>
-                <a:ea typeface="微軟正黑體" panose="020B0604030504040204" pitchFamily="34" charset="-120"/>
-              </a:rPr>
-              <a:t>You only need to find it </a:t>
-            </a:r>
-          </a:p>
-          <a:p>
-            <a:pPr>
-              <a:lnSpc>
-                <a:spcPct val="150000"/>
-              </a:lnSpc>
-            </a:pPr>
-            <a:r>
-              <a:rPr lang="en-US" altLang="zh-TW" sz="3200" dirty="0">
-                <a:latin typeface="Arial Black" panose="020B0A04020102020204" pitchFamily="34" charset="0"/>
-                <a:ea typeface="微軟正黑體" panose="020B0604030504040204" pitchFamily="34" charset="-120"/>
-              </a:rPr>
-              <a:t>and learn how to use it.</a:t>
-            </a:r>
-          </a:p>
-        </p:txBody>
-      </p:sp>
+      <p:pic>
+        <p:nvPicPr>
+          <p:cNvPr id="5" name="圖片 4" descr="一張含有 螢幕擷取畫面 的圖片&#10;&#10;自動產生的描述">
+            <a:extLst>
+              <a:ext uri="{FF2B5EF4-FFF2-40B4-BE49-F238E27FC236}">
+                <a16:creationId xmlns:a16="http://schemas.microsoft.com/office/drawing/2014/main" id="{48B99C3B-6244-40F5-A085-EC716612A527}"/>
+              </a:ext>
+            </a:extLst>
+          </p:cNvPr>
+          <p:cNvPicPr>
+            <a:picLocks noChangeAspect="1"/>
+          </p:cNvPicPr>
+          <p:nvPr/>
+        </p:nvPicPr>
+        <p:blipFill rotWithShape="1">
+          <a:blip r:embed="rId4">
+            <a:extLst>
+              <a:ext uri="{28A0092B-C50C-407E-A947-70E740481C1C}">
+                <a14:useLocalDpi xmlns:a14="http://schemas.microsoft.com/office/drawing/2010/main" val="0"/>
+              </a:ext>
+            </a:extLst>
+          </a:blip>
+          <a:srcRect r="50004"/>
+          <a:stretch/>
+        </p:blipFill>
+        <p:spPr>
+          <a:xfrm>
+            <a:off x="1627815" y="741301"/>
+            <a:ext cx="5888370" cy="5375398"/>
+          </a:xfrm>
+          <a:prstGeom prst="rect">
+            <a:avLst/>
+          </a:prstGeom>
+        </p:spPr>
+      </p:pic>
     </p:spTree>
     <p:extLst>
       <p:ext uri="{BB962C8B-B14F-4D97-AF65-F5344CB8AC3E}">
-        <p14:creationId xmlns:p14="http://schemas.microsoft.com/office/powerpoint/2010/main" val="3958962463"/>
+        <p14:creationId xmlns:p14="http://schemas.microsoft.com/office/powerpoint/2010/main" val="4201013775"/>
+      </p:ext>
+    </p:extLst>
+  </p:cSld>
+  <p:clrMapOvr>
+    <a:masterClrMapping/>
+  </p:clrMapOvr>
+</p:sld>
+</file>
+
+<file path=ppt/slides/slide29.xml><?xml version="1.0" encoding="utf-8"?>
+<p:sld xmlns:a="http://schemas.openxmlformats.org/drawingml/2006/main" xmlns:r="http://schemas.openxmlformats.org/officeDocument/2006/relationships" xmlns:p="http://schemas.openxmlformats.org/presentationml/2006/main">
+  <p:cSld>
+    <p:spTree>
+      <p:nvGrpSpPr>
+        <p:cNvPr id="1" name=""/>
+        <p:cNvGrpSpPr/>
+        <p:nvPr/>
+      </p:nvGrpSpPr>
+      <p:grpSpPr>
+        <a:xfrm>
+          <a:off x="0" y="0"/>
+          <a:ext cx="0" cy="0"/>
+          <a:chOff x="0" y="0"/>
+          <a:chExt cx="0" cy="0"/>
+        </a:xfrm>
+      </p:grpSpPr>
+      <p:pic>
+        <p:nvPicPr>
+          <p:cNvPr id="3" name="圖片 2">
+            <a:extLst>
+              <a:ext uri="{FF2B5EF4-FFF2-40B4-BE49-F238E27FC236}">
+                <a16:creationId xmlns:a16="http://schemas.microsoft.com/office/drawing/2014/main" id="{1202EBDE-7F64-43BD-86B7-6C228CCEC2D0}"/>
+              </a:ext>
+            </a:extLst>
+          </p:cNvPr>
+          <p:cNvPicPr>
+            <a:picLocks noChangeAspect="1"/>
+          </p:cNvPicPr>
+          <p:nvPr/>
+        </p:nvPicPr>
+        <p:blipFill>
+          <a:blip r:embed="rId2" cstate="print">
+            <a:extLst>
+              <a:ext uri="{28A0092B-C50C-407E-A947-70E740481C1C}">
+                <a14:useLocalDpi xmlns:a14="http://schemas.microsoft.com/office/drawing/2010/main" val="0"/>
+              </a:ext>
+            </a:extLst>
+          </a:blip>
+          <a:stretch>
+            <a:fillRect/>
+          </a:stretch>
+        </p:blipFill>
+        <p:spPr>
+          <a:xfrm>
+            <a:off x="6598915" y="0"/>
+            <a:ext cx="2545085" cy="3294895"/>
+          </a:xfrm>
+          <a:prstGeom prst="rect">
+            <a:avLst/>
+          </a:prstGeom>
+        </p:spPr>
+      </p:pic>
+      <p:pic>
+        <p:nvPicPr>
+          <p:cNvPr id="4" name="圖片 3">
+            <a:extLst>
+              <a:ext uri="{FF2B5EF4-FFF2-40B4-BE49-F238E27FC236}">
+                <a16:creationId xmlns:a16="http://schemas.microsoft.com/office/drawing/2014/main" id="{AEFF5069-0FA7-44E7-AEEE-225463C6B1AC}"/>
+              </a:ext>
+            </a:extLst>
+          </p:cNvPr>
+          <p:cNvPicPr>
+            <a:picLocks noChangeAspect="1"/>
+          </p:cNvPicPr>
+          <p:nvPr/>
+        </p:nvPicPr>
+        <p:blipFill>
+          <a:blip r:embed="rId3" cstate="print">
+            <a:extLst>
+              <a:ext uri="{28A0092B-C50C-407E-A947-70E740481C1C}">
+                <a14:useLocalDpi xmlns:a14="http://schemas.microsoft.com/office/drawing/2010/main" val="0"/>
+              </a:ext>
+            </a:extLst>
+          </a:blip>
+          <a:stretch>
+            <a:fillRect/>
+          </a:stretch>
+        </p:blipFill>
+        <p:spPr>
+          <a:xfrm>
+            <a:off x="0" y="4169659"/>
+            <a:ext cx="3934976" cy="2688341"/>
+          </a:xfrm>
+          <a:prstGeom prst="rect">
+            <a:avLst/>
+          </a:prstGeom>
+        </p:spPr>
+      </p:pic>
+      <p:pic>
+        <p:nvPicPr>
+          <p:cNvPr id="5" name="圖片 4" descr="一張含有 螢幕擷取畫面 的圖片&#10;&#10;自動產生的描述">
+            <a:extLst>
+              <a:ext uri="{FF2B5EF4-FFF2-40B4-BE49-F238E27FC236}">
+                <a16:creationId xmlns:a16="http://schemas.microsoft.com/office/drawing/2014/main" id="{B9BC734C-7985-4E8C-8F3B-7342113B0113}"/>
+              </a:ext>
+            </a:extLst>
+          </p:cNvPr>
+          <p:cNvPicPr>
+            <a:picLocks noChangeAspect="1"/>
+          </p:cNvPicPr>
+          <p:nvPr/>
+        </p:nvPicPr>
+        <p:blipFill>
+          <a:blip r:embed="rId4">
+            <a:extLst>
+              <a:ext uri="{28A0092B-C50C-407E-A947-70E740481C1C}">
+                <a14:useLocalDpi xmlns:a14="http://schemas.microsoft.com/office/drawing/2010/main" val="0"/>
+              </a:ext>
+            </a:extLst>
+          </a:blip>
+          <a:stretch>
+            <a:fillRect/>
+          </a:stretch>
+        </p:blipFill>
+        <p:spPr>
+          <a:xfrm>
+            <a:off x="2022051" y="583630"/>
+            <a:ext cx="5099897" cy="5690739"/>
+          </a:xfrm>
+          <a:prstGeom prst="rect">
+            <a:avLst/>
+          </a:prstGeom>
+        </p:spPr>
+      </p:pic>
+    </p:spTree>
+    <p:extLst>
+      <p:ext uri="{BB962C8B-B14F-4D97-AF65-F5344CB8AC3E}">
+        <p14:creationId xmlns:p14="http://schemas.microsoft.com/office/powerpoint/2010/main" val="9219675"/>
       </p:ext>
     </p:extLst>
   </p:cSld>
@@ -7966,6 +8075,222 @@
     <p:extLst>
       <p:ext uri="{BB962C8B-B14F-4D97-AF65-F5344CB8AC3E}">
         <p14:creationId xmlns:p14="http://schemas.microsoft.com/office/powerpoint/2010/main" val="459639941"/>
+      </p:ext>
+    </p:extLst>
+  </p:cSld>
+  <p:clrMapOvr>
+    <a:masterClrMapping/>
+  </p:clrMapOvr>
+</p:sld>
+</file>
+
+<file path=ppt/slides/slide30.xml><?xml version="1.0" encoding="utf-8"?>
+<p:sld xmlns:a="http://schemas.openxmlformats.org/drawingml/2006/main" xmlns:r="http://schemas.openxmlformats.org/officeDocument/2006/relationships" xmlns:p="http://schemas.openxmlformats.org/presentationml/2006/main">
+  <p:cSld>
+    <p:spTree>
+      <p:nvGrpSpPr>
+        <p:cNvPr id="1" name=""/>
+        <p:cNvGrpSpPr/>
+        <p:nvPr/>
+      </p:nvGrpSpPr>
+      <p:grpSpPr>
+        <a:xfrm>
+          <a:off x="0" y="0"/>
+          <a:ext cx="0" cy="0"/>
+          <a:chOff x="0" y="0"/>
+          <a:chExt cx="0" cy="0"/>
+        </a:xfrm>
+      </p:grpSpPr>
+      <p:pic>
+        <p:nvPicPr>
+          <p:cNvPr id="3" name="圖片 2">
+            <a:extLst>
+              <a:ext uri="{FF2B5EF4-FFF2-40B4-BE49-F238E27FC236}">
+                <a16:creationId xmlns:a16="http://schemas.microsoft.com/office/drawing/2014/main" id="{1202EBDE-7F64-43BD-86B7-6C228CCEC2D0}"/>
+              </a:ext>
+            </a:extLst>
+          </p:cNvPr>
+          <p:cNvPicPr>
+            <a:picLocks noChangeAspect="1"/>
+          </p:cNvPicPr>
+          <p:nvPr/>
+        </p:nvPicPr>
+        <p:blipFill>
+          <a:blip r:embed="rId2" cstate="print">
+            <a:extLst>
+              <a:ext uri="{28A0092B-C50C-407E-A947-70E740481C1C}">
+                <a14:useLocalDpi xmlns:a14="http://schemas.microsoft.com/office/drawing/2010/main" val="0"/>
+              </a:ext>
+            </a:extLst>
+          </a:blip>
+          <a:stretch>
+            <a:fillRect/>
+          </a:stretch>
+        </p:blipFill>
+        <p:spPr>
+          <a:xfrm>
+            <a:off x="6598915" y="0"/>
+            <a:ext cx="2545085" cy="3294895"/>
+          </a:xfrm>
+          <a:prstGeom prst="rect">
+            <a:avLst/>
+          </a:prstGeom>
+        </p:spPr>
+      </p:pic>
+      <p:pic>
+        <p:nvPicPr>
+          <p:cNvPr id="4" name="圖片 3">
+            <a:extLst>
+              <a:ext uri="{FF2B5EF4-FFF2-40B4-BE49-F238E27FC236}">
+                <a16:creationId xmlns:a16="http://schemas.microsoft.com/office/drawing/2014/main" id="{AEFF5069-0FA7-44E7-AEEE-225463C6B1AC}"/>
+              </a:ext>
+            </a:extLst>
+          </p:cNvPr>
+          <p:cNvPicPr>
+            <a:picLocks noChangeAspect="1"/>
+          </p:cNvPicPr>
+          <p:nvPr/>
+        </p:nvPicPr>
+        <p:blipFill>
+          <a:blip r:embed="rId3" cstate="print">
+            <a:extLst>
+              <a:ext uri="{28A0092B-C50C-407E-A947-70E740481C1C}">
+                <a14:useLocalDpi xmlns:a14="http://schemas.microsoft.com/office/drawing/2010/main" val="0"/>
+              </a:ext>
+            </a:extLst>
+          </a:blip>
+          <a:stretch>
+            <a:fillRect/>
+          </a:stretch>
+        </p:blipFill>
+        <p:spPr>
+          <a:xfrm>
+            <a:off x="0" y="4169659"/>
+            <a:ext cx="3934976" cy="2688341"/>
+          </a:xfrm>
+          <a:prstGeom prst="rect">
+            <a:avLst/>
+          </a:prstGeom>
+        </p:spPr>
+      </p:pic>
+      <p:sp>
+        <p:nvSpPr>
+          <p:cNvPr id="5" name="文字方塊 4">
+            <a:extLst>
+              <a:ext uri="{FF2B5EF4-FFF2-40B4-BE49-F238E27FC236}">
+                <a16:creationId xmlns:a16="http://schemas.microsoft.com/office/drawing/2014/main" id="{91A50393-F597-4A23-9EA5-079944A6AFA0}"/>
+              </a:ext>
+            </a:extLst>
+          </p:cNvPr>
+          <p:cNvSpPr txBox="1"/>
+          <p:nvPr/>
+        </p:nvSpPr>
+        <p:spPr>
+          <a:xfrm>
+            <a:off x="1161603" y="1262963"/>
+            <a:ext cx="5830892" cy="1493101"/>
+          </a:xfrm>
+          <a:prstGeom prst="rect">
+            <a:avLst/>
+          </a:prstGeom>
+          <a:noFill/>
+        </p:spPr>
+        <p:txBody>
+          <a:bodyPr wrap="none" rtlCol="0">
+            <a:spAutoFit/>
+          </a:bodyPr>
+          <a:lstStyle/>
+          <a:p>
+            <a:pPr>
+              <a:lnSpc>
+                <a:spcPct val="150000"/>
+              </a:lnSpc>
+            </a:pPr>
+            <a:r>
+              <a:rPr lang="en-US" altLang="zh-TW" sz="3200" dirty="0">
+                <a:latin typeface="Arial Black" panose="020B0A04020102020204" pitchFamily="34" charset="0"/>
+                <a:ea typeface="微軟正黑體" panose="020B0604030504040204" pitchFamily="34" charset="-120"/>
+              </a:rPr>
+              <a:t>For most functions, </a:t>
+            </a:r>
+          </a:p>
+          <a:p>
+            <a:pPr>
+              <a:lnSpc>
+                <a:spcPct val="150000"/>
+              </a:lnSpc>
+            </a:pPr>
+            <a:r>
+              <a:rPr lang="en-US" altLang="zh-TW" sz="3200" dirty="0">
+                <a:latin typeface="Arial Black" panose="020B0A04020102020204" pitchFamily="34" charset="0"/>
+                <a:ea typeface="微軟正黑體" panose="020B0604030504040204" pitchFamily="34" charset="-120"/>
+              </a:rPr>
+              <a:t>you don’t have to build it.</a:t>
+            </a:r>
+          </a:p>
+        </p:txBody>
+      </p:sp>
+      <p:sp>
+        <p:nvSpPr>
+          <p:cNvPr id="6" name="文字方塊 5">
+            <a:extLst>
+              <a:ext uri="{FF2B5EF4-FFF2-40B4-BE49-F238E27FC236}">
+                <a16:creationId xmlns:a16="http://schemas.microsoft.com/office/drawing/2014/main" id="{E02F6E03-34CB-40F3-8AE9-D60F8B92935F}"/>
+              </a:ext>
+            </a:extLst>
+          </p:cNvPr>
+          <p:cNvSpPr txBox="1"/>
+          <p:nvPr/>
+        </p:nvSpPr>
+        <p:spPr>
+          <a:xfrm>
+            <a:off x="2597202" y="3429000"/>
+            <a:ext cx="5493170" cy="1493101"/>
+          </a:xfrm>
+          <a:prstGeom prst="rect">
+            <a:avLst/>
+          </a:prstGeom>
+          <a:noFill/>
+        </p:spPr>
+        <p:txBody>
+          <a:bodyPr wrap="none" rtlCol="0">
+            <a:spAutoFit/>
+          </a:bodyPr>
+          <a:lstStyle/>
+          <a:p>
+            <a:pPr>
+              <a:lnSpc>
+                <a:spcPct val="150000"/>
+              </a:lnSpc>
+            </a:pPr>
+            <a:r>
+              <a:rPr lang="en-US" altLang="zh-TW" sz="3200" dirty="0">
+                <a:latin typeface="Arial Black" panose="020B0A04020102020204" pitchFamily="34" charset="0"/>
+                <a:ea typeface="微軟正黑體" panose="020B0604030504040204" pitchFamily="34" charset="-120"/>
+              </a:rPr>
+              <a:t>You only need to find it </a:t>
+            </a:r>
+          </a:p>
+          <a:p>
+            <a:pPr>
+              <a:lnSpc>
+                <a:spcPct val="150000"/>
+              </a:lnSpc>
+            </a:pPr>
+            <a:r>
+              <a:rPr lang="en-US" altLang="zh-TW" sz="3200" dirty="0">
+                <a:latin typeface="Arial Black" panose="020B0A04020102020204" pitchFamily="34" charset="0"/>
+                <a:ea typeface="微軟正黑體" panose="020B0604030504040204" pitchFamily="34" charset="-120"/>
+              </a:rPr>
+              <a:t>and learn how to use it.</a:t>
+            </a:r>
+          </a:p>
+        </p:txBody>
+      </p:sp>
+    </p:spTree>
+    <p:extLst>
+      <p:ext uri="{BB962C8B-B14F-4D97-AF65-F5344CB8AC3E}">
+        <p14:creationId xmlns:p14="http://schemas.microsoft.com/office/powerpoint/2010/main" val="3958962463"/>
       </p:ext>
     </p:extLst>
   </p:cSld>

--- a/TA_Class_I.pptx
+++ b/TA_Class_I.pptx
@@ -6,35 +6,40 @@
   </p:sldMasterIdLst>
   <p:sldIdLst>
     <p:sldId id="290" r:id="rId2"/>
-    <p:sldId id="292" r:id="rId3"/>
-    <p:sldId id="261" r:id="rId4"/>
-    <p:sldId id="262" r:id="rId5"/>
-    <p:sldId id="277" r:id="rId6"/>
-    <p:sldId id="276" r:id="rId7"/>
-    <p:sldId id="263" r:id="rId8"/>
-    <p:sldId id="264" r:id="rId9"/>
-    <p:sldId id="291" r:id="rId10"/>
-    <p:sldId id="295" r:id="rId11"/>
-    <p:sldId id="296" r:id="rId12"/>
-    <p:sldId id="297" r:id="rId13"/>
-    <p:sldId id="309" r:id="rId14"/>
-    <p:sldId id="310" r:id="rId15"/>
-    <p:sldId id="294" r:id="rId16"/>
-    <p:sldId id="298" r:id="rId17"/>
-    <p:sldId id="299" r:id="rId18"/>
-    <p:sldId id="300" r:id="rId19"/>
-    <p:sldId id="280" r:id="rId20"/>
-    <p:sldId id="279" r:id="rId21"/>
-    <p:sldId id="278" r:id="rId22"/>
-    <p:sldId id="301" r:id="rId23"/>
-    <p:sldId id="302" r:id="rId24"/>
-    <p:sldId id="303" r:id="rId25"/>
-    <p:sldId id="304" r:id="rId26"/>
-    <p:sldId id="305" r:id="rId27"/>
-    <p:sldId id="306" r:id="rId28"/>
-    <p:sldId id="307" r:id="rId29"/>
-    <p:sldId id="308" r:id="rId30"/>
-    <p:sldId id="266" r:id="rId31"/>
+    <p:sldId id="315" r:id="rId3"/>
+    <p:sldId id="292" r:id="rId4"/>
+    <p:sldId id="261" r:id="rId5"/>
+    <p:sldId id="262" r:id="rId6"/>
+    <p:sldId id="277" r:id="rId7"/>
+    <p:sldId id="276" r:id="rId8"/>
+    <p:sldId id="263" r:id="rId9"/>
+    <p:sldId id="264" r:id="rId10"/>
+    <p:sldId id="291" r:id="rId11"/>
+    <p:sldId id="312" r:id="rId12"/>
+    <p:sldId id="313" r:id="rId13"/>
+    <p:sldId id="311" r:id="rId14"/>
+    <p:sldId id="295" r:id="rId15"/>
+    <p:sldId id="296" r:id="rId16"/>
+    <p:sldId id="297" r:id="rId17"/>
+    <p:sldId id="309" r:id="rId18"/>
+    <p:sldId id="310" r:id="rId19"/>
+    <p:sldId id="294" r:id="rId20"/>
+    <p:sldId id="298" r:id="rId21"/>
+    <p:sldId id="299" r:id="rId22"/>
+    <p:sldId id="300" r:id="rId23"/>
+    <p:sldId id="280" r:id="rId24"/>
+    <p:sldId id="279" r:id="rId25"/>
+    <p:sldId id="278" r:id="rId26"/>
+    <p:sldId id="301" r:id="rId27"/>
+    <p:sldId id="302" r:id="rId28"/>
+    <p:sldId id="303" r:id="rId29"/>
+    <p:sldId id="304" r:id="rId30"/>
+    <p:sldId id="305" r:id="rId31"/>
+    <p:sldId id="306" r:id="rId32"/>
+    <p:sldId id="307" r:id="rId33"/>
+    <p:sldId id="308" r:id="rId34"/>
+    <p:sldId id="314" r:id="rId35"/>
+    <p:sldId id="266" r:id="rId36"/>
   </p:sldIdLst>
   <p:sldSz cx="9144000" cy="6858000" type="screen4x3"/>
   <p:notesSz cx="6858000" cy="9144000"/>
@@ -272,7 +277,7 @@
           <a:p>
             <a:fld id="{F6A68ADC-FE45-4FB2-91CF-6B32E621D6F5}" type="datetimeFigureOut">
               <a:rPr lang="zh-TW" altLang="en-US" smtClean="0"/>
-              <a:t>2020/9/6</a:t>
+              <a:t>2020/9/15</a:t>
             </a:fld>
             <a:endParaRPr lang="zh-TW" altLang="en-US"/>
           </a:p>
@@ -442,7 +447,7 @@
           <a:p>
             <a:fld id="{F6A68ADC-FE45-4FB2-91CF-6B32E621D6F5}" type="datetimeFigureOut">
               <a:rPr lang="zh-TW" altLang="en-US" smtClean="0"/>
-              <a:t>2020/9/6</a:t>
+              <a:t>2020/9/15</a:t>
             </a:fld>
             <a:endParaRPr lang="zh-TW" altLang="en-US"/>
           </a:p>
@@ -622,7 +627,7 @@
           <a:p>
             <a:fld id="{F6A68ADC-FE45-4FB2-91CF-6B32E621D6F5}" type="datetimeFigureOut">
               <a:rPr lang="zh-TW" altLang="en-US" smtClean="0"/>
-              <a:t>2020/9/6</a:t>
+              <a:t>2020/9/15</a:t>
             </a:fld>
             <a:endParaRPr lang="zh-TW" altLang="en-US"/>
           </a:p>
@@ -792,7 +797,7 @@
           <a:p>
             <a:fld id="{F6A68ADC-FE45-4FB2-91CF-6B32E621D6F5}" type="datetimeFigureOut">
               <a:rPr lang="zh-TW" altLang="en-US" smtClean="0"/>
-              <a:t>2020/9/6</a:t>
+              <a:t>2020/9/15</a:t>
             </a:fld>
             <a:endParaRPr lang="zh-TW" altLang="en-US"/>
           </a:p>
@@ -1036,7 +1041,7 @@
           <a:p>
             <a:fld id="{F6A68ADC-FE45-4FB2-91CF-6B32E621D6F5}" type="datetimeFigureOut">
               <a:rPr lang="zh-TW" altLang="en-US" smtClean="0"/>
-              <a:t>2020/9/6</a:t>
+              <a:t>2020/9/15</a:t>
             </a:fld>
             <a:endParaRPr lang="zh-TW" altLang="en-US"/>
           </a:p>
@@ -1268,7 +1273,7 @@
           <a:p>
             <a:fld id="{F6A68ADC-FE45-4FB2-91CF-6B32E621D6F5}" type="datetimeFigureOut">
               <a:rPr lang="zh-TW" altLang="en-US" smtClean="0"/>
-              <a:t>2020/9/6</a:t>
+              <a:t>2020/9/15</a:t>
             </a:fld>
             <a:endParaRPr lang="zh-TW" altLang="en-US"/>
           </a:p>
@@ -1635,7 +1640,7 @@
           <a:p>
             <a:fld id="{F6A68ADC-FE45-4FB2-91CF-6B32E621D6F5}" type="datetimeFigureOut">
               <a:rPr lang="zh-TW" altLang="en-US" smtClean="0"/>
-              <a:t>2020/9/6</a:t>
+              <a:t>2020/9/15</a:t>
             </a:fld>
             <a:endParaRPr lang="zh-TW" altLang="en-US"/>
           </a:p>
@@ -1753,7 +1758,7 @@
           <a:p>
             <a:fld id="{F6A68ADC-FE45-4FB2-91CF-6B32E621D6F5}" type="datetimeFigureOut">
               <a:rPr lang="zh-TW" altLang="en-US" smtClean="0"/>
-              <a:t>2020/9/6</a:t>
+              <a:t>2020/9/15</a:t>
             </a:fld>
             <a:endParaRPr lang="zh-TW" altLang="en-US"/>
           </a:p>
@@ -1848,7 +1853,7 @@
           <a:p>
             <a:fld id="{F6A68ADC-FE45-4FB2-91CF-6B32E621D6F5}" type="datetimeFigureOut">
               <a:rPr lang="zh-TW" altLang="en-US" smtClean="0"/>
-              <a:t>2020/9/6</a:t>
+              <a:t>2020/9/15</a:t>
             </a:fld>
             <a:endParaRPr lang="zh-TW" altLang="en-US"/>
           </a:p>
@@ -2125,7 +2130,7 @@
           <a:p>
             <a:fld id="{F6A68ADC-FE45-4FB2-91CF-6B32E621D6F5}" type="datetimeFigureOut">
               <a:rPr lang="zh-TW" altLang="en-US" smtClean="0"/>
-              <a:t>2020/9/6</a:t>
+              <a:t>2020/9/15</a:t>
             </a:fld>
             <a:endParaRPr lang="zh-TW" altLang="en-US"/>
           </a:p>
@@ -2382,7 +2387,7 @@
           <a:p>
             <a:fld id="{F6A68ADC-FE45-4FB2-91CF-6B32E621D6F5}" type="datetimeFigureOut">
               <a:rPr lang="zh-TW" altLang="en-US" smtClean="0"/>
-              <a:t>2020/9/6</a:t>
+              <a:t>2020/9/15</a:t>
             </a:fld>
             <a:endParaRPr lang="zh-TW" altLang="en-US"/>
           </a:p>
@@ -2595,7 +2600,7 @@
           <a:p>
             <a:fld id="{F6A68ADC-FE45-4FB2-91CF-6B32E621D6F5}" type="datetimeFigureOut">
               <a:rPr lang="zh-TW" altLang="en-US" smtClean="0"/>
-              <a:t>2020/9/6</a:t>
+              <a:t>2020/9/15</a:t>
             </a:fld>
             <a:endParaRPr lang="zh-TW" altLang="en-US"/>
           </a:p>
@@ -3307,12 +3312,191 @@
           </a:prstGeom>
         </p:spPr>
       </p:pic>
+      <p:cxnSp>
+        <p:nvCxnSpPr>
+          <p:cNvPr id="5" name="直線接點 4">
+            <a:extLst>
+              <a:ext uri="{FF2B5EF4-FFF2-40B4-BE49-F238E27FC236}">
+                <a16:creationId xmlns:a16="http://schemas.microsoft.com/office/drawing/2014/main" id="{4F6D391F-CEFD-4FB2-875E-E73FD4FD3567}"/>
+              </a:ext>
+            </a:extLst>
+          </p:cNvPr>
+          <p:cNvCxnSpPr>
+            <a:cxnSpLocks/>
+          </p:cNvCxnSpPr>
+          <p:nvPr/>
+        </p:nvCxnSpPr>
+        <p:spPr>
+          <a:xfrm>
+            <a:off x="678535" y="637564"/>
+            <a:ext cx="285226" cy="503339"/>
+          </a:xfrm>
+          <a:prstGeom prst="line">
+            <a:avLst/>
+          </a:prstGeom>
+          <a:ln w="28575">
+            <a:solidFill>
+              <a:schemeClr val="bg1">
+                <a:lumMod val="50000"/>
+              </a:schemeClr>
+            </a:solidFill>
+          </a:ln>
+        </p:spPr>
+        <p:style>
+          <a:lnRef idx="1">
+            <a:schemeClr val="accent1"/>
+          </a:lnRef>
+          <a:fillRef idx="0">
+            <a:schemeClr val="accent1"/>
+          </a:fillRef>
+          <a:effectRef idx="0">
+            <a:schemeClr val="accent1"/>
+          </a:effectRef>
+          <a:fontRef idx="minor">
+            <a:schemeClr val="tx1"/>
+          </a:fontRef>
+        </p:style>
+      </p:cxnSp>
+      <p:cxnSp>
+        <p:nvCxnSpPr>
+          <p:cNvPr id="6" name="直線接點 5">
+            <a:extLst>
+              <a:ext uri="{FF2B5EF4-FFF2-40B4-BE49-F238E27FC236}">
+                <a16:creationId xmlns:a16="http://schemas.microsoft.com/office/drawing/2014/main" id="{C9171345-2509-4BBF-9505-39CEBD75EB7D}"/>
+              </a:ext>
+            </a:extLst>
+          </p:cNvPr>
+          <p:cNvCxnSpPr>
+            <a:cxnSpLocks/>
+          </p:cNvCxnSpPr>
+          <p:nvPr/>
+        </p:nvCxnSpPr>
+        <p:spPr>
+          <a:xfrm>
+            <a:off x="963761" y="1140903"/>
+            <a:ext cx="3162650" cy="0"/>
+          </a:xfrm>
+          <a:prstGeom prst="line">
+            <a:avLst/>
+          </a:prstGeom>
+          <a:ln w="28575">
+            <a:solidFill>
+              <a:schemeClr val="bg1">
+                <a:lumMod val="50000"/>
+              </a:schemeClr>
+            </a:solidFill>
+          </a:ln>
+        </p:spPr>
+        <p:style>
+          <a:lnRef idx="1">
+            <a:schemeClr val="accent1"/>
+          </a:lnRef>
+          <a:fillRef idx="0">
+            <a:schemeClr val="accent1"/>
+          </a:fillRef>
+          <a:effectRef idx="0">
+            <a:schemeClr val="accent1"/>
+          </a:effectRef>
+          <a:fontRef idx="minor">
+            <a:schemeClr val="tx1"/>
+          </a:fontRef>
+        </p:style>
+      </p:cxnSp>
+      <p:cxnSp>
+        <p:nvCxnSpPr>
+          <p:cNvPr id="7" name="直線接點 6">
+            <a:extLst>
+              <a:ext uri="{FF2B5EF4-FFF2-40B4-BE49-F238E27FC236}">
+                <a16:creationId xmlns:a16="http://schemas.microsoft.com/office/drawing/2014/main" id="{A0691FAE-F0D4-4313-B4CF-4CC74852712D}"/>
+              </a:ext>
+            </a:extLst>
+          </p:cNvPr>
+          <p:cNvCxnSpPr>
+            <a:cxnSpLocks/>
+          </p:cNvCxnSpPr>
+          <p:nvPr/>
+        </p:nvCxnSpPr>
+        <p:spPr>
+          <a:xfrm>
+            <a:off x="4126411" y="1140904"/>
+            <a:ext cx="285226" cy="503339"/>
+          </a:xfrm>
+          <a:prstGeom prst="line">
+            <a:avLst/>
+          </a:prstGeom>
+          <a:ln w="28575">
+            <a:solidFill>
+              <a:schemeClr val="bg1">
+                <a:lumMod val="50000"/>
+              </a:schemeClr>
+            </a:solidFill>
+          </a:ln>
+        </p:spPr>
+        <p:style>
+          <a:lnRef idx="1">
+            <a:schemeClr val="accent1"/>
+          </a:lnRef>
+          <a:fillRef idx="0">
+            <a:schemeClr val="accent1"/>
+          </a:fillRef>
+          <a:effectRef idx="0">
+            <a:schemeClr val="accent1"/>
+          </a:effectRef>
+          <a:fontRef idx="minor">
+            <a:schemeClr val="tx1"/>
+          </a:fontRef>
+        </p:style>
+      </p:cxnSp>
+      <p:sp>
+        <p:nvSpPr>
+          <p:cNvPr id="8" name="文字方塊 7">
+            <a:extLst>
+              <a:ext uri="{FF2B5EF4-FFF2-40B4-BE49-F238E27FC236}">
+                <a16:creationId xmlns:a16="http://schemas.microsoft.com/office/drawing/2014/main" id="{6A38E037-79E3-4336-9282-B3E67DEFE58E}"/>
+              </a:ext>
+            </a:extLst>
+          </p:cNvPr>
+          <p:cNvSpPr txBox="1"/>
+          <p:nvPr/>
+        </p:nvSpPr>
+        <p:spPr>
+          <a:xfrm>
+            <a:off x="963761" y="433017"/>
+            <a:ext cx="5224892" cy="707886"/>
+          </a:xfrm>
+          <a:prstGeom prst="rect">
+            <a:avLst/>
+          </a:prstGeom>
+          <a:noFill/>
+        </p:spPr>
+        <p:txBody>
+          <a:bodyPr wrap="none" rtlCol="0">
+            <a:spAutoFit/>
+          </a:bodyPr>
+          <a:lstStyle/>
+          <a:p>
+            <a:r>
+              <a:rPr lang="en-US" altLang="zh-TW" sz="4000" dirty="0">
+                <a:latin typeface="微軟正黑體" panose="020B0604030504040204" pitchFamily="34" charset="-120"/>
+                <a:ea typeface="微軟正黑體" panose="020B0604030504040204" pitchFamily="34" charset="-120"/>
+                <a:cs typeface="Times New Roman" panose="02020603050405020304" pitchFamily="18" charset="0"/>
+              </a:rPr>
+              <a:t>Python Quick Review</a:t>
+            </a:r>
+            <a:endParaRPr lang="zh-TW" altLang="en-US" sz="4000" dirty="0">
+              <a:latin typeface="微軟正黑體" panose="020B0604030504040204" pitchFamily="34" charset="-120"/>
+              <a:ea typeface="微軟正黑體" panose="020B0604030504040204" pitchFamily="34" charset="-120"/>
+              <a:cs typeface="Times New Roman" panose="02020603050405020304" pitchFamily="18" charset="0"/>
+            </a:endParaRPr>
+          </a:p>
+        </p:txBody>
+      </p:sp>
       <p:pic>
         <p:nvPicPr>
-          <p:cNvPr id="5" name="圖片 4">
-            <a:extLst>
-              <a:ext uri="{FF2B5EF4-FFF2-40B4-BE49-F238E27FC236}">
-                <a16:creationId xmlns:a16="http://schemas.microsoft.com/office/drawing/2014/main" id="{0DB6F689-7228-492B-94FE-B52F97A0B892}"/>
+          <p:cNvPr id="9" name="圖片 8">
+            <a:extLst>
+              <a:ext uri="{FF2B5EF4-FFF2-40B4-BE49-F238E27FC236}">
+                <a16:creationId xmlns:a16="http://schemas.microsoft.com/office/drawing/2014/main" id="{5C623D6B-22BC-4F64-8D5D-DE6C55A44BF8}"/>
               </a:ext>
             </a:extLst>
           </p:cNvPr>
@@ -3335,58 +3519,8 @@
         </p:blipFill>
         <p:spPr>
           <a:xfrm>
-            <a:off x="645952" y="1034147"/>
-            <a:ext cx="7290033" cy="395767"/>
-          </a:xfrm>
-          <a:prstGeom prst="rect">
-            <a:avLst/>
-          </a:prstGeom>
-          <a:ln w="38100" cap="sq">
-            <a:solidFill>
-              <a:srgbClr val="000000"/>
-            </a:solidFill>
-            <a:prstDash val="solid"/>
-            <a:miter lim="800000"/>
-          </a:ln>
-          <a:effectLst>
-            <a:outerShdw blurRad="50800" dist="38100" dir="2700000" algn="tl" rotWithShape="0">
-              <a:srgbClr val="000000">
-                <a:alpha val="43000"/>
-              </a:srgbClr>
-            </a:outerShdw>
-          </a:effectLst>
-        </p:spPr>
-      </p:pic>
-      <p:pic>
-        <p:nvPicPr>
-          <p:cNvPr id="6" name="圖片 5" descr="一張含有 螢幕擷取畫面 的圖片&#10;&#10;自動產生的描述">
-            <a:extLst>
-              <a:ext uri="{FF2B5EF4-FFF2-40B4-BE49-F238E27FC236}">
-                <a16:creationId xmlns:a16="http://schemas.microsoft.com/office/drawing/2014/main" id="{E0EC1743-F9B1-462E-BC04-08A3B00C22C6}"/>
-              </a:ext>
-            </a:extLst>
-          </p:cNvPr>
-          <p:cNvPicPr>
-            <a:picLocks noChangeAspect="1"/>
-          </p:cNvPicPr>
-          <p:nvPr/>
-        </p:nvPicPr>
-        <p:blipFill>
-          <a:blip r:embed="rId5">
-            <a:extLst>
-              <a:ext uri="{28A0092B-C50C-407E-A947-70E740481C1C}">
-                <a14:useLocalDpi xmlns:a14="http://schemas.microsoft.com/office/drawing/2010/main" val="0"/>
-              </a:ext>
-            </a:extLst>
-          </a:blip>
-          <a:stretch>
-            <a:fillRect/>
-          </a:stretch>
-        </p:blipFill>
-        <p:spPr>
-          <a:xfrm>
-            <a:off x="1723627" y="1742364"/>
-            <a:ext cx="5696745" cy="2114845"/>
+            <a:off x="6083142" y="3758267"/>
+            <a:ext cx="2956229" cy="2956229"/>
           </a:xfrm>
           <a:prstGeom prst="rect">
             <a:avLst/>
@@ -3395,40 +3529,95 @@
       </p:pic>
       <p:sp>
         <p:nvSpPr>
-          <p:cNvPr id="8" name="文字方塊 7">
-            <a:extLst>
-              <a:ext uri="{FF2B5EF4-FFF2-40B4-BE49-F238E27FC236}">
-                <a16:creationId xmlns:a16="http://schemas.microsoft.com/office/drawing/2014/main" id="{DE658DC5-CAD8-407D-9A06-17A8BD664502}"/>
-              </a:ext>
-            </a:extLst>
-          </p:cNvPr>
-          <p:cNvSpPr txBox="1"/>
+          <p:cNvPr id="11" name="矩形 10">
+            <a:extLst>
+              <a:ext uri="{FF2B5EF4-FFF2-40B4-BE49-F238E27FC236}">
+                <a16:creationId xmlns:a16="http://schemas.microsoft.com/office/drawing/2014/main" id="{E3262649-BD7B-44E6-9B5E-938DE2067DD1}"/>
+              </a:ext>
+            </a:extLst>
+          </p:cNvPr>
+          <p:cNvSpPr/>
           <p:nvPr/>
         </p:nvSpPr>
         <p:spPr>
           <a:xfrm>
-            <a:off x="1227781" y="4091959"/>
-            <a:ext cx="6688435" cy="1493358"/>
-          </a:xfrm>
-          <a:prstGeom prst="rect">
-            <a:avLst/>
-          </a:prstGeom>
-          <a:noFill/>
+            <a:off x="1511142" y="2078736"/>
+            <a:ext cx="4572000" cy="3359061"/>
+          </a:xfrm>
+          <a:prstGeom prst="rect">
+            <a:avLst/>
+          </a:prstGeom>
         </p:spPr>
         <p:txBody>
-          <a:bodyPr wrap="square" rtlCol="0">
+          <a:bodyPr>
             <a:spAutoFit/>
           </a:bodyPr>
           <a:lstStyle/>
           <a:p>
-            <a:pPr algn="ctr">
+            <a:pPr>
               <a:lnSpc>
                 <a:spcPct val="150000"/>
               </a:lnSpc>
             </a:pPr>
             <a:r>
-              <a:rPr lang="zh-TW" altLang="en-US" sz="3200" b="1" dirty="0"/>
-              <a:t>You definitely are not the first person to encounter this kind of problem.</a:t>
+              <a:rPr lang="zh-TW" altLang="en-US" sz="2400" dirty="0"/>
+              <a:t>Beautiful is better than ugly.</a:t>
+            </a:r>
+          </a:p>
+          <a:p>
+            <a:pPr>
+              <a:lnSpc>
+                <a:spcPct val="150000"/>
+              </a:lnSpc>
+            </a:pPr>
+            <a:r>
+              <a:rPr lang="zh-TW" altLang="en-US" sz="2400" dirty="0"/>
+              <a:t>Explicit is better than implicit.</a:t>
+            </a:r>
+          </a:p>
+          <a:p>
+            <a:pPr>
+              <a:lnSpc>
+                <a:spcPct val="150000"/>
+              </a:lnSpc>
+            </a:pPr>
+            <a:r>
+              <a:rPr lang="zh-TW" altLang="en-US" sz="2400" dirty="0"/>
+              <a:t>Simple is better than complex.</a:t>
+            </a:r>
+          </a:p>
+          <a:p>
+            <a:pPr>
+              <a:lnSpc>
+                <a:spcPct val="150000"/>
+              </a:lnSpc>
+            </a:pPr>
+            <a:r>
+              <a:rPr lang="zh-TW" altLang="en-US" sz="2400" dirty="0"/>
+              <a:t>Complex is better than complicated.</a:t>
+            </a:r>
+          </a:p>
+          <a:p>
+            <a:pPr>
+              <a:lnSpc>
+                <a:spcPct val="150000"/>
+              </a:lnSpc>
+            </a:pPr>
+            <a:r>
+              <a:rPr lang="zh-TW" altLang="en-US" sz="2400" dirty="0"/>
+              <a:t>Flat is better than nested.</a:t>
+            </a:r>
+            <a:endParaRPr lang="en-US" altLang="zh-TW" sz="2400" dirty="0"/>
+          </a:p>
+          <a:p>
+            <a:pPr>
+              <a:lnSpc>
+                <a:spcPct val="150000"/>
+              </a:lnSpc>
+            </a:pPr>
+            <a:r>
+              <a:rPr lang="zh-TW" altLang="en-US" sz="2400" dirty="0"/>
+              <a:t>Sparse is better than dense.</a:t>
             </a:r>
           </a:p>
         </p:txBody>
@@ -3436,7 +3625,7 @@
     </p:spTree>
     <p:extLst>
       <p:ext uri="{BB962C8B-B14F-4D97-AF65-F5344CB8AC3E}">
-        <p14:creationId xmlns:p14="http://schemas.microsoft.com/office/powerpoint/2010/main" val="2923186280"/>
+        <p14:creationId xmlns:p14="http://schemas.microsoft.com/office/powerpoint/2010/main" val="2230014497"/>
       </p:ext>
     </p:extLst>
   </p:cSld>
@@ -3535,46 +3724,144 @@
           </a:prstGeom>
         </p:spPr>
       </p:pic>
-      <p:pic>
-        <p:nvPicPr>
-          <p:cNvPr id="5" name="圖片 4" descr="一張含有 螢幕擷取畫面 的圖片&#10;&#10;自動產生的描述">
-            <a:extLst>
-              <a:ext uri="{FF2B5EF4-FFF2-40B4-BE49-F238E27FC236}">
-                <a16:creationId xmlns:a16="http://schemas.microsoft.com/office/drawing/2014/main" id="{E1D059ED-42FB-4D09-B501-8B9AF243E7B6}"/>
-              </a:ext>
-            </a:extLst>
-          </p:cNvPr>
-          <p:cNvPicPr>
-            <a:picLocks noChangeAspect="1"/>
-          </p:cNvPicPr>
-          <p:nvPr/>
-        </p:nvPicPr>
-        <p:blipFill>
-          <a:blip r:embed="rId4">
-            <a:extLst>
-              <a:ext uri="{28A0092B-C50C-407E-A947-70E740481C1C}">
-                <a14:useLocalDpi xmlns:a14="http://schemas.microsoft.com/office/drawing/2010/main" val="0"/>
-              </a:ext>
-            </a:extLst>
-          </a:blip>
-          <a:stretch>
-            <a:fillRect/>
-          </a:stretch>
-        </p:blipFill>
-        <p:spPr>
-          <a:xfrm>
-            <a:off x="937208" y="1217871"/>
-            <a:ext cx="7269584" cy="4154048"/>
-          </a:xfrm>
-          <a:prstGeom prst="rect">
-            <a:avLst/>
-          </a:prstGeom>
-        </p:spPr>
-      </p:pic>
+      <p:sp>
+        <p:nvSpPr>
+          <p:cNvPr id="10" name="矩形 9">
+            <a:extLst>
+              <a:ext uri="{FF2B5EF4-FFF2-40B4-BE49-F238E27FC236}">
+                <a16:creationId xmlns:a16="http://schemas.microsoft.com/office/drawing/2014/main" id="{285D21BA-F612-4EBE-B3D4-5B6A762585E4}"/>
+              </a:ext>
+            </a:extLst>
+          </p:cNvPr>
+          <p:cNvSpPr/>
+          <p:nvPr/>
+        </p:nvSpPr>
+        <p:spPr>
+          <a:xfrm>
+            <a:off x="539263" y="498581"/>
+            <a:ext cx="8336290" cy="5021055"/>
+          </a:xfrm>
+          <a:prstGeom prst="rect">
+            <a:avLst/>
+          </a:prstGeom>
+        </p:spPr>
+        <p:txBody>
+          <a:bodyPr wrap="square">
+            <a:spAutoFit/>
+          </a:bodyPr>
+          <a:lstStyle/>
+          <a:p>
+            <a:pPr>
+              <a:lnSpc>
+                <a:spcPct val="150000"/>
+              </a:lnSpc>
+            </a:pPr>
+            <a:r>
+              <a:rPr lang="zh-TW" altLang="en-US" sz="2400" dirty="0"/>
+              <a:t>Readability counts.</a:t>
+            </a:r>
+          </a:p>
+          <a:p>
+            <a:pPr>
+              <a:lnSpc>
+                <a:spcPct val="150000"/>
+              </a:lnSpc>
+            </a:pPr>
+            <a:r>
+              <a:rPr lang="zh-TW" altLang="en-US" sz="2400" dirty="0"/>
+              <a:t>Special cases aren't special enough to break the rules.</a:t>
+            </a:r>
+          </a:p>
+          <a:p>
+            <a:pPr>
+              <a:lnSpc>
+                <a:spcPct val="150000"/>
+              </a:lnSpc>
+            </a:pPr>
+            <a:r>
+              <a:rPr lang="zh-TW" altLang="en-US" sz="2400" dirty="0"/>
+              <a:t>Although practicality beats purity.</a:t>
+            </a:r>
+          </a:p>
+          <a:p>
+            <a:pPr>
+              <a:lnSpc>
+                <a:spcPct val="150000"/>
+              </a:lnSpc>
+            </a:pPr>
+            <a:r>
+              <a:rPr lang="zh-TW" altLang="en-US" sz="2400" dirty="0"/>
+              <a:t>Errors should never pass silently.</a:t>
+            </a:r>
+            <a:endParaRPr lang="en-US" altLang="zh-TW" sz="2400" dirty="0"/>
+          </a:p>
+          <a:p>
+            <a:pPr>
+              <a:lnSpc>
+                <a:spcPct val="150000"/>
+              </a:lnSpc>
+            </a:pPr>
+            <a:r>
+              <a:rPr lang="zh-TW" altLang="en-US" sz="2400" dirty="0"/>
+              <a:t>Unless explicitly silenced.</a:t>
+            </a:r>
+            <a:endParaRPr lang="en-US" altLang="zh-TW" sz="2400" dirty="0"/>
+          </a:p>
+          <a:p>
+            <a:pPr>
+              <a:lnSpc>
+                <a:spcPct val="150000"/>
+              </a:lnSpc>
+            </a:pPr>
+            <a:r>
+              <a:rPr lang="zh-TW" altLang="en-US" sz="2400" dirty="0"/>
+              <a:t>In the face of ambiguity, refuse the temptation to guess.</a:t>
+            </a:r>
+          </a:p>
+          <a:p>
+            <a:pPr>
+              <a:lnSpc>
+                <a:spcPct val="150000"/>
+              </a:lnSpc>
+            </a:pPr>
+            <a:r>
+              <a:rPr lang="zh-TW" altLang="en-US" sz="2400" dirty="0"/>
+              <a:t>There should be one -- and preferably only one </a:t>
+            </a:r>
+            <a:endParaRPr lang="en-US" altLang="zh-TW" sz="2400" dirty="0"/>
+          </a:p>
+          <a:p>
+            <a:pPr>
+              <a:lnSpc>
+                <a:spcPct val="150000"/>
+              </a:lnSpc>
+            </a:pPr>
+            <a:r>
+              <a:rPr lang="en-US" altLang="zh-TW" sz="2400" dirty="0"/>
+              <a:t>                                                                      </a:t>
+            </a:r>
+            <a:r>
+              <a:rPr lang="zh-TW" altLang="en-US" sz="2400" dirty="0"/>
+              <a:t>-- obvious way to do it.</a:t>
+            </a:r>
+          </a:p>
+          <a:p>
+            <a:pPr>
+              <a:lnSpc>
+                <a:spcPct val="150000"/>
+              </a:lnSpc>
+            </a:pPr>
+            <a:r>
+              <a:rPr lang="zh-TW" altLang="en-US" sz="2400" dirty="0"/>
+              <a:t>Although that way may not be obvious at first unless you're Dutch.</a:t>
+            </a:r>
+          </a:p>
+        </p:txBody>
+      </p:sp>
     </p:spTree>
     <p:extLst>
       <p:ext uri="{BB962C8B-B14F-4D97-AF65-F5344CB8AC3E}">
-        <p14:creationId xmlns:p14="http://schemas.microsoft.com/office/powerpoint/2010/main" val="3638768912"/>
+        <p14:creationId xmlns:p14="http://schemas.microsoft.com/office/powerpoint/2010/main" val="512804719"/>
       </p:ext>
     </p:extLst>
   </p:cSld>
@@ -3673,12 +3960,48 @@
           </a:prstGeom>
         </p:spPr>
       </p:pic>
+      <p:pic>
+        <p:nvPicPr>
+          <p:cNvPr id="5" name="圖片 4">
+            <a:extLst>
+              <a:ext uri="{FF2B5EF4-FFF2-40B4-BE49-F238E27FC236}">
+                <a16:creationId xmlns:a16="http://schemas.microsoft.com/office/drawing/2014/main" id="{337EF557-3713-4634-AA30-1855D86F011A}"/>
+              </a:ext>
+            </a:extLst>
+          </p:cNvPr>
+          <p:cNvPicPr>
+            <a:picLocks noChangeAspect="1"/>
+          </p:cNvPicPr>
+          <p:nvPr/>
+        </p:nvPicPr>
+        <p:blipFill>
+          <a:blip r:embed="rId4">
+            <a:extLst>
+              <a:ext uri="{28A0092B-C50C-407E-A947-70E740481C1C}">
+                <a14:useLocalDpi xmlns:a14="http://schemas.microsoft.com/office/drawing/2010/main" val="0"/>
+              </a:ext>
+            </a:extLst>
+          </a:blip>
+          <a:stretch>
+            <a:fillRect/>
+          </a:stretch>
+        </p:blipFill>
+        <p:spPr>
+          <a:xfrm>
+            <a:off x="6083142" y="3758267"/>
+            <a:ext cx="2956229" cy="2956229"/>
+          </a:xfrm>
+          <a:prstGeom prst="rect">
+            <a:avLst/>
+          </a:prstGeom>
+        </p:spPr>
+      </p:pic>
       <p:sp>
         <p:nvSpPr>
-          <p:cNvPr id="5" name="矩形 4">
-            <a:extLst>
-              <a:ext uri="{FF2B5EF4-FFF2-40B4-BE49-F238E27FC236}">
-                <a16:creationId xmlns:a16="http://schemas.microsoft.com/office/drawing/2014/main" id="{39A7062D-9012-4217-B254-93B09C8B4167}"/>
+          <p:cNvPr id="6" name="矩形 5">
+            <a:extLst>
+              <a:ext uri="{FF2B5EF4-FFF2-40B4-BE49-F238E27FC236}">
+                <a16:creationId xmlns:a16="http://schemas.microsoft.com/office/drawing/2014/main" id="{CBAC72F8-EAB2-4D39-BEA7-A7B86C4B1847}"/>
               </a:ext>
             </a:extLst>
           </p:cNvPr>
@@ -3687,8 +4010,92 @@
         </p:nvSpPr>
         <p:spPr>
           <a:xfrm>
-            <a:off x="729809" y="608473"/>
-            <a:ext cx="4029886" cy="578492"/>
+            <a:off x="339485" y="489832"/>
+            <a:ext cx="8465029" cy="2805063"/>
+          </a:xfrm>
+          <a:prstGeom prst="rect">
+            <a:avLst/>
+          </a:prstGeom>
+        </p:spPr>
+        <p:txBody>
+          <a:bodyPr wrap="square">
+            <a:spAutoFit/>
+          </a:bodyPr>
+          <a:lstStyle/>
+          <a:p>
+            <a:pPr>
+              <a:lnSpc>
+                <a:spcPct val="150000"/>
+              </a:lnSpc>
+            </a:pPr>
+            <a:r>
+              <a:rPr lang="en-US" altLang="zh-TW" sz="2400" dirty="0"/>
+              <a:t>Now is better than never.</a:t>
+            </a:r>
+          </a:p>
+          <a:p>
+            <a:pPr>
+              <a:lnSpc>
+                <a:spcPct val="150000"/>
+              </a:lnSpc>
+            </a:pPr>
+            <a:r>
+              <a:rPr lang="en-US" altLang="zh-TW" sz="2400" dirty="0"/>
+              <a:t>Although never is often better than *right* now.</a:t>
+            </a:r>
+          </a:p>
+          <a:p>
+            <a:pPr>
+              <a:lnSpc>
+                <a:spcPct val="150000"/>
+              </a:lnSpc>
+            </a:pPr>
+            <a:r>
+              <a:rPr lang="en-US" altLang="zh-TW" sz="2400" dirty="0"/>
+              <a:t>If the implementation is hard to explain, it's a bad idea.</a:t>
+            </a:r>
+          </a:p>
+          <a:p>
+            <a:pPr>
+              <a:lnSpc>
+                <a:spcPct val="150000"/>
+              </a:lnSpc>
+            </a:pPr>
+            <a:r>
+              <a:rPr lang="en-US" altLang="zh-TW" sz="2400" dirty="0"/>
+              <a:t>If the implementation is easy to explain, it may be a good idea.</a:t>
+            </a:r>
+          </a:p>
+          <a:p>
+            <a:pPr>
+              <a:lnSpc>
+                <a:spcPct val="150000"/>
+              </a:lnSpc>
+            </a:pPr>
+            <a:r>
+              <a:rPr lang="en-US" altLang="zh-TW" sz="2400" dirty="0"/>
+              <a:t>Namespaces are one honking great idea -- let's do more of those!</a:t>
+            </a:r>
+            <a:endParaRPr lang="zh-TW" altLang="en-US" sz="2400" dirty="0"/>
+          </a:p>
+        </p:txBody>
+      </p:sp>
+      <p:sp>
+        <p:nvSpPr>
+          <p:cNvPr id="2" name="矩形 1">
+            <a:extLst>
+              <a:ext uri="{FF2B5EF4-FFF2-40B4-BE49-F238E27FC236}">
+                <a16:creationId xmlns:a16="http://schemas.microsoft.com/office/drawing/2014/main" id="{AF42C58C-E34C-43B2-932F-9BEE849927C5}"/>
+              </a:ext>
+            </a:extLst>
+          </p:cNvPr>
+          <p:cNvSpPr/>
+          <p:nvPr/>
+        </p:nvSpPr>
+        <p:spPr>
+          <a:xfrm>
+            <a:off x="1601676" y="3743140"/>
+            <a:ext cx="4666599" cy="461665"/>
           </a:xfrm>
           <a:prstGeom prst="rect">
             <a:avLst/>
@@ -3700,60 +4107,17 @@
           </a:bodyPr>
           <a:lstStyle/>
           <a:p>
-            <a:pPr>
-              <a:lnSpc>
-                <a:spcPct val="150000"/>
-              </a:lnSpc>
-            </a:pPr>
-            <a:r>
-              <a:rPr lang="en-US" altLang="zh-TW" sz="2400" dirty="0">
-                <a:latin typeface="微軟正黑體" panose="020B0604030504040204" pitchFamily="34" charset="-120"/>
-                <a:ea typeface="微軟正黑體" panose="020B0604030504040204" pitchFamily="34" charset="-120"/>
-              </a:rPr>
-              <a:t>Different types of variables</a:t>
+            <a:r>
+              <a:rPr lang="zh-TW" altLang="en-US" sz="2400" dirty="0"/>
+              <a:t> －The Zen of Python, by Tim Peters</a:t>
             </a:r>
           </a:p>
         </p:txBody>
       </p:sp>
-      <p:pic>
-        <p:nvPicPr>
-          <p:cNvPr id="6" name="圖片 5" descr="一張含有 螢幕擷取畫面 的圖片&#10;&#10;自動產生的描述">
-            <a:extLst>
-              <a:ext uri="{FF2B5EF4-FFF2-40B4-BE49-F238E27FC236}">
-                <a16:creationId xmlns:a16="http://schemas.microsoft.com/office/drawing/2014/main" id="{001E54FA-2540-4E73-8E57-9C0CF04145FB}"/>
-              </a:ext>
-            </a:extLst>
-          </p:cNvPr>
-          <p:cNvPicPr>
-            <a:picLocks noChangeAspect="1"/>
-          </p:cNvPicPr>
-          <p:nvPr/>
-        </p:nvPicPr>
-        <p:blipFill rotWithShape="1">
-          <a:blip r:embed="rId4">
-            <a:extLst>
-              <a:ext uri="{28A0092B-C50C-407E-A947-70E740481C1C}">
-                <a14:useLocalDpi xmlns:a14="http://schemas.microsoft.com/office/drawing/2010/main" val="0"/>
-              </a:ext>
-            </a:extLst>
-          </a:blip>
-          <a:srcRect t="9314"/>
-          <a:stretch/>
-        </p:blipFill>
-        <p:spPr>
-          <a:xfrm>
-            <a:off x="729809" y="1647447"/>
-            <a:ext cx="7776155" cy="2912537"/>
-          </a:xfrm>
-          <a:prstGeom prst="rect">
-            <a:avLst/>
-          </a:prstGeom>
-        </p:spPr>
-      </p:pic>
     </p:spTree>
     <p:extLst>
       <p:ext uri="{BB962C8B-B14F-4D97-AF65-F5344CB8AC3E}">
-        <p14:creationId xmlns:p14="http://schemas.microsoft.com/office/powerpoint/2010/main" val="569083051"/>
+        <p14:creationId xmlns:p14="http://schemas.microsoft.com/office/powerpoint/2010/main" val="1560702358"/>
       </p:ext>
     </p:extLst>
   </p:cSld>
@@ -3852,29 +4216,102 @@
           </a:prstGeom>
         </p:spPr>
       </p:pic>
+      <p:pic>
+        <p:nvPicPr>
+          <p:cNvPr id="7" name="圖片 6">
+            <a:extLst>
+              <a:ext uri="{FF2B5EF4-FFF2-40B4-BE49-F238E27FC236}">
+                <a16:creationId xmlns:a16="http://schemas.microsoft.com/office/drawing/2014/main" id="{1CAFAA49-68EE-4242-BCAB-1C39ED85EFA5}"/>
+              </a:ext>
+            </a:extLst>
+          </p:cNvPr>
+          <p:cNvPicPr>
+            <a:picLocks noChangeAspect="1"/>
+          </p:cNvPicPr>
+          <p:nvPr/>
+        </p:nvPicPr>
+        <p:blipFill>
+          <a:blip r:embed="rId4">
+            <a:extLst>
+              <a:ext uri="{28A0092B-C50C-407E-A947-70E740481C1C}">
+                <a14:useLocalDpi xmlns:a14="http://schemas.microsoft.com/office/drawing/2010/main" val="0"/>
+              </a:ext>
+            </a:extLst>
+          </a:blip>
+          <a:stretch>
+            <a:fillRect/>
+          </a:stretch>
+        </p:blipFill>
+        <p:spPr>
+          <a:xfrm>
+            <a:off x="1996793" y="3014766"/>
+            <a:ext cx="5854452" cy="1877597"/>
+          </a:xfrm>
+          <a:prstGeom prst="rect">
+            <a:avLst/>
+          </a:prstGeom>
+        </p:spPr>
+      </p:pic>
+      <p:pic>
+        <p:nvPicPr>
+          <p:cNvPr id="8" name="圖片 7" descr="一張含有 個人, 男人, 服飾, 室內 的圖片&#10;&#10;自動產生的描述">
+            <a:extLst>
+              <a:ext uri="{FF2B5EF4-FFF2-40B4-BE49-F238E27FC236}">
+                <a16:creationId xmlns:a16="http://schemas.microsoft.com/office/drawing/2014/main" id="{06A494B8-5C65-4152-B9DB-528D07EDF164}"/>
+              </a:ext>
+            </a:extLst>
+          </p:cNvPr>
+          <p:cNvPicPr>
+            <a:picLocks noChangeAspect="1"/>
+          </p:cNvPicPr>
+          <p:nvPr/>
+        </p:nvPicPr>
+        <p:blipFill>
+          <a:blip r:embed="rId5">
+            <a:extLst>
+              <a:ext uri="{28A0092B-C50C-407E-A947-70E740481C1C}">
+                <a14:useLocalDpi xmlns:a14="http://schemas.microsoft.com/office/drawing/2010/main" val="0"/>
+              </a:ext>
+            </a:extLst>
+          </a:blip>
+          <a:stretch>
+            <a:fillRect/>
+          </a:stretch>
+        </p:blipFill>
+        <p:spPr>
+          <a:xfrm>
+            <a:off x="1419095" y="1621392"/>
+            <a:ext cx="1066949" cy="1066949"/>
+          </a:xfrm>
+          <a:prstGeom prst="rect">
+            <a:avLst/>
+          </a:prstGeom>
+        </p:spPr>
+      </p:pic>
       <p:sp>
         <p:nvSpPr>
-          <p:cNvPr id="5" name="矩形 4">
-            <a:extLst>
-              <a:ext uri="{FF2B5EF4-FFF2-40B4-BE49-F238E27FC236}">
-                <a16:creationId xmlns:a16="http://schemas.microsoft.com/office/drawing/2014/main" id="{39A7062D-9012-4217-B254-93B09C8B4167}"/>
-              </a:ext>
-            </a:extLst>
-          </p:cNvPr>
-          <p:cNvSpPr/>
+          <p:cNvPr id="11" name="文字方塊 10">
+            <a:extLst>
+              <a:ext uri="{FF2B5EF4-FFF2-40B4-BE49-F238E27FC236}">
+                <a16:creationId xmlns:a16="http://schemas.microsoft.com/office/drawing/2014/main" id="{427D8488-0D71-4A26-B18E-DCC9C4038D81}"/>
+              </a:ext>
+            </a:extLst>
+          </p:cNvPr>
+          <p:cNvSpPr txBox="1"/>
           <p:nvPr/>
         </p:nvSpPr>
         <p:spPr>
           <a:xfrm>
-            <a:off x="729809" y="608473"/>
-            <a:ext cx="3698448" cy="578492"/>
-          </a:xfrm>
-          <a:prstGeom prst="rect">
-            <a:avLst/>
-          </a:prstGeom>
+            <a:off x="2486044" y="1947817"/>
+            <a:ext cx="4171911" cy="740524"/>
+          </a:xfrm>
+          <a:prstGeom prst="rect">
+            <a:avLst/>
+          </a:prstGeom>
+          <a:noFill/>
         </p:spPr>
         <p:txBody>
-          <a:bodyPr wrap="none">
+          <a:bodyPr wrap="none" rtlCol="0">
             <a:spAutoFit/>
           </a:bodyPr>
           <a:lstStyle/>
@@ -3885,55 +4322,26 @@
               </a:lnSpc>
             </a:pPr>
             <a:r>
-              <a:rPr lang="en-US" altLang="zh-TW" sz="2400" dirty="0">
+              <a:rPr lang="en-US" altLang="zh-TW" sz="3200" dirty="0" err="1">
                 <a:latin typeface="微軟正黑體" panose="020B0604030504040204" pitchFamily="34" charset="-120"/>
                 <a:ea typeface="微軟正黑體" panose="020B0604030504040204" pitchFamily="34" charset="-120"/>
               </a:rPr>
-              <a:t>for / while / if else / def()</a:t>
+              <a:t>Wut</a:t>
+            </a:r>
+            <a:r>
+              <a:rPr lang="en-US" altLang="zh-TW" sz="3200" dirty="0">
+                <a:latin typeface="微軟正黑體" panose="020B0604030504040204" pitchFamily="34" charset="-120"/>
+                <a:ea typeface="微軟正黑體" panose="020B0604030504040204" pitchFamily="34" charset="-120"/>
+              </a:rPr>
+              <a:t>… Error again ?!!</a:t>
             </a:r>
           </a:p>
         </p:txBody>
       </p:sp>
-      <p:pic>
-        <p:nvPicPr>
-          <p:cNvPr id="8" name="圖片 7" descr="一張含有 螢幕擷取畫面 的圖片&#10;&#10;自動產生的描述">
-            <a:extLst>
-              <a:ext uri="{FF2B5EF4-FFF2-40B4-BE49-F238E27FC236}">
-                <a16:creationId xmlns:a16="http://schemas.microsoft.com/office/drawing/2014/main" id="{A0E70E2A-61C2-4948-8997-91B51C7F559E}"/>
-              </a:ext>
-            </a:extLst>
-          </p:cNvPr>
-          <p:cNvPicPr>
-            <a:picLocks noChangeAspect="1"/>
-          </p:cNvPicPr>
-          <p:nvPr/>
-        </p:nvPicPr>
-        <p:blipFill>
-          <a:blip r:embed="rId4">
-            <a:extLst>
-              <a:ext uri="{28A0092B-C50C-407E-A947-70E740481C1C}">
-                <a14:useLocalDpi xmlns:a14="http://schemas.microsoft.com/office/drawing/2010/main" val="0"/>
-              </a:ext>
-            </a:extLst>
-          </a:blip>
-          <a:stretch>
-            <a:fillRect/>
-          </a:stretch>
-        </p:blipFill>
-        <p:spPr>
-          <a:xfrm>
-            <a:off x="729809" y="1647447"/>
-            <a:ext cx="7776155" cy="2252616"/>
-          </a:xfrm>
-          <a:prstGeom prst="rect">
-            <a:avLst/>
-          </a:prstGeom>
-        </p:spPr>
-      </p:pic>
     </p:spTree>
     <p:extLst>
       <p:ext uri="{BB962C8B-B14F-4D97-AF65-F5344CB8AC3E}">
-        <p14:creationId xmlns:p14="http://schemas.microsoft.com/office/powerpoint/2010/main" val="3676835552"/>
+        <p14:creationId xmlns:p14="http://schemas.microsoft.com/office/powerpoint/2010/main" val="262759546"/>
       </p:ext>
     </p:extLst>
   </p:cSld>
@@ -4034,10 +4442,10 @@
       </p:pic>
       <p:pic>
         <p:nvPicPr>
-          <p:cNvPr id="6" name="圖片 5" descr="一張含有 螢幕擷取畫面 的圖片&#10;&#10;自動產生的描述">
-            <a:extLst>
-              <a:ext uri="{FF2B5EF4-FFF2-40B4-BE49-F238E27FC236}">
-                <a16:creationId xmlns:a16="http://schemas.microsoft.com/office/drawing/2014/main" id="{ED68D364-FF32-426A-9033-B08154839C09}"/>
+          <p:cNvPr id="5" name="圖片 4">
+            <a:extLst>
+              <a:ext uri="{FF2B5EF4-FFF2-40B4-BE49-F238E27FC236}">
+                <a16:creationId xmlns:a16="http://schemas.microsoft.com/office/drawing/2014/main" id="{0DB6F689-7228-492B-94FE-B52F97A0B892}"/>
               </a:ext>
             </a:extLst>
           </p:cNvPr>
@@ -4060,18 +4468,108 @@
         </p:blipFill>
         <p:spPr>
           <a:xfrm>
-            <a:off x="683922" y="1647447"/>
-            <a:ext cx="7776155" cy="2604060"/>
-          </a:xfrm>
-          <a:prstGeom prst="rect">
-            <a:avLst/>
-          </a:prstGeom>
+            <a:off x="645952" y="1034147"/>
+            <a:ext cx="7290033" cy="395767"/>
+          </a:xfrm>
+          <a:prstGeom prst="rect">
+            <a:avLst/>
+          </a:prstGeom>
+          <a:ln w="38100" cap="sq">
+            <a:solidFill>
+              <a:srgbClr val="000000"/>
+            </a:solidFill>
+            <a:prstDash val="solid"/>
+            <a:miter lim="800000"/>
+          </a:ln>
+          <a:effectLst>
+            <a:outerShdw blurRad="50800" dist="38100" dir="2700000" algn="tl" rotWithShape="0">
+              <a:srgbClr val="000000">
+                <a:alpha val="43000"/>
+              </a:srgbClr>
+            </a:outerShdw>
+          </a:effectLst>
         </p:spPr>
       </p:pic>
+      <p:pic>
+        <p:nvPicPr>
+          <p:cNvPr id="6" name="圖片 5" descr="一張含有 螢幕擷取畫面 的圖片&#10;&#10;自動產生的描述">
+            <a:extLst>
+              <a:ext uri="{FF2B5EF4-FFF2-40B4-BE49-F238E27FC236}">
+                <a16:creationId xmlns:a16="http://schemas.microsoft.com/office/drawing/2014/main" id="{E0EC1743-F9B1-462E-BC04-08A3B00C22C6}"/>
+              </a:ext>
+            </a:extLst>
+          </p:cNvPr>
+          <p:cNvPicPr>
+            <a:picLocks noChangeAspect="1"/>
+          </p:cNvPicPr>
+          <p:nvPr/>
+        </p:nvPicPr>
+        <p:blipFill>
+          <a:blip r:embed="rId5">
+            <a:extLst>
+              <a:ext uri="{28A0092B-C50C-407E-A947-70E740481C1C}">
+                <a14:useLocalDpi xmlns:a14="http://schemas.microsoft.com/office/drawing/2010/main" val="0"/>
+              </a:ext>
+            </a:extLst>
+          </a:blip>
+          <a:stretch>
+            <a:fillRect/>
+          </a:stretch>
+        </p:blipFill>
+        <p:spPr>
+          <a:xfrm>
+            <a:off x="1723627" y="1742364"/>
+            <a:ext cx="5696745" cy="2114845"/>
+          </a:xfrm>
+          <a:prstGeom prst="rect">
+            <a:avLst/>
+          </a:prstGeom>
+        </p:spPr>
+      </p:pic>
+      <p:sp>
+        <p:nvSpPr>
+          <p:cNvPr id="8" name="文字方塊 7">
+            <a:extLst>
+              <a:ext uri="{FF2B5EF4-FFF2-40B4-BE49-F238E27FC236}">
+                <a16:creationId xmlns:a16="http://schemas.microsoft.com/office/drawing/2014/main" id="{DE658DC5-CAD8-407D-9A06-17A8BD664502}"/>
+              </a:ext>
+            </a:extLst>
+          </p:cNvPr>
+          <p:cNvSpPr txBox="1"/>
+          <p:nvPr/>
+        </p:nvSpPr>
+        <p:spPr>
+          <a:xfrm>
+            <a:off x="1227781" y="4091959"/>
+            <a:ext cx="6688435" cy="1493358"/>
+          </a:xfrm>
+          <a:prstGeom prst="rect">
+            <a:avLst/>
+          </a:prstGeom>
+          <a:noFill/>
+        </p:spPr>
+        <p:txBody>
+          <a:bodyPr wrap="square" rtlCol="0">
+            <a:spAutoFit/>
+          </a:bodyPr>
+          <a:lstStyle/>
+          <a:p>
+            <a:pPr algn="ctr">
+              <a:lnSpc>
+                <a:spcPct val="150000"/>
+              </a:lnSpc>
+            </a:pPr>
+            <a:r>
+              <a:rPr lang="zh-TW" altLang="en-US" sz="3200" b="1" dirty="0"/>
+              <a:t>You definitely are not the first person to encounter this kind of problem.</a:t>
+            </a:r>
+          </a:p>
+        </p:txBody>
+      </p:sp>
     </p:spTree>
     <p:extLst>
       <p:ext uri="{BB962C8B-B14F-4D97-AF65-F5344CB8AC3E}">
-        <p14:creationId xmlns:p14="http://schemas.microsoft.com/office/powerpoint/2010/main" val="2180686953"/>
+        <p14:creationId xmlns:p14="http://schemas.microsoft.com/office/powerpoint/2010/main" val="2923186280"/>
       </p:ext>
     </p:extLst>
   </p:cSld>
@@ -4170,54 +4668,12 @@
           </a:prstGeom>
         </p:spPr>
       </p:pic>
-      <p:sp>
-        <p:nvSpPr>
-          <p:cNvPr id="9" name="矩形 8">
-            <a:extLst>
-              <a:ext uri="{FF2B5EF4-FFF2-40B4-BE49-F238E27FC236}">
-                <a16:creationId xmlns:a16="http://schemas.microsoft.com/office/drawing/2014/main" id="{92C15B3E-BBBE-4D6B-86D5-1CB517E65301}"/>
-              </a:ext>
-            </a:extLst>
-          </p:cNvPr>
-          <p:cNvSpPr/>
-          <p:nvPr/>
-        </p:nvSpPr>
-        <p:spPr>
-          <a:xfrm>
-            <a:off x="729809" y="608473"/>
-            <a:ext cx="3474028" cy="578492"/>
-          </a:xfrm>
-          <a:prstGeom prst="rect">
-            <a:avLst/>
-          </a:prstGeom>
-        </p:spPr>
-        <p:txBody>
-          <a:bodyPr wrap="none">
-            <a:spAutoFit/>
-          </a:bodyPr>
-          <a:lstStyle/>
-          <a:p>
-            <a:pPr>
-              <a:lnSpc>
-                <a:spcPct val="150000"/>
-              </a:lnSpc>
-            </a:pPr>
-            <a:r>
-              <a:rPr lang="en-US" altLang="zh-TW" sz="2400" dirty="0">
-                <a:latin typeface="微軟正黑體" panose="020B0604030504040204" pitchFamily="34" charset="-120"/>
-                <a:ea typeface="微軟正黑體" panose="020B0604030504040204" pitchFamily="34" charset="-120"/>
-              </a:rPr>
-              <a:t>mutable vs. immutable</a:t>
-            </a:r>
-          </a:p>
-        </p:txBody>
-      </p:sp>
       <p:pic>
         <p:nvPicPr>
-          <p:cNvPr id="11" name="圖片 10" descr="一張含有 螢幕擷取畫面 的圖片&#10;&#10;自動產生的描述">
-            <a:extLst>
-              <a:ext uri="{FF2B5EF4-FFF2-40B4-BE49-F238E27FC236}">
-                <a16:creationId xmlns:a16="http://schemas.microsoft.com/office/drawing/2014/main" id="{44FC0BDE-8AF6-46F1-870E-429FA2097ED3}"/>
+          <p:cNvPr id="5" name="圖片 4" descr="一張含有 螢幕擷取畫面 的圖片&#10;&#10;自動產生的描述">
+            <a:extLst>
+              <a:ext uri="{FF2B5EF4-FFF2-40B4-BE49-F238E27FC236}">
+                <a16:creationId xmlns:a16="http://schemas.microsoft.com/office/drawing/2014/main" id="{E1D059ED-42FB-4D09-B501-8B9AF243E7B6}"/>
               </a:ext>
             </a:extLst>
           </p:cNvPr>
@@ -4240,8 +4696,8 @@
         </p:blipFill>
         <p:spPr>
           <a:xfrm>
-            <a:off x="729809" y="1647447"/>
-            <a:ext cx="7776154" cy="2401384"/>
+            <a:off x="937208" y="1217871"/>
+            <a:ext cx="7269584" cy="4154048"/>
           </a:xfrm>
           <a:prstGeom prst="rect">
             <a:avLst/>
@@ -4251,7 +4707,7 @@
     </p:spTree>
     <p:extLst>
       <p:ext uri="{BB962C8B-B14F-4D97-AF65-F5344CB8AC3E}">
-        <p14:creationId xmlns:p14="http://schemas.microsoft.com/office/powerpoint/2010/main" val="286176865"/>
+        <p14:creationId xmlns:p14="http://schemas.microsoft.com/office/powerpoint/2010/main" val="3638768912"/>
       </p:ext>
     </p:extLst>
   </p:cSld>
@@ -4352,10 +4808,10 @@
       </p:pic>
       <p:sp>
         <p:nvSpPr>
-          <p:cNvPr id="9" name="矩形 8">
-            <a:extLst>
-              <a:ext uri="{FF2B5EF4-FFF2-40B4-BE49-F238E27FC236}">
-                <a16:creationId xmlns:a16="http://schemas.microsoft.com/office/drawing/2014/main" id="{92C15B3E-BBBE-4D6B-86D5-1CB517E65301}"/>
+          <p:cNvPr id="5" name="矩形 4">
+            <a:extLst>
+              <a:ext uri="{FF2B5EF4-FFF2-40B4-BE49-F238E27FC236}">
+                <a16:creationId xmlns:a16="http://schemas.microsoft.com/office/drawing/2014/main" id="{39A7062D-9012-4217-B254-93B09C8B4167}"/>
               </a:ext>
             </a:extLst>
           </p:cNvPr>
@@ -4365,7 +4821,7 @@
         <p:spPr>
           <a:xfrm>
             <a:off x="729809" y="608473"/>
-            <a:ext cx="5411546" cy="578492"/>
+            <a:ext cx="4029886" cy="578492"/>
           </a:xfrm>
           <a:prstGeom prst="rect">
             <a:avLst/>
@@ -4387,17 +4843,17 @@
                 <a:latin typeface="微軟正黑體" panose="020B0604030504040204" pitchFamily="34" charset="-120"/>
                 <a:ea typeface="微軟正黑體" panose="020B0604030504040204" pitchFamily="34" charset="-120"/>
               </a:rPr>
-              <a:t>Address - Binding Names to Objects</a:t>
+              <a:t>Different types of variables</a:t>
             </a:r>
           </a:p>
         </p:txBody>
       </p:sp>
       <p:pic>
         <p:nvPicPr>
-          <p:cNvPr id="8" name="圖片 7" descr="一張含有 螢幕擷取畫面 的圖片&#10;&#10;自動產生的描述">
-            <a:extLst>
-              <a:ext uri="{FF2B5EF4-FFF2-40B4-BE49-F238E27FC236}">
-                <a16:creationId xmlns:a16="http://schemas.microsoft.com/office/drawing/2014/main" id="{C0EE1147-F783-4B9A-9312-2337387466D3}"/>
+          <p:cNvPr id="6" name="圖片 5" descr="一張含有 螢幕擷取畫面 的圖片&#10;&#10;自動產生的描述">
+            <a:extLst>
+              <a:ext uri="{FF2B5EF4-FFF2-40B4-BE49-F238E27FC236}">
+                <a16:creationId xmlns:a16="http://schemas.microsoft.com/office/drawing/2014/main" id="{001E54FA-2540-4E73-8E57-9C0CF04145FB}"/>
               </a:ext>
             </a:extLst>
           </p:cNvPr>
@@ -4406,7 +4862,7 @@
           </p:cNvPicPr>
           <p:nvPr/>
         </p:nvPicPr>
-        <p:blipFill>
+        <p:blipFill rotWithShape="1">
           <a:blip r:embed="rId4">
             <a:extLst>
               <a:ext uri="{28A0092B-C50C-407E-A947-70E740481C1C}">
@@ -4414,14 +4870,13 @@
               </a:ext>
             </a:extLst>
           </a:blip>
-          <a:stretch>
-            <a:fillRect/>
-          </a:stretch>
+          <a:srcRect t="9314"/>
+          <a:stretch/>
         </p:blipFill>
         <p:spPr>
           <a:xfrm>
             <a:off x="729809" y="1647447"/>
-            <a:ext cx="7776154" cy="2700484"/>
+            <a:ext cx="7776155" cy="2912537"/>
           </a:xfrm>
           <a:prstGeom prst="rect">
             <a:avLst/>
@@ -4431,7 +4886,7 @@
     </p:spTree>
     <p:extLst>
       <p:ext uri="{BB962C8B-B14F-4D97-AF65-F5344CB8AC3E}">
-        <p14:creationId xmlns:p14="http://schemas.microsoft.com/office/powerpoint/2010/main" val="1144447257"/>
+        <p14:creationId xmlns:p14="http://schemas.microsoft.com/office/powerpoint/2010/main" val="569083051"/>
       </p:ext>
     </p:extLst>
   </p:cSld>
@@ -4530,12 +4985,54 @@
           </a:prstGeom>
         </p:spPr>
       </p:pic>
+      <p:sp>
+        <p:nvSpPr>
+          <p:cNvPr id="5" name="矩形 4">
+            <a:extLst>
+              <a:ext uri="{FF2B5EF4-FFF2-40B4-BE49-F238E27FC236}">
+                <a16:creationId xmlns:a16="http://schemas.microsoft.com/office/drawing/2014/main" id="{39A7062D-9012-4217-B254-93B09C8B4167}"/>
+              </a:ext>
+            </a:extLst>
+          </p:cNvPr>
+          <p:cNvSpPr/>
+          <p:nvPr/>
+        </p:nvSpPr>
+        <p:spPr>
+          <a:xfrm>
+            <a:off x="729809" y="608473"/>
+            <a:ext cx="3698448" cy="578492"/>
+          </a:xfrm>
+          <a:prstGeom prst="rect">
+            <a:avLst/>
+          </a:prstGeom>
+        </p:spPr>
+        <p:txBody>
+          <a:bodyPr wrap="none">
+            <a:spAutoFit/>
+          </a:bodyPr>
+          <a:lstStyle/>
+          <a:p>
+            <a:pPr>
+              <a:lnSpc>
+                <a:spcPct val="150000"/>
+              </a:lnSpc>
+            </a:pPr>
+            <a:r>
+              <a:rPr lang="en-US" altLang="zh-TW" sz="2400" dirty="0">
+                <a:latin typeface="微軟正黑體" panose="020B0604030504040204" pitchFamily="34" charset="-120"/>
+                <a:ea typeface="微軟正黑體" panose="020B0604030504040204" pitchFamily="34" charset="-120"/>
+              </a:rPr>
+              <a:t>for / while / if else / def()</a:t>
+            </a:r>
+          </a:p>
+        </p:txBody>
+      </p:sp>
       <p:pic>
         <p:nvPicPr>
-          <p:cNvPr id="5" name="圖片 4" descr="一張含有 螢幕擷取畫面 的圖片&#10;&#10;自動產生的描述">
-            <a:extLst>
-              <a:ext uri="{FF2B5EF4-FFF2-40B4-BE49-F238E27FC236}">
-                <a16:creationId xmlns:a16="http://schemas.microsoft.com/office/drawing/2014/main" id="{6C853FD9-339B-4DB6-B986-AC912A3F72A8}"/>
+          <p:cNvPr id="8" name="圖片 7" descr="一張含有 螢幕擷取畫面 的圖片&#10;&#10;自動產生的描述">
+            <a:extLst>
+              <a:ext uri="{FF2B5EF4-FFF2-40B4-BE49-F238E27FC236}">
+                <a16:creationId xmlns:a16="http://schemas.microsoft.com/office/drawing/2014/main" id="{A0E70E2A-61C2-4948-8997-91B51C7F559E}"/>
               </a:ext>
             </a:extLst>
           </p:cNvPr>
@@ -4559,7 +5056,7 @@
         <p:spPr>
           <a:xfrm>
             <a:off x="729809" y="1647447"/>
-            <a:ext cx="7776154" cy="2583474"/>
+            <a:ext cx="7776155" cy="2252616"/>
           </a:xfrm>
           <a:prstGeom prst="rect">
             <a:avLst/>
@@ -4569,7 +5066,7 @@
     </p:spTree>
     <p:extLst>
       <p:ext uri="{BB962C8B-B14F-4D97-AF65-F5344CB8AC3E}">
-        <p14:creationId xmlns:p14="http://schemas.microsoft.com/office/powerpoint/2010/main" val="3284996421"/>
+        <p14:creationId xmlns:p14="http://schemas.microsoft.com/office/powerpoint/2010/main" val="3676835552"/>
       </p:ext>
     </p:extLst>
   </p:cSld>
@@ -4668,54 +5165,12 @@
           </a:prstGeom>
         </p:spPr>
       </p:pic>
-      <p:sp>
-        <p:nvSpPr>
-          <p:cNvPr id="5" name="矩形 4">
-            <a:extLst>
-              <a:ext uri="{FF2B5EF4-FFF2-40B4-BE49-F238E27FC236}">
-                <a16:creationId xmlns:a16="http://schemas.microsoft.com/office/drawing/2014/main" id="{973E8D2D-159F-4A54-A9F3-55342886FD40}"/>
-              </a:ext>
-            </a:extLst>
-          </p:cNvPr>
-          <p:cNvSpPr/>
-          <p:nvPr/>
-        </p:nvSpPr>
-        <p:spPr>
-          <a:xfrm>
-            <a:off x="729809" y="608473"/>
-            <a:ext cx="2898550" cy="578492"/>
-          </a:xfrm>
-          <a:prstGeom prst="rect">
-            <a:avLst/>
-          </a:prstGeom>
-        </p:spPr>
-        <p:txBody>
-          <a:bodyPr wrap="none">
-            <a:spAutoFit/>
-          </a:bodyPr>
-          <a:lstStyle/>
-          <a:p>
-            <a:pPr>
-              <a:lnSpc>
-                <a:spcPct val="150000"/>
-              </a:lnSpc>
-            </a:pPr>
-            <a:r>
-              <a:rPr lang="en-US" altLang="zh-TW" sz="2400" dirty="0">
-                <a:latin typeface="微軟正黑體" panose="020B0604030504040204" pitchFamily="34" charset="-120"/>
-                <a:ea typeface="微軟正黑體" panose="020B0604030504040204" pitchFamily="34" charset="-120"/>
-              </a:rPr>
-              <a:t>Call by assignment</a:t>
-            </a:r>
-          </a:p>
-        </p:txBody>
-      </p:sp>
       <p:pic>
         <p:nvPicPr>
-          <p:cNvPr id="7" name="圖片 6" descr="一張含有 螢幕擷取畫面 的圖片&#10;&#10;自動產生的描述">
-            <a:extLst>
-              <a:ext uri="{FF2B5EF4-FFF2-40B4-BE49-F238E27FC236}">
-                <a16:creationId xmlns:a16="http://schemas.microsoft.com/office/drawing/2014/main" id="{D4D3C773-0B2E-4F52-AFDE-A313B4222ACC}"/>
+          <p:cNvPr id="6" name="圖片 5" descr="一張含有 螢幕擷取畫面 的圖片&#10;&#10;自動產生的描述">
+            <a:extLst>
+              <a:ext uri="{FF2B5EF4-FFF2-40B4-BE49-F238E27FC236}">
+                <a16:creationId xmlns:a16="http://schemas.microsoft.com/office/drawing/2014/main" id="{ED68D364-FF32-426A-9033-B08154839C09}"/>
               </a:ext>
             </a:extLst>
           </p:cNvPr>
@@ -4738,8 +5193,8 @@
         </p:blipFill>
         <p:spPr>
           <a:xfrm>
-            <a:off x="729809" y="1647447"/>
-            <a:ext cx="7776154" cy="3447479"/>
+            <a:off x="683922" y="1647447"/>
+            <a:ext cx="7776155" cy="2604060"/>
           </a:xfrm>
           <a:prstGeom prst="rect">
             <a:avLst/>
@@ -4749,7 +5204,7 @@
     </p:spTree>
     <p:extLst>
       <p:ext uri="{BB962C8B-B14F-4D97-AF65-F5344CB8AC3E}">
-        <p14:creationId xmlns:p14="http://schemas.microsoft.com/office/powerpoint/2010/main" val="463498846"/>
+        <p14:creationId xmlns:p14="http://schemas.microsoft.com/office/powerpoint/2010/main" val="2180686953"/>
       </p:ext>
     </p:extLst>
   </p:cSld>
@@ -4848,227 +5303,45 @@
           </a:prstGeom>
         </p:spPr>
       </p:pic>
-      <p:cxnSp>
-        <p:nvCxnSpPr>
-          <p:cNvPr id="5" name="直線接點 4">
-            <a:extLst>
-              <a:ext uri="{FF2B5EF4-FFF2-40B4-BE49-F238E27FC236}">
-                <a16:creationId xmlns:a16="http://schemas.microsoft.com/office/drawing/2014/main" id="{D5F0CB79-799A-4CC2-98F0-75E3818BB5BB}"/>
-              </a:ext>
-            </a:extLst>
-          </p:cNvPr>
-          <p:cNvCxnSpPr>
-            <a:cxnSpLocks/>
-          </p:cNvCxnSpPr>
-          <p:nvPr/>
-        </p:nvCxnSpPr>
-        <p:spPr>
-          <a:xfrm>
-            <a:off x="678535" y="637564"/>
-            <a:ext cx="285226" cy="503339"/>
-          </a:xfrm>
-          <a:prstGeom prst="line">
-            <a:avLst/>
-          </a:prstGeom>
-          <a:ln w="28575">
-            <a:solidFill>
-              <a:schemeClr val="bg1">
-                <a:lumMod val="50000"/>
-              </a:schemeClr>
-            </a:solidFill>
-          </a:ln>
-        </p:spPr>
-        <p:style>
-          <a:lnRef idx="1">
-            <a:schemeClr val="accent1"/>
-          </a:lnRef>
-          <a:fillRef idx="0">
-            <a:schemeClr val="accent1"/>
-          </a:fillRef>
-          <a:effectRef idx="0">
-            <a:schemeClr val="accent1"/>
-          </a:effectRef>
-          <a:fontRef idx="minor">
-            <a:schemeClr val="tx1"/>
-          </a:fontRef>
-        </p:style>
-      </p:cxnSp>
-      <p:cxnSp>
-        <p:nvCxnSpPr>
-          <p:cNvPr id="6" name="直線接點 5">
-            <a:extLst>
-              <a:ext uri="{FF2B5EF4-FFF2-40B4-BE49-F238E27FC236}">
-                <a16:creationId xmlns:a16="http://schemas.microsoft.com/office/drawing/2014/main" id="{922E2757-E96E-4B60-8304-8FB93A805828}"/>
-              </a:ext>
-            </a:extLst>
-          </p:cNvPr>
-          <p:cNvCxnSpPr>
-            <a:cxnSpLocks/>
-          </p:cNvCxnSpPr>
-          <p:nvPr/>
-        </p:nvCxnSpPr>
-        <p:spPr>
-          <a:xfrm>
-            <a:off x="963761" y="1140903"/>
-            <a:ext cx="3162650" cy="0"/>
-          </a:xfrm>
-          <a:prstGeom prst="line">
-            <a:avLst/>
-          </a:prstGeom>
-          <a:ln w="28575">
-            <a:solidFill>
-              <a:schemeClr val="bg1">
-                <a:lumMod val="50000"/>
-              </a:schemeClr>
-            </a:solidFill>
-          </a:ln>
-        </p:spPr>
-        <p:style>
-          <a:lnRef idx="1">
-            <a:schemeClr val="accent1"/>
-          </a:lnRef>
-          <a:fillRef idx="0">
-            <a:schemeClr val="accent1"/>
-          </a:fillRef>
-          <a:effectRef idx="0">
-            <a:schemeClr val="accent1"/>
-          </a:effectRef>
-          <a:fontRef idx="minor">
-            <a:schemeClr val="tx1"/>
-          </a:fontRef>
-        </p:style>
-      </p:cxnSp>
-      <p:cxnSp>
-        <p:nvCxnSpPr>
-          <p:cNvPr id="7" name="直線接點 6">
-            <a:extLst>
-              <a:ext uri="{FF2B5EF4-FFF2-40B4-BE49-F238E27FC236}">
-                <a16:creationId xmlns:a16="http://schemas.microsoft.com/office/drawing/2014/main" id="{742066B1-934E-4E50-8862-0E4B0976815C}"/>
-              </a:ext>
-            </a:extLst>
-          </p:cNvPr>
-          <p:cNvCxnSpPr>
-            <a:cxnSpLocks/>
-          </p:cNvCxnSpPr>
-          <p:nvPr/>
-        </p:nvCxnSpPr>
-        <p:spPr>
-          <a:xfrm>
-            <a:off x="4126411" y="1140904"/>
-            <a:ext cx="285226" cy="503339"/>
-          </a:xfrm>
-          <a:prstGeom prst="line">
-            <a:avLst/>
-          </a:prstGeom>
-          <a:ln w="28575">
-            <a:solidFill>
-              <a:schemeClr val="bg1">
-                <a:lumMod val="50000"/>
-              </a:schemeClr>
-            </a:solidFill>
-          </a:ln>
-        </p:spPr>
-        <p:style>
-          <a:lnRef idx="1">
-            <a:schemeClr val="accent1"/>
-          </a:lnRef>
-          <a:fillRef idx="0">
-            <a:schemeClr val="accent1"/>
-          </a:fillRef>
-          <a:effectRef idx="0">
-            <a:schemeClr val="accent1"/>
-          </a:effectRef>
-          <a:fontRef idx="minor">
-            <a:schemeClr val="tx1"/>
-          </a:fontRef>
-        </p:style>
-      </p:cxnSp>
       <p:sp>
         <p:nvSpPr>
-          <p:cNvPr id="8" name="文字方塊 7">
-            <a:extLst>
-              <a:ext uri="{FF2B5EF4-FFF2-40B4-BE49-F238E27FC236}">
-                <a16:creationId xmlns:a16="http://schemas.microsoft.com/office/drawing/2014/main" id="{F37CB849-7B3F-4D20-B9C9-8EADDC6746E2}"/>
-              </a:ext>
-            </a:extLst>
-          </p:cNvPr>
-          <p:cNvSpPr txBox="1"/>
+          <p:cNvPr id="9" name="矩形 8">
+            <a:extLst>
+              <a:ext uri="{FF2B5EF4-FFF2-40B4-BE49-F238E27FC236}">
+                <a16:creationId xmlns:a16="http://schemas.microsoft.com/office/drawing/2014/main" id="{92C15B3E-BBBE-4D6B-86D5-1CB517E65301}"/>
+              </a:ext>
+            </a:extLst>
+          </p:cNvPr>
+          <p:cNvSpPr/>
           <p:nvPr/>
         </p:nvSpPr>
         <p:spPr>
           <a:xfrm>
-            <a:off x="963761" y="433017"/>
-            <a:ext cx="2682145" cy="707886"/>
-          </a:xfrm>
-          <a:prstGeom prst="rect">
-            <a:avLst/>
-          </a:prstGeom>
-          <a:noFill/>
+            <a:off x="729809" y="608473"/>
+            <a:ext cx="3474028" cy="578492"/>
+          </a:xfrm>
+          <a:prstGeom prst="rect">
+            <a:avLst/>
+          </a:prstGeom>
         </p:spPr>
         <p:txBody>
-          <a:bodyPr wrap="none" rtlCol="0">
+          <a:bodyPr wrap="none">
             <a:spAutoFit/>
           </a:bodyPr>
           <a:lstStyle/>
           <a:p>
-            <a:r>
-              <a:rPr lang="en-US" altLang="zh-TW" sz="4000" dirty="0">
+            <a:pPr>
+              <a:lnSpc>
+                <a:spcPct val="150000"/>
+              </a:lnSpc>
+            </a:pPr>
+            <a:r>
+              <a:rPr lang="en-US" altLang="zh-TW" sz="2400" dirty="0">
                 <a:latin typeface="微軟正黑體" panose="020B0604030504040204" pitchFamily="34" charset="-120"/>
                 <a:ea typeface="微軟正黑體" panose="020B0604030504040204" pitchFamily="34" charset="-120"/>
-                <a:cs typeface="Times New Roman" panose="02020603050405020304" pitchFamily="18" charset="0"/>
-                <a:hlinkClick r:id="rId4"/>
               </a:rPr>
-              <a:t>matplotlib</a:t>
-            </a:r>
-            <a:endParaRPr lang="zh-TW" altLang="en-US" sz="4000" dirty="0">
-              <a:latin typeface="微軟正黑體" panose="020B0604030504040204" pitchFamily="34" charset="-120"/>
-              <a:ea typeface="微軟正黑體" panose="020B0604030504040204" pitchFamily="34" charset="-120"/>
-              <a:cs typeface="Times New Roman" panose="02020603050405020304" pitchFamily="18" charset="0"/>
-            </a:endParaRPr>
-          </a:p>
-        </p:txBody>
-      </p:sp>
-      <p:sp>
-        <p:nvSpPr>
-          <p:cNvPr id="10" name="文字方塊 9">
-            <a:extLst>
-              <a:ext uri="{FF2B5EF4-FFF2-40B4-BE49-F238E27FC236}">
-                <a16:creationId xmlns:a16="http://schemas.microsoft.com/office/drawing/2014/main" id="{7E676790-64E8-4754-B12A-E1C16C54D948}"/>
-              </a:ext>
-            </a:extLst>
-          </p:cNvPr>
-          <p:cNvSpPr txBox="1"/>
-          <p:nvPr/>
-        </p:nvSpPr>
-        <p:spPr>
-          <a:xfrm>
-            <a:off x="1378690" y="5517041"/>
-            <a:ext cx="6386620" cy="400110"/>
-          </a:xfrm>
-          <a:prstGeom prst="rect">
-            <a:avLst/>
-          </a:prstGeom>
-          <a:noFill/>
-        </p:spPr>
-        <p:txBody>
-          <a:bodyPr wrap="none" rtlCol="0">
-            <a:spAutoFit/>
-          </a:bodyPr>
-          <a:lstStyle/>
-          <a:p>
-            <a:r>
-              <a:rPr lang="en-US" altLang="zh-TW" sz="2000" u="sng" dirty="0">
-                <a:solidFill>
-                  <a:srgbClr val="FF0000"/>
-                </a:solidFill>
-              </a:rPr>
-              <a:t>Check out what parameters should be put in each functions</a:t>
-            </a:r>
-            <a:endParaRPr lang="zh-TW" altLang="en-US" sz="2000" u="sng" dirty="0">
-              <a:solidFill>
-                <a:srgbClr val="FF0000"/>
-              </a:solidFill>
-            </a:endParaRPr>
+              <a:t>mutable vs. immutable</a:t>
+            </a:r>
           </a:p>
         </p:txBody>
       </p:sp>
@@ -5077,7 +5350,7 @@
           <p:cNvPr id="11" name="圖片 10" descr="一張含有 螢幕擷取畫面 的圖片&#10;&#10;自動產生的描述">
             <a:extLst>
               <a:ext uri="{FF2B5EF4-FFF2-40B4-BE49-F238E27FC236}">
-                <a16:creationId xmlns:a16="http://schemas.microsoft.com/office/drawing/2014/main" id="{4722C2FA-BC24-42DE-9581-6D7405E8D176}"/>
+                <a16:creationId xmlns:a16="http://schemas.microsoft.com/office/drawing/2014/main" id="{44FC0BDE-8AF6-46F1-870E-429FA2097ED3}"/>
               </a:ext>
             </a:extLst>
           </p:cNvPr>
@@ -5087,7 +5360,7 @@
           <p:nvPr/>
         </p:nvPicPr>
         <p:blipFill>
-          <a:blip r:embed="rId5">
+          <a:blip r:embed="rId4">
             <a:extLst>
               <a:ext uri="{28A0092B-C50C-407E-A947-70E740481C1C}">
                 <a14:useLocalDpi xmlns:a14="http://schemas.microsoft.com/office/drawing/2010/main" val="0"/>
@@ -5100,44 +5373,8 @@
         </p:blipFill>
         <p:spPr>
           <a:xfrm>
-            <a:off x="1134858" y="1420593"/>
-            <a:ext cx="2389583" cy="3656785"/>
-          </a:xfrm>
-          <a:prstGeom prst="rect">
-            <a:avLst/>
-          </a:prstGeom>
-        </p:spPr>
-      </p:pic>
-      <p:pic>
-        <p:nvPicPr>
-          <p:cNvPr id="12" name="圖片 11" descr="一張含有 螢幕擷取畫面 的圖片&#10;&#10;自動產生的描述">
-            <a:extLst>
-              <a:ext uri="{FF2B5EF4-FFF2-40B4-BE49-F238E27FC236}">
-                <a16:creationId xmlns:a16="http://schemas.microsoft.com/office/drawing/2014/main" id="{1DF7228C-6A44-430A-8726-87E3AAAD40DA}"/>
-              </a:ext>
-            </a:extLst>
-          </p:cNvPr>
-          <p:cNvPicPr>
-            <a:picLocks noChangeAspect="1"/>
-          </p:cNvPicPr>
-          <p:nvPr/>
-        </p:nvPicPr>
-        <p:blipFill>
-          <a:blip r:embed="rId6">
-            <a:extLst>
-              <a:ext uri="{28A0092B-C50C-407E-A947-70E740481C1C}">
-                <a14:useLocalDpi xmlns:a14="http://schemas.microsoft.com/office/drawing/2010/main" val="0"/>
-              </a:ext>
-            </a:extLst>
-          </a:blip>
-          <a:stretch>
-            <a:fillRect/>
-          </a:stretch>
-        </p:blipFill>
-        <p:spPr>
-          <a:xfrm>
-            <a:off x="5039500" y="1420593"/>
-            <a:ext cx="2971215" cy="3765702"/>
+            <a:off x="729809" y="1647447"/>
+            <a:ext cx="7776154" cy="2401384"/>
           </a:xfrm>
           <a:prstGeom prst="rect">
             <a:avLst/>
@@ -5147,7 +5384,7 @@
     </p:spTree>
     <p:extLst>
       <p:ext uri="{BB962C8B-B14F-4D97-AF65-F5344CB8AC3E}">
-        <p14:creationId xmlns:p14="http://schemas.microsoft.com/office/powerpoint/2010/main" val="1612569964"/>
+        <p14:creationId xmlns:p14="http://schemas.microsoft.com/office/powerpoint/2010/main" val="286176865"/>
       </p:ext>
     </p:extLst>
   </p:cSld>
@@ -5246,147 +5483,12 @@
           </a:prstGeom>
         </p:spPr>
       </p:pic>
-      <p:cxnSp>
-        <p:nvCxnSpPr>
-          <p:cNvPr id="7" name="直線接點 6">
-            <a:extLst>
-              <a:ext uri="{FF2B5EF4-FFF2-40B4-BE49-F238E27FC236}">
-                <a16:creationId xmlns:a16="http://schemas.microsoft.com/office/drawing/2014/main" id="{05E74AFC-F93B-48EE-99B7-DFD8847162B6}"/>
-              </a:ext>
-            </a:extLst>
-          </p:cNvPr>
-          <p:cNvCxnSpPr>
-            <a:cxnSpLocks/>
-          </p:cNvCxnSpPr>
-          <p:nvPr/>
-        </p:nvCxnSpPr>
-        <p:spPr>
-          <a:xfrm>
-            <a:off x="678535" y="637564"/>
-            <a:ext cx="285226" cy="503339"/>
-          </a:xfrm>
-          <a:prstGeom prst="line">
-            <a:avLst/>
-          </a:prstGeom>
-          <a:ln w="28575">
-            <a:solidFill>
-              <a:schemeClr val="bg1">
-                <a:lumMod val="50000"/>
-              </a:schemeClr>
-            </a:solidFill>
-          </a:ln>
-        </p:spPr>
-        <p:style>
-          <a:lnRef idx="1">
-            <a:schemeClr val="accent1"/>
-          </a:lnRef>
-          <a:fillRef idx="0">
-            <a:schemeClr val="accent1"/>
-          </a:fillRef>
-          <a:effectRef idx="0">
-            <a:schemeClr val="accent1"/>
-          </a:effectRef>
-          <a:fontRef idx="minor">
-            <a:schemeClr val="tx1"/>
-          </a:fontRef>
-        </p:style>
-      </p:cxnSp>
-      <p:cxnSp>
-        <p:nvCxnSpPr>
-          <p:cNvPr id="8" name="直線接點 7">
-            <a:extLst>
-              <a:ext uri="{FF2B5EF4-FFF2-40B4-BE49-F238E27FC236}">
-                <a16:creationId xmlns:a16="http://schemas.microsoft.com/office/drawing/2014/main" id="{AA262AC2-4790-4ADB-9BF3-BB2F946D5D66}"/>
-              </a:ext>
-            </a:extLst>
-          </p:cNvPr>
-          <p:cNvCxnSpPr>
-            <a:cxnSpLocks/>
-          </p:cNvCxnSpPr>
-          <p:nvPr/>
-        </p:nvCxnSpPr>
-        <p:spPr>
-          <a:xfrm>
-            <a:off x="963761" y="1140903"/>
-            <a:ext cx="3162650" cy="0"/>
-          </a:xfrm>
-          <a:prstGeom prst="line">
-            <a:avLst/>
-          </a:prstGeom>
-          <a:ln w="28575">
-            <a:solidFill>
-              <a:schemeClr val="bg1">
-                <a:lumMod val="50000"/>
-              </a:schemeClr>
-            </a:solidFill>
-          </a:ln>
-        </p:spPr>
-        <p:style>
-          <a:lnRef idx="1">
-            <a:schemeClr val="accent1"/>
-          </a:lnRef>
-          <a:fillRef idx="0">
-            <a:schemeClr val="accent1"/>
-          </a:fillRef>
-          <a:effectRef idx="0">
-            <a:schemeClr val="accent1"/>
-          </a:effectRef>
-          <a:fontRef idx="minor">
-            <a:schemeClr val="tx1"/>
-          </a:fontRef>
-        </p:style>
-      </p:cxnSp>
-      <p:cxnSp>
-        <p:nvCxnSpPr>
-          <p:cNvPr id="11" name="直線接點 10">
-            <a:extLst>
-              <a:ext uri="{FF2B5EF4-FFF2-40B4-BE49-F238E27FC236}">
-                <a16:creationId xmlns:a16="http://schemas.microsoft.com/office/drawing/2014/main" id="{A01288EC-D8DE-4A05-9579-62E8EA04EC06}"/>
-              </a:ext>
-            </a:extLst>
-          </p:cNvPr>
-          <p:cNvCxnSpPr>
-            <a:cxnSpLocks/>
-          </p:cNvCxnSpPr>
-          <p:nvPr/>
-        </p:nvCxnSpPr>
-        <p:spPr>
-          <a:xfrm>
-            <a:off x="4126411" y="1140904"/>
-            <a:ext cx="285226" cy="503339"/>
-          </a:xfrm>
-          <a:prstGeom prst="line">
-            <a:avLst/>
-          </a:prstGeom>
-          <a:ln w="28575">
-            <a:solidFill>
-              <a:schemeClr val="bg1">
-                <a:lumMod val="50000"/>
-              </a:schemeClr>
-            </a:solidFill>
-          </a:ln>
-        </p:spPr>
-        <p:style>
-          <a:lnRef idx="1">
-            <a:schemeClr val="accent1"/>
-          </a:lnRef>
-          <a:fillRef idx="0">
-            <a:schemeClr val="accent1"/>
-          </a:fillRef>
-          <a:effectRef idx="0">
-            <a:schemeClr val="accent1"/>
-          </a:effectRef>
-          <a:fontRef idx="minor">
-            <a:schemeClr val="tx1"/>
-          </a:fontRef>
-        </p:style>
-      </p:cxnSp>
       <p:sp>
         <p:nvSpPr>
-          <p:cNvPr id="12" name="文字方塊 11">
-            <a:extLst>
-              <a:ext uri="{FF2B5EF4-FFF2-40B4-BE49-F238E27FC236}">
-                <a16:creationId xmlns:a16="http://schemas.microsoft.com/office/drawing/2014/main" id="{D80DEC43-B9E0-4EC5-9189-1D22E5EE524C}"/>
+          <p:cNvPr id="2" name="文字方塊 1">
+            <a:extLst>
+              <a:ext uri="{FF2B5EF4-FFF2-40B4-BE49-F238E27FC236}">
+                <a16:creationId xmlns:a16="http://schemas.microsoft.com/office/drawing/2014/main" id="{83386288-D562-48A8-8001-272E39053A57}"/>
               </a:ext>
             </a:extLst>
           </p:cNvPr>
@@ -5395,8 +5497,8 @@
         </p:nvSpPr>
         <p:spPr>
           <a:xfrm>
-            <a:off x="963761" y="433017"/>
-            <a:ext cx="1967205" cy="707886"/>
+            <a:off x="2167335" y="2598003"/>
+            <a:ext cx="4809330" cy="830997"/>
           </a:xfrm>
           <a:prstGeom prst="rect">
             <a:avLst/>
@@ -5410,339 +5512,19 @@
           <a:lstStyle/>
           <a:p>
             <a:r>
-              <a:rPr lang="en-US" altLang="zh-TW" sz="4000" dirty="0">
-                <a:latin typeface="微軟正黑體" panose="020B0604030504040204" pitchFamily="34" charset="-120"/>
-                <a:ea typeface="微軟正黑體" panose="020B0604030504040204" pitchFamily="34" charset="-120"/>
-                <a:cs typeface="Times New Roman" panose="02020603050405020304" pitchFamily="18" charset="0"/>
+              <a:rPr lang="en-US" altLang="zh-TW" sz="4800" dirty="0">
+                <a:latin typeface="Arial" panose="020B0604020202020204" pitchFamily="34" charset="0"/>
+                <a:cs typeface="Arial" panose="020B0604020202020204" pitchFamily="34" charset="0"/>
               </a:rPr>
-              <a:t>Outline</a:t>
-            </a:r>
-            <a:endParaRPr lang="zh-TW" altLang="en-US" sz="4000" dirty="0">
-              <a:latin typeface="微軟正黑體" panose="020B0604030504040204" pitchFamily="34" charset="-120"/>
-              <a:ea typeface="微軟正黑體" panose="020B0604030504040204" pitchFamily="34" charset="-120"/>
-              <a:cs typeface="Times New Roman" panose="02020603050405020304" pitchFamily="18" charset="0"/>
-            </a:endParaRPr>
+              <a:t>Before starting…</a:t>
+            </a:r>
           </a:p>
         </p:txBody>
       </p:sp>
-      <p:sp>
-        <p:nvSpPr>
-          <p:cNvPr id="5" name="矩形 4">
-            <a:extLst>
-              <a:ext uri="{FF2B5EF4-FFF2-40B4-BE49-F238E27FC236}">
-                <a16:creationId xmlns:a16="http://schemas.microsoft.com/office/drawing/2014/main" id="{24187E3B-C3C2-4B5D-9EC3-00709CD181B5}"/>
-              </a:ext>
-            </a:extLst>
-          </p:cNvPr>
-          <p:cNvSpPr/>
-          <p:nvPr/>
-        </p:nvSpPr>
-        <p:spPr>
-          <a:xfrm>
-            <a:off x="811787" y="2163988"/>
-            <a:ext cx="4841421" cy="659540"/>
-          </a:xfrm>
-          <a:prstGeom prst="rect">
-            <a:avLst/>
-          </a:prstGeom>
-          <a:solidFill>
-            <a:schemeClr val="accent5">
-              <a:lumMod val="20000"/>
-              <a:lumOff val="80000"/>
-            </a:schemeClr>
-          </a:solidFill>
-          <a:ln>
-            <a:solidFill>
-              <a:schemeClr val="accent5">
-                <a:lumMod val="60000"/>
-                <a:lumOff val="40000"/>
-              </a:schemeClr>
-            </a:solidFill>
-          </a:ln>
-        </p:spPr>
-        <p:style>
-          <a:lnRef idx="2">
-            <a:schemeClr val="accent1">
-              <a:shade val="50000"/>
-            </a:schemeClr>
-          </a:lnRef>
-          <a:fillRef idx="1">
-            <a:schemeClr val="accent1"/>
-          </a:fillRef>
-          <a:effectRef idx="0">
-            <a:schemeClr val="accent1"/>
-          </a:effectRef>
-          <a:fontRef idx="minor">
-            <a:schemeClr val="lt1"/>
-          </a:fontRef>
-        </p:style>
-        <p:txBody>
-          <a:bodyPr rtlCol="0" anchor="ctr"/>
-          <a:lstStyle/>
-          <a:p>
-            <a:pPr algn="ctr"/>
-            <a:r>
-              <a:rPr lang="en-US" altLang="zh-TW" sz="2400">
-                <a:solidFill>
-                  <a:schemeClr val="tx1"/>
-                </a:solidFill>
-                <a:latin typeface="微軟正黑體" panose="020B0604030504040204" pitchFamily="34" charset="-120"/>
-                <a:ea typeface="微軟正黑體" panose="020B0604030504040204" pitchFamily="34" charset="-120"/>
-              </a:rPr>
-              <a:t>Anaconda &amp; Jupyter notebook</a:t>
-            </a:r>
-            <a:endParaRPr lang="en-US" altLang="zh-TW" sz="2400" dirty="0">
-              <a:solidFill>
-                <a:schemeClr val="tx1"/>
-              </a:solidFill>
-              <a:latin typeface="微軟正黑體" panose="020B0604030504040204" pitchFamily="34" charset="-120"/>
-              <a:ea typeface="微軟正黑體" panose="020B0604030504040204" pitchFamily="34" charset="-120"/>
-            </a:endParaRPr>
-          </a:p>
-        </p:txBody>
-      </p:sp>
-      <p:sp>
-        <p:nvSpPr>
-          <p:cNvPr id="16" name="矩形 15">
-            <a:extLst>
-              <a:ext uri="{FF2B5EF4-FFF2-40B4-BE49-F238E27FC236}">
-                <a16:creationId xmlns:a16="http://schemas.microsoft.com/office/drawing/2014/main" id="{F6B1B08D-D5DC-426D-ABB7-D9B527FFBA96}"/>
-              </a:ext>
-            </a:extLst>
-          </p:cNvPr>
-          <p:cNvSpPr/>
-          <p:nvPr/>
-        </p:nvSpPr>
-        <p:spPr>
-          <a:xfrm>
-            <a:off x="3231525" y="3722669"/>
-            <a:ext cx="3464228" cy="659540"/>
-          </a:xfrm>
-          <a:prstGeom prst="rect">
-            <a:avLst/>
-          </a:prstGeom>
-          <a:solidFill>
-            <a:schemeClr val="accent5">
-              <a:lumMod val="20000"/>
-              <a:lumOff val="80000"/>
-            </a:schemeClr>
-          </a:solidFill>
-          <a:ln>
-            <a:solidFill>
-              <a:schemeClr val="accent5">
-                <a:lumMod val="60000"/>
-                <a:lumOff val="40000"/>
-              </a:schemeClr>
-            </a:solidFill>
-          </a:ln>
-        </p:spPr>
-        <p:style>
-          <a:lnRef idx="2">
-            <a:schemeClr val="accent1">
-              <a:shade val="50000"/>
-            </a:schemeClr>
-          </a:lnRef>
-          <a:fillRef idx="1">
-            <a:schemeClr val="accent1"/>
-          </a:fillRef>
-          <a:effectRef idx="0">
-            <a:schemeClr val="accent1"/>
-          </a:effectRef>
-          <a:fontRef idx="minor">
-            <a:schemeClr val="lt1"/>
-          </a:fontRef>
-        </p:style>
-        <p:txBody>
-          <a:bodyPr rtlCol="0" anchor="ctr"/>
-          <a:lstStyle/>
-          <a:p>
-            <a:pPr algn="ctr"/>
-            <a:r>
-              <a:rPr lang="en-US" altLang="zh-TW" sz="2400" dirty="0">
-                <a:solidFill>
-                  <a:schemeClr val="tx1"/>
-                </a:solidFill>
-                <a:latin typeface="微軟正黑體" panose="020B0604030504040204" pitchFamily="34" charset="-120"/>
-                <a:ea typeface="微軟正黑體" panose="020B0604030504040204" pitchFamily="34" charset="-120"/>
-              </a:rPr>
-              <a:t>Python Quick Review</a:t>
-            </a:r>
-          </a:p>
-        </p:txBody>
-      </p:sp>
-      <p:sp>
-        <p:nvSpPr>
-          <p:cNvPr id="17" name="矩形 16">
-            <a:extLst>
-              <a:ext uri="{FF2B5EF4-FFF2-40B4-BE49-F238E27FC236}">
-                <a16:creationId xmlns:a16="http://schemas.microsoft.com/office/drawing/2014/main" id="{AEA3C3D2-5ABD-47AE-96DF-46A9BED7E065}"/>
-              </a:ext>
-            </a:extLst>
-          </p:cNvPr>
-          <p:cNvSpPr/>
-          <p:nvPr/>
-        </p:nvSpPr>
-        <p:spPr>
-          <a:xfrm>
-            <a:off x="5653208" y="5281351"/>
-            <a:ext cx="2483902" cy="659540"/>
-          </a:xfrm>
-          <a:prstGeom prst="rect">
-            <a:avLst/>
-          </a:prstGeom>
-          <a:solidFill>
-            <a:schemeClr val="accent5">
-              <a:lumMod val="20000"/>
-              <a:lumOff val="80000"/>
-            </a:schemeClr>
-          </a:solidFill>
-          <a:ln>
-            <a:solidFill>
-              <a:schemeClr val="accent5">
-                <a:lumMod val="60000"/>
-                <a:lumOff val="40000"/>
-              </a:schemeClr>
-            </a:solidFill>
-          </a:ln>
-        </p:spPr>
-        <p:style>
-          <a:lnRef idx="2">
-            <a:schemeClr val="accent1">
-              <a:shade val="50000"/>
-            </a:schemeClr>
-          </a:lnRef>
-          <a:fillRef idx="1">
-            <a:schemeClr val="accent1"/>
-          </a:fillRef>
-          <a:effectRef idx="0">
-            <a:schemeClr val="accent1"/>
-          </a:effectRef>
-          <a:fontRef idx="minor">
-            <a:schemeClr val="lt1"/>
-          </a:fontRef>
-        </p:style>
-        <p:txBody>
-          <a:bodyPr rtlCol="0" anchor="ctr"/>
-          <a:lstStyle/>
-          <a:p>
-            <a:pPr algn="ctr"/>
-            <a:r>
-              <a:rPr lang="en-US" altLang="zh-TW" sz="2400" dirty="0">
-                <a:solidFill>
-                  <a:schemeClr val="tx1"/>
-                </a:solidFill>
-                <a:latin typeface="微軟正黑體" panose="020B0604030504040204" pitchFamily="34" charset="-120"/>
-                <a:ea typeface="微軟正黑體" panose="020B0604030504040204" pitchFamily="34" charset="-120"/>
-              </a:rPr>
-              <a:t>Matplotlib</a:t>
-            </a:r>
-          </a:p>
-        </p:txBody>
-      </p:sp>
-      <p:cxnSp>
-        <p:nvCxnSpPr>
-          <p:cNvPr id="18" name="接點: 肘形 17">
-            <a:extLst>
-              <a:ext uri="{FF2B5EF4-FFF2-40B4-BE49-F238E27FC236}">
-                <a16:creationId xmlns:a16="http://schemas.microsoft.com/office/drawing/2014/main" id="{62371D8B-66C2-44AA-83D9-56B64AE128A9}"/>
-              </a:ext>
-            </a:extLst>
-          </p:cNvPr>
-          <p:cNvCxnSpPr>
-            <a:cxnSpLocks/>
-            <a:stCxn id="5" idx="2"/>
-            <a:endCxn id="16" idx="0"/>
-          </p:cNvCxnSpPr>
-          <p:nvPr/>
-        </p:nvCxnSpPr>
-        <p:spPr>
-          <a:xfrm rot="16200000" flipH="1">
-            <a:off x="3648498" y="2407527"/>
-            <a:ext cx="899141" cy="1731141"/>
-          </a:xfrm>
-          <a:prstGeom prst="bentConnector3">
-            <a:avLst/>
-          </a:prstGeom>
-          <a:ln w="38100">
-            <a:solidFill>
-              <a:schemeClr val="accent5">
-                <a:lumMod val="60000"/>
-                <a:lumOff val="40000"/>
-              </a:schemeClr>
-            </a:solidFill>
-            <a:tailEnd type="triangle"/>
-          </a:ln>
-        </p:spPr>
-        <p:style>
-          <a:lnRef idx="1">
-            <a:schemeClr val="accent1"/>
-          </a:lnRef>
-          <a:fillRef idx="0">
-            <a:schemeClr val="accent1"/>
-          </a:fillRef>
-          <a:effectRef idx="0">
-            <a:schemeClr val="accent1"/>
-          </a:effectRef>
-          <a:fontRef idx="minor">
-            <a:schemeClr val="tx1"/>
-          </a:fontRef>
-        </p:style>
-      </p:cxnSp>
-      <p:cxnSp>
-        <p:nvCxnSpPr>
-          <p:cNvPr id="20" name="接點: 肘形 19">
-            <a:extLst>
-              <a:ext uri="{FF2B5EF4-FFF2-40B4-BE49-F238E27FC236}">
-                <a16:creationId xmlns:a16="http://schemas.microsoft.com/office/drawing/2014/main" id="{135C5C90-C951-4339-BBCE-ADDD5E510F85}"/>
-              </a:ext>
-            </a:extLst>
-          </p:cNvPr>
-          <p:cNvCxnSpPr>
-            <a:cxnSpLocks/>
-            <a:stCxn id="16" idx="2"/>
-            <a:endCxn id="17" idx="0"/>
-          </p:cNvCxnSpPr>
-          <p:nvPr/>
-        </p:nvCxnSpPr>
-        <p:spPr>
-          <a:xfrm rot="16200000" flipH="1">
-            <a:off x="5479828" y="3866020"/>
-            <a:ext cx="899142" cy="1931520"/>
-          </a:xfrm>
-          <a:prstGeom prst="bentConnector3">
-            <a:avLst>
-              <a:gd name="adj1" fmla="val 50000"/>
-            </a:avLst>
-          </a:prstGeom>
-          <a:ln w="38100">
-            <a:solidFill>
-              <a:schemeClr val="accent5">
-                <a:lumMod val="60000"/>
-                <a:lumOff val="40000"/>
-              </a:schemeClr>
-            </a:solidFill>
-            <a:tailEnd type="triangle"/>
-          </a:ln>
-        </p:spPr>
-        <p:style>
-          <a:lnRef idx="1">
-            <a:schemeClr val="accent1"/>
-          </a:lnRef>
-          <a:fillRef idx="0">
-            <a:schemeClr val="accent1"/>
-          </a:fillRef>
-          <a:effectRef idx="0">
-            <a:schemeClr val="accent1"/>
-          </a:effectRef>
-          <a:fontRef idx="minor">
-            <a:schemeClr val="tx1"/>
-          </a:fontRef>
-        </p:style>
-      </p:cxnSp>
     </p:spTree>
     <p:extLst>
       <p:ext uri="{BB962C8B-B14F-4D97-AF65-F5344CB8AC3E}">
-        <p14:creationId xmlns:p14="http://schemas.microsoft.com/office/powerpoint/2010/main" val="863031892"/>
+        <p14:creationId xmlns:p14="http://schemas.microsoft.com/office/powerpoint/2010/main" val="3948968883"/>
       </p:ext>
     </p:extLst>
   </p:cSld>
@@ -5843,10 +5625,10 @@
       </p:pic>
       <p:sp>
         <p:nvSpPr>
-          <p:cNvPr id="5" name="矩形 4">
-            <a:extLst>
-              <a:ext uri="{FF2B5EF4-FFF2-40B4-BE49-F238E27FC236}">
-                <a16:creationId xmlns:a16="http://schemas.microsoft.com/office/drawing/2014/main" id="{AA3ECC21-343E-4408-A40F-0382BA633D21}"/>
+          <p:cNvPr id="9" name="矩形 8">
+            <a:extLst>
+              <a:ext uri="{FF2B5EF4-FFF2-40B4-BE49-F238E27FC236}">
+                <a16:creationId xmlns:a16="http://schemas.microsoft.com/office/drawing/2014/main" id="{92C15B3E-BBBE-4D6B-86D5-1CB517E65301}"/>
               </a:ext>
             </a:extLst>
           </p:cNvPr>
@@ -5855,8 +5637,8 @@
         </p:nvSpPr>
         <p:spPr>
           <a:xfrm>
-            <a:off x="729809" y="440693"/>
-            <a:ext cx="2456122" cy="578492"/>
+            <a:off x="729809" y="608473"/>
+            <a:ext cx="5411546" cy="578492"/>
           </a:xfrm>
           <a:prstGeom prst="rect">
             <a:avLst/>
@@ -5878,17 +5660,17 @@
                 <a:latin typeface="微軟正黑體" panose="020B0604030504040204" pitchFamily="34" charset="-120"/>
                 <a:ea typeface="微軟正黑體" panose="020B0604030504040204" pitchFamily="34" charset="-120"/>
               </a:rPr>
-              <a:t>Some examples</a:t>
+              <a:t>Address - Binding Names to Objects</a:t>
             </a:r>
           </a:p>
         </p:txBody>
       </p:sp>
       <p:pic>
         <p:nvPicPr>
-          <p:cNvPr id="8" name="圖片 7">
-            <a:extLst>
-              <a:ext uri="{FF2B5EF4-FFF2-40B4-BE49-F238E27FC236}">
-                <a16:creationId xmlns:a16="http://schemas.microsoft.com/office/drawing/2014/main" id="{4200DA8D-0216-46B3-9B7C-F9F2B56DEF71}"/>
+          <p:cNvPr id="8" name="圖片 7" descr="一張含有 螢幕擷取畫面 的圖片&#10;&#10;自動產生的描述">
+            <a:extLst>
+              <a:ext uri="{FF2B5EF4-FFF2-40B4-BE49-F238E27FC236}">
+                <a16:creationId xmlns:a16="http://schemas.microsoft.com/office/drawing/2014/main" id="{C0EE1147-F783-4B9A-9312-2337387466D3}"/>
               </a:ext>
             </a:extLst>
           </p:cNvPr>
@@ -5911,96 +5693,18 @@
         </p:blipFill>
         <p:spPr>
           <a:xfrm>
-            <a:off x="729809" y="1378999"/>
-            <a:ext cx="7684382" cy="697655"/>
+            <a:off x="729809" y="1647447"/>
+            <a:ext cx="7776154" cy="2700484"/>
           </a:xfrm>
           <a:prstGeom prst="rect">
             <a:avLst/>
           </a:prstGeom>
         </p:spPr>
       </p:pic>
-      <p:pic>
-        <p:nvPicPr>
-          <p:cNvPr id="10" name="圖片 9" descr="一張含有 螢幕擷取畫面 的圖片&#10;&#10;自動產生的描述">
-            <a:extLst>
-              <a:ext uri="{FF2B5EF4-FFF2-40B4-BE49-F238E27FC236}">
-                <a16:creationId xmlns:a16="http://schemas.microsoft.com/office/drawing/2014/main" id="{73B11239-8DA8-4182-B7AE-9BD67014E139}"/>
-              </a:ext>
-            </a:extLst>
-          </p:cNvPr>
-          <p:cNvPicPr>
-            <a:picLocks noChangeAspect="1"/>
-          </p:cNvPicPr>
-          <p:nvPr/>
-        </p:nvPicPr>
-        <p:blipFill>
-          <a:blip r:embed="rId5">
-            <a:extLst>
-              <a:ext uri="{28A0092B-C50C-407E-A947-70E740481C1C}">
-                <a14:useLocalDpi xmlns:a14="http://schemas.microsoft.com/office/drawing/2010/main" val="0"/>
-              </a:ext>
-            </a:extLst>
-          </a:blip>
-          <a:stretch>
-            <a:fillRect/>
-          </a:stretch>
-        </p:blipFill>
-        <p:spPr>
-          <a:xfrm>
-            <a:off x="729809" y="2677065"/>
-            <a:ext cx="7693451" cy="3231046"/>
-          </a:xfrm>
-          <a:prstGeom prst="rect">
-            <a:avLst/>
-          </a:prstGeom>
-        </p:spPr>
-      </p:pic>
-      <p:sp>
-        <p:nvSpPr>
-          <p:cNvPr id="11" name="矩形 10">
-            <a:extLst>
-              <a:ext uri="{FF2B5EF4-FFF2-40B4-BE49-F238E27FC236}">
-                <a16:creationId xmlns:a16="http://schemas.microsoft.com/office/drawing/2014/main" id="{C07107BD-2114-4B03-927E-012BF1309FD8}"/>
-              </a:ext>
-            </a:extLst>
-          </p:cNvPr>
-          <p:cNvSpPr/>
-          <p:nvPr/>
-        </p:nvSpPr>
-        <p:spPr>
-          <a:xfrm>
-            <a:off x="1178923" y="2168661"/>
-            <a:ext cx="6786153" cy="416396"/>
-          </a:xfrm>
-          <a:prstGeom prst="rect">
-            <a:avLst/>
-          </a:prstGeom>
-        </p:spPr>
-        <p:txBody>
-          <a:bodyPr wrap="none">
-            <a:spAutoFit/>
-          </a:bodyPr>
-          <a:lstStyle/>
-          <a:p>
-            <a:pPr>
-              <a:lnSpc>
-                <a:spcPct val="150000"/>
-              </a:lnSpc>
-            </a:pPr>
-            <a:r>
-              <a:rPr lang="en-US" altLang="zh-TW" sz="1600" b="1" dirty="0">
-                <a:latin typeface="微軟正黑體" panose="020B0604030504040204" pitchFamily="34" charset="-120"/>
-                <a:ea typeface="微軟正黑體" panose="020B0604030504040204" pitchFamily="34" charset="-120"/>
-              </a:rPr>
-              <a:t>You can either plot a list directly or assign some specific X's and Y's.</a:t>
-            </a:r>
-          </a:p>
-        </p:txBody>
-      </p:sp>
     </p:spTree>
     <p:extLst>
       <p:ext uri="{BB962C8B-B14F-4D97-AF65-F5344CB8AC3E}">
-        <p14:creationId xmlns:p14="http://schemas.microsoft.com/office/powerpoint/2010/main" val="797468573"/>
+        <p14:creationId xmlns:p14="http://schemas.microsoft.com/office/powerpoint/2010/main" val="1144447257"/>
       </p:ext>
     </p:extLst>
   </p:cSld>
@@ -6101,10 +5805,10 @@
       </p:pic>
       <p:pic>
         <p:nvPicPr>
-          <p:cNvPr id="9" name="圖片 8" descr="一張含有 螢幕擷取畫面 的圖片&#10;&#10;自動產生的描述">
-            <a:extLst>
-              <a:ext uri="{FF2B5EF4-FFF2-40B4-BE49-F238E27FC236}">
-                <a16:creationId xmlns:a16="http://schemas.microsoft.com/office/drawing/2014/main" id="{90E71E63-51A8-4C50-A2EA-C015EB770692}"/>
+          <p:cNvPr id="5" name="圖片 4" descr="一張含有 螢幕擷取畫面 的圖片&#10;&#10;自動產生的描述">
+            <a:extLst>
+              <a:ext uri="{FF2B5EF4-FFF2-40B4-BE49-F238E27FC236}">
+                <a16:creationId xmlns:a16="http://schemas.microsoft.com/office/drawing/2014/main" id="{6C853FD9-339B-4DB6-B986-AC912A3F72A8}"/>
               </a:ext>
             </a:extLst>
           </p:cNvPr>
@@ -6127,95 +5831,18 @@
         </p:blipFill>
         <p:spPr>
           <a:xfrm>
-            <a:off x="729808" y="344527"/>
-            <a:ext cx="7684382" cy="2825215"/>
+            <a:off x="729809" y="1647447"/>
+            <a:ext cx="7776154" cy="2583474"/>
           </a:xfrm>
           <a:prstGeom prst="rect">
             <a:avLst/>
           </a:prstGeom>
         </p:spPr>
       </p:pic>
-      <p:pic>
-        <p:nvPicPr>
-          <p:cNvPr id="11" name="圖片 10" descr="一張含有 螢幕擷取畫面 的圖片&#10;&#10;自動產生的描述">
-            <a:extLst>
-              <a:ext uri="{FF2B5EF4-FFF2-40B4-BE49-F238E27FC236}">
-                <a16:creationId xmlns:a16="http://schemas.microsoft.com/office/drawing/2014/main" id="{F4AB5E2B-665B-4BE0-9F88-606249884B63}"/>
-              </a:ext>
-            </a:extLst>
-          </p:cNvPr>
-          <p:cNvPicPr>
-            <a:picLocks noChangeAspect="1"/>
-          </p:cNvPicPr>
-          <p:nvPr/>
-        </p:nvPicPr>
-        <p:blipFill rotWithShape="1">
-          <a:blip r:embed="rId5">
-            <a:extLst>
-              <a:ext uri="{28A0092B-C50C-407E-A947-70E740481C1C}">
-                <a14:useLocalDpi xmlns:a14="http://schemas.microsoft.com/office/drawing/2010/main" val="0"/>
-              </a:ext>
-            </a:extLst>
-          </a:blip>
-          <a:srcRect r="57547"/>
-          <a:stretch/>
-        </p:blipFill>
-        <p:spPr>
-          <a:xfrm>
-            <a:off x="4967795" y="3427091"/>
-            <a:ext cx="3262239" cy="2678585"/>
-          </a:xfrm>
-          <a:prstGeom prst="rect">
-            <a:avLst/>
-          </a:prstGeom>
-        </p:spPr>
-      </p:pic>
-      <p:sp>
-        <p:nvSpPr>
-          <p:cNvPr id="12" name="矩形 11">
-            <a:extLst>
-              <a:ext uri="{FF2B5EF4-FFF2-40B4-BE49-F238E27FC236}">
-                <a16:creationId xmlns:a16="http://schemas.microsoft.com/office/drawing/2014/main" id="{1C1C0AD6-C729-41AC-80D8-929974F13442}"/>
-              </a:ext>
-            </a:extLst>
-          </p:cNvPr>
-          <p:cNvSpPr/>
-          <p:nvPr/>
-        </p:nvSpPr>
-        <p:spPr>
-          <a:xfrm>
-            <a:off x="1619040" y="3427091"/>
-            <a:ext cx="3262240" cy="416396"/>
-          </a:xfrm>
-          <a:prstGeom prst="rect">
-            <a:avLst/>
-          </a:prstGeom>
-        </p:spPr>
-        <p:txBody>
-          <a:bodyPr wrap="none">
-            <a:spAutoFit/>
-          </a:bodyPr>
-          <a:lstStyle/>
-          <a:p>
-            <a:pPr>
-              <a:lnSpc>
-                <a:spcPct val="150000"/>
-              </a:lnSpc>
-            </a:pPr>
-            <a:r>
-              <a:rPr lang="en-US" altLang="zh-TW" sz="1600" b="1" dirty="0">
-                <a:latin typeface="微軟正黑體" panose="020B0604030504040204" pitchFamily="34" charset="-120"/>
-                <a:ea typeface="微軟正黑體" panose="020B0604030504040204" pitchFamily="34" charset="-120"/>
-              </a:rPr>
-              <a:t>You can slice the list and plot it.</a:t>
-            </a:r>
-          </a:p>
-        </p:txBody>
-      </p:sp>
     </p:spTree>
     <p:extLst>
       <p:ext uri="{BB962C8B-B14F-4D97-AF65-F5344CB8AC3E}">
-        <p14:creationId xmlns:p14="http://schemas.microsoft.com/office/powerpoint/2010/main" val="912473192"/>
+        <p14:creationId xmlns:p14="http://schemas.microsoft.com/office/powerpoint/2010/main" val="3284996421"/>
       </p:ext>
     </p:extLst>
   </p:cSld>
@@ -6316,10 +5943,10 @@
       </p:pic>
       <p:sp>
         <p:nvSpPr>
-          <p:cNvPr id="8" name="矩形 7">
-            <a:extLst>
-              <a:ext uri="{FF2B5EF4-FFF2-40B4-BE49-F238E27FC236}">
-                <a16:creationId xmlns:a16="http://schemas.microsoft.com/office/drawing/2014/main" id="{B3CCD8B6-CEA2-4069-BB6E-67A689369320}"/>
+          <p:cNvPr id="5" name="矩形 4">
+            <a:extLst>
+              <a:ext uri="{FF2B5EF4-FFF2-40B4-BE49-F238E27FC236}">
+                <a16:creationId xmlns:a16="http://schemas.microsoft.com/office/drawing/2014/main" id="{973E8D2D-159F-4A54-A9F3-55342886FD40}"/>
               </a:ext>
             </a:extLst>
           </p:cNvPr>
@@ -6328,8 +5955,8 @@
         </p:nvSpPr>
         <p:spPr>
           <a:xfrm>
-            <a:off x="729809" y="533493"/>
-            <a:ext cx="965329" cy="416396"/>
+            <a:off x="729809" y="608473"/>
+            <a:ext cx="2898550" cy="578492"/>
           </a:xfrm>
           <a:prstGeom prst="rect">
             <a:avLst/>
@@ -6347,21 +5974,21 @@
               </a:lnSpc>
             </a:pPr>
             <a:r>
-              <a:rPr lang="en-US" altLang="zh-TW" sz="1600" b="1" dirty="0">
+              <a:rPr lang="en-US" altLang="zh-TW" sz="2400" dirty="0">
                 <a:latin typeface="微軟正黑體" panose="020B0604030504040204" pitchFamily="34" charset="-120"/>
                 <a:ea typeface="微軟正黑體" panose="020B0604030504040204" pitchFamily="34" charset="-120"/>
               </a:rPr>
-              <a:t>Bar plot</a:t>
+              <a:t>Call by assignment</a:t>
             </a:r>
           </a:p>
         </p:txBody>
       </p:sp>
       <p:pic>
         <p:nvPicPr>
-          <p:cNvPr id="10" name="圖片 9" descr="一張含有 螢幕擷取畫面 的圖片&#10;&#10;自動產生的描述">
-            <a:extLst>
-              <a:ext uri="{FF2B5EF4-FFF2-40B4-BE49-F238E27FC236}">
-                <a16:creationId xmlns:a16="http://schemas.microsoft.com/office/drawing/2014/main" id="{42A5AEEC-C3D8-4259-A36A-D7CA607C5E14}"/>
+          <p:cNvPr id="7" name="圖片 6" descr="一張含有 螢幕擷取畫面 的圖片&#10;&#10;自動產生的描述">
+            <a:extLst>
+              <a:ext uri="{FF2B5EF4-FFF2-40B4-BE49-F238E27FC236}">
+                <a16:creationId xmlns:a16="http://schemas.microsoft.com/office/drawing/2014/main" id="{D4D3C773-0B2E-4F52-AFDE-A313B4222ACC}"/>
               </a:ext>
             </a:extLst>
           </p:cNvPr>
@@ -6384,86 +6011,8 @@
         </p:blipFill>
         <p:spPr>
           <a:xfrm>
-            <a:off x="729809" y="949889"/>
-            <a:ext cx="3554388" cy="2820203"/>
-          </a:xfrm>
-          <a:prstGeom prst="rect">
-            <a:avLst/>
-          </a:prstGeom>
-        </p:spPr>
-      </p:pic>
-      <p:sp>
-        <p:nvSpPr>
-          <p:cNvPr id="11" name="矩形 10">
-            <a:extLst>
-              <a:ext uri="{FF2B5EF4-FFF2-40B4-BE49-F238E27FC236}">
-                <a16:creationId xmlns:a16="http://schemas.microsoft.com/office/drawing/2014/main" id="{866928DE-68AC-42A3-91B2-8BEF73E4D9FB}"/>
-              </a:ext>
-            </a:extLst>
-          </p:cNvPr>
-          <p:cNvSpPr/>
-          <p:nvPr/>
-        </p:nvSpPr>
-        <p:spPr>
-          <a:xfrm>
-            <a:off x="4572000" y="2878497"/>
-            <a:ext cx="1226490" cy="416396"/>
-          </a:xfrm>
-          <a:prstGeom prst="rect">
-            <a:avLst/>
-          </a:prstGeom>
-        </p:spPr>
-        <p:txBody>
-          <a:bodyPr wrap="none">
-            <a:spAutoFit/>
-          </a:bodyPr>
-          <a:lstStyle/>
-          <a:p>
-            <a:pPr>
-              <a:lnSpc>
-                <a:spcPct val="150000"/>
-              </a:lnSpc>
-            </a:pPr>
-            <a:r>
-              <a:rPr lang="en-US" altLang="zh-TW" sz="1600" b="1" dirty="0">
-                <a:latin typeface="微軟正黑體" panose="020B0604030504040204" pitchFamily="34" charset="-120"/>
-                <a:ea typeface="微軟正黑體" panose="020B0604030504040204" pitchFamily="34" charset="-120"/>
-              </a:rPr>
-              <a:t>Customize</a:t>
-            </a:r>
-          </a:p>
-        </p:txBody>
-      </p:sp>
-      <p:pic>
-        <p:nvPicPr>
-          <p:cNvPr id="13" name="圖片 12" descr="一張含有 螢幕擷取畫面 的圖片&#10;&#10;自動產生的描述">
-            <a:extLst>
-              <a:ext uri="{FF2B5EF4-FFF2-40B4-BE49-F238E27FC236}">
-                <a16:creationId xmlns:a16="http://schemas.microsoft.com/office/drawing/2014/main" id="{D6E2773D-63D9-439A-B4CC-5586E7630C23}"/>
-              </a:ext>
-            </a:extLst>
-          </p:cNvPr>
-          <p:cNvPicPr>
-            <a:picLocks noChangeAspect="1"/>
-          </p:cNvPicPr>
-          <p:nvPr/>
-        </p:nvPicPr>
-        <p:blipFill>
-          <a:blip r:embed="rId5">
-            <a:extLst>
-              <a:ext uri="{28A0092B-C50C-407E-A947-70E740481C1C}">
-                <a14:useLocalDpi xmlns:a14="http://schemas.microsoft.com/office/drawing/2010/main" val="0"/>
-              </a:ext>
-            </a:extLst>
-          </a:blip>
-          <a:stretch>
-            <a:fillRect/>
-          </a:stretch>
-        </p:blipFill>
-        <p:spPr>
-          <a:xfrm>
-            <a:off x="4572000" y="3294894"/>
-            <a:ext cx="3551480" cy="3100875"/>
+            <a:off x="729809" y="1647447"/>
+            <a:ext cx="7776154" cy="3447479"/>
           </a:xfrm>
           <a:prstGeom prst="rect">
             <a:avLst/>
@@ -6473,7 +6022,7 @@
     </p:spTree>
     <p:extLst>
       <p:ext uri="{BB962C8B-B14F-4D97-AF65-F5344CB8AC3E}">
-        <p14:creationId xmlns:p14="http://schemas.microsoft.com/office/powerpoint/2010/main" val="699820645"/>
+        <p14:creationId xmlns:p14="http://schemas.microsoft.com/office/powerpoint/2010/main" val="463498846"/>
       </p:ext>
     </p:extLst>
   </p:cSld>
@@ -6572,12 +6121,236 @@
           </a:prstGeom>
         </p:spPr>
       </p:pic>
+      <p:cxnSp>
+        <p:nvCxnSpPr>
+          <p:cNvPr id="5" name="直線接點 4">
+            <a:extLst>
+              <a:ext uri="{FF2B5EF4-FFF2-40B4-BE49-F238E27FC236}">
+                <a16:creationId xmlns:a16="http://schemas.microsoft.com/office/drawing/2014/main" id="{D5F0CB79-799A-4CC2-98F0-75E3818BB5BB}"/>
+              </a:ext>
+            </a:extLst>
+          </p:cNvPr>
+          <p:cNvCxnSpPr>
+            <a:cxnSpLocks/>
+          </p:cNvCxnSpPr>
+          <p:nvPr/>
+        </p:nvCxnSpPr>
+        <p:spPr>
+          <a:xfrm>
+            <a:off x="678535" y="637564"/>
+            <a:ext cx="285226" cy="503339"/>
+          </a:xfrm>
+          <a:prstGeom prst="line">
+            <a:avLst/>
+          </a:prstGeom>
+          <a:ln w="28575">
+            <a:solidFill>
+              <a:schemeClr val="bg1">
+                <a:lumMod val="50000"/>
+              </a:schemeClr>
+            </a:solidFill>
+          </a:ln>
+        </p:spPr>
+        <p:style>
+          <a:lnRef idx="1">
+            <a:schemeClr val="accent1"/>
+          </a:lnRef>
+          <a:fillRef idx="0">
+            <a:schemeClr val="accent1"/>
+          </a:fillRef>
+          <a:effectRef idx="0">
+            <a:schemeClr val="accent1"/>
+          </a:effectRef>
+          <a:fontRef idx="minor">
+            <a:schemeClr val="tx1"/>
+          </a:fontRef>
+        </p:style>
+      </p:cxnSp>
+      <p:cxnSp>
+        <p:nvCxnSpPr>
+          <p:cNvPr id="6" name="直線接點 5">
+            <a:extLst>
+              <a:ext uri="{FF2B5EF4-FFF2-40B4-BE49-F238E27FC236}">
+                <a16:creationId xmlns:a16="http://schemas.microsoft.com/office/drawing/2014/main" id="{922E2757-E96E-4B60-8304-8FB93A805828}"/>
+              </a:ext>
+            </a:extLst>
+          </p:cNvPr>
+          <p:cNvCxnSpPr>
+            <a:cxnSpLocks/>
+          </p:cNvCxnSpPr>
+          <p:nvPr/>
+        </p:nvCxnSpPr>
+        <p:spPr>
+          <a:xfrm>
+            <a:off x="963761" y="1140903"/>
+            <a:ext cx="3162650" cy="0"/>
+          </a:xfrm>
+          <a:prstGeom prst="line">
+            <a:avLst/>
+          </a:prstGeom>
+          <a:ln w="28575">
+            <a:solidFill>
+              <a:schemeClr val="bg1">
+                <a:lumMod val="50000"/>
+              </a:schemeClr>
+            </a:solidFill>
+          </a:ln>
+        </p:spPr>
+        <p:style>
+          <a:lnRef idx="1">
+            <a:schemeClr val="accent1"/>
+          </a:lnRef>
+          <a:fillRef idx="0">
+            <a:schemeClr val="accent1"/>
+          </a:fillRef>
+          <a:effectRef idx="0">
+            <a:schemeClr val="accent1"/>
+          </a:effectRef>
+          <a:fontRef idx="minor">
+            <a:schemeClr val="tx1"/>
+          </a:fontRef>
+        </p:style>
+      </p:cxnSp>
+      <p:cxnSp>
+        <p:nvCxnSpPr>
+          <p:cNvPr id="7" name="直線接點 6">
+            <a:extLst>
+              <a:ext uri="{FF2B5EF4-FFF2-40B4-BE49-F238E27FC236}">
+                <a16:creationId xmlns:a16="http://schemas.microsoft.com/office/drawing/2014/main" id="{742066B1-934E-4E50-8862-0E4B0976815C}"/>
+              </a:ext>
+            </a:extLst>
+          </p:cNvPr>
+          <p:cNvCxnSpPr>
+            <a:cxnSpLocks/>
+          </p:cNvCxnSpPr>
+          <p:nvPr/>
+        </p:nvCxnSpPr>
+        <p:spPr>
+          <a:xfrm>
+            <a:off x="4126411" y="1140904"/>
+            <a:ext cx="285226" cy="503339"/>
+          </a:xfrm>
+          <a:prstGeom prst="line">
+            <a:avLst/>
+          </a:prstGeom>
+          <a:ln w="28575">
+            <a:solidFill>
+              <a:schemeClr val="bg1">
+                <a:lumMod val="50000"/>
+              </a:schemeClr>
+            </a:solidFill>
+          </a:ln>
+        </p:spPr>
+        <p:style>
+          <a:lnRef idx="1">
+            <a:schemeClr val="accent1"/>
+          </a:lnRef>
+          <a:fillRef idx="0">
+            <a:schemeClr val="accent1"/>
+          </a:fillRef>
+          <a:effectRef idx="0">
+            <a:schemeClr val="accent1"/>
+          </a:effectRef>
+          <a:fontRef idx="minor">
+            <a:schemeClr val="tx1"/>
+          </a:fontRef>
+        </p:style>
+      </p:cxnSp>
+      <p:sp>
+        <p:nvSpPr>
+          <p:cNvPr id="8" name="文字方塊 7">
+            <a:extLst>
+              <a:ext uri="{FF2B5EF4-FFF2-40B4-BE49-F238E27FC236}">
+                <a16:creationId xmlns:a16="http://schemas.microsoft.com/office/drawing/2014/main" id="{F37CB849-7B3F-4D20-B9C9-8EADDC6746E2}"/>
+              </a:ext>
+            </a:extLst>
+          </p:cNvPr>
+          <p:cNvSpPr txBox="1"/>
+          <p:nvPr/>
+        </p:nvSpPr>
+        <p:spPr>
+          <a:xfrm>
+            <a:off x="963761" y="433017"/>
+            <a:ext cx="2682145" cy="707886"/>
+          </a:xfrm>
+          <a:prstGeom prst="rect">
+            <a:avLst/>
+          </a:prstGeom>
+          <a:noFill/>
+        </p:spPr>
+        <p:txBody>
+          <a:bodyPr wrap="none" rtlCol="0">
+            <a:spAutoFit/>
+          </a:bodyPr>
+          <a:lstStyle/>
+          <a:p>
+            <a:r>
+              <a:rPr lang="en-US" altLang="zh-TW" sz="4000" dirty="0">
+                <a:latin typeface="微軟正黑體" panose="020B0604030504040204" pitchFamily="34" charset="-120"/>
+                <a:ea typeface="微軟正黑體" panose="020B0604030504040204" pitchFamily="34" charset="-120"/>
+                <a:cs typeface="Times New Roman" panose="02020603050405020304" pitchFamily="18" charset="0"/>
+                <a:hlinkClick r:id="rId4"/>
+              </a:rPr>
+              <a:t>matplotlib</a:t>
+            </a:r>
+            <a:endParaRPr lang="zh-TW" altLang="en-US" sz="4000" dirty="0">
+              <a:latin typeface="微軟正黑體" panose="020B0604030504040204" pitchFamily="34" charset="-120"/>
+              <a:ea typeface="微軟正黑體" panose="020B0604030504040204" pitchFamily="34" charset="-120"/>
+              <a:cs typeface="Times New Roman" panose="02020603050405020304" pitchFamily="18" charset="0"/>
+            </a:endParaRPr>
+          </a:p>
+        </p:txBody>
+      </p:sp>
+      <p:sp>
+        <p:nvSpPr>
+          <p:cNvPr id="10" name="文字方塊 9">
+            <a:extLst>
+              <a:ext uri="{FF2B5EF4-FFF2-40B4-BE49-F238E27FC236}">
+                <a16:creationId xmlns:a16="http://schemas.microsoft.com/office/drawing/2014/main" id="{7E676790-64E8-4754-B12A-E1C16C54D948}"/>
+              </a:ext>
+            </a:extLst>
+          </p:cNvPr>
+          <p:cNvSpPr txBox="1"/>
+          <p:nvPr/>
+        </p:nvSpPr>
+        <p:spPr>
+          <a:xfrm>
+            <a:off x="1378690" y="5517041"/>
+            <a:ext cx="6386620" cy="400110"/>
+          </a:xfrm>
+          <a:prstGeom prst="rect">
+            <a:avLst/>
+          </a:prstGeom>
+          <a:noFill/>
+        </p:spPr>
+        <p:txBody>
+          <a:bodyPr wrap="none" rtlCol="0">
+            <a:spAutoFit/>
+          </a:bodyPr>
+          <a:lstStyle/>
+          <a:p>
+            <a:r>
+              <a:rPr lang="en-US" altLang="zh-TW" sz="2000" u="sng" dirty="0">
+                <a:solidFill>
+                  <a:srgbClr val="FF0000"/>
+                </a:solidFill>
+              </a:rPr>
+              <a:t>Check out what parameters should be put in each functions</a:t>
+            </a:r>
+            <a:endParaRPr lang="zh-TW" altLang="en-US" sz="2000" u="sng" dirty="0">
+              <a:solidFill>
+                <a:srgbClr val="FF0000"/>
+              </a:solidFill>
+            </a:endParaRPr>
+          </a:p>
+        </p:txBody>
+      </p:sp>
       <p:pic>
         <p:nvPicPr>
-          <p:cNvPr id="5" name="圖片 4" descr="一張含有 螢幕擷取畫面 的圖片&#10;&#10;自動產生的描述">
-            <a:extLst>
-              <a:ext uri="{FF2B5EF4-FFF2-40B4-BE49-F238E27FC236}">
-                <a16:creationId xmlns:a16="http://schemas.microsoft.com/office/drawing/2014/main" id="{017F5FC1-29ED-4CFA-BEAF-439D73E4739B}"/>
+          <p:cNvPr id="11" name="圖片 10" descr="一張含有 螢幕擷取畫面 的圖片&#10;&#10;自動產生的描述">
+            <a:extLst>
+              <a:ext uri="{FF2B5EF4-FFF2-40B4-BE49-F238E27FC236}">
+                <a16:creationId xmlns:a16="http://schemas.microsoft.com/office/drawing/2014/main" id="{4722C2FA-BC24-42DE-9581-6D7405E8D176}"/>
               </a:ext>
             </a:extLst>
           </p:cNvPr>
@@ -6587,7 +6360,7 @@
           <p:nvPr/>
         </p:nvPicPr>
         <p:blipFill>
-          <a:blip r:embed="rId4">
+          <a:blip r:embed="rId5">
             <a:extLst>
               <a:ext uri="{28A0092B-C50C-407E-A947-70E740481C1C}">
                 <a14:useLocalDpi xmlns:a14="http://schemas.microsoft.com/office/drawing/2010/main" val="0"/>
@@ -6600,60 +6373,54 @@
         </p:blipFill>
         <p:spPr>
           <a:xfrm>
-            <a:off x="1702175" y="1189519"/>
-            <a:ext cx="5739649" cy="4478962"/>
+            <a:off x="1134858" y="1420593"/>
+            <a:ext cx="2389583" cy="3656785"/>
           </a:xfrm>
           <a:prstGeom prst="rect">
             <a:avLst/>
           </a:prstGeom>
         </p:spPr>
       </p:pic>
-      <p:sp>
-        <p:nvSpPr>
-          <p:cNvPr id="6" name="矩形 5">
-            <a:extLst>
-              <a:ext uri="{FF2B5EF4-FFF2-40B4-BE49-F238E27FC236}">
-                <a16:creationId xmlns:a16="http://schemas.microsoft.com/office/drawing/2014/main" id="{52B25D5E-A842-4EEE-8E34-10646778A9D6}"/>
-              </a:ext>
-            </a:extLst>
-          </p:cNvPr>
-          <p:cNvSpPr/>
-          <p:nvPr/>
-        </p:nvSpPr>
-        <p:spPr>
-          <a:xfrm>
-            <a:off x="1308354" y="568953"/>
-            <a:ext cx="2114681" cy="416396"/>
-          </a:xfrm>
-          <a:prstGeom prst="rect">
-            <a:avLst/>
-          </a:prstGeom>
-        </p:spPr>
-        <p:txBody>
-          <a:bodyPr wrap="none">
-            <a:spAutoFit/>
-          </a:bodyPr>
-          <a:lstStyle/>
-          <a:p>
-            <a:pPr>
-              <a:lnSpc>
-                <a:spcPct val="150000"/>
-              </a:lnSpc>
-            </a:pPr>
-            <a:r>
-              <a:rPr lang="en-US" altLang="zh-TW" sz="1600" b="1" dirty="0">
-                <a:latin typeface="微軟正黑體" panose="020B0604030504040204" pitchFamily="34" charset="-120"/>
-                <a:ea typeface="微軟正黑體" panose="020B0604030504040204" pitchFamily="34" charset="-120"/>
-              </a:rPr>
-              <a:t>Setting X tick labels</a:t>
-            </a:r>
-          </a:p>
-        </p:txBody>
-      </p:sp>
+      <p:pic>
+        <p:nvPicPr>
+          <p:cNvPr id="12" name="圖片 11" descr="一張含有 螢幕擷取畫面 的圖片&#10;&#10;自動產生的描述">
+            <a:extLst>
+              <a:ext uri="{FF2B5EF4-FFF2-40B4-BE49-F238E27FC236}">
+                <a16:creationId xmlns:a16="http://schemas.microsoft.com/office/drawing/2014/main" id="{1DF7228C-6A44-430A-8726-87E3AAAD40DA}"/>
+              </a:ext>
+            </a:extLst>
+          </p:cNvPr>
+          <p:cNvPicPr>
+            <a:picLocks noChangeAspect="1"/>
+          </p:cNvPicPr>
+          <p:nvPr/>
+        </p:nvPicPr>
+        <p:blipFill>
+          <a:blip r:embed="rId6">
+            <a:extLst>
+              <a:ext uri="{28A0092B-C50C-407E-A947-70E740481C1C}">
+                <a14:useLocalDpi xmlns:a14="http://schemas.microsoft.com/office/drawing/2010/main" val="0"/>
+              </a:ext>
+            </a:extLst>
+          </a:blip>
+          <a:stretch>
+            <a:fillRect/>
+          </a:stretch>
+        </p:blipFill>
+        <p:spPr>
+          <a:xfrm>
+            <a:off x="5039500" y="1420593"/>
+            <a:ext cx="2971215" cy="3765702"/>
+          </a:xfrm>
+          <a:prstGeom prst="rect">
+            <a:avLst/>
+          </a:prstGeom>
+        </p:spPr>
+      </p:pic>
     </p:spTree>
     <p:extLst>
       <p:ext uri="{BB962C8B-B14F-4D97-AF65-F5344CB8AC3E}">
-        <p14:creationId xmlns:p14="http://schemas.microsoft.com/office/powerpoint/2010/main" val="2388961411"/>
+        <p14:creationId xmlns:p14="http://schemas.microsoft.com/office/powerpoint/2010/main" val="1612569964"/>
       </p:ext>
     </p:extLst>
   </p:cSld>
@@ -6757,7 +6524,7 @@
           <p:cNvPr id="5" name="矩形 4">
             <a:extLst>
               <a:ext uri="{FF2B5EF4-FFF2-40B4-BE49-F238E27FC236}">
-                <a16:creationId xmlns:a16="http://schemas.microsoft.com/office/drawing/2014/main" id="{8A82B761-6E25-41CE-9D5A-9439E7E2123E}"/>
+                <a16:creationId xmlns:a16="http://schemas.microsoft.com/office/drawing/2014/main" id="{AA3ECC21-343E-4408-A40F-0382BA633D21}"/>
               </a:ext>
             </a:extLst>
           </p:cNvPr>
@@ -6766,8 +6533,8 @@
         </p:nvSpPr>
         <p:spPr>
           <a:xfrm>
-            <a:off x="1845249" y="602509"/>
-            <a:ext cx="1051891" cy="416396"/>
+            <a:off x="729809" y="440693"/>
+            <a:ext cx="2456122" cy="578492"/>
           </a:xfrm>
           <a:prstGeom prst="rect">
             <a:avLst/>
@@ -6785,21 +6552,21 @@
               </a:lnSpc>
             </a:pPr>
             <a:r>
-              <a:rPr lang="en-US" altLang="zh-TW" sz="1600" b="1" dirty="0">
+              <a:rPr lang="en-US" altLang="zh-TW" sz="2400" dirty="0">
                 <a:latin typeface="微軟正黑體" panose="020B0604030504040204" pitchFamily="34" charset="-120"/>
                 <a:ea typeface="微軟正黑體" panose="020B0604030504040204" pitchFamily="34" charset="-120"/>
               </a:rPr>
-              <a:t>Pie chart</a:t>
+              <a:t>Some examples</a:t>
             </a:r>
           </a:p>
         </p:txBody>
       </p:sp>
       <p:pic>
         <p:nvPicPr>
-          <p:cNvPr id="6" name="圖片 5" descr="一張含有 螢幕擷取畫面 的圖片&#10;&#10;自動產生的描述">
-            <a:extLst>
-              <a:ext uri="{FF2B5EF4-FFF2-40B4-BE49-F238E27FC236}">
-                <a16:creationId xmlns:a16="http://schemas.microsoft.com/office/drawing/2014/main" id="{F6796FC2-199B-4192-A916-019FB12A391F}"/>
+          <p:cNvPr id="8" name="圖片 7">
+            <a:extLst>
+              <a:ext uri="{FF2B5EF4-FFF2-40B4-BE49-F238E27FC236}">
+                <a16:creationId xmlns:a16="http://schemas.microsoft.com/office/drawing/2014/main" id="{4200DA8D-0216-46B3-9B7C-F9F2B56DEF71}"/>
               </a:ext>
             </a:extLst>
           </p:cNvPr>
@@ -6822,18 +6589,96 @@
         </p:blipFill>
         <p:spPr>
           <a:xfrm>
-            <a:off x="2123630" y="1147645"/>
-            <a:ext cx="4896740" cy="4562710"/>
+            <a:off x="729809" y="1378999"/>
+            <a:ext cx="7684382" cy="697655"/>
           </a:xfrm>
           <a:prstGeom prst="rect">
             <a:avLst/>
           </a:prstGeom>
         </p:spPr>
       </p:pic>
+      <p:pic>
+        <p:nvPicPr>
+          <p:cNvPr id="10" name="圖片 9" descr="一張含有 螢幕擷取畫面 的圖片&#10;&#10;自動產生的描述">
+            <a:extLst>
+              <a:ext uri="{FF2B5EF4-FFF2-40B4-BE49-F238E27FC236}">
+                <a16:creationId xmlns:a16="http://schemas.microsoft.com/office/drawing/2014/main" id="{73B11239-8DA8-4182-B7AE-9BD67014E139}"/>
+              </a:ext>
+            </a:extLst>
+          </p:cNvPr>
+          <p:cNvPicPr>
+            <a:picLocks noChangeAspect="1"/>
+          </p:cNvPicPr>
+          <p:nvPr/>
+        </p:nvPicPr>
+        <p:blipFill>
+          <a:blip r:embed="rId5">
+            <a:extLst>
+              <a:ext uri="{28A0092B-C50C-407E-A947-70E740481C1C}">
+                <a14:useLocalDpi xmlns:a14="http://schemas.microsoft.com/office/drawing/2010/main" val="0"/>
+              </a:ext>
+            </a:extLst>
+          </a:blip>
+          <a:stretch>
+            <a:fillRect/>
+          </a:stretch>
+        </p:blipFill>
+        <p:spPr>
+          <a:xfrm>
+            <a:off x="729809" y="2677065"/>
+            <a:ext cx="7693451" cy="3231046"/>
+          </a:xfrm>
+          <a:prstGeom prst="rect">
+            <a:avLst/>
+          </a:prstGeom>
+        </p:spPr>
+      </p:pic>
+      <p:sp>
+        <p:nvSpPr>
+          <p:cNvPr id="11" name="矩形 10">
+            <a:extLst>
+              <a:ext uri="{FF2B5EF4-FFF2-40B4-BE49-F238E27FC236}">
+                <a16:creationId xmlns:a16="http://schemas.microsoft.com/office/drawing/2014/main" id="{C07107BD-2114-4B03-927E-012BF1309FD8}"/>
+              </a:ext>
+            </a:extLst>
+          </p:cNvPr>
+          <p:cNvSpPr/>
+          <p:nvPr/>
+        </p:nvSpPr>
+        <p:spPr>
+          <a:xfrm>
+            <a:off x="1178923" y="2168661"/>
+            <a:ext cx="6786153" cy="416396"/>
+          </a:xfrm>
+          <a:prstGeom prst="rect">
+            <a:avLst/>
+          </a:prstGeom>
+        </p:spPr>
+        <p:txBody>
+          <a:bodyPr wrap="none">
+            <a:spAutoFit/>
+          </a:bodyPr>
+          <a:lstStyle/>
+          <a:p>
+            <a:pPr>
+              <a:lnSpc>
+                <a:spcPct val="150000"/>
+              </a:lnSpc>
+            </a:pPr>
+            <a:r>
+              <a:rPr lang="en-US" altLang="zh-TW" sz="1600" b="1" dirty="0">
+                <a:latin typeface="微軟正黑體" panose="020B0604030504040204" pitchFamily="34" charset="-120"/>
+                <a:ea typeface="微軟正黑體" panose="020B0604030504040204" pitchFamily="34" charset="-120"/>
+              </a:rPr>
+              <a:t>You can either plot a list directly or assign some specific X's and Y's.</a:t>
+            </a:r>
+          </a:p>
+        </p:txBody>
+      </p:sp>
     </p:spTree>
     <p:extLst>
       <p:ext uri="{BB962C8B-B14F-4D97-AF65-F5344CB8AC3E}">
-        <p14:creationId xmlns:p14="http://schemas.microsoft.com/office/powerpoint/2010/main" val="832152175"/>
+        <p14:creationId xmlns:p14="http://schemas.microsoft.com/office/powerpoint/2010/main" val="797468573"/>
       </p:ext>
     </p:extLst>
   </p:cSld>
@@ -6932,12 +6777,83 @@
           </a:prstGeom>
         </p:spPr>
       </p:pic>
+      <p:pic>
+        <p:nvPicPr>
+          <p:cNvPr id="9" name="圖片 8" descr="一張含有 螢幕擷取畫面 的圖片&#10;&#10;自動產生的描述">
+            <a:extLst>
+              <a:ext uri="{FF2B5EF4-FFF2-40B4-BE49-F238E27FC236}">
+                <a16:creationId xmlns:a16="http://schemas.microsoft.com/office/drawing/2014/main" id="{90E71E63-51A8-4C50-A2EA-C015EB770692}"/>
+              </a:ext>
+            </a:extLst>
+          </p:cNvPr>
+          <p:cNvPicPr>
+            <a:picLocks noChangeAspect="1"/>
+          </p:cNvPicPr>
+          <p:nvPr/>
+        </p:nvPicPr>
+        <p:blipFill>
+          <a:blip r:embed="rId4">
+            <a:extLst>
+              <a:ext uri="{28A0092B-C50C-407E-A947-70E740481C1C}">
+                <a14:useLocalDpi xmlns:a14="http://schemas.microsoft.com/office/drawing/2010/main" val="0"/>
+              </a:ext>
+            </a:extLst>
+          </a:blip>
+          <a:stretch>
+            <a:fillRect/>
+          </a:stretch>
+        </p:blipFill>
+        <p:spPr>
+          <a:xfrm>
+            <a:off x="729808" y="344527"/>
+            <a:ext cx="7684382" cy="2825215"/>
+          </a:xfrm>
+          <a:prstGeom prst="rect">
+            <a:avLst/>
+          </a:prstGeom>
+        </p:spPr>
+      </p:pic>
+      <p:pic>
+        <p:nvPicPr>
+          <p:cNvPr id="11" name="圖片 10" descr="一張含有 螢幕擷取畫面 的圖片&#10;&#10;自動產生的描述">
+            <a:extLst>
+              <a:ext uri="{FF2B5EF4-FFF2-40B4-BE49-F238E27FC236}">
+                <a16:creationId xmlns:a16="http://schemas.microsoft.com/office/drawing/2014/main" id="{F4AB5E2B-665B-4BE0-9F88-606249884B63}"/>
+              </a:ext>
+            </a:extLst>
+          </p:cNvPr>
+          <p:cNvPicPr>
+            <a:picLocks noChangeAspect="1"/>
+          </p:cNvPicPr>
+          <p:nvPr/>
+        </p:nvPicPr>
+        <p:blipFill rotWithShape="1">
+          <a:blip r:embed="rId5">
+            <a:extLst>
+              <a:ext uri="{28A0092B-C50C-407E-A947-70E740481C1C}">
+                <a14:useLocalDpi xmlns:a14="http://schemas.microsoft.com/office/drawing/2010/main" val="0"/>
+              </a:ext>
+            </a:extLst>
+          </a:blip>
+          <a:srcRect r="57547"/>
+          <a:stretch/>
+        </p:blipFill>
+        <p:spPr>
+          <a:xfrm>
+            <a:off x="4967795" y="3427091"/>
+            <a:ext cx="3262239" cy="2678585"/>
+          </a:xfrm>
+          <a:prstGeom prst="rect">
+            <a:avLst/>
+          </a:prstGeom>
+        </p:spPr>
+      </p:pic>
       <p:sp>
         <p:nvSpPr>
-          <p:cNvPr id="5" name="矩形 4">
-            <a:extLst>
-              <a:ext uri="{FF2B5EF4-FFF2-40B4-BE49-F238E27FC236}">
-                <a16:creationId xmlns:a16="http://schemas.microsoft.com/office/drawing/2014/main" id="{1341B138-41AE-4BCD-BC80-D6FD45EAD2FD}"/>
+          <p:cNvPr id="12" name="矩形 11">
+            <a:extLst>
+              <a:ext uri="{FF2B5EF4-FFF2-40B4-BE49-F238E27FC236}">
+                <a16:creationId xmlns:a16="http://schemas.microsoft.com/office/drawing/2014/main" id="{1C1C0AD6-C729-41AC-80D8-929974F13442}"/>
               </a:ext>
             </a:extLst>
           </p:cNvPr>
@@ -6946,8 +6862,8 @@
         </p:nvSpPr>
         <p:spPr>
           <a:xfrm>
-            <a:off x="684179" y="457993"/>
-            <a:ext cx="1061509" cy="416396"/>
+            <a:off x="1619040" y="3427091"/>
+            <a:ext cx="3262240" cy="416396"/>
           </a:xfrm>
           <a:prstGeom prst="rect">
             <a:avLst/>
@@ -6969,51 +6885,15 @@
                 <a:latin typeface="微軟正黑體" panose="020B0604030504040204" pitchFamily="34" charset="-120"/>
                 <a:ea typeface="微軟正黑體" panose="020B0604030504040204" pitchFamily="34" charset="-120"/>
               </a:rPr>
-              <a:t>Subplots</a:t>
+              <a:t>You can slice the list and plot it.</a:t>
             </a:r>
           </a:p>
         </p:txBody>
       </p:sp>
-      <p:pic>
-        <p:nvPicPr>
-          <p:cNvPr id="7" name="圖片 6" descr="一張含有 地圖 的圖片&#10;&#10;自動產生的描述">
-            <a:extLst>
-              <a:ext uri="{FF2B5EF4-FFF2-40B4-BE49-F238E27FC236}">
-                <a16:creationId xmlns:a16="http://schemas.microsoft.com/office/drawing/2014/main" id="{EF95FB7A-3DDE-45C1-8144-07D2A279219C}"/>
-              </a:ext>
-            </a:extLst>
-          </p:cNvPr>
-          <p:cNvPicPr>
-            <a:picLocks noChangeAspect="1"/>
-          </p:cNvPicPr>
-          <p:nvPr/>
-        </p:nvPicPr>
-        <p:blipFill>
-          <a:blip r:embed="rId4">
-            <a:extLst>
-              <a:ext uri="{28A0092B-C50C-407E-A947-70E740481C1C}">
-                <a14:useLocalDpi xmlns:a14="http://schemas.microsoft.com/office/drawing/2010/main" val="0"/>
-              </a:ext>
-            </a:extLst>
-          </a:blip>
-          <a:stretch>
-            <a:fillRect/>
-          </a:stretch>
-        </p:blipFill>
-        <p:spPr>
-          <a:xfrm>
-            <a:off x="684179" y="1000655"/>
-            <a:ext cx="7775641" cy="4856690"/>
-          </a:xfrm>
-          <a:prstGeom prst="rect">
-            <a:avLst/>
-          </a:prstGeom>
-        </p:spPr>
-      </p:pic>
     </p:spTree>
     <p:extLst>
       <p:ext uri="{BB962C8B-B14F-4D97-AF65-F5344CB8AC3E}">
-        <p14:creationId xmlns:p14="http://schemas.microsoft.com/office/powerpoint/2010/main" val="1204964469"/>
+        <p14:creationId xmlns:p14="http://schemas.microsoft.com/office/powerpoint/2010/main" val="912473192"/>
       </p:ext>
     </p:extLst>
   </p:cSld>
@@ -7114,10 +6994,10 @@
       </p:pic>
       <p:sp>
         <p:nvSpPr>
-          <p:cNvPr id="5" name="矩形 4">
-            <a:extLst>
-              <a:ext uri="{FF2B5EF4-FFF2-40B4-BE49-F238E27FC236}">
-                <a16:creationId xmlns:a16="http://schemas.microsoft.com/office/drawing/2014/main" id="{92082ACA-0A28-4638-9D6E-3BB57713A6B7}"/>
+          <p:cNvPr id="8" name="矩形 7">
+            <a:extLst>
+              <a:ext uri="{FF2B5EF4-FFF2-40B4-BE49-F238E27FC236}">
+                <a16:creationId xmlns:a16="http://schemas.microsoft.com/office/drawing/2014/main" id="{B3CCD8B6-CEA2-4069-BB6E-67A689369320}"/>
               </a:ext>
             </a:extLst>
           </p:cNvPr>
@@ -7126,8 +7006,8 @@
         </p:nvSpPr>
         <p:spPr>
           <a:xfrm>
-            <a:off x="1845249" y="602509"/>
-            <a:ext cx="1329082" cy="416396"/>
+            <a:off x="729809" y="533493"/>
+            <a:ext cx="965329" cy="416396"/>
           </a:xfrm>
           <a:prstGeom prst="rect">
             <a:avLst/>
@@ -7149,17 +7029,17 @@
                 <a:latin typeface="微軟正黑體" panose="020B0604030504040204" pitchFamily="34" charset="-120"/>
                 <a:ea typeface="微軟正黑體" panose="020B0604030504040204" pitchFamily="34" charset="-120"/>
               </a:rPr>
-              <a:t>Scatter plot</a:t>
+              <a:t>Bar plot</a:t>
             </a:r>
           </a:p>
         </p:txBody>
       </p:sp>
       <p:pic>
         <p:nvPicPr>
-          <p:cNvPr id="6" name="圖片 5" descr="一張含有 地圖 的圖片&#10;&#10;自動產生的描述">
-            <a:extLst>
-              <a:ext uri="{FF2B5EF4-FFF2-40B4-BE49-F238E27FC236}">
-                <a16:creationId xmlns:a16="http://schemas.microsoft.com/office/drawing/2014/main" id="{F8CBEBFF-3D9E-493A-B869-775B166A3EE2}"/>
+          <p:cNvPr id="10" name="圖片 9" descr="一張含有 螢幕擷取畫面 的圖片&#10;&#10;自動產生的描述">
+            <a:extLst>
+              <a:ext uri="{FF2B5EF4-FFF2-40B4-BE49-F238E27FC236}">
+                <a16:creationId xmlns:a16="http://schemas.microsoft.com/office/drawing/2014/main" id="{42A5AEEC-C3D8-4259-A36A-D7CA607C5E14}"/>
               </a:ext>
             </a:extLst>
           </p:cNvPr>
@@ -7182,8 +7062,86 @@
         </p:blipFill>
         <p:spPr>
           <a:xfrm>
-            <a:off x="2123630" y="1147645"/>
-            <a:ext cx="4895476" cy="4036498"/>
+            <a:off x="729809" y="949889"/>
+            <a:ext cx="3554388" cy="2820203"/>
+          </a:xfrm>
+          <a:prstGeom prst="rect">
+            <a:avLst/>
+          </a:prstGeom>
+        </p:spPr>
+      </p:pic>
+      <p:sp>
+        <p:nvSpPr>
+          <p:cNvPr id="11" name="矩形 10">
+            <a:extLst>
+              <a:ext uri="{FF2B5EF4-FFF2-40B4-BE49-F238E27FC236}">
+                <a16:creationId xmlns:a16="http://schemas.microsoft.com/office/drawing/2014/main" id="{866928DE-68AC-42A3-91B2-8BEF73E4D9FB}"/>
+              </a:ext>
+            </a:extLst>
+          </p:cNvPr>
+          <p:cNvSpPr/>
+          <p:nvPr/>
+        </p:nvSpPr>
+        <p:spPr>
+          <a:xfrm>
+            <a:off x="4572000" y="2878497"/>
+            <a:ext cx="1226490" cy="416396"/>
+          </a:xfrm>
+          <a:prstGeom prst="rect">
+            <a:avLst/>
+          </a:prstGeom>
+        </p:spPr>
+        <p:txBody>
+          <a:bodyPr wrap="none">
+            <a:spAutoFit/>
+          </a:bodyPr>
+          <a:lstStyle/>
+          <a:p>
+            <a:pPr>
+              <a:lnSpc>
+                <a:spcPct val="150000"/>
+              </a:lnSpc>
+            </a:pPr>
+            <a:r>
+              <a:rPr lang="en-US" altLang="zh-TW" sz="1600" b="1" dirty="0">
+                <a:latin typeface="微軟正黑體" panose="020B0604030504040204" pitchFamily="34" charset="-120"/>
+                <a:ea typeface="微軟正黑體" panose="020B0604030504040204" pitchFamily="34" charset="-120"/>
+              </a:rPr>
+              <a:t>Customize</a:t>
+            </a:r>
+          </a:p>
+        </p:txBody>
+      </p:sp>
+      <p:pic>
+        <p:nvPicPr>
+          <p:cNvPr id="13" name="圖片 12" descr="一張含有 螢幕擷取畫面 的圖片&#10;&#10;自動產生的描述">
+            <a:extLst>
+              <a:ext uri="{FF2B5EF4-FFF2-40B4-BE49-F238E27FC236}">
+                <a16:creationId xmlns:a16="http://schemas.microsoft.com/office/drawing/2014/main" id="{D6E2773D-63D9-439A-B4CC-5586E7630C23}"/>
+              </a:ext>
+            </a:extLst>
+          </p:cNvPr>
+          <p:cNvPicPr>
+            <a:picLocks noChangeAspect="1"/>
+          </p:cNvPicPr>
+          <p:nvPr/>
+        </p:nvPicPr>
+        <p:blipFill>
+          <a:blip r:embed="rId5">
+            <a:extLst>
+              <a:ext uri="{28A0092B-C50C-407E-A947-70E740481C1C}">
+                <a14:useLocalDpi xmlns:a14="http://schemas.microsoft.com/office/drawing/2010/main" val="0"/>
+              </a:ext>
+            </a:extLst>
+          </a:blip>
+          <a:stretch>
+            <a:fillRect/>
+          </a:stretch>
+        </p:blipFill>
+        <p:spPr>
+          <a:xfrm>
+            <a:off x="4572000" y="3294894"/>
+            <a:ext cx="3551480" cy="3100875"/>
           </a:xfrm>
           <a:prstGeom prst="rect">
             <a:avLst/>
@@ -7193,7 +7151,7 @@
     </p:spTree>
     <p:extLst>
       <p:ext uri="{BB962C8B-B14F-4D97-AF65-F5344CB8AC3E}">
-        <p14:creationId xmlns:p14="http://schemas.microsoft.com/office/powerpoint/2010/main" val="2700069183"/>
+        <p14:creationId xmlns:p14="http://schemas.microsoft.com/office/powerpoint/2010/main" val="699820645"/>
       </p:ext>
     </p:extLst>
   </p:cSld>
@@ -7292,12 +7250,48 @@
           </a:prstGeom>
         </p:spPr>
       </p:pic>
+      <p:pic>
+        <p:nvPicPr>
+          <p:cNvPr id="5" name="圖片 4" descr="一張含有 螢幕擷取畫面 的圖片&#10;&#10;自動產生的描述">
+            <a:extLst>
+              <a:ext uri="{FF2B5EF4-FFF2-40B4-BE49-F238E27FC236}">
+                <a16:creationId xmlns:a16="http://schemas.microsoft.com/office/drawing/2014/main" id="{017F5FC1-29ED-4CFA-BEAF-439D73E4739B}"/>
+              </a:ext>
+            </a:extLst>
+          </p:cNvPr>
+          <p:cNvPicPr>
+            <a:picLocks noChangeAspect="1"/>
+          </p:cNvPicPr>
+          <p:nvPr/>
+        </p:nvPicPr>
+        <p:blipFill>
+          <a:blip r:embed="rId4">
+            <a:extLst>
+              <a:ext uri="{28A0092B-C50C-407E-A947-70E740481C1C}">
+                <a14:useLocalDpi xmlns:a14="http://schemas.microsoft.com/office/drawing/2010/main" val="0"/>
+              </a:ext>
+            </a:extLst>
+          </a:blip>
+          <a:stretch>
+            <a:fillRect/>
+          </a:stretch>
+        </p:blipFill>
+        <p:spPr>
+          <a:xfrm>
+            <a:off x="1702175" y="1189519"/>
+            <a:ext cx="5739649" cy="4478962"/>
+          </a:xfrm>
+          <a:prstGeom prst="rect">
+            <a:avLst/>
+          </a:prstGeom>
+        </p:spPr>
+      </p:pic>
       <p:sp>
         <p:nvSpPr>
-          <p:cNvPr id="5" name="矩形 4">
-            <a:extLst>
-              <a:ext uri="{FF2B5EF4-FFF2-40B4-BE49-F238E27FC236}">
-                <a16:creationId xmlns:a16="http://schemas.microsoft.com/office/drawing/2014/main" id="{C860DBAF-3D6F-4336-ACC8-B0FC73298DE9}"/>
+          <p:cNvPr id="6" name="矩形 5">
+            <a:extLst>
+              <a:ext uri="{FF2B5EF4-FFF2-40B4-BE49-F238E27FC236}">
+                <a16:creationId xmlns:a16="http://schemas.microsoft.com/office/drawing/2014/main" id="{52B25D5E-A842-4EEE-8E34-10646778A9D6}"/>
               </a:ext>
             </a:extLst>
           </p:cNvPr>
@@ -7306,8 +7300,8 @@
         </p:nvSpPr>
         <p:spPr>
           <a:xfrm>
-            <a:off x="729809" y="533493"/>
-            <a:ext cx="2069413" cy="416396"/>
+            <a:off x="1308354" y="568953"/>
+            <a:ext cx="2114681" cy="416396"/>
           </a:xfrm>
           <a:prstGeom prst="rect">
             <a:avLst/>
@@ -7329,51 +7323,15 @@
                 <a:latin typeface="微軟正黑體" panose="020B0604030504040204" pitchFamily="34" charset="-120"/>
                 <a:ea typeface="微軟正黑體" panose="020B0604030504040204" pitchFamily="34" charset="-120"/>
               </a:rPr>
-              <a:t>Real world data……</a:t>
+              <a:t>Setting X tick labels</a:t>
             </a:r>
           </a:p>
         </p:txBody>
       </p:sp>
-      <p:pic>
-        <p:nvPicPr>
-          <p:cNvPr id="6" name="圖片 5" descr="一張含有 螢幕擷取畫面 的圖片&#10;&#10;自動產生的描述">
-            <a:extLst>
-              <a:ext uri="{FF2B5EF4-FFF2-40B4-BE49-F238E27FC236}">
-                <a16:creationId xmlns:a16="http://schemas.microsoft.com/office/drawing/2014/main" id="{7AA6C4C5-35CB-48CB-A5CB-DCBC06EB0FA9}"/>
-              </a:ext>
-            </a:extLst>
-          </p:cNvPr>
-          <p:cNvPicPr>
-            <a:picLocks noChangeAspect="1"/>
-          </p:cNvPicPr>
-          <p:nvPr/>
-        </p:nvPicPr>
-        <p:blipFill>
-          <a:blip r:embed="rId4">
-            <a:extLst>
-              <a:ext uri="{28A0092B-C50C-407E-A947-70E740481C1C}">
-                <a14:useLocalDpi xmlns:a14="http://schemas.microsoft.com/office/drawing/2010/main" val="0"/>
-              </a:ext>
-            </a:extLst>
-          </a:blip>
-          <a:stretch>
-            <a:fillRect/>
-          </a:stretch>
-        </p:blipFill>
-        <p:spPr>
-          <a:xfrm>
-            <a:off x="1627815" y="1062246"/>
-            <a:ext cx="5888370" cy="4733508"/>
-          </a:xfrm>
-          <a:prstGeom prst="rect">
-            <a:avLst/>
-          </a:prstGeom>
-        </p:spPr>
-      </p:pic>
     </p:spTree>
     <p:extLst>
       <p:ext uri="{BB962C8B-B14F-4D97-AF65-F5344CB8AC3E}">
-        <p14:creationId xmlns:p14="http://schemas.microsoft.com/office/powerpoint/2010/main" val="2059185028"/>
+        <p14:creationId xmlns:p14="http://schemas.microsoft.com/office/powerpoint/2010/main" val="2388961411"/>
       </p:ext>
     </p:extLst>
   </p:cSld>
@@ -7472,12 +7430,54 @@
           </a:prstGeom>
         </p:spPr>
       </p:pic>
+      <p:sp>
+        <p:nvSpPr>
+          <p:cNvPr id="5" name="矩形 4">
+            <a:extLst>
+              <a:ext uri="{FF2B5EF4-FFF2-40B4-BE49-F238E27FC236}">
+                <a16:creationId xmlns:a16="http://schemas.microsoft.com/office/drawing/2014/main" id="{8A82B761-6E25-41CE-9D5A-9439E7E2123E}"/>
+              </a:ext>
+            </a:extLst>
+          </p:cNvPr>
+          <p:cNvSpPr/>
+          <p:nvPr/>
+        </p:nvSpPr>
+        <p:spPr>
+          <a:xfrm>
+            <a:off x="1845249" y="602509"/>
+            <a:ext cx="1051891" cy="416396"/>
+          </a:xfrm>
+          <a:prstGeom prst="rect">
+            <a:avLst/>
+          </a:prstGeom>
+        </p:spPr>
+        <p:txBody>
+          <a:bodyPr wrap="none">
+            <a:spAutoFit/>
+          </a:bodyPr>
+          <a:lstStyle/>
+          <a:p>
+            <a:pPr>
+              <a:lnSpc>
+                <a:spcPct val="150000"/>
+              </a:lnSpc>
+            </a:pPr>
+            <a:r>
+              <a:rPr lang="en-US" altLang="zh-TW" sz="1600" b="1" dirty="0">
+                <a:latin typeface="微軟正黑體" panose="020B0604030504040204" pitchFamily="34" charset="-120"/>
+                <a:ea typeface="微軟正黑體" panose="020B0604030504040204" pitchFamily="34" charset="-120"/>
+              </a:rPr>
+              <a:t>Pie chart</a:t>
+            </a:r>
+          </a:p>
+        </p:txBody>
+      </p:sp>
       <p:pic>
         <p:nvPicPr>
-          <p:cNvPr id="5" name="圖片 4" descr="一張含有 螢幕擷取畫面 的圖片&#10;&#10;自動產生的描述">
-            <a:extLst>
-              <a:ext uri="{FF2B5EF4-FFF2-40B4-BE49-F238E27FC236}">
-                <a16:creationId xmlns:a16="http://schemas.microsoft.com/office/drawing/2014/main" id="{48B99C3B-6244-40F5-A085-EC716612A527}"/>
+          <p:cNvPr id="6" name="圖片 5" descr="一張含有 螢幕擷取畫面 的圖片&#10;&#10;自動產生的描述">
+            <a:extLst>
+              <a:ext uri="{FF2B5EF4-FFF2-40B4-BE49-F238E27FC236}">
+                <a16:creationId xmlns:a16="http://schemas.microsoft.com/office/drawing/2014/main" id="{F6796FC2-199B-4192-A916-019FB12A391F}"/>
               </a:ext>
             </a:extLst>
           </p:cNvPr>
@@ -7486,7 +7486,7 @@
           </p:cNvPicPr>
           <p:nvPr/>
         </p:nvPicPr>
-        <p:blipFill rotWithShape="1">
+        <p:blipFill>
           <a:blip r:embed="rId4">
             <a:extLst>
               <a:ext uri="{28A0092B-C50C-407E-A947-70E740481C1C}">
@@ -7494,13 +7494,14 @@
               </a:ext>
             </a:extLst>
           </a:blip>
-          <a:srcRect r="50004"/>
-          <a:stretch/>
+          <a:stretch>
+            <a:fillRect/>
+          </a:stretch>
         </p:blipFill>
         <p:spPr>
           <a:xfrm>
-            <a:off x="1627815" y="741301"/>
-            <a:ext cx="5888370" cy="5375398"/>
+            <a:off x="2123630" y="1147645"/>
+            <a:ext cx="4896740" cy="4562710"/>
           </a:xfrm>
           <a:prstGeom prst="rect">
             <a:avLst/>
@@ -7510,7 +7511,7 @@
     </p:spTree>
     <p:extLst>
       <p:ext uri="{BB962C8B-B14F-4D97-AF65-F5344CB8AC3E}">
-        <p14:creationId xmlns:p14="http://schemas.microsoft.com/office/powerpoint/2010/main" val="4201013775"/>
+        <p14:creationId xmlns:p14="http://schemas.microsoft.com/office/powerpoint/2010/main" val="832152175"/>
       </p:ext>
     </p:extLst>
   </p:cSld>
@@ -7609,12 +7610,54 @@
           </a:prstGeom>
         </p:spPr>
       </p:pic>
+      <p:sp>
+        <p:nvSpPr>
+          <p:cNvPr id="5" name="矩形 4">
+            <a:extLst>
+              <a:ext uri="{FF2B5EF4-FFF2-40B4-BE49-F238E27FC236}">
+                <a16:creationId xmlns:a16="http://schemas.microsoft.com/office/drawing/2014/main" id="{1341B138-41AE-4BCD-BC80-D6FD45EAD2FD}"/>
+              </a:ext>
+            </a:extLst>
+          </p:cNvPr>
+          <p:cNvSpPr/>
+          <p:nvPr/>
+        </p:nvSpPr>
+        <p:spPr>
+          <a:xfrm>
+            <a:off x="684179" y="457993"/>
+            <a:ext cx="1061509" cy="416396"/>
+          </a:xfrm>
+          <a:prstGeom prst="rect">
+            <a:avLst/>
+          </a:prstGeom>
+        </p:spPr>
+        <p:txBody>
+          <a:bodyPr wrap="none">
+            <a:spAutoFit/>
+          </a:bodyPr>
+          <a:lstStyle/>
+          <a:p>
+            <a:pPr>
+              <a:lnSpc>
+                <a:spcPct val="150000"/>
+              </a:lnSpc>
+            </a:pPr>
+            <a:r>
+              <a:rPr lang="en-US" altLang="zh-TW" sz="1600" b="1" dirty="0">
+                <a:latin typeface="微軟正黑體" panose="020B0604030504040204" pitchFamily="34" charset="-120"/>
+                <a:ea typeface="微軟正黑體" panose="020B0604030504040204" pitchFamily="34" charset="-120"/>
+              </a:rPr>
+              <a:t>Subplots</a:t>
+            </a:r>
+          </a:p>
+        </p:txBody>
+      </p:sp>
       <p:pic>
         <p:nvPicPr>
-          <p:cNvPr id="5" name="圖片 4" descr="一張含有 螢幕擷取畫面 的圖片&#10;&#10;自動產生的描述">
-            <a:extLst>
-              <a:ext uri="{FF2B5EF4-FFF2-40B4-BE49-F238E27FC236}">
-                <a16:creationId xmlns:a16="http://schemas.microsoft.com/office/drawing/2014/main" id="{B9BC734C-7985-4E8C-8F3B-7342113B0113}"/>
+          <p:cNvPr id="7" name="圖片 6" descr="一張含有 地圖 的圖片&#10;&#10;自動產生的描述">
+            <a:extLst>
+              <a:ext uri="{FF2B5EF4-FFF2-40B4-BE49-F238E27FC236}">
+                <a16:creationId xmlns:a16="http://schemas.microsoft.com/office/drawing/2014/main" id="{EF95FB7A-3DDE-45C1-8144-07D2A279219C}"/>
               </a:ext>
             </a:extLst>
           </p:cNvPr>
@@ -7637,8 +7680,8 @@
         </p:blipFill>
         <p:spPr>
           <a:xfrm>
-            <a:off x="2022051" y="583630"/>
-            <a:ext cx="5099897" cy="5690739"/>
+            <a:off x="684179" y="1000655"/>
+            <a:ext cx="7775641" cy="4856690"/>
           </a:xfrm>
           <a:prstGeom prst="rect">
             <a:avLst/>
@@ -7648,7 +7691,7 @@
     </p:spTree>
     <p:extLst>
       <p:ext uri="{BB962C8B-B14F-4D97-AF65-F5344CB8AC3E}">
-        <p14:creationId xmlns:p14="http://schemas.microsoft.com/office/powerpoint/2010/main" val="9219675"/>
+        <p14:creationId xmlns:p14="http://schemas.microsoft.com/office/powerpoint/2010/main" val="1204964469"/>
       </p:ext>
     </p:extLst>
   </p:cSld>
@@ -7749,10 +7792,10 @@
       </p:pic>
       <p:cxnSp>
         <p:nvCxnSpPr>
-          <p:cNvPr id="5" name="直線接點 4">
-            <a:extLst>
-              <a:ext uri="{FF2B5EF4-FFF2-40B4-BE49-F238E27FC236}">
-                <a16:creationId xmlns:a16="http://schemas.microsoft.com/office/drawing/2014/main" id="{851A86FA-305B-43FA-9AA4-FF6DD9270FD5}"/>
+          <p:cNvPr id="7" name="直線接點 6">
+            <a:extLst>
+              <a:ext uri="{FF2B5EF4-FFF2-40B4-BE49-F238E27FC236}">
+                <a16:creationId xmlns:a16="http://schemas.microsoft.com/office/drawing/2014/main" id="{05E74AFC-F93B-48EE-99B7-DFD8847162B6}"/>
               </a:ext>
             </a:extLst>
           </p:cNvPr>
@@ -7794,10 +7837,10 @@
       </p:cxnSp>
       <p:cxnSp>
         <p:nvCxnSpPr>
-          <p:cNvPr id="6" name="直線接點 5">
-            <a:extLst>
-              <a:ext uri="{FF2B5EF4-FFF2-40B4-BE49-F238E27FC236}">
-                <a16:creationId xmlns:a16="http://schemas.microsoft.com/office/drawing/2014/main" id="{1284778A-9BBF-4861-AC3A-F7F47E92486B}"/>
+          <p:cNvPr id="8" name="直線接點 7">
+            <a:extLst>
+              <a:ext uri="{FF2B5EF4-FFF2-40B4-BE49-F238E27FC236}">
+                <a16:creationId xmlns:a16="http://schemas.microsoft.com/office/drawing/2014/main" id="{AA262AC2-4790-4ADB-9BF3-BB2F946D5D66}"/>
               </a:ext>
             </a:extLst>
           </p:cNvPr>
@@ -7839,10 +7882,10 @@
       </p:cxnSp>
       <p:cxnSp>
         <p:nvCxnSpPr>
-          <p:cNvPr id="7" name="直線接點 6">
-            <a:extLst>
-              <a:ext uri="{FF2B5EF4-FFF2-40B4-BE49-F238E27FC236}">
-                <a16:creationId xmlns:a16="http://schemas.microsoft.com/office/drawing/2014/main" id="{47DA174F-BF08-477D-9E38-7F964B4EA1E0}"/>
+          <p:cNvPr id="11" name="直線接點 10">
+            <a:extLst>
+              <a:ext uri="{FF2B5EF4-FFF2-40B4-BE49-F238E27FC236}">
+                <a16:creationId xmlns:a16="http://schemas.microsoft.com/office/drawing/2014/main" id="{A01288EC-D8DE-4A05-9579-62E8EA04EC06}"/>
               </a:ext>
             </a:extLst>
           </p:cNvPr>
@@ -7884,10 +7927,10 @@
       </p:cxnSp>
       <p:sp>
         <p:nvSpPr>
-          <p:cNvPr id="8" name="文字方塊 7">
-            <a:extLst>
-              <a:ext uri="{FF2B5EF4-FFF2-40B4-BE49-F238E27FC236}">
-                <a16:creationId xmlns:a16="http://schemas.microsoft.com/office/drawing/2014/main" id="{1B23E4B0-881E-4A87-885D-0B74429EBD04}"/>
+          <p:cNvPr id="12" name="文字方塊 11">
+            <a:extLst>
+              <a:ext uri="{FF2B5EF4-FFF2-40B4-BE49-F238E27FC236}">
+                <a16:creationId xmlns:a16="http://schemas.microsoft.com/office/drawing/2014/main" id="{D80DEC43-B9E0-4EC5-9189-1D22E5EE524C}"/>
               </a:ext>
             </a:extLst>
           </p:cNvPr>
@@ -7897,7 +7940,7 @@
         <p:spPr>
           <a:xfrm>
             <a:off x="963761" y="433017"/>
-            <a:ext cx="2630848" cy="707886"/>
+            <a:ext cx="1967205" cy="707886"/>
           </a:xfrm>
           <a:prstGeom prst="rect">
             <a:avLst/>
@@ -7915,9 +7958,8 @@
                 <a:latin typeface="微軟正黑體" panose="020B0604030504040204" pitchFamily="34" charset="-120"/>
                 <a:ea typeface="微軟正黑體" panose="020B0604030504040204" pitchFamily="34" charset="-120"/>
                 <a:cs typeface="Times New Roman" panose="02020603050405020304" pitchFamily="18" charset="0"/>
-                <a:hlinkClick r:id="rId4"/>
               </a:rPr>
-              <a:t>Anaconda</a:t>
+              <a:t>Outline</a:t>
             </a:r>
             <a:endParaRPr lang="zh-TW" altLang="en-US" sz="4000" dirty="0">
               <a:latin typeface="微軟正黑體" panose="020B0604030504040204" pitchFamily="34" charset="-120"/>
@@ -7929,152 +7971,322 @@
       </p:sp>
       <p:sp>
         <p:nvSpPr>
-          <p:cNvPr id="10" name="文字方塊 9">
-            <a:extLst>
-              <a:ext uri="{FF2B5EF4-FFF2-40B4-BE49-F238E27FC236}">
-                <a16:creationId xmlns:a16="http://schemas.microsoft.com/office/drawing/2014/main" id="{AFC886D1-A307-4660-9056-48281611AE41}"/>
-              </a:ext>
-            </a:extLst>
-          </p:cNvPr>
-          <p:cNvSpPr txBox="1"/>
+          <p:cNvPr id="5" name="矩形 4">
+            <a:extLst>
+              <a:ext uri="{FF2B5EF4-FFF2-40B4-BE49-F238E27FC236}">
+                <a16:creationId xmlns:a16="http://schemas.microsoft.com/office/drawing/2014/main" id="{24187E3B-C3C2-4B5D-9EC3-00709CD181B5}"/>
+              </a:ext>
+            </a:extLst>
+          </p:cNvPr>
+          <p:cNvSpPr/>
           <p:nvPr/>
         </p:nvSpPr>
         <p:spPr>
           <a:xfrm>
-            <a:off x="678535" y="1887854"/>
-            <a:ext cx="4363502" cy="1479187"/>
-          </a:xfrm>
-          <a:prstGeom prst="rect">
-            <a:avLst/>
-          </a:prstGeom>
-          <a:noFill/>
-        </p:spPr>
+            <a:off x="811787" y="2163988"/>
+            <a:ext cx="4841421" cy="659540"/>
+          </a:xfrm>
+          <a:prstGeom prst="rect">
+            <a:avLst/>
+          </a:prstGeom>
+          <a:solidFill>
+            <a:schemeClr val="accent5">
+              <a:lumMod val="20000"/>
+              <a:lumOff val="80000"/>
+            </a:schemeClr>
+          </a:solidFill>
+          <a:ln>
+            <a:solidFill>
+              <a:schemeClr val="accent5">
+                <a:lumMod val="60000"/>
+                <a:lumOff val="40000"/>
+              </a:schemeClr>
+            </a:solidFill>
+          </a:ln>
+        </p:spPr>
+        <p:style>
+          <a:lnRef idx="2">
+            <a:schemeClr val="accent1">
+              <a:shade val="50000"/>
+            </a:schemeClr>
+          </a:lnRef>
+          <a:fillRef idx="1">
+            <a:schemeClr val="accent1"/>
+          </a:fillRef>
+          <a:effectRef idx="0">
+            <a:schemeClr val="accent1"/>
+          </a:effectRef>
+          <a:fontRef idx="minor">
+            <a:schemeClr val="lt1"/>
+          </a:fontRef>
+        </p:style>
         <p:txBody>
-          <a:bodyPr wrap="none" rtlCol="0">
-            <a:spAutoFit/>
-          </a:bodyPr>
+          <a:bodyPr rtlCol="0" anchor="ctr"/>
           <a:lstStyle/>
           <a:p>
-            <a:pPr>
-              <a:lnSpc>
-                <a:spcPct val="150000"/>
-              </a:lnSpc>
-            </a:pPr>
-            <a:r>
-              <a:rPr lang="zh-TW" altLang="en-US" sz="3200" dirty="0">
+            <a:pPr algn="ctr"/>
+            <a:r>
+              <a:rPr lang="en-US" altLang="zh-TW" sz="2400">
+                <a:solidFill>
+                  <a:schemeClr val="tx1"/>
+                </a:solidFill>
                 <a:latin typeface="微軟正黑體" panose="020B0604030504040204" pitchFamily="34" charset="-120"/>
                 <a:ea typeface="微軟正黑體" panose="020B0604030504040204" pitchFamily="34" charset="-120"/>
               </a:rPr>
-              <a:t>．</a:t>
-            </a:r>
-            <a:r>
-              <a:rPr lang="en-US" altLang="zh-TW" sz="3200" dirty="0">
+              <a:t>Anaconda &amp; Jupyter notebook</a:t>
+            </a:r>
+            <a:endParaRPr lang="en-US" altLang="zh-TW" sz="2400" dirty="0">
+              <a:solidFill>
+                <a:schemeClr val="tx1"/>
+              </a:solidFill>
+              <a:latin typeface="微軟正黑體" panose="020B0604030504040204" pitchFamily="34" charset="-120"/>
+              <a:ea typeface="微軟正黑體" panose="020B0604030504040204" pitchFamily="34" charset="-120"/>
+            </a:endParaRPr>
+          </a:p>
+        </p:txBody>
+      </p:sp>
+      <p:sp>
+        <p:nvSpPr>
+          <p:cNvPr id="16" name="矩形 15">
+            <a:extLst>
+              <a:ext uri="{FF2B5EF4-FFF2-40B4-BE49-F238E27FC236}">
+                <a16:creationId xmlns:a16="http://schemas.microsoft.com/office/drawing/2014/main" id="{F6B1B08D-D5DC-426D-ABB7-D9B527FFBA96}"/>
+              </a:ext>
+            </a:extLst>
+          </p:cNvPr>
+          <p:cNvSpPr/>
+          <p:nvPr/>
+        </p:nvSpPr>
+        <p:spPr>
+          <a:xfrm>
+            <a:off x="3231525" y="3722669"/>
+            <a:ext cx="3464228" cy="659540"/>
+          </a:xfrm>
+          <a:prstGeom prst="rect">
+            <a:avLst/>
+          </a:prstGeom>
+          <a:solidFill>
+            <a:schemeClr val="accent5">
+              <a:lumMod val="20000"/>
+              <a:lumOff val="80000"/>
+            </a:schemeClr>
+          </a:solidFill>
+          <a:ln>
+            <a:solidFill>
+              <a:schemeClr val="accent5">
+                <a:lumMod val="60000"/>
+                <a:lumOff val="40000"/>
+              </a:schemeClr>
+            </a:solidFill>
+          </a:ln>
+        </p:spPr>
+        <p:style>
+          <a:lnRef idx="2">
+            <a:schemeClr val="accent1">
+              <a:shade val="50000"/>
+            </a:schemeClr>
+          </a:lnRef>
+          <a:fillRef idx="1">
+            <a:schemeClr val="accent1"/>
+          </a:fillRef>
+          <a:effectRef idx="0">
+            <a:schemeClr val="accent1"/>
+          </a:effectRef>
+          <a:fontRef idx="minor">
+            <a:schemeClr val="lt1"/>
+          </a:fontRef>
+        </p:style>
+        <p:txBody>
+          <a:bodyPr rtlCol="0" anchor="ctr"/>
+          <a:lstStyle/>
+          <a:p>
+            <a:pPr algn="ctr"/>
+            <a:r>
+              <a:rPr lang="en-US" altLang="zh-TW" sz="2400" dirty="0">
+                <a:solidFill>
+                  <a:schemeClr val="tx1"/>
+                </a:solidFill>
                 <a:latin typeface="微軟正黑體" panose="020B0604030504040204" pitchFamily="34" charset="-120"/>
                 <a:ea typeface="微軟正黑體" panose="020B0604030504040204" pitchFamily="34" charset="-120"/>
               </a:rPr>
-              <a:t>Data science toolkit</a:t>
-            </a:r>
-          </a:p>
-          <a:p>
-            <a:pPr>
-              <a:lnSpc>
-                <a:spcPct val="150000"/>
-              </a:lnSpc>
-            </a:pPr>
-            <a:r>
-              <a:rPr lang="zh-TW" altLang="en-US" sz="3200" dirty="0">
+              <a:t>Python Quick Review</a:t>
+            </a:r>
+          </a:p>
+        </p:txBody>
+      </p:sp>
+      <p:sp>
+        <p:nvSpPr>
+          <p:cNvPr id="17" name="矩形 16">
+            <a:extLst>
+              <a:ext uri="{FF2B5EF4-FFF2-40B4-BE49-F238E27FC236}">
+                <a16:creationId xmlns:a16="http://schemas.microsoft.com/office/drawing/2014/main" id="{AEA3C3D2-5ABD-47AE-96DF-46A9BED7E065}"/>
+              </a:ext>
+            </a:extLst>
+          </p:cNvPr>
+          <p:cNvSpPr/>
+          <p:nvPr/>
+        </p:nvSpPr>
+        <p:spPr>
+          <a:xfrm>
+            <a:off x="5653208" y="5281351"/>
+            <a:ext cx="2483902" cy="659540"/>
+          </a:xfrm>
+          <a:prstGeom prst="rect">
+            <a:avLst/>
+          </a:prstGeom>
+          <a:solidFill>
+            <a:schemeClr val="accent5">
+              <a:lumMod val="20000"/>
+              <a:lumOff val="80000"/>
+            </a:schemeClr>
+          </a:solidFill>
+          <a:ln>
+            <a:solidFill>
+              <a:schemeClr val="accent5">
+                <a:lumMod val="60000"/>
+                <a:lumOff val="40000"/>
+              </a:schemeClr>
+            </a:solidFill>
+          </a:ln>
+        </p:spPr>
+        <p:style>
+          <a:lnRef idx="2">
+            <a:schemeClr val="accent1">
+              <a:shade val="50000"/>
+            </a:schemeClr>
+          </a:lnRef>
+          <a:fillRef idx="1">
+            <a:schemeClr val="accent1"/>
+          </a:fillRef>
+          <a:effectRef idx="0">
+            <a:schemeClr val="accent1"/>
+          </a:effectRef>
+          <a:fontRef idx="minor">
+            <a:schemeClr val="lt1"/>
+          </a:fontRef>
+        </p:style>
+        <p:txBody>
+          <a:bodyPr rtlCol="0" anchor="ctr"/>
+          <a:lstStyle/>
+          <a:p>
+            <a:pPr algn="ctr"/>
+            <a:r>
+              <a:rPr lang="en-US" altLang="zh-TW" sz="2400" dirty="0">
+                <a:solidFill>
+                  <a:schemeClr val="tx1"/>
+                </a:solidFill>
                 <a:latin typeface="微軟正黑體" panose="020B0604030504040204" pitchFamily="34" charset="-120"/>
                 <a:ea typeface="微軟正黑體" panose="020B0604030504040204" pitchFamily="34" charset="-120"/>
               </a:rPr>
-              <a:t>．</a:t>
-            </a:r>
-            <a:r>
-              <a:rPr lang="en-US" altLang="zh-TW" sz="3200" dirty="0">
-                <a:latin typeface="微軟正黑體" panose="020B0604030504040204" pitchFamily="34" charset="-120"/>
-                <a:ea typeface="微軟正黑體" panose="020B0604030504040204" pitchFamily="34" charset="-120"/>
-              </a:rPr>
-              <a:t>Tons of packages</a:t>
+              <a:t>Matplotlib</a:t>
             </a:r>
           </a:p>
         </p:txBody>
       </p:sp>
-      <p:pic>
-        <p:nvPicPr>
-          <p:cNvPr id="12" name="圖片 11" descr="一張含有 畫畫, 窗戶, 標誌 的圖片&#10;&#10;自動產生的描述">
-            <a:hlinkClick r:id="rId4"/>
-            <a:extLst>
-              <a:ext uri="{FF2B5EF4-FFF2-40B4-BE49-F238E27FC236}">
-                <a16:creationId xmlns:a16="http://schemas.microsoft.com/office/drawing/2014/main" id="{FCA1242A-AB8A-4974-A280-517DDE9A34F0}"/>
-              </a:ext>
-            </a:extLst>
-          </p:cNvPr>
-          <p:cNvPicPr>
-            <a:picLocks noChangeAspect="1"/>
-          </p:cNvPicPr>
-          <p:nvPr/>
-        </p:nvPicPr>
-        <p:blipFill>
-          <a:blip r:embed="rId5">
-            <a:extLst>
-              <a:ext uri="{28A0092B-C50C-407E-A947-70E740481C1C}">
-                <a14:useLocalDpi xmlns:a14="http://schemas.microsoft.com/office/drawing/2010/main" val="0"/>
-              </a:ext>
-            </a:extLst>
-          </a:blip>
-          <a:stretch>
-            <a:fillRect/>
-          </a:stretch>
-        </p:blipFill>
-        <p:spPr>
-          <a:xfrm>
-            <a:off x="1243132" y="3926048"/>
-            <a:ext cx="2603908" cy="1301954"/>
-          </a:xfrm>
-          <a:prstGeom prst="rect">
-            <a:avLst/>
-          </a:prstGeom>
-        </p:spPr>
-      </p:pic>
-      <p:pic>
-        <p:nvPicPr>
-          <p:cNvPr id="14" name="圖片 13" descr="一張含有 手機, 行動電話, 螢幕, 監視器 的圖片&#10;&#10;自動產生的描述">
-            <a:extLst>
-              <a:ext uri="{FF2B5EF4-FFF2-40B4-BE49-F238E27FC236}">
-                <a16:creationId xmlns:a16="http://schemas.microsoft.com/office/drawing/2014/main" id="{4506C42D-5F09-49BC-B2D1-F31315452AF3}"/>
-              </a:ext>
-            </a:extLst>
-          </p:cNvPr>
-          <p:cNvPicPr>
-            <a:picLocks noChangeAspect="1"/>
-          </p:cNvPicPr>
-          <p:nvPr/>
-        </p:nvPicPr>
-        <p:blipFill>
-          <a:blip r:embed="rId6">
-            <a:extLst>
-              <a:ext uri="{28A0092B-C50C-407E-A947-70E740481C1C}">
-                <a14:useLocalDpi xmlns:a14="http://schemas.microsoft.com/office/drawing/2010/main" val="0"/>
-              </a:ext>
-            </a:extLst>
-          </a:blip>
-          <a:stretch>
-            <a:fillRect/>
-          </a:stretch>
-        </p:blipFill>
-        <p:spPr>
-          <a:xfrm>
-            <a:off x="4535496" y="3734570"/>
-            <a:ext cx="4126838" cy="2688340"/>
-          </a:xfrm>
-          <a:prstGeom prst="rect">
-            <a:avLst/>
-          </a:prstGeom>
-        </p:spPr>
-      </p:pic>
+      <p:cxnSp>
+        <p:nvCxnSpPr>
+          <p:cNvPr id="18" name="接點: 肘形 17">
+            <a:extLst>
+              <a:ext uri="{FF2B5EF4-FFF2-40B4-BE49-F238E27FC236}">
+                <a16:creationId xmlns:a16="http://schemas.microsoft.com/office/drawing/2014/main" id="{62371D8B-66C2-44AA-83D9-56B64AE128A9}"/>
+              </a:ext>
+            </a:extLst>
+          </p:cNvPr>
+          <p:cNvCxnSpPr>
+            <a:cxnSpLocks/>
+            <a:stCxn id="5" idx="2"/>
+            <a:endCxn id="16" idx="0"/>
+          </p:cNvCxnSpPr>
+          <p:nvPr/>
+        </p:nvCxnSpPr>
+        <p:spPr>
+          <a:xfrm rot="16200000" flipH="1">
+            <a:off x="3648498" y="2407527"/>
+            <a:ext cx="899141" cy="1731141"/>
+          </a:xfrm>
+          <a:prstGeom prst="bentConnector3">
+            <a:avLst/>
+          </a:prstGeom>
+          <a:ln w="38100">
+            <a:solidFill>
+              <a:schemeClr val="accent5">
+                <a:lumMod val="60000"/>
+                <a:lumOff val="40000"/>
+              </a:schemeClr>
+            </a:solidFill>
+            <a:tailEnd type="triangle"/>
+          </a:ln>
+        </p:spPr>
+        <p:style>
+          <a:lnRef idx="1">
+            <a:schemeClr val="accent1"/>
+          </a:lnRef>
+          <a:fillRef idx="0">
+            <a:schemeClr val="accent1"/>
+          </a:fillRef>
+          <a:effectRef idx="0">
+            <a:schemeClr val="accent1"/>
+          </a:effectRef>
+          <a:fontRef idx="minor">
+            <a:schemeClr val="tx1"/>
+          </a:fontRef>
+        </p:style>
+      </p:cxnSp>
+      <p:cxnSp>
+        <p:nvCxnSpPr>
+          <p:cNvPr id="20" name="接點: 肘形 19">
+            <a:extLst>
+              <a:ext uri="{FF2B5EF4-FFF2-40B4-BE49-F238E27FC236}">
+                <a16:creationId xmlns:a16="http://schemas.microsoft.com/office/drawing/2014/main" id="{135C5C90-C951-4339-BBCE-ADDD5E510F85}"/>
+              </a:ext>
+            </a:extLst>
+          </p:cNvPr>
+          <p:cNvCxnSpPr>
+            <a:cxnSpLocks/>
+            <a:stCxn id="16" idx="2"/>
+            <a:endCxn id="17" idx="0"/>
+          </p:cNvCxnSpPr>
+          <p:nvPr/>
+        </p:nvCxnSpPr>
+        <p:spPr>
+          <a:xfrm rot="16200000" flipH="1">
+            <a:off x="5479828" y="3866020"/>
+            <a:ext cx="899142" cy="1931520"/>
+          </a:xfrm>
+          <a:prstGeom prst="bentConnector3">
+            <a:avLst>
+              <a:gd name="adj1" fmla="val 50000"/>
+            </a:avLst>
+          </a:prstGeom>
+          <a:ln w="38100">
+            <a:solidFill>
+              <a:schemeClr val="accent5">
+                <a:lumMod val="60000"/>
+                <a:lumOff val="40000"/>
+              </a:schemeClr>
+            </a:solidFill>
+            <a:tailEnd type="triangle"/>
+          </a:ln>
+        </p:spPr>
+        <p:style>
+          <a:lnRef idx="1">
+            <a:schemeClr val="accent1"/>
+          </a:lnRef>
+          <a:fillRef idx="0">
+            <a:schemeClr val="accent1"/>
+          </a:fillRef>
+          <a:effectRef idx="0">
+            <a:schemeClr val="accent1"/>
+          </a:effectRef>
+          <a:fontRef idx="minor">
+            <a:schemeClr val="tx1"/>
+          </a:fontRef>
+        </p:style>
+      </p:cxnSp>
     </p:spTree>
     <p:extLst>
       <p:ext uri="{BB962C8B-B14F-4D97-AF65-F5344CB8AC3E}">
-        <p14:creationId xmlns:p14="http://schemas.microsoft.com/office/powerpoint/2010/main" val="459639941"/>
+        <p14:creationId xmlns:p14="http://schemas.microsoft.com/office/powerpoint/2010/main" val="863031892"/>
       </p:ext>
     </p:extLst>
   </p:cSld>
@@ -8085,6 +8297,1023 @@
 </file>
 
 <file path=ppt/slides/slide30.xml><?xml version="1.0" encoding="utf-8"?>
+<p:sld xmlns:a="http://schemas.openxmlformats.org/drawingml/2006/main" xmlns:r="http://schemas.openxmlformats.org/officeDocument/2006/relationships" xmlns:p="http://schemas.openxmlformats.org/presentationml/2006/main">
+  <p:cSld>
+    <p:spTree>
+      <p:nvGrpSpPr>
+        <p:cNvPr id="1" name=""/>
+        <p:cNvGrpSpPr/>
+        <p:nvPr/>
+      </p:nvGrpSpPr>
+      <p:grpSpPr>
+        <a:xfrm>
+          <a:off x="0" y="0"/>
+          <a:ext cx="0" cy="0"/>
+          <a:chOff x="0" y="0"/>
+          <a:chExt cx="0" cy="0"/>
+        </a:xfrm>
+      </p:grpSpPr>
+      <p:pic>
+        <p:nvPicPr>
+          <p:cNvPr id="3" name="圖片 2">
+            <a:extLst>
+              <a:ext uri="{FF2B5EF4-FFF2-40B4-BE49-F238E27FC236}">
+                <a16:creationId xmlns:a16="http://schemas.microsoft.com/office/drawing/2014/main" id="{1202EBDE-7F64-43BD-86B7-6C228CCEC2D0}"/>
+              </a:ext>
+            </a:extLst>
+          </p:cNvPr>
+          <p:cNvPicPr>
+            <a:picLocks noChangeAspect="1"/>
+          </p:cNvPicPr>
+          <p:nvPr/>
+        </p:nvPicPr>
+        <p:blipFill>
+          <a:blip r:embed="rId2" cstate="print">
+            <a:extLst>
+              <a:ext uri="{28A0092B-C50C-407E-A947-70E740481C1C}">
+                <a14:useLocalDpi xmlns:a14="http://schemas.microsoft.com/office/drawing/2010/main" val="0"/>
+              </a:ext>
+            </a:extLst>
+          </a:blip>
+          <a:stretch>
+            <a:fillRect/>
+          </a:stretch>
+        </p:blipFill>
+        <p:spPr>
+          <a:xfrm>
+            <a:off x="6598915" y="0"/>
+            <a:ext cx="2545085" cy="3294895"/>
+          </a:xfrm>
+          <a:prstGeom prst="rect">
+            <a:avLst/>
+          </a:prstGeom>
+        </p:spPr>
+      </p:pic>
+      <p:pic>
+        <p:nvPicPr>
+          <p:cNvPr id="4" name="圖片 3">
+            <a:extLst>
+              <a:ext uri="{FF2B5EF4-FFF2-40B4-BE49-F238E27FC236}">
+                <a16:creationId xmlns:a16="http://schemas.microsoft.com/office/drawing/2014/main" id="{AEFF5069-0FA7-44E7-AEEE-225463C6B1AC}"/>
+              </a:ext>
+            </a:extLst>
+          </p:cNvPr>
+          <p:cNvPicPr>
+            <a:picLocks noChangeAspect="1"/>
+          </p:cNvPicPr>
+          <p:nvPr/>
+        </p:nvPicPr>
+        <p:blipFill>
+          <a:blip r:embed="rId3" cstate="print">
+            <a:extLst>
+              <a:ext uri="{28A0092B-C50C-407E-A947-70E740481C1C}">
+                <a14:useLocalDpi xmlns:a14="http://schemas.microsoft.com/office/drawing/2010/main" val="0"/>
+              </a:ext>
+            </a:extLst>
+          </a:blip>
+          <a:stretch>
+            <a:fillRect/>
+          </a:stretch>
+        </p:blipFill>
+        <p:spPr>
+          <a:xfrm>
+            <a:off x="0" y="4169659"/>
+            <a:ext cx="3934976" cy="2688341"/>
+          </a:xfrm>
+          <a:prstGeom prst="rect">
+            <a:avLst/>
+          </a:prstGeom>
+        </p:spPr>
+      </p:pic>
+      <p:sp>
+        <p:nvSpPr>
+          <p:cNvPr id="5" name="矩形 4">
+            <a:extLst>
+              <a:ext uri="{FF2B5EF4-FFF2-40B4-BE49-F238E27FC236}">
+                <a16:creationId xmlns:a16="http://schemas.microsoft.com/office/drawing/2014/main" id="{92082ACA-0A28-4638-9D6E-3BB57713A6B7}"/>
+              </a:ext>
+            </a:extLst>
+          </p:cNvPr>
+          <p:cNvSpPr/>
+          <p:nvPr/>
+        </p:nvSpPr>
+        <p:spPr>
+          <a:xfrm>
+            <a:off x="1845249" y="602509"/>
+            <a:ext cx="1329082" cy="416396"/>
+          </a:xfrm>
+          <a:prstGeom prst="rect">
+            <a:avLst/>
+          </a:prstGeom>
+        </p:spPr>
+        <p:txBody>
+          <a:bodyPr wrap="none">
+            <a:spAutoFit/>
+          </a:bodyPr>
+          <a:lstStyle/>
+          <a:p>
+            <a:pPr>
+              <a:lnSpc>
+                <a:spcPct val="150000"/>
+              </a:lnSpc>
+            </a:pPr>
+            <a:r>
+              <a:rPr lang="en-US" altLang="zh-TW" sz="1600" b="1" dirty="0">
+                <a:latin typeface="微軟正黑體" panose="020B0604030504040204" pitchFamily="34" charset="-120"/>
+                <a:ea typeface="微軟正黑體" panose="020B0604030504040204" pitchFamily="34" charset="-120"/>
+              </a:rPr>
+              <a:t>Scatter plot</a:t>
+            </a:r>
+          </a:p>
+        </p:txBody>
+      </p:sp>
+      <p:pic>
+        <p:nvPicPr>
+          <p:cNvPr id="6" name="圖片 5" descr="一張含有 地圖 的圖片&#10;&#10;自動產生的描述">
+            <a:extLst>
+              <a:ext uri="{FF2B5EF4-FFF2-40B4-BE49-F238E27FC236}">
+                <a16:creationId xmlns:a16="http://schemas.microsoft.com/office/drawing/2014/main" id="{F8CBEBFF-3D9E-493A-B869-775B166A3EE2}"/>
+              </a:ext>
+            </a:extLst>
+          </p:cNvPr>
+          <p:cNvPicPr>
+            <a:picLocks noChangeAspect="1"/>
+          </p:cNvPicPr>
+          <p:nvPr/>
+        </p:nvPicPr>
+        <p:blipFill>
+          <a:blip r:embed="rId4">
+            <a:extLst>
+              <a:ext uri="{28A0092B-C50C-407E-A947-70E740481C1C}">
+                <a14:useLocalDpi xmlns:a14="http://schemas.microsoft.com/office/drawing/2010/main" val="0"/>
+              </a:ext>
+            </a:extLst>
+          </a:blip>
+          <a:stretch>
+            <a:fillRect/>
+          </a:stretch>
+        </p:blipFill>
+        <p:spPr>
+          <a:xfrm>
+            <a:off x="2123630" y="1147645"/>
+            <a:ext cx="4895476" cy="4036498"/>
+          </a:xfrm>
+          <a:prstGeom prst="rect">
+            <a:avLst/>
+          </a:prstGeom>
+        </p:spPr>
+      </p:pic>
+    </p:spTree>
+    <p:extLst>
+      <p:ext uri="{BB962C8B-B14F-4D97-AF65-F5344CB8AC3E}">
+        <p14:creationId xmlns:p14="http://schemas.microsoft.com/office/powerpoint/2010/main" val="2700069183"/>
+      </p:ext>
+    </p:extLst>
+  </p:cSld>
+  <p:clrMapOvr>
+    <a:masterClrMapping/>
+  </p:clrMapOvr>
+</p:sld>
+</file>
+
+<file path=ppt/slides/slide31.xml><?xml version="1.0" encoding="utf-8"?>
+<p:sld xmlns:a="http://schemas.openxmlformats.org/drawingml/2006/main" xmlns:r="http://schemas.openxmlformats.org/officeDocument/2006/relationships" xmlns:p="http://schemas.openxmlformats.org/presentationml/2006/main">
+  <p:cSld>
+    <p:spTree>
+      <p:nvGrpSpPr>
+        <p:cNvPr id="1" name=""/>
+        <p:cNvGrpSpPr/>
+        <p:nvPr/>
+      </p:nvGrpSpPr>
+      <p:grpSpPr>
+        <a:xfrm>
+          <a:off x="0" y="0"/>
+          <a:ext cx="0" cy="0"/>
+          <a:chOff x="0" y="0"/>
+          <a:chExt cx="0" cy="0"/>
+        </a:xfrm>
+      </p:grpSpPr>
+      <p:pic>
+        <p:nvPicPr>
+          <p:cNvPr id="3" name="圖片 2">
+            <a:extLst>
+              <a:ext uri="{FF2B5EF4-FFF2-40B4-BE49-F238E27FC236}">
+                <a16:creationId xmlns:a16="http://schemas.microsoft.com/office/drawing/2014/main" id="{1202EBDE-7F64-43BD-86B7-6C228CCEC2D0}"/>
+              </a:ext>
+            </a:extLst>
+          </p:cNvPr>
+          <p:cNvPicPr>
+            <a:picLocks noChangeAspect="1"/>
+          </p:cNvPicPr>
+          <p:nvPr/>
+        </p:nvPicPr>
+        <p:blipFill>
+          <a:blip r:embed="rId2" cstate="print">
+            <a:extLst>
+              <a:ext uri="{28A0092B-C50C-407E-A947-70E740481C1C}">
+                <a14:useLocalDpi xmlns:a14="http://schemas.microsoft.com/office/drawing/2010/main" val="0"/>
+              </a:ext>
+            </a:extLst>
+          </a:blip>
+          <a:stretch>
+            <a:fillRect/>
+          </a:stretch>
+        </p:blipFill>
+        <p:spPr>
+          <a:xfrm>
+            <a:off x="6598915" y="0"/>
+            <a:ext cx="2545085" cy="3294895"/>
+          </a:xfrm>
+          <a:prstGeom prst="rect">
+            <a:avLst/>
+          </a:prstGeom>
+        </p:spPr>
+      </p:pic>
+      <p:pic>
+        <p:nvPicPr>
+          <p:cNvPr id="4" name="圖片 3">
+            <a:extLst>
+              <a:ext uri="{FF2B5EF4-FFF2-40B4-BE49-F238E27FC236}">
+                <a16:creationId xmlns:a16="http://schemas.microsoft.com/office/drawing/2014/main" id="{AEFF5069-0FA7-44E7-AEEE-225463C6B1AC}"/>
+              </a:ext>
+            </a:extLst>
+          </p:cNvPr>
+          <p:cNvPicPr>
+            <a:picLocks noChangeAspect="1"/>
+          </p:cNvPicPr>
+          <p:nvPr/>
+        </p:nvPicPr>
+        <p:blipFill>
+          <a:blip r:embed="rId3" cstate="print">
+            <a:extLst>
+              <a:ext uri="{28A0092B-C50C-407E-A947-70E740481C1C}">
+                <a14:useLocalDpi xmlns:a14="http://schemas.microsoft.com/office/drawing/2010/main" val="0"/>
+              </a:ext>
+            </a:extLst>
+          </a:blip>
+          <a:stretch>
+            <a:fillRect/>
+          </a:stretch>
+        </p:blipFill>
+        <p:spPr>
+          <a:xfrm>
+            <a:off x="0" y="4169659"/>
+            <a:ext cx="3934976" cy="2688341"/>
+          </a:xfrm>
+          <a:prstGeom prst="rect">
+            <a:avLst/>
+          </a:prstGeom>
+        </p:spPr>
+      </p:pic>
+      <p:sp>
+        <p:nvSpPr>
+          <p:cNvPr id="5" name="矩形 4">
+            <a:extLst>
+              <a:ext uri="{FF2B5EF4-FFF2-40B4-BE49-F238E27FC236}">
+                <a16:creationId xmlns:a16="http://schemas.microsoft.com/office/drawing/2014/main" id="{C860DBAF-3D6F-4336-ACC8-B0FC73298DE9}"/>
+              </a:ext>
+            </a:extLst>
+          </p:cNvPr>
+          <p:cNvSpPr/>
+          <p:nvPr/>
+        </p:nvSpPr>
+        <p:spPr>
+          <a:xfrm>
+            <a:off x="729809" y="533493"/>
+            <a:ext cx="2069413" cy="416396"/>
+          </a:xfrm>
+          <a:prstGeom prst="rect">
+            <a:avLst/>
+          </a:prstGeom>
+        </p:spPr>
+        <p:txBody>
+          <a:bodyPr wrap="none">
+            <a:spAutoFit/>
+          </a:bodyPr>
+          <a:lstStyle/>
+          <a:p>
+            <a:pPr>
+              <a:lnSpc>
+                <a:spcPct val="150000"/>
+              </a:lnSpc>
+            </a:pPr>
+            <a:r>
+              <a:rPr lang="en-US" altLang="zh-TW" sz="1600" b="1" dirty="0">
+                <a:latin typeface="微軟正黑體" panose="020B0604030504040204" pitchFamily="34" charset="-120"/>
+                <a:ea typeface="微軟正黑體" panose="020B0604030504040204" pitchFamily="34" charset="-120"/>
+              </a:rPr>
+              <a:t>Real world data……</a:t>
+            </a:r>
+          </a:p>
+        </p:txBody>
+      </p:sp>
+      <p:pic>
+        <p:nvPicPr>
+          <p:cNvPr id="6" name="圖片 5" descr="一張含有 螢幕擷取畫面 的圖片&#10;&#10;自動產生的描述">
+            <a:extLst>
+              <a:ext uri="{FF2B5EF4-FFF2-40B4-BE49-F238E27FC236}">
+                <a16:creationId xmlns:a16="http://schemas.microsoft.com/office/drawing/2014/main" id="{7AA6C4C5-35CB-48CB-A5CB-DCBC06EB0FA9}"/>
+              </a:ext>
+            </a:extLst>
+          </p:cNvPr>
+          <p:cNvPicPr>
+            <a:picLocks noChangeAspect="1"/>
+          </p:cNvPicPr>
+          <p:nvPr/>
+        </p:nvPicPr>
+        <p:blipFill>
+          <a:blip r:embed="rId4">
+            <a:extLst>
+              <a:ext uri="{28A0092B-C50C-407E-A947-70E740481C1C}">
+                <a14:useLocalDpi xmlns:a14="http://schemas.microsoft.com/office/drawing/2010/main" val="0"/>
+              </a:ext>
+            </a:extLst>
+          </a:blip>
+          <a:stretch>
+            <a:fillRect/>
+          </a:stretch>
+        </p:blipFill>
+        <p:spPr>
+          <a:xfrm>
+            <a:off x="1627815" y="1062246"/>
+            <a:ext cx="5888370" cy="4733508"/>
+          </a:xfrm>
+          <a:prstGeom prst="rect">
+            <a:avLst/>
+          </a:prstGeom>
+        </p:spPr>
+      </p:pic>
+    </p:spTree>
+    <p:extLst>
+      <p:ext uri="{BB962C8B-B14F-4D97-AF65-F5344CB8AC3E}">
+        <p14:creationId xmlns:p14="http://schemas.microsoft.com/office/powerpoint/2010/main" val="2059185028"/>
+      </p:ext>
+    </p:extLst>
+  </p:cSld>
+  <p:clrMapOvr>
+    <a:masterClrMapping/>
+  </p:clrMapOvr>
+</p:sld>
+</file>
+
+<file path=ppt/slides/slide32.xml><?xml version="1.0" encoding="utf-8"?>
+<p:sld xmlns:a="http://schemas.openxmlformats.org/drawingml/2006/main" xmlns:r="http://schemas.openxmlformats.org/officeDocument/2006/relationships" xmlns:p="http://schemas.openxmlformats.org/presentationml/2006/main">
+  <p:cSld>
+    <p:spTree>
+      <p:nvGrpSpPr>
+        <p:cNvPr id="1" name=""/>
+        <p:cNvGrpSpPr/>
+        <p:nvPr/>
+      </p:nvGrpSpPr>
+      <p:grpSpPr>
+        <a:xfrm>
+          <a:off x="0" y="0"/>
+          <a:ext cx="0" cy="0"/>
+          <a:chOff x="0" y="0"/>
+          <a:chExt cx="0" cy="0"/>
+        </a:xfrm>
+      </p:grpSpPr>
+      <p:pic>
+        <p:nvPicPr>
+          <p:cNvPr id="3" name="圖片 2">
+            <a:extLst>
+              <a:ext uri="{FF2B5EF4-FFF2-40B4-BE49-F238E27FC236}">
+                <a16:creationId xmlns:a16="http://schemas.microsoft.com/office/drawing/2014/main" id="{1202EBDE-7F64-43BD-86B7-6C228CCEC2D0}"/>
+              </a:ext>
+            </a:extLst>
+          </p:cNvPr>
+          <p:cNvPicPr>
+            <a:picLocks noChangeAspect="1"/>
+          </p:cNvPicPr>
+          <p:nvPr/>
+        </p:nvPicPr>
+        <p:blipFill>
+          <a:blip r:embed="rId2" cstate="print">
+            <a:extLst>
+              <a:ext uri="{28A0092B-C50C-407E-A947-70E740481C1C}">
+                <a14:useLocalDpi xmlns:a14="http://schemas.microsoft.com/office/drawing/2010/main" val="0"/>
+              </a:ext>
+            </a:extLst>
+          </a:blip>
+          <a:stretch>
+            <a:fillRect/>
+          </a:stretch>
+        </p:blipFill>
+        <p:spPr>
+          <a:xfrm>
+            <a:off x="6598915" y="0"/>
+            <a:ext cx="2545085" cy="3294895"/>
+          </a:xfrm>
+          <a:prstGeom prst="rect">
+            <a:avLst/>
+          </a:prstGeom>
+        </p:spPr>
+      </p:pic>
+      <p:pic>
+        <p:nvPicPr>
+          <p:cNvPr id="4" name="圖片 3">
+            <a:extLst>
+              <a:ext uri="{FF2B5EF4-FFF2-40B4-BE49-F238E27FC236}">
+                <a16:creationId xmlns:a16="http://schemas.microsoft.com/office/drawing/2014/main" id="{AEFF5069-0FA7-44E7-AEEE-225463C6B1AC}"/>
+              </a:ext>
+            </a:extLst>
+          </p:cNvPr>
+          <p:cNvPicPr>
+            <a:picLocks noChangeAspect="1"/>
+          </p:cNvPicPr>
+          <p:nvPr/>
+        </p:nvPicPr>
+        <p:blipFill>
+          <a:blip r:embed="rId3" cstate="print">
+            <a:extLst>
+              <a:ext uri="{28A0092B-C50C-407E-A947-70E740481C1C}">
+                <a14:useLocalDpi xmlns:a14="http://schemas.microsoft.com/office/drawing/2010/main" val="0"/>
+              </a:ext>
+            </a:extLst>
+          </a:blip>
+          <a:stretch>
+            <a:fillRect/>
+          </a:stretch>
+        </p:blipFill>
+        <p:spPr>
+          <a:xfrm>
+            <a:off x="0" y="4169659"/>
+            <a:ext cx="3934976" cy="2688341"/>
+          </a:xfrm>
+          <a:prstGeom prst="rect">
+            <a:avLst/>
+          </a:prstGeom>
+        </p:spPr>
+      </p:pic>
+      <p:pic>
+        <p:nvPicPr>
+          <p:cNvPr id="5" name="圖片 4" descr="一張含有 螢幕擷取畫面 的圖片&#10;&#10;自動產生的描述">
+            <a:extLst>
+              <a:ext uri="{FF2B5EF4-FFF2-40B4-BE49-F238E27FC236}">
+                <a16:creationId xmlns:a16="http://schemas.microsoft.com/office/drawing/2014/main" id="{48B99C3B-6244-40F5-A085-EC716612A527}"/>
+              </a:ext>
+            </a:extLst>
+          </p:cNvPr>
+          <p:cNvPicPr>
+            <a:picLocks noChangeAspect="1"/>
+          </p:cNvPicPr>
+          <p:nvPr/>
+        </p:nvPicPr>
+        <p:blipFill rotWithShape="1">
+          <a:blip r:embed="rId4">
+            <a:extLst>
+              <a:ext uri="{28A0092B-C50C-407E-A947-70E740481C1C}">
+                <a14:useLocalDpi xmlns:a14="http://schemas.microsoft.com/office/drawing/2010/main" val="0"/>
+              </a:ext>
+            </a:extLst>
+          </a:blip>
+          <a:srcRect r="50004"/>
+          <a:stretch/>
+        </p:blipFill>
+        <p:spPr>
+          <a:xfrm>
+            <a:off x="1627815" y="741301"/>
+            <a:ext cx="5888370" cy="5375398"/>
+          </a:xfrm>
+          <a:prstGeom prst="rect">
+            <a:avLst/>
+          </a:prstGeom>
+        </p:spPr>
+      </p:pic>
+    </p:spTree>
+    <p:extLst>
+      <p:ext uri="{BB962C8B-B14F-4D97-AF65-F5344CB8AC3E}">
+        <p14:creationId xmlns:p14="http://schemas.microsoft.com/office/powerpoint/2010/main" val="4201013775"/>
+      </p:ext>
+    </p:extLst>
+  </p:cSld>
+  <p:clrMapOvr>
+    <a:masterClrMapping/>
+  </p:clrMapOvr>
+</p:sld>
+</file>
+
+<file path=ppt/slides/slide33.xml><?xml version="1.0" encoding="utf-8"?>
+<p:sld xmlns:a="http://schemas.openxmlformats.org/drawingml/2006/main" xmlns:r="http://schemas.openxmlformats.org/officeDocument/2006/relationships" xmlns:p="http://schemas.openxmlformats.org/presentationml/2006/main">
+  <p:cSld>
+    <p:spTree>
+      <p:nvGrpSpPr>
+        <p:cNvPr id="1" name=""/>
+        <p:cNvGrpSpPr/>
+        <p:nvPr/>
+      </p:nvGrpSpPr>
+      <p:grpSpPr>
+        <a:xfrm>
+          <a:off x="0" y="0"/>
+          <a:ext cx="0" cy="0"/>
+          <a:chOff x="0" y="0"/>
+          <a:chExt cx="0" cy="0"/>
+        </a:xfrm>
+      </p:grpSpPr>
+      <p:pic>
+        <p:nvPicPr>
+          <p:cNvPr id="3" name="圖片 2">
+            <a:extLst>
+              <a:ext uri="{FF2B5EF4-FFF2-40B4-BE49-F238E27FC236}">
+                <a16:creationId xmlns:a16="http://schemas.microsoft.com/office/drawing/2014/main" id="{1202EBDE-7F64-43BD-86B7-6C228CCEC2D0}"/>
+              </a:ext>
+            </a:extLst>
+          </p:cNvPr>
+          <p:cNvPicPr>
+            <a:picLocks noChangeAspect="1"/>
+          </p:cNvPicPr>
+          <p:nvPr/>
+        </p:nvPicPr>
+        <p:blipFill>
+          <a:blip r:embed="rId2" cstate="print">
+            <a:extLst>
+              <a:ext uri="{28A0092B-C50C-407E-A947-70E740481C1C}">
+                <a14:useLocalDpi xmlns:a14="http://schemas.microsoft.com/office/drawing/2010/main" val="0"/>
+              </a:ext>
+            </a:extLst>
+          </a:blip>
+          <a:stretch>
+            <a:fillRect/>
+          </a:stretch>
+        </p:blipFill>
+        <p:spPr>
+          <a:xfrm>
+            <a:off x="6598915" y="0"/>
+            <a:ext cx="2545085" cy="3294895"/>
+          </a:xfrm>
+          <a:prstGeom prst="rect">
+            <a:avLst/>
+          </a:prstGeom>
+        </p:spPr>
+      </p:pic>
+      <p:pic>
+        <p:nvPicPr>
+          <p:cNvPr id="4" name="圖片 3">
+            <a:extLst>
+              <a:ext uri="{FF2B5EF4-FFF2-40B4-BE49-F238E27FC236}">
+                <a16:creationId xmlns:a16="http://schemas.microsoft.com/office/drawing/2014/main" id="{AEFF5069-0FA7-44E7-AEEE-225463C6B1AC}"/>
+              </a:ext>
+            </a:extLst>
+          </p:cNvPr>
+          <p:cNvPicPr>
+            <a:picLocks noChangeAspect="1"/>
+          </p:cNvPicPr>
+          <p:nvPr/>
+        </p:nvPicPr>
+        <p:blipFill>
+          <a:blip r:embed="rId3" cstate="print">
+            <a:extLst>
+              <a:ext uri="{28A0092B-C50C-407E-A947-70E740481C1C}">
+                <a14:useLocalDpi xmlns:a14="http://schemas.microsoft.com/office/drawing/2010/main" val="0"/>
+              </a:ext>
+            </a:extLst>
+          </a:blip>
+          <a:stretch>
+            <a:fillRect/>
+          </a:stretch>
+        </p:blipFill>
+        <p:spPr>
+          <a:xfrm>
+            <a:off x="0" y="4169659"/>
+            <a:ext cx="3934976" cy="2688341"/>
+          </a:xfrm>
+          <a:prstGeom prst="rect">
+            <a:avLst/>
+          </a:prstGeom>
+        </p:spPr>
+      </p:pic>
+      <p:pic>
+        <p:nvPicPr>
+          <p:cNvPr id="7" name="圖片 6" descr="一張含有 螢幕擷取畫面 的圖片&#10;&#10;自動產生的描述">
+            <a:extLst>
+              <a:ext uri="{FF2B5EF4-FFF2-40B4-BE49-F238E27FC236}">
+                <a16:creationId xmlns:a16="http://schemas.microsoft.com/office/drawing/2014/main" id="{AE4080A2-D0E5-4626-8EF5-B8EE3D631455}"/>
+              </a:ext>
+            </a:extLst>
+          </p:cNvPr>
+          <p:cNvPicPr>
+            <a:picLocks noChangeAspect="1"/>
+          </p:cNvPicPr>
+          <p:nvPr/>
+        </p:nvPicPr>
+        <p:blipFill>
+          <a:blip r:embed="rId4">
+            <a:extLst>
+              <a:ext uri="{28A0092B-C50C-407E-A947-70E740481C1C}">
+                <a14:useLocalDpi xmlns:a14="http://schemas.microsoft.com/office/drawing/2010/main" val="0"/>
+              </a:ext>
+            </a:extLst>
+          </a:blip>
+          <a:stretch>
+            <a:fillRect/>
+          </a:stretch>
+        </p:blipFill>
+        <p:spPr>
+          <a:xfrm>
+            <a:off x="1279496" y="807379"/>
+            <a:ext cx="6585007" cy="1478799"/>
+          </a:xfrm>
+          <a:prstGeom prst="rect">
+            <a:avLst/>
+          </a:prstGeom>
+        </p:spPr>
+      </p:pic>
+      <p:pic>
+        <p:nvPicPr>
+          <p:cNvPr id="9" name="圖片 8">
+            <a:extLst>
+              <a:ext uri="{FF2B5EF4-FFF2-40B4-BE49-F238E27FC236}">
+                <a16:creationId xmlns:a16="http://schemas.microsoft.com/office/drawing/2014/main" id="{E6F9C3AD-E0E0-430A-AC87-934DB6AD4014}"/>
+              </a:ext>
+            </a:extLst>
+          </p:cNvPr>
+          <p:cNvPicPr>
+            <a:picLocks noChangeAspect="1"/>
+          </p:cNvPicPr>
+          <p:nvPr/>
+        </p:nvPicPr>
+        <p:blipFill>
+          <a:blip r:embed="rId5">
+            <a:extLst>
+              <a:ext uri="{28A0092B-C50C-407E-A947-70E740481C1C}">
+                <a14:useLocalDpi xmlns:a14="http://schemas.microsoft.com/office/drawing/2010/main" val="0"/>
+              </a:ext>
+            </a:extLst>
+          </a:blip>
+          <a:stretch>
+            <a:fillRect/>
+          </a:stretch>
+        </p:blipFill>
+        <p:spPr>
+          <a:xfrm>
+            <a:off x="2125775" y="2286178"/>
+            <a:ext cx="4897900" cy="3812796"/>
+          </a:xfrm>
+          <a:prstGeom prst="rect">
+            <a:avLst/>
+          </a:prstGeom>
+        </p:spPr>
+      </p:pic>
+    </p:spTree>
+    <p:extLst>
+      <p:ext uri="{BB962C8B-B14F-4D97-AF65-F5344CB8AC3E}">
+        <p14:creationId xmlns:p14="http://schemas.microsoft.com/office/powerpoint/2010/main" val="9219675"/>
+      </p:ext>
+    </p:extLst>
+  </p:cSld>
+  <p:clrMapOvr>
+    <a:masterClrMapping/>
+  </p:clrMapOvr>
+</p:sld>
+</file>
+
+<file path=ppt/slides/slide34.xml><?xml version="1.0" encoding="utf-8"?>
+<p:sld xmlns:a="http://schemas.openxmlformats.org/drawingml/2006/main" xmlns:r="http://schemas.openxmlformats.org/officeDocument/2006/relationships" xmlns:p="http://schemas.openxmlformats.org/presentationml/2006/main">
+  <p:cSld>
+    <p:spTree>
+      <p:nvGrpSpPr>
+        <p:cNvPr id="1" name=""/>
+        <p:cNvGrpSpPr/>
+        <p:nvPr/>
+      </p:nvGrpSpPr>
+      <p:grpSpPr>
+        <a:xfrm>
+          <a:off x="0" y="0"/>
+          <a:ext cx="0" cy="0"/>
+          <a:chOff x="0" y="0"/>
+          <a:chExt cx="0" cy="0"/>
+        </a:xfrm>
+      </p:grpSpPr>
+      <p:pic>
+        <p:nvPicPr>
+          <p:cNvPr id="3" name="圖片 2">
+            <a:extLst>
+              <a:ext uri="{FF2B5EF4-FFF2-40B4-BE49-F238E27FC236}">
+                <a16:creationId xmlns:a16="http://schemas.microsoft.com/office/drawing/2014/main" id="{1202EBDE-7F64-43BD-86B7-6C228CCEC2D0}"/>
+              </a:ext>
+            </a:extLst>
+          </p:cNvPr>
+          <p:cNvPicPr>
+            <a:picLocks noChangeAspect="1"/>
+          </p:cNvPicPr>
+          <p:nvPr/>
+        </p:nvPicPr>
+        <p:blipFill>
+          <a:blip r:embed="rId2" cstate="print">
+            <a:extLst>
+              <a:ext uri="{28A0092B-C50C-407E-A947-70E740481C1C}">
+                <a14:useLocalDpi xmlns:a14="http://schemas.microsoft.com/office/drawing/2010/main" val="0"/>
+              </a:ext>
+            </a:extLst>
+          </a:blip>
+          <a:stretch>
+            <a:fillRect/>
+          </a:stretch>
+        </p:blipFill>
+        <p:spPr>
+          <a:xfrm>
+            <a:off x="6598915" y="0"/>
+            <a:ext cx="2545085" cy="3294895"/>
+          </a:xfrm>
+          <a:prstGeom prst="rect">
+            <a:avLst/>
+          </a:prstGeom>
+        </p:spPr>
+      </p:pic>
+      <p:pic>
+        <p:nvPicPr>
+          <p:cNvPr id="4" name="圖片 3">
+            <a:extLst>
+              <a:ext uri="{FF2B5EF4-FFF2-40B4-BE49-F238E27FC236}">
+                <a16:creationId xmlns:a16="http://schemas.microsoft.com/office/drawing/2014/main" id="{AEFF5069-0FA7-44E7-AEEE-225463C6B1AC}"/>
+              </a:ext>
+            </a:extLst>
+          </p:cNvPr>
+          <p:cNvPicPr>
+            <a:picLocks noChangeAspect="1"/>
+          </p:cNvPicPr>
+          <p:nvPr/>
+        </p:nvPicPr>
+        <p:blipFill>
+          <a:blip r:embed="rId3" cstate="print">
+            <a:extLst>
+              <a:ext uri="{28A0092B-C50C-407E-A947-70E740481C1C}">
+                <a14:useLocalDpi xmlns:a14="http://schemas.microsoft.com/office/drawing/2010/main" val="0"/>
+              </a:ext>
+            </a:extLst>
+          </a:blip>
+          <a:stretch>
+            <a:fillRect/>
+          </a:stretch>
+        </p:blipFill>
+        <p:spPr>
+          <a:xfrm>
+            <a:off x="0" y="4169659"/>
+            <a:ext cx="3934976" cy="2688341"/>
+          </a:xfrm>
+          <a:prstGeom prst="rect">
+            <a:avLst/>
+          </a:prstGeom>
+        </p:spPr>
+      </p:pic>
+      <p:sp>
+        <p:nvSpPr>
+          <p:cNvPr id="6" name="矩形 5">
+            <a:extLst>
+              <a:ext uri="{FF2B5EF4-FFF2-40B4-BE49-F238E27FC236}">
+                <a16:creationId xmlns:a16="http://schemas.microsoft.com/office/drawing/2014/main" id="{9CD4CA1A-CBD9-4BAD-B055-A25B8C190C63}"/>
+              </a:ext>
+            </a:extLst>
+          </p:cNvPr>
+          <p:cNvSpPr/>
+          <p:nvPr/>
+        </p:nvSpPr>
+        <p:spPr>
+          <a:xfrm>
+            <a:off x="504037" y="464948"/>
+            <a:ext cx="1860253" cy="578492"/>
+          </a:xfrm>
+          <a:prstGeom prst="rect">
+            <a:avLst/>
+          </a:prstGeom>
+        </p:spPr>
+        <p:txBody>
+          <a:bodyPr wrap="none">
+            <a:spAutoFit/>
+          </a:bodyPr>
+          <a:lstStyle/>
+          <a:p>
+            <a:pPr>
+              <a:lnSpc>
+                <a:spcPct val="150000"/>
+              </a:lnSpc>
+            </a:pPr>
+            <a:r>
+              <a:rPr lang="en-US" altLang="zh-TW" sz="2400" dirty="0">
+                <a:latin typeface="微軟正黑體" panose="020B0604030504040204" pitchFamily="34" charset="-120"/>
+                <a:ea typeface="微軟正黑體" panose="020B0604030504040204" pitchFamily="34" charset="-120"/>
+              </a:rPr>
+              <a:t>And more…</a:t>
+            </a:r>
+          </a:p>
+        </p:txBody>
+      </p:sp>
+      <p:sp>
+        <p:nvSpPr>
+          <p:cNvPr id="8" name="矩形 7">
+            <a:extLst>
+              <a:ext uri="{FF2B5EF4-FFF2-40B4-BE49-F238E27FC236}">
+                <a16:creationId xmlns:a16="http://schemas.microsoft.com/office/drawing/2014/main" id="{460E86F2-E300-4564-8831-857548E8E0A3}"/>
+              </a:ext>
+            </a:extLst>
+          </p:cNvPr>
+          <p:cNvSpPr/>
+          <p:nvPr/>
+        </p:nvSpPr>
+        <p:spPr>
+          <a:xfrm>
+            <a:off x="732923" y="1352694"/>
+            <a:ext cx="1812163" cy="1686487"/>
+          </a:xfrm>
+          <a:prstGeom prst="rect">
+            <a:avLst/>
+          </a:prstGeom>
+        </p:spPr>
+        <p:txBody>
+          <a:bodyPr wrap="none">
+            <a:spAutoFit/>
+          </a:bodyPr>
+          <a:lstStyle/>
+          <a:p>
+            <a:pPr>
+              <a:lnSpc>
+                <a:spcPct val="150000"/>
+              </a:lnSpc>
+            </a:pPr>
+            <a:r>
+              <a:rPr lang="zh-TW" altLang="en-US" sz="2400" dirty="0">
+                <a:latin typeface="微軟正黑體" panose="020B0604030504040204" pitchFamily="34" charset="-120"/>
+                <a:ea typeface="微軟正黑體" panose="020B0604030504040204" pitchFamily="34" charset="-120"/>
+              </a:rPr>
+              <a:t>．</a:t>
+            </a:r>
+            <a:r>
+              <a:rPr lang="en-US" altLang="zh-TW" sz="2400" dirty="0">
+                <a:latin typeface="微軟正黑體" panose="020B0604030504040204" pitchFamily="34" charset="-120"/>
+                <a:ea typeface="微軟正黑體" panose="020B0604030504040204" pitchFamily="34" charset="-120"/>
+              </a:rPr>
+              <a:t>mplot3d</a:t>
+            </a:r>
+          </a:p>
+          <a:p>
+            <a:pPr>
+              <a:lnSpc>
+                <a:spcPct val="150000"/>
+              </a:lnSpc>
+            </a:pPr>
+            <a:r>
+              <a:rPr lang="zh-TW" altLang="en-US" sz="2400" dirty="0">
+                <a:latin typeface="微軟正黑體" panose="020B0604030504040204" pitchFamily="34" charset="-120"/>
+                <a:ea typeface="微軟正黑體" panose="020B0604030504040204" pitchFamily="34" charset="-120"/>
+              </a:rPr>
+              <a:t>．</a:t>
+            </a:r>
+            <a:r>
+              <a:rPr lang="en-US" altLang="zh-TW" sz="2400" dirty="0" err="1">
+                <a:latin typeface="微軟正黑體" panose="020B0604030504040204" pitchFamily="34" charset="-120"/>
+                <a:ea typeface="微軟正黑體" panose="020B0604030504040204" pitchFamily="34" charset="-120"/>
+              </a:rPr>
+              <a:t>basemap</a:t>
+            </a:r>
+            <a:endParaRPr lang="en-US" altLang="zh-TW" sz="2400" dirty="0">
+              <a:latin typeface="微軟正黑體" panose="020B0604030504040204" pitchFamily="34" charset="-120"/>
+              <a:ea typeface="微軟正黑體" panose="020B0604030504040204" pitchFamily="34" charset="-120"/>
+            </a:endParaRPr>
+          </a:p>
+          <a:p>
+            <a:pPr>
+              <a:lnSpc>
+                <a:spcPct val="150000"/>
+              </a:lnSpc>
+            </a:pPr>
+            <a:r>
+              <a:rPr lang="zh-TW" altLang="en-US" sz="2400" dirty="0">
+                <a:latin typeface="微軟正黑體" panose="020B0604030504040204" pitchFamily="34" charset="-120"/>
+                <a:ea typeface="微軟正黑體" panose="020B0604030504040204" pitchFamily="34" charset="-120"/>
+              </a:rPr>
+              <a:t>．</a:t>
+            </a:r>
+            <a:r>
+              <a:rPr lang="en-US" altLang="zh-TW" sz="2400" dirty="0">
+                <a:latin typeface="微軟正黑體" panose="020B0604030504040204" pitchFamily="34" charset="-120"/>
+                <a:ea typeface="微軟正黑體" panose="020B0604030504040204" pitchFamily="34" charset="-120"/>
+              </a:rPr>
+              <a:t>Seaborn</a:t>
+            </a:r>
+          </a:p>
+        </p:txBody>
+      </p:sp>
+      <p:pic>
+        <p:nvPicPr>
+          <p:cNvPr id="5" name="圖片 4">
+            <a:extLst>
+              <a:ext uri="{FF2B5EF4-FFF2-40B4-BE49-F238E27FC236}">
+                <a16:creationId xmlns:a16="http://schemas.microsoft.com/office/drawing/2014/main" id="{227F7432-32FE-44C0-AD2B-756EBAEC6C87}"/>
+              </a:ext>
+            </a:extLst>
+          </p:cNvPr>
+          <p:cNvPicPr>
+            <a:picLocks noChangeAspect="1"/>
+          </p:cNvPicPr>
+          <p:nvPr/>
+        </p:nvPicPr>
+        <p:blipFill>
+          <a:blip r:embed="rId4">
+            <a:extLst>
+              <a:ext uri="{28A0092B-C50C-407E-A947-70E740481C1C}">
+                <a14:useLocalDpi xmlns:a14="http://schemas.microsoft.com/office/drawing/2010/main" val="0"/>
+              </a:ext>
+            </a:extLst>
+          </a:blip>
+          <a:stretch>
+            <a:fillRect/>
+          </a:stretch>
+        </p:blipFill>
+        <p:spPr>
+          <a:xfrm>
+            <a:off x="3934976" y="904532"/>
+            <a:ext cx="3511336" cy="2934423"/>
+          </a:xfrm>
+          <a:prstGeom prst="rect">
+            <a:avLst/>
+          </a:prstGeom>
+        </p:spPr>
+      </p:pic>
+      <p:pic>
+        <p:nvPicPr>
+          <p:cNvPr id="11" name="圖片 10" descr="一張含有 文字, 地圖 的圖片&#10;&#10;自動產生的描述">
+            <a:extLst>
+              <a:ext uri="{FF2B5EF4-FFF2-40B4-BE49-F238E27FC236}">
+                <a16:creationId xmlns:a16="http://schemas.microsoft.com/office/drawing/2014/main" id="{12BEFC1B-093E-4F51-92EA-BE5B3094E914}"/>
+              </a:ext>
+            </a:extLst>
+          </p:cNvPr>
+          <p:cNvPicPr>
+            <a:picLocks noChangeAspect="1"/>
+          </p:cNvPicPr>
+          <p:nvPr/>
+        </p:nvPicPr>
+        <p:blipFill>
+          <a:blip r:embed="rId5">
+            <a:extLst>
+              <a:ext uri="{28A0092B-C50C-407E-A947-70E740481C1C}">
+                <a14:useLocalDpi xmlns:a14="http://schemas.microsoft.com/office/drawing/2010/main" val="0"/>
+              </a:ext>
+            </a:extLst>
+          </a:blip>
+          <a:stretch>
+            <a:fillRect/>
+          </a:stretch>
+        </p:blipFill>
+        <p:spPr>
+          <a:xfrm>
+            <a:off x="4315687" y="4157813"/>
+            <a:ext cx="3874024" cy="2364527"/>
+          </a:xfrm>
+          <a:prstGeom prst="rect">
+            <a:avLst/>
+          </a:prstGeom>
+        </p:spPr>
+      </p:pic>
+      <p:pic>
+        <p:nvPicPr>
+          <p:cNvPr id="13" name="圖片 12">
+            <a:extLst>
+              <a:ext uri="{FF2B5EF4-FFF2-40B4-BE49-F238E27FC236}">
+                <a16:creationId xmlns:a16="http://schemas.microsoft.com/office/drawing/2014/main" id="{BC0F3D1F-60D1-4741-9AE6-7747B928C412}"/>
+              </a:ext>
+            </a:extLst>
+          </p:cNvPr>
+          <p:cNvPicPr>
+            <a:picLocks noChangeAspect="1"/>
+          </p:cNvPicPr>
+          <p:nvPr/>
+        </p:nvPicPr>
+        <p:blipFill rotWithShape="1">
+          <a:blip r:embed="rId6">
+            <a:extLst>
+              <a:ext uri="{28A0092B-C50C-407E-A947-70E740481C1C}">
+                <a14:useLocalDpi xmlns:a14="http://schemas.microsoft.com/office/drawing/2010/main" val="0"/>
+              </a:ext>
+            </a:extLst>
+          </a:blip>
+          <a:srcRect l="18254" t="7923" b="4123"/>
+          <a:stretch/>
+        </p:blipFill>
+        <p:spPr>
+          <a:xfrm>
+            <a:off x="1107347" y="3429000"/>
+            <a:ext cx="2676627" cy="2364527"/>
+          </a:xfrm>
+          <a:prstGeom prst="rect">
+            <a:avLst/>
+          </a:prstGeom>
+        </p:spPr>
+      </p:pic>
+    </p:spTree>
+    <p:extLst>
+      <p:ext uri="{BB962C8B-B14F-4D97-AF65-F5344CB8AC3E}">
+        <p14:creationId xmlns:p14="http://schemas.microsoft.com/office/powerpoint/2010/main" val="3975307907"/>
+      </p:ext>
+    </p:extLst>
+  </p:cSld>
+  <p:clrMapOvr>
+    <a:masterClrMapping/>
+  </p:clrMapOvr>
+</p:sld>
+</file>
+
+<file path=ppt/slides/slide35.xml><?xml version="1.0" encoding="utf-8"?>
 <p:sld xmlns:a="http://schemas.openxmlformats.org/drawingml/2006/main" xmlns:r="http://schemas.openxmlformats.org/officeDocument/2006/relationships" xmlns:p="http://schemas.openxmlformats.org/presentationml/2006/main">
   <p:cSld>
     <p:spTree>
@@ -8389,12 +9618,264 @@
           </a:prstGeom>
         </p:spPr>
       </p:pic>
+      <p:cxnSp>
+        <p:nvCxnSpPr>
+          <p:cNvPr id="5" name="直線接點 4">
+            <a:extLst>
+              <a:ext uri="{FF2B5EF4-FFF2-40B4-BE49-F238E27FC236}">
+                <a16:creationId xmlns:a16="http://schemas.microsoft.com/office/drawing/2014/main" id="{851A86FA-305B-43FA-9AA4-FF6DD9270FD5}"/>
+              </a:ext>
+            </a:extLst>
+          </p:cNvPr>
+          <p:cNvCxnSpPr>
+            <a:cxnSpLocks/>
+          </p:cNvCxnSpPr>
+          <p:nvPr/>
+        </p:nvCxnSpPr>
+        <p:spPr>
+          <a:xfrm>
+            <a:off x="678535" y="637564"/>
+            <a:ext cx="285226" cy="503339"/>
+          </a:xfrm>
+          <a:prstGeom prst="line">
+            <a:avLst/>
+          </a:prstGeom>
+          <a:ln w="28575">
+            <a:solidFill>
+              <a:schemeClr val="bg1">
+                <a:lumMod val="50000"/>
+              </a:schemeClr>
+            </a:solidFill>
+          </a:ln>
+        </p:spPr>
+        <p:style>
+          <a:lnRef idx="1">
+            <a:schemeClr val="accent1"/>
+          </a:lnRef>
+          <a:fillRef idx="0">
+            <a:schemeClr val="accent1"/>
+          </a:fillRef>
+          <a:effectRef idx="0">
+            <a:schemeClr val="accent1"/>
+          </a:effectRef>
+          <a:fontRef idx="minor">
+            <a:schemeClr val="tx1"/>
+          </a:fontRef>
+        </p:style>
+      </p:cxnSp>
+      <p:cxnSp>
+        <p:nvCxnSpPr>
+          <p:cNvPr id="6" name="直線接點 5">
+            <a:extLst>
+              <a:ext uri="{FF2B5EF4-FFF2-40B4-BE49-F238E27FC236}">
+                <a16:creationId xmlns:a16="http://schemas.microsoft.com/office/drawing/2014/main" id="{1284778A-9BBF-4861-AC3A-F7F47E92486B}"/>
+              </a:ext>
+            </a:extLst>
+          </p:cNvPr>
+          <p:cNvCxnSpPr>
+            <a:cxnSpLocks/>
+          </p:cNvCxnSpPr>
+          <p:nvPr/>
+        </p:nvCxnSpPr>
+        <p:spPr>
+          <a:xfrm>
+            <a:off x="963761" y="1140903"/>
+            <a:ext cx="3162650" cy="0"/>
+          </a:xfrm>
+          <a:prstGeom prst="line">
+            <a:avLst/>
+          </a:prstGeom>
+          <a:ln w="28575">
+            <a:solidFill>
+              <a:schemeClr val="bg1">
+                <a:lumMod val="50000"/>
+              </a:schemeClr>
+            </a:solidFill>
+          </a:ln>
+        </p:spPr>
+        <p:style>
+          <a:lnRef idx="1">
+            <a:schemeClr val="accent1"/>
+          </a:lnRef>
+          <a:fillRef idx="0">
+            <a:schemeClr val="accent1"/>
+          </a:fillRef>
+          <a:effectRef idx="0">
+            <a:schemeClr val="accent1"/>
+          </a:effectRef>
+          <a:fontRef idx="minor">
+            <a:schemeClr val="tx1"/>
+          </a:fontRef>
+        </p:style>
+      </p:cxnSp>
+      <p:cxnSp>
+        <p:nvCxnSpPr>
+          <p:cNvPr id="7" name="直線接點 6">
+            <a:extLst>
+              <a:ext uri="{FF2B5EF4-FFF2-40B4-BE49-F238E27FC236}">
+                <a16:creationId xmlns:a16="http://schemas.microsoft.com/office/drawing/2014/main" id="{47DA174F-BF08-477D-9E38-7F964B4EA1E0}"/>
+              </a:ext>
+            </a:extLst>
+          </p:cNvPr>
+          <p:cNvCxnSpPr>
+            <a:cxnSpLocks/>
+          </p:cNvCxnSpPr>
+          <p:nvPr/>
+        </p:nvCxnSpPr>
+        <p:spPr>
+          <a:xfrm>
+            <a:off x="4126411" y="1140904"/>
+            <a:ext cx="285226" cy="503339"/>
+          </a:xfrm>
+          <a:prstGeom prst="line">
+            <a:avLst/>
+          </a:prstGeom>
+          <a:ln w="28575">
+            <a:solidFill>
+              <a:schemeClr val="bg1">
+                <a:lumMod val="50000"/>
+              </a:schemeClr>
+            </a:solidFill>
+          </a:ln>
+        </p:spPr>
+        <p:style>
+          <a:lnRef idx="1">
+            <a:schemeClr val="accent1"/>
+          </a:lnRef>
+          <a:fillRef idx="0">
+            <a:schemeClr val="accent1"/>
+          </a:fillRef>
+          <a:effectRef idx="0">
+            <a:schemeClr val="accent1"/>
+          </a:effectRef>
+          <a:fontRef idx="minor">
+            <a:schemeClr val="tx1"/>
+          </a:fontRef>
+        </p:style>
+      </p:cxnSp>
+      <p:sp>
+        <p:nvSpPr>
+          <p:cNvPr id="8" name="文字方塊 7">
+            <a:extLst>
+              <a:ext uri="{FF2B5EF4-FFF2-40B4-BE49-F238E27FC236}">
+                <a16:creationId xmlns:a16="http://schemas.microsoft.com/office/drawing/2014/main" id="{1B23E4B0-881E-4A87-885D-0B74429EBD04}"/>
+              </a:ext>
+            </a:extLst>
+          </p:cNvPr>
+          <p:cNvSpPr txBox="1"/>
+          <p:nvPr/>
+        </p:nvSpPr>
+        <p:spPr>
+          <a:xfrm>
+            <a:off x="963761" y="433017"/>
+            <a:ext cx="2630848" cy="707886"/>
+          </a:xfrm>
+          <a:prstGeom prst="rect">
+            <a:avLst/>
+          </a:prstGeom>
+          <a:noFill/>
+        </p:spPr>
+        <p:txBody>
+          <a:bodyPr wrap="none" rtlCol="0">
+            <a:spAutoFit/>
+          </a:bodyPr>
+          <a:lstStyle/>
+          <a:p>
+            <a:r>
+              <a:rPr lang="en-US" altLang="zh-TW" sz="4000" dirty="0">
+                <a:latin typeface="微軟正黑體" panose="020B0604030504040204" pitchFamily="34" charset="-120"/>
+                <a:ea typeface="微軟正黑體" panose="020B0604030504040204" pitchFamily="34" charset="-120"/>
+                <a:cs typeface="Times New Roman" panose="02020603050405020304" pitchFamily="18" charset="0"/>
+                <a:hlinkClick r:id="rId4"/>
+              </a:rPr>
+              <a:t>Anaconda</a:t>
+            </a:r>
+            <a:endParaRPr lang="zh-TW" altLang="en-US" sz="4000" dirty="0">
+              <a:latin typeface="微軟正黑體" panose="020B0604030504040204" pitchFamily="34" charset="-120"/>
+              <a:ea typeface="微軟正黑體" panose="020B0604030504040204" pitchFamily="34" charset="-120"/>
+              <a:cs typeface="Times New Roman" panose="02020603050405020304" pitchFamily="18" charset="0"/>
+            </a:endParaRPr>
+          </a:p>
+        </p:txBody>
+      </p:sp>
+      <p:sp>
+        <p:nvSpPr>
+          <p:cNvPr id="10" name="文字方塊 9">
+            <a:extLst>
+              <a:ext uri="{FF2B5EF4-FFF2-40B4-BE49-F238E27FC236}">
+                <a16:creationId xmlns:a16="http://schemas.microsoft.com/office/drawing/2014/main" id="{AFC886D1-A307-4660-9056-48281611AE41}"/>
+              </a:ext>
+            </a:extLst>
+          </p:cNvPr>
+          <p:cNvSpPr txBox="1"/>
+          <p:nvPr/>
+        </p:nvSpPr>
+        <p:spPr>
+          <a:xfrm>
+            <a:off x="678535" y="1887854"/>
+            <a:ext cx="4363502" cy="1479187"/>
+          </a:xfrm>
+          <a:prstGeom prst="rect">
+            <a:avLst/>
+          </a:prstGeom>
+          <a:noFill/>
+        </p:spPr>
+        <p:txBody>
+          <a:bodyPr wrap="none" rtlCol="0">
+            <a:spAutoFit/>
+          </a:bodyPr>
+          <a:lstStyle/>
+          <a:p>
+            <a:pPr>
+              <a:lnSpc>
+                <a:spcPct val="150000"/>
+              </a:lnSpc>
+            </a:pPr>
+            <a:r>
+              <a:rPr lang="zh-TW" altLang="en-US" sz="3200" dirty="0">
+                <a:latin typeface="微軟正黑體" panose="020B0604030504040204" pitchFamily="34" charset="-120"/>
+                <a:ea typeface="微軟正黑體" panose="020B0604030504040204" pitchFamily="34" charset="-120"/>
+              </a:rPr>
+              <a:t>．</a:t>
+            </a:r>
+            <a:r>
+              <a:rPr lang="en-US" altLang="zh-TW" sz="3200" dirty="0">
+                <a:latin typeface="微軟正黑體" panose="020B0604030504040204" pitchFamily="34" charset="-120"/>
+                <a:ea typeface="微軟正黑體" panose="020B0604030504040204" pitchFamily="34" charset="-120"/>
+              </a:rPr>
+              <a:t>Data science toolkit</a:t>
+            </a:r>
+          </a:p>
+          <a:p>
+            <a:pPr>
+              <a:lnSpc>
+                <a:spcPct val="150000"/>
+              </a:lnSpc>
+            </a:pPr>
+            <a:r>
+              <a:rPr lang="zh-TW" altLang="en-US" sz="3200" dirty="0">
+                <a:latin typeface="微軟正黑體" panose="020B0604030504040204" pitchFamily="34" charset="-120"/>
+                <a:ea typeface="微軟正黑體" panose="020B0604030504040204" pitchFamily="34" charset="-120"/>
+              </a:rPr>
+              <a:t>．</a:t>
+            </a:r>
+            <a:r>
+              <a:rPr lang="en-US" altLang="zh-TW" sz="3200" dirty="0">
+                <a:latin typeface="微軟正黑體" panose="020B0604030504040204" pitchFamily="34" charset="-120"/>
+                <a:ea typeface="微軟正黑體" panose="020B0604030504040204" pitchFamily="34" charset="-120"/>
+              </a:rPr>
+              <a:t>Tons of packages</a:t>
+            </a:r>
+          </a:p>
+        </p:txBody>
+      </p:sp>
       <p:pic>
         <p:nvPicPr>
-          <p:cNvPr id="5" name="圖片 4">
-            <a:extLst>
-              <a:ext uri="{FF2B5EF4-FFF2-40B4-BE49-F238E27FC236}">
-                <a16:creationId xmlns:a16="http://schemas.microsoft.com/office/drawing/2014/main" id="{02AA3085-7A73-49D8-8523-F26B7D61B3BC}"/>
+          <p:cNvPr id="12" name="圖片 11" descr="一張含有 畫畫, 窗戶, 標誌 的圖片&#10;&#10;自動產生的描述">
+            <a:hlinkClick r:id="rId4"/>
+            <a:extLst>
+              <a:ext uri="{FF2B5EF4-FFF2-40B4-BE49-F238E27FC236}">
+                <a16:creationId xmlns:a16="http://schemas.microsoft.com/office/drawing/2014/main" id="{FCA1242A-AB8A-4974-A280-517DDE9A34F0}"/>
               </a:ext>
             </a:extLst>
           </p:cNvPr>
@@ -8404,7 +9885,7 @@
           <p:nvPr/>
         </p:nvPicPr>
         <p:blipFill>
-          <a:blip r:embed="rId4">
+          <a:blip r:embed="rId5">
             <a:extLst>
               <a:ext uri="{28A0092B-C50C-407E-A947-70E740481C1C}">
                 <a14:useLocalDpi xmlns:a14="http://schemas.microsoft.com/office/drawing/2010/main" val="0"/>
@@ -8417,71 +9898,20 @@
         </p:blipFill>
         <p:spPr>
           <a:xfrm>
-            <a:off x="6598915" y="5513829"/>
-            <a:ext cx="2189527" cy="1094764"/>
+            <a:off x="1243132" y="3926048"/>
+            <a:ext cx="2603908" cy="1301954"/>
           </a:xfrm>
           <a:prstGeom prst="rect">
             <a:avLst/>
           </a:prstGeom>
         </p:spPr>
       </p:pic>
-      <p:sp>
-        <p:nvSpPr>
-          <p:cNvPr id="6" name="文字方塊 5">
-            <a:extLst>
-              <a:ext uri="{FF2B5EF4-FFF2-40B4-BE49-F238E27FC236}">
-                <a16:creationId xmlns:a16="http://schemas.microsoft.com/office/drawing/2014/main" id="{10B686E0-119F-47CE-8EA2-3D547A6E36DB}"/>
-              </a:ext>
-            </a:extLst>
-          </p:cNvPr>
-          <p:cNvSpPr txBox="1"/>
-          <p:nvPr/>
-        </p:nvSpPr>
-        <p:spPr>
-          <a:xfrm>
-            <a:off x="577867" y="603646"/>
-            <a:ext cx="4938147" cy="740524"/>
-          </a:xfrm>
-          <a:prstGeom prst="rect">
-            <a:avLst/>
-          </a:prstGeom>
-          <a:noFill/>
-        </p:spPr>
-        <p:txBody>
-          <a:bodyPr wrap="none" rtlCol="0">
-            <a:spAutoFit/>
-          </a:bodyPr>
-          <a:lstStyle/>
-          <a:p>
-            <a:pPr>
-              <a:lnSpc>
-                <a:spcPct val="150000"/>
-              </a:lnSpc>
-            </a:pPr>
-            <a:r>
-              <a:rPr lang="zh-TW" altLang="en-US" sz="3200" dirty="0">
-                <a:latin typeface="微軟正黑體" panose="020B0604030504040204" pitchFamily="34" charset="-120"/>
-                <a:ea typeface="微軟正黑體" panose="020B0604030504040204" pitchFamily="34" charset="-120"/>
-              </a:rPr>
-              <a:t>．</a:t>
-            </a:r>
-            <a:r>
-              <a:rPr lang="en-US" altLang="zh-TW" sz="3200" dirty="0">
-                <a:latin typeface="微軟正黑體" panose="020B0604030504040204" pitchFamily="34" charset="-120"/>
-                <a:ea typeface="微軟正黑體" panose="020B0604030504040204" pitchFamily="34" charset="-120"/>
-              </a:rPr>
-              <a:t>Download and Install…</a:t>
-            </a:r>
-          </a:p>
-        </p:txBody>
-      </p:sp>
       <p:pic>
         <p:nvPicPr>
-          <p:cNvPr id="7" name="圖片 6" descr="一張含有 螢幕擷取畫面 的圖片&#10;&#10;自動產生的描述">
-            <a:hlinkClick r:id="rId5"/>
-            <a:extLst>
-              <a:ext uri="{FF2B5EF4-FFF2-40B4-BE49-F238E27FC236}">
-                <a16:creationId xmlns:a16="http://schemas.microsoft.com/office/drawing/2014/main" id="{4EA6331C-6F2E-49E9-8002-E75337995A34}"/>
+          <p:cNvPr id="14" name="圖片 13" descr="一張含有 手機, 行動電話, 螢幕, 監視器 的圖片&#10;&#10;自動產生的描述">
+            <a:extLst>
+              <a:ext uri="{FF2B5EF4-FFF2-40B4-BE49-F238E27FC236}">
+                <a16:creationId xmlns:a16="http://schemas.microsoft.com/office/drawing/2014/main" id="{4506C42D-5F09-49BC-B2D1-F31315452AF3}"/>
               </a:ext>
             </a:extLst>
           </p:cNvPr>
@@ -8504,8 +9934,8 @@
         </p:blipFill>
         <p:spPr>
           <a:xfrm>
-            <a:off x="0" y="1569505"/>
-            <a:ext cx="9144000" cy="3718989"/>
+            <a:off x="4535496" y="3734570"/>
+            <a:ext cx="4126838" cy="2688340"/>
           </a:xfrm>
           <a:prstGeom prst="rect">
             <a:avLst/>
@@ -8515,7 +9945,7 @@
     </p:spTree>
     <p:extLst>
       <p:ext uri="{BB962C8B-B14F-4D97-AF65-F5344CB8AC3E}">
-        <p14:creationId xmlns:p14="http://schemas.microsoft.com/office/powerpoint/2010/main" val="2661723974"/>
+        <p14:creationId xmlns:p14="http://schemas.microsoft.com/office/powerpoint/2010/main" val="459639941"/>
       </p:ext>
     </p:extLst>
   </p:cSld>
@@ -8665,7 +10095,7 @@
         <p:spPr>
           <a:xfrm>
             <a:off x="577867" y="603646"/>
-            <a:ext cx="2695161" cy="740524"/>
+            <a:ext cx="4938147" cy="740524"/>
           </a:xfrm>
           <a:prstGeom prst="rect">
             <a:avLst/>
@@ -8695,17 +10125,18 @@
                 <a:latin typeface="微軟正黑體" panose="020B0604030504040204" pitchFamily="34" charset="-120"/>
                 <a:ea typeface="微軟正黑體" panose="020B0604030504040204" pitchFamily="34" charset="-120"/>
               </a:rPr>
-              <a:t>Packages…</a:t>
+              <a:t>Download and Install…</a:t>
             </a:r>
           </a:p>
         </p:txBody>
       </p:sp>
       <p:pic>
         <p:nvPicPr>
-          <p:cNvPr id="8" name="圖片 7" descr="一張含有 螢幕擷取畫面 的圖片&#10;&#10;自動產生的描述">
-            <a:extLst>
-              <a:ext uri="{FF2B5EF4-FFF2-40B4-BE49-F238E27FC236}">
-                <a16:creationId xmlns:a16="http://schemas.microsoft.com/office/drawing/2014/main" id="{6E83ABEF-BDEF-41EE-A7E2-DE600F334398}"/>
+          <p:cNvPr id="7" name="圖片 6" descr="一張含有 螢幕擷取畫面 的圖片&#10;&#10;自動產生的描述">
+            <a:hlinkClick r:id="rId5"/>
+            <a:extLst>
+              <a:ext uri="{FF2B5EF4-FFF2-40B4-BE49-F238E27FC236}">
+                <a16:creationId xmlns:a16="http://schemas.microsoft.com/office/drawing/2014/main" id="{4EA6331C-6F2E-49E9-8002-E75337995A34}"/>
               </a:ext>
             </a:extLst>
           </p:cNvPr>
@@ -8715,7 +10146,7 @@
           <p:nvPr/>
         </p:nvPicPr>
         <p:blipFill>
-          <a:blip r:embed="rId5">
+          <a:blip r:embed="rId6">
             <a:extLst>
               <a:ext uri="{28A0092B-C50C-407E-A947-70E740481C1C}">
                 <a14:useLocalDpi xmlns:a14="http://schemas.microsoft.com/office/drawing/2010/main" val="0"/>
@@ -8728,8 +10159,8 @@
         </p:blipFill>
         <p:spPr>
           <a:xfrm>
-            <a:off x="2210156" y="1605880"/>
-            <a:ext cx="4723687" cy="3646240"/>
+            <a:off x="0" y="1569505"/>
+            <a:ext cx="9144000" cy="3718989"/>
           </a:xfrm>
           <a:prstGeom prst="rect">
             <a:avLst/>
@@ -8739,7 +10170,7 @@
     </p:spTree>
     <p:extLst>
       <p:ext uri="{BB962C8B-B14F-4D97-AF65-F5344CB8AC3E}">
-        <p14:creationId xmlns:p14="http://schemas.microsoft.com/office/powerpoint/2010/main" val="3501477735"/>
+        <p14:creationId xmlns:p14="http://schemas.microsoft.com/office/powerpoint/2010/main" val="2661723974"/>
       </p:ext>
     </p:extLst>
   </p:cSld>
@@ -8838,12 +10269,48 @@
           </a:prstGeom>
         </p:spPr>
       </p:pic>
+      <p:pic>
+        <p:nvPicPr>
+          <p:cNvPr id="5" name="圖片 4">
+            <a:extLst>
+              <a:ext uri="{FF2B5EF4-FFF2-40B4-BE49-F238E27FC236}">
+                <a16:creationId xmlns:a16="http://schemas.microsoft.com/office/drawing/2014/main" id="{02AA3085-7A73-49D8-8523-F26B7D61B3BC}"/>
+              </a:ext>
+            </a:extLst>
+          </p:cNvPr>
+          <p:cNvPicPr>
+            <a:picLocks noChangeAspect="1"/>
+          </p:cNvPicPr>
+          <p:nvPr/>
+        </p:nvPicPr>
+        <p:blipFill>
+          <a:blip r:embed="rId4">
+            <a:extLst>
+              <a:ext uri="{28A0092B-C50C-407E-A947-70E740481C1C}">
+                <a14:useLocalDpi xmlns:a14="http://schemas.microsoft.com/office/drawing/2010/main" val="0"/>
+              </a:ext>
+            </a:extLst>
+          </a:blip>
+          <a:stretch>
+            <a:fillRect/>
+          </a:stretch>
+        </p:blipFill>
+        <p:spPr>
+          <a:xfrm>
+            <a:off x="6598915" y="5513829"/>
+            <a:ext cx="2189527" cy="1094764"/>
+          </a:xfrm>
+          <a:prstGeom prst="rect">
+            <a:avLst/>
+          </a:prstGeom>
+        </p:spPr>
+      </p:pic>
       <p:sp>
         <p:nvSpPr>
           <p:cNvPr id="6" name="文字方塊 5">
             <a:extLst>
               <a:ext uri="{FF2B5EF4-FFF2-40B4-BE49-F238E27FC236}">
-                <a16:creationId xmlns:a16="http://schemas.microsoft.com/office/drawing/2014/main" id="{0B449AA4-A627-43D0-B578-1FD2FCF75A38}"/>
+                <a16:creationId xmlns:a16="http://schemas.microsoft.com/office/drawing/2014/main" id="{10B686E0-119F-47CE-8EA2-3D547A6E36DB}"/>
               </a:ext>
             </a:extLst>
           </p:cNvPr>
@@ -8853,7 +10320,7 @@
         <p:spPr>
           <a:xfrm>
             <a:off x="577867" y="603646"/>
-            <a:ext cx="4306564" cy="740524"/>
+            <a:ext cx="2695161" cy="740524"/>
           </a:xfrm>
           <a:prstGeom prst="rect">
             <a:avLst/>
@@ -8883,17 +10350,17 @@
                 <a:latin typeface="微軟正黑體" panose="020B0604030504040204" pitchFamily="34" charset="-120"/>
                 <a:ea typeface="微軟正黑體" panose="020B0604030504040204" pitchFamily="34" charset="-120"/>
               </a:rPr>
-              <a:t>Changing directory</a:t>
+              <a:t>Packages…</a:t>
             </a:r>
           </a:p>
         </p:txBody>
       </p:sp>
       <p:pic>
         <p:nvPicPr>
-          <p:cNvPr id="7" name="圖片 6" descr="一張含有 螢幕擷取畫面, 電腦 的圖片&#10;&#10;自動產生的描述">
-            <a:extLst>
-              <a:ext uri="{FF2B5EF4-FFF2-40B4-BE49-F238E27FC236}">
-                <a16:creationId xmlns:a16="http://schemas.microsoft.com/office/drawing/2014/main" id="{DCCFEB8F-91B5-4EBE-90F1-27772C9AB0CF}"/>
+          <p:cNvPr id="8" name="圖片 7" descr="一張含有 螢幕擷取畫面 的圖片&#10;&#10;自動產生的描述">
+            <a:extLst>
+              <a:ext uri="{FF2B5EF4-FFF2-40B4-BE49-F238E27FC236}">
+                <a16:creationId xmlns:a16="http://schemas.microsoft.com/office/drawing/2014/main" id="{6E83ABEF-BDEF-41EE-A7E2-DE600F334398}"/>
               </a:ext>
             </a:extLst>
           </p:cNvPr>
@@ -8902,142 +10369,22 @@
           </p:cNvPicPr>
           <p:nvPr/>
         </p:nvPicPr>
-        <p:blipFill rotWithShape="1">
-          <a:blip r:embed="rId4">
+        <p:blipFill>
+          <a:blip r:embed="rId5">
             <a:extLst>
               <a:ext uri="{28A0092B-C50C-407E-A947-70E740481C1C}">
                 <a14:useLocalDpi xmlns:a14="http://schemas.microsoft.com/office/drawing/2010/main" val="0"/>
               </a:ext>
             </a:extLst>
           </a:blip>
-          <a:srcRect b="72167"/>
-          <a:stretch/>
+          <a:stretch>
+            <a:fillRect/>
+          </a:stretch>
         </p:blipFill>
         <p:spPr>
           <a:xfrm>
-            <a:off x="738892" y="2266951"/>
-            <a:ext cx="6392167" cy="1156048"/>
-          </a:xfrm>
-          <a:prstGeom prst="rect">
-            <a:avLst/>
-          </a:prstGeom>
-        </p:spPr>
-      </p:pic>
-      <p:sp>
-        <p:nvSpPr>
-          <p:cNvPr id="8" name="文字方塊 7">
-            <a:extLst>
-              <a:ext uri="{FF2B5EF4-FFF2-40B4-BE49-F238E27FC236}">
-                <a16:creationId xmlns:a16="http://schemas.microsoft.com/office/drawing/2014/main" id="{6B700C77-1DA7-4FCE-94E7-AAD89B317253}"/>
-              </a:ext>
-            </a:extLst>
-          </p:cNvPr>
-          <p:cNvSpPr txBox="1"/>
-          <p:nvPr/>
-        </p:nvSpPr>
-        <p:spPr>
-          <a:xfrm>
-            <a:off x="738892" y="1647447"/>
-            <a:ext cx="2004972" cy="578492"/>
-          </a:xfrm>
-          <a:prstGeom prst="rect">
-            <a:avLst/>
-          </a:prstGeom>
-          <a:noFill/>
-        </p:spPr>
-        <p:txBody>
-          <a:bodyPr wrap="none" rtlCol="0">
-            <a:spAutoFit/>
-          </a:bodyPr>
-          <a:lstStyle/>
-          <a:p>
-            <a:pPr>
-              <a:lnSpc>
-                <a:spcPct val="150000"/>
-              </a:lnSpc>
-            </a:pPr>
-            <a:r>
-              <a:rPr lang="en-US" altLang="zh-TW" sz="2400" dirty="0">
-                <a:latin typeface="微軟正黑體" panose="020B0604030504040204" pitchFamily="34" charset="-120"/>
-                <a:ea typeface="微軟正黑體" panose="020B0604030504040204" pitchFamily="34" charset="-120"/>
-              </a:rPr>
-              <a:t>Same parent</a:t>
-            </a:r>
-          </a:p>
-        </p:txBody>
-      </p:sp>
-      <p:sp>
-        <p:nvSpPr>
-          <p:cNvPr id="9" name="文字方塊 8">
-            <a:extLst>
-              <a:ext uri="{FF2B5EF4-FFF2-40B4-BE49-F238E27FC236}">
-                <a16:creationId xmlns:a16="http://schemas.microsoft.com/office/drawing/2014/main" id="{6BF66C5C-82B1-4478-B154-4FF8D2943FDC}"/>
-              </a:ext>
-            </a:extLst>
-          </p:cNvPr>
-          <p:cNvSpPr txBox="1"/>
-          <p:nvPr/>
-        </p:nvSpPr>
-        <p:spPr>
-          <a:xfrm>
-            <a:off x="2261522" y="3880413"/>
-            <a:ext cx="2475101" cy="578492"/>
-          </a:xfrm>
-          <a:prstGeom prst="rect">
-            <a:avLst/>
-          </a:prstGeom>
-          <a:noFill/>
-        </p:spPr>
-        <p:txBody>
-          <a:bodyPr wrap="none" rtlCol="0">
-            <a:spAutoFit/>
-          </a:bodyPr>
-          <a:lstStyle/>
-          <a:p>
-            <a:pPr>
-              <a:lnSpc>
-                <a:spcPct val="150000"/>
-              </a:lnSpc>
-            </a:pPr>
-            <a:r>
-              <a:rPr lang="en-US" altLang="zh-TW" sz="2400" dirty="0">
-                <a:latin typeface="微軟正黑體" panose="020B0604030504040204" pitchFamily="34" charset="-120"/>
-                <a:ea typeface="微軟正黑體" panose="020B0604030504040204" pitchFamily="34" charset="-120"/>
-              </a:rPr>
-              <a:t>Different parent</a:t>
-            </a:r>
-          </a:p>
-        </p:txBody>
-      </p:sp>
-      <p:pic>
-        <p:nvPicPr>
-          <p:cNvPr id="11" name="圖片 10" descr="一張含有 螢幕擷取畫面, 電腦 的圖片&#10;&#10;自動產生的描述">
-            <a:extLst>
-              <a:ext uri="{FF2B5EF4-FFF2-40B4-BE49-F238E27FC236}">
-                <a16:creationId xmlns:a16="http://schemas.microsoft.com/office/drawing/2014/main" id="{1FCBEA8F-7170-44F3-886C-38711FD0586F}"/>
-              </a:ext>
-            </a:extLst>
-          </p:cNvPr>
-          <p:cNvPicPr>
-            <a:picLocks noChangeAspect="1"/>
-          </p:cNvPicPr>
-          <p:nvPr/>
-        </p:nvPicPr>
-        <p:blipFill rotWithShape="1">
-          <a:blip r:embed="rId5">
-            <a:extLst>
-              <a:ext uri="{28A0092B-C50C-407E-A947-70E740481C1C}">
-                <a14:useLocalDpi xmlns:a14="http://schemas.microsoft.com/office/drawing/2010/main" val="0"/>
-              </a:ext>
-            </a:extLst>
-          </a:blip>
-          <a:srcRect b="63451"/>
-          <a:stretch/>
-        </p:blipFill>
-        <p:spPr>
-          <a:xfrm>
-            <a:off x="2261522" y="4487108"/>
-            <a:ext cx="6382641" cy="1521538"/>
+            <a:off x="2210156" y="1605880"/>
+            <a:ext cx="4723687" cy="3646240"/>
           </a:xfrm>
           <a:prstGeom prst="rect">
             <a:avLst/>
@@ -9047,7 +10394,7 @@
     </p:spTree>
     <p:extLst>
       <p:ext uri="{BB962C8B-B14F-4D97-AF65-F5344CB8AC3E}">
-        <p14:creationId xmlns:p14="http://schemas.microsoft.com/office/powerpoint/2010/main" val="51615846"/>
+        <p14:creationId xmlns:p14="http://schemas.microsoft.com/office/powerpoint/2010/main" val="3501477735"/>
       </p:ext>
     </p:extLst>
   </p:cSld>
@@ -9146,147 +10493,12 @@
           </a:prstGeom>
         </p:spPr>
       </p:pic>
-      <p:cxnSp>
-        <p:nvCxnSpPr>
-          <p:cNvPr id="5" name="直線接點 4">
-            <a:extLst>
-              <a:ext uri="{FF2B5EF4-FFF2-40B4-BE49-F238E27FC236}">
-                <a16:creationId xmlns:a16="http://schemas.microsoft.com/office/drawing/2014/main" id="{4F6D391F-CEFD-4FB2-875E-E73FD4FD3567}"/>
-              </a:ext>
-            </a:extLst>
-          </p:cNvPr>
-          <p:cNvCxnSpPr>
-            <a:cxnSpLocks/>
-          </p:cNvCxnSpPr>
-          <p:nvPr/>
-        </p:nvCxnSpPr>
-        <p:spPr>
-          <a:xfrm>
-            <a:off x="678535" y="637564"/>
-            <a:ext cx="285226" cy="503339"/>
-          </a:xfrm>
-          <a:prstGeom prst="line">
-            <a:avLst/>
-          </a:prstGeom>
-          <a:ln w="28575">
-            <a:solidFill>
-              <a:schemeClr val="bg1">
-                <a:lumMod val="50000"/>
-              </a:schemeClr>
-            </a:solidFill>
-          </a:ln>
-        </p:spPr>
-        <p:style>
-          <a:lnRef idx="1">
-            <a:schemeClr val="accent1"/>
-          </a:lnRef>
-          <a:fillRef idx="0">
-            <a:schemeClr val="accent1"/>
-          </a:fillRef>
-          <a:effectRef idx="0">
-            <a:schemeClr val="accent1"/>
-          </a:effectRef>
-          <a:fontRef idx="minor">
-            <a:schemeClr val="tx1"/>
-          </a:fontRef>
-        </p:style>
-      </p:cxnSp>
-      <p:cxnSp>
-        <p:nvCxnSpPr>
-          <p:cNvPr id="6" name="直線接點 5">
-            <a:extLst>
-              <a:ext uri="{FF2B5EF4-FFF2-40B4-BE49-F238E27FC236}">
-                <a16:creationId xmlns:a16="http://schemas.microsoft.com/office/drawing/2014/main" id="{C9171345-2509-4BBF-9505-39CEBD75EB7D}"/>
-              </a:ext>
-            </a:extLst>
-          </p:cNvPr>
-          <p:cNvCxnSpPr>
-            <a:cxnSpLocks/>
-          </p:cNvCxnSpPr>
-          <p:nvPr/>
-        </p:nvCxnSpPr>
-        <p:spPr>
-          <a:xfrm>
-            <a:off x="963761" y="1140903"/>
-            <a:ext cx="3162650" cy="0"/>
-          </a:xfrm>
-          <a:prstGeom prst="line">
-            <a:avLst/>
-          </a:prstGeom>
-          <a:ln w="28575">
-            <a:solidFill>
-              <a:schemeClr val="bg1">
-                <a:lumMod val="50000"/>
-              </a:schemeClr>
-            </a:solidFill>
-          </a:ln>
-        </p:spPr>
-        <p:style>
-          <a:lnRef idx="1">
-            <a:schemeClr val="accent1"/>
-          </a:lnRef>
-          <a:fillRef idx="0">
-            <a:schemeClr val="accent1"/>
-          </a:fillRef>
-          <a:effectRef idx="0">
-            <a:schemeClr val="accent1"/>
-          </a:effectRef>
-          <a:fontRef idx="minor">
-            <a:schemeClr val="tx1"/>
-          </a:fontRef>
-        </p:style>
-      </p:cxnSp>
-      <p:cxnSp>
-        <p:nvCxnSpPr>
-          <p:cNvPr id="7" name="直線接點 6">
-            <a:extLst>
-              <a:ext uri="{FF2B5EF4-FFF2-40B4-BE49-F238E27FC236}">
-                <a16:creationId xmlns:a16="http://schemas.microsoft.com/office/drawing/2014/main" id="{A0691FAE-F0D4-4313-B4CF-4CC74852712D}"/>
-              </a:ext>
-            </a:extLst>
-          </p:cNvPr>
-          <p:cNvCxnSpPr>
-            <a:cxnSpLocks/>
-          </p:cNvCxnSpPr>
-          <p:nvPr/>
-        </p:nvCxnSpPr>
-        <p:spPr>
-          <a:xfrm>
-            <a:off x="4126411" y="1140904"/>
-            <a:ext cx="285226" cy="503339"/>
-          </a:xfrm>
-          <a:prstGeom prst="line">
-            <a:avLst/>
-          </a:prstGeom>
-          <a:ln w="28575">
-            <a:solidFill>
-              <a:schemeClr val="bg1">
-                <a:lumMod val="50000"/>
-              </a:schemeClr>
-            </a:solidFill>
-          </a:ln>
-        </p:spPr>
-        <p:style>
-          <a:lnRef idx="1">
-            <a:schemeClr val="accent1"/>
-          </a:lnRef>
-          <a:fillRef idx="0">
-            <a:schemeClr val="accent1"/>
-          </a:fillRef>
-          <a:effectRef idx="0">
-            <a:schemeClr val="accent1"/>
-          </a:effectRef>
-          <a:fontRef idx="minor">
-            <a:schemeClr val="tx1"/>
-          </a:fontRef>
-        </p:style>
-      </p:cxnSp>
       <p:sp>
         <p:nvSpPr>
-          <p:cNvPr id="8" name="文字方塊 7">
-            <a:extLst>
-              <a:ext uri="{FF2B5EF4-FFF2-40B4-BE49-F238E27FC236}">
-                <a16:creationId xmlns:a16="http://schemas.microsoft.com/office/drawing/2014/main" id="{6A38E037-79E3-4336-9282-B3E67DEFE58E}"/>
+          <p:cNvPr id="6" name="文字方塊 5">
+            <a:extLst>
+              <a:ext uri="{FF2B5EF4-FFF2-40B4-BE49-F238E27FC236}">
+                <a16:creationId xmlns:a16="http://schemas.microsoft.com/office/drawing/2014/main" id="{0B449AA4-A627-43D0-B578-1FD2FCF75A38}"/>
               </a:ext>
             </a:extLst>
           </p:cNvPr>
@@ -9295,8 +10507,8 @@
         </p:nvSpPr>
         <p:spPr>
           <a:xfrm>
-            <a:off x="963761" y="433017"/>
-            <a:ext cx="4523418" cy="707886"/>
+            <a:off x="577867" y="603646"/>
+            <a:ext cx="4306564" cy="740524"/>
           </a:xfrm>
           <a:prstGeom prst="rect">
             <a:avLst/>
@@ -9309,29 +10521,34 @@
           </a:bodyPr>
           <a:lstStyle/>
           <a:p>
-            <a:r>
-              <a:rPr lang="en-US" altLang="zh-TW" sz="4000" dirty="0">
+            <a:pPr>
+              <a:lnSpc>
+                <a:spcPct val="150000"/>
+              </a:lnSpc>
+            </a:pPr>
+            <a:r>
+              <a:rPr lang="zh-TW" altLang="en-US" sz="3200" dirty="0">
                 <a:latin typeface="微軟正黑體" panose="020B0604030504040204" pitchFamily="34" charset="-120"/>
                 <a:ea typeface="微軟正黑體" panose="020B0604030504040204" pitchFamily="34" charset="-120"/>
-                <a:cs typeface="Times New Roman" panose="02020603050405020304" pitchFamily="18" charset="0"/>
-                <a:hlinkClick r:id="rId4"/>
               </a:rPr>
-              <a:t>Jupyter Notebook</a:t>
-            </a:r>
-            <a:endParaRPr lang="zh-TW" altLang="en-US" sz="4000" dirty="0">
-              <a:latin typeface="微軟正黑體" panose="020B0604030504040204" pitchFamily="34" charset="-120"/>
-              <a:ea typeface="微軟正黑體" panose="020B0604030504040204" pitchFamily="34" charset="-120"/>
-              <a:cs typeface="Times New Roman" panose="02020603050405020304" pitchFamily="18" charset="0"/>
-            </a:endParaRPr>
+              <a:t>．</a:t>
+            </a:r>
+            <a:r>
+              <a:rPr lang="en-US" altLang="zh-TW" sz="3200" dirty="0">
+                <a:latin typeface="微軟正黑體" panose="020B0604030504040204" pitchFamily="34" charset="-120"/>
+                <a:ea typeface="微軟正黑體" panose="020B0604030504040204" pitchFamily="34" charset="-120"/>
+              </a:rPr>
+              <a:t>Changing directory</a:t>
+            </a:r>
           </a:p>
         </p:txBody>
       </p:sp>
       <p:pic>
         <p:nvPicPr>
-          <p:cNvPr id="9" name="圖片 8" descr="一張含有 鳥, 花 的圖片&#10;&#10;自動產生的描述">
-            <a:extLst>
-              <a:ext uri="{FF2B5EF4-FFF2-40B4-BE49-F238E27FC236}">
-                <a16:creationId xmlns:a16="http://schemas.microsoft.com/office/drawing/2014/main" id="{F5F5A402-395E-44A3-B1CD-E1999BAB250B}"/>
+          <p:cNvPr id="7" name="圖片 6" descr="一張含有 螢幕擷取畫面, 電腦 的圖片&#10;&#10;自動產生的描述">
+            <a:extLst>
+              <a:ext uri="{FF2B5EF4-FFF2-40B4-BE49-F238E27FC236}">
+                <a16:creationId xmlns:a16="http://schemas.microsoft.com/office/drawing/2014/main" id="{DCCFEB8F-91B5-4EBE-90F1-27772C9AB0CF}"/>
               </a:ext>
             </a:extLst>
           </p:cNvPr>
@@ -9340,84 +10557,33 @@
           </p:cNvPicPr>
           <p:nvPr/>
         </p:nvPicPr>
-        <p:blipFill>
-          <a:blip r:embed="rId5">
+        <p:blipFill rotWithShape="1">
+          <a:blip r:embed="rId4">
             <a:extLst>
               <a:ext uri="{28A0092B-C50C-407E-A947-70E740481C1C}">
                 <a14:useLocalDpi xmlns:a14="http://schemas.microsoft.com/office/drawing/2010/main" val="0"/>
               </a:ext>
             </a:extLst>
           </a:blip>
-          <a:stretch>
-            <a:fillRect/>
-          </a:stretch>
-        </p:blipFill>
-        <p:spPr>
-          <a:xfrm>
-            <a:off x="679074" y="2551517"/>
-            <a:ext cx="5495640" cy="1146631"/>
-          </a:xfrm>
-          <a:prstGeom prst="rect">
-            <a:avLst/>
-          </a:prstGeom>
-        </p:spPr>
-      </p:pic>
-      <p:pic>
-        <p:nvPicPr>
-          <p:cNvPr id="11" name="圖片 10">
-            <a:extLst>
-              <a:ext uri="{FF2B5EF4-FFF2-40B4-BE49-F238E27FC236}">
-                <a16:creationId xmlns:a16="http://schemas.microsoft.com/office/drawing/2014/main" id="{0CB58179-B54C-46CB-B9D4-788BF0BD4F27}"/>
-              </a:ext>
-            </a:extLst>
-          </p:cNvPr>
-          <p:cNvPicPr>
-            <a:picLocks noChangeAspect="1"/>
-          </p:cNvPicPr>
-          <p:nvPr/>
-        </p:nvPicPr>
-        <p:blipFill rotWithShape="1">
-          <a:blip r:embed="rId6">
-            <a:extLst>
-              <a:ext uri="{28A0092B-C50C-407E-A947-70E740481C1C}">
-                <a14:useLocalDpi xmlns:a14="http://schemas.microsoft.com/office/drawing/2010/main" val="0"/>
-              </a:ext>
-            </a:extLst>
-          </a:blip>
-          <a:srcRect b="14775"/>
+          <a:srcRect b="72167"/>
           <a:stretch/>
         </p:blipFill>
         <p:spPr>
           <a:xfrm>
-            <a:off x="854271" y="3844005"/>
-            <a:ext cx="7222921" cy="1397466"/>
-          </a:xfrm>
-          <a:prstGeom prst="rect">
-            <a:avLst/>
-          </a:prstGeom>
-          <a:ln w="38100" cap="sq">
-            <a:solidFill>
-              <a:srgbClr val="000000"/>
-            </a:solidFill>
-            <a:prstDash val="solid"/>
-            <a:miter lim="800000"/>
-          </a:ln>
-          <a:effectLst>
-            <a:outerShdw blurRad="50800" dist="38100" dir="2700000" algn="tl" rotWithShape="0">
-              <a:srgbClr val="000000">
-                <a:alpha val="43000"/>
-              </a:srgbClr>
-            </a:outerShdw>
-          </a:effectLst>
+            <a:off x="738892" y="2266951"/>
+            <a:ext cx="6392167" cy="1156048"/>
+          </a:xfrm>
+          <a:prstGeom prst="rect">
+            <a:avLst/>
+          </a:prstGeom>
         </p:spPr>
       </p:pic>
       <p:sp>
         <p:nvSpPr>
-          <p:cNvPr id="12" name="文字方塊 11">
-            <a:hlinkClick r:id="rId7"/>
-            <a:extLst>
-              <a:ext uri="{FF2B5EF4-FFF2-40B4-BE49-F238E27FC236}">
-                <a16:creationId xmlns:a16="http://schemas.microsoft.com/office/drawing/2014/main" id="{ACAB6D4A-98F8-46D5-A311-339F94F2391C}"/>
+          <p:cNvPr id="8" name="文字方塊 7">
+            <a:extLst>
+              <a:ext uri="{FF2B5EF4-FFF2-40B4-BE49-F238E27FC236}">
+                <a16:creationId xmlns:a16="http://schemas.microsoft.com/office/drawing/2014/main" id="{6B700C77-1DA7-4FCE-94E7-AAD89B317253}"/>
               </a:ext>
             </a:extLst>
           </p:cNvPr>
@@ -9426,8 +10592,8 @@
         </p:nvSpPr>
         <p:spPr>
           <a:xfrm>
-            <a:off x="678535" y="1694577"/>
-            <a:ext cx="3734933" cy="578492"/>
+            <a:off x="738892" y="1647447"/>
+            <a:ext cx="2004972" cy="578492"/>
           </a:xfrm>
           <a:prstGeom prst="rect">
             <a:avLst/>
@@ -9446,33 +10612,64 @@
               </a:lnSpc>
             </a:pPr>
             <a:r>
-              <a:rPr lang="zh-TW" altLang="en-US" sz="2400" dirty="0">
+              <a:rPr lang="en-US" altLang="zh-TW" sz="2400" dirty="0">
                 <a:latin typeface="微軟正黑體" panose="020B0604030504040204" pitchFamily="34" charset="-120"/>
                 <a:ea typeface="微軟正黑體" panose="020B0604030504040204" pitchFamily="34" charset="-120"/>
               </a:rPr>
-              <a:t>．</a:t>
-            </a:r>
+              <a:t>Same parent</a:t>
+            </a:r>
+          </a:p>
+        </p:txBody>
+      </p:sp>
+      <p:sp>
+        <p:nvSpPr>
+          <p:cNvPr id="9" name="文字方塊 8">
+            <a:extLst>
+              <a:ext uri="{FF2B5EF4-FFF2-40B4-BE49-F238E27FC236}">
+                <a16:creationId xmlns:a16="http://schemas.microsoft.com/office/drawing/2014/main" id="{6BF66C5C-82B1-4478-B154-4FF8D2943FDC}"/>
+              </a:ext>
+            </a:extLst>
+          </p:cNvPr>
+          <p:cNvSpPr txBox="1"/>
+          <p:nvPr/>
+        </p:nvSpPr>
+        <p:spPr>
+          <a:xfrm>
+            <a:off x="2261522" y="3880413"/>
+            <a:ext cx="2475101" cy="578492"/>
+          </a:xfrm>
+          <a:prstGeom prst="rect">
+            <a:avLst/>
+          </a:prstGeom>
+          <a:noFill/>
+        </p:spPr>
+        <p:txBody>
+          <a:bodyPr wrap="none" rtlCol="0">
+            <a:spAutoFit/>
+          </a:bodyPr>
+          <a:lstStyle/>
+          <a:p>
+            <a:pPr>
+              <a:lnSpc>
+                <a:spcPct val="150000"/>
+              </a:lnSpc>
+            </a:pPr>
             <a:r>
               <a:rPr lang="en-US" altLang="zh-TW" sz="2400" dirty="0">
                 <a:latin typeface="微軟正黑體" panose="020B0604030504040204" pitchFamily="34" charset="-120"/>
                 <a:ea typeface="微軟正黑體" panose="020B0604030504040204" pitchFamily="34" charset="-120"/>
-                <a:hlinkClick r:id="rId7"/>
               </a:rPr>
-              <a:t>Starting the Notebook</a:t>
-            </a:r>
-            <a:endParaRPr lang="en-US" altLang="zh-TW" sz="2400" dirty="0">
-              <a:latin typeface="微軟正黑體" panose="020B0604030504040204" pitchFamily="34" charset="-120"/>
-              <a:ea typeface="微軟正黑體" panose="020B0604030504040204" pitchFamily="34" charset="-120"/>
-            </a:endParaRPr>
+              <a:t>Different parent</a:t>
+            </a:r>
           </a:p>
         </p:txBody>
       </p:sp>
       <p:pic>
         <p:nvPicPr>
-          <p:cNvPr id="13" name="圖片 12">
-            <a:extLst>
-              <a:ext uri="{FF2B5EF4-FFF2-40B4-BE49-F238E27FC236}">
-                <a16:creationId xmlns:a16="http://schemas.microsoft.com/office/drawing/2014/main" id="{34EA3792-1113-4FC7-9BF5-1DB3E8DC6B8E}"/>
+          <p:cNvPr id="11" name="圖片 10" descr="一張含有 螢幕擷取畫面, 電腦 的圖片&#10;&#10;自動產生的描述">
+            <a:extLst>
+              <a:ext uri="{FF2B5EF4-FFF2-40B4-BE49-F238E27FC236}">
+                <a16:creationId xmlns:a16="http://schemas.microsoft.com/office/drawing/2014/main" id="{1FCBEA8F-7170-44F3-886C-38711FD0586F}"/>
               </a:ext>
             </a:extLst>
           </p:cNvPr>
@@ -9481,58 +10678,21 @@
           </p:cNvPicPr>
           <p:nvPr/>
         </p:nvPicPr>
-        <p:blipFill>
-          <a:blip r:embed="rId8">
+        <p:blipFill rotWithShape="1">
+          <a:blip r:embed="rId5">
             <a:extLst>
               <a:ext uri="{28A0092B-C50C-407E-A947-70E740481C1C}">
                 <a14:useLocalDpi xmlns:a14="http://schemas.microsoft.com/office/drawing/2010/main" val="0"/>
               </a:ext>
             </a:extLst>
           </a:blip>
-          <a:stretch>
-            <a:fillRect/>
-          </a:stretch>
+          <a:srcRect b="63451"/>
+          <a:stretch/>
         </p:blipFill>
         <p:spPr>
           <a:xfrm>
-            <a:off x="6598915" y="5513829"/>
-            <a:ext cx="2189527" cy="1094764"/>
-          </a:xfrm>
-          <a:prstGeom prst="rect">
-            <a:avLst/>
-          </a:prstGeom>
-        </p:spPr>
-      </p:pic>
-      <p:pic>
-        <p:nvPicPr>
-          <p:cNvPr id="15" name="圖片 14" descr="一張含有 螢幕擷取畫面 的圖片&#10;&#10;自動產生的描述">
-            <a:extLst>
-              <a:ext uri="{FF2B5EF4-FFF2-40B4-BE49-F238E27FC236}">
-                <a16:creationId xmlns:a16="http://schemas.microsoft.com/office/drawing/2014/main" id="{CA7D3767-43B5-4BE5-9BF5-0FD1E0EB802F}"/>
-              </a:ext>
-            </a:extLst>
-          </p:cNvPr>
-          <p:cNvPicPr>
-            <a:picLocks noChangeAspect="1"/>
-          </p:cNvPicPr>
-          <p:nvPr/>
-        </p:nvPicPr>
-        <p:blipFill>
-          <a:blip r:embed="rId9">
-            <a:extLst>
-              <a:ext uri="{28A0092B-C50C-407E-A947-70E740481C1C}">
-                <a14:useLocalDpi xmlns:a14="http://schemas.microsoft.com/office/drawing/2010/main" val="0"/>
-              </a:ext>
-            </a:extLst>
-          </a:blip>
-          <a:stretch>
-            <a:fillRect/>
-          </a:stretch>
-        </p:blipFill>
-        <p:spPr>
-          <a:xfrm>
-            <a:off x="6303136" y="2833119"/>
-            <a:ext cx="2189527" cy="834106"/>
+            <a:off x="2261522" y="4487108"/>
+            <a:ext cx="6382641" cy="1521538"/>
           </a:xfrm>
           <a:prstGeom prst="rect">
             <a:avLst/>
@@ -9542,7 +10702,7 @@
     </p:spTree>
     <p:extLst>
       <p:ext uri="{BB962C8B-B14F-4D97-AF65-F5344CB8AC3E}">
-        <p14:creationId xmlns:p14="http://schemas.microsoft.com/office/powerpoint/2010/main" val="778652953"/>
+        <p14:creationId xmlns:p14="http://schemas.microsoft.com/office/powerpoint/2010/main" val="51615846"/>
       </p:ext>
     </p:extLst>
   </p:cSld>
@@ -9641,12 +10801,147 @@
           </a:prstGeom>
         </p:spPr>
       </p:pic>
+      <p:cxnSp>
+        <p:nvCxnSpPr>
+          <p:cNvPr id="5" name="直線接點 4">
+            <a:extLst>
+              <a:ext uri="{FF2B5EF4-FFF2-40B4-BE49-F238E27FC236}">
+                <a16:creationId xmlns:a16="http://schemas.microsoft.com/office/drawing/2014/main" id="{4F6D391F-CEFD-4FB2-875E-E73FD4FD3567}"/>
+              </a:ext>
+            </a:extLst>
+          </p:cNvPr>
+          <p:cNvCxnSpPr>
+            <a:cxnSpLocks/>
+          </p:cNvCxnSpPr>
+          <p:nvPr/>
+        </p:nvCxnSpPr>
+        <p:spPr>
+          <a:xfrm>
+            <a:off x="678535" y="637564"/>
+            <a:ext cx="285226" cy="503339"/>
+          </a:xfrm>
+          <a:prstGeom prst="line">
+            <a:avLst/>
+          </a:prstGeom>
+          <a:ln w="28575">
+            <a:solidFill>
+              <a:schemeClr val="bg1">
+                <a:lumMod val="50000"/>
+              </a:schemeClr>
+            </a:solidFill>
+          </a:ln>
+        </p:spPr>
+        <p:style>
+          <a:lnRef idx="1">
+            <a:schemeClr val="accent1"/>
+          </a:lnRef>
+          <a:fillRef idx="0">
+            <a:schemeClr val="accent1"/>
+          </a:fillRef>
+          <a:effectRef idx="0">
+            <a:schemeClr val="accent1"/>
+          </a:effectRef>
+          <a:fontRef idx="minor">
+            <a:schemeClr val="tx1"/>
+          </a:fontRef>
+        </p:style>
+      </p:cxnSp>
+      <p:cxnSp>
+        <p:nvCxnSpPr>
+          <p:cNvPr id="6" name="直線接點 5">
+            <a:extLst>
+              <a:ext uri="{FF2B5EF4-FFF2-40B4-BE49-F238E27FC236}">
+                <a16:creationId xmlns:a16="http://schemas.microsoft.com/office/drawing/2014/main" id="{C9171345-2509-4BBF-9505-39CEBD75EB7D}"/>
+              </a:ext>
+            </a:extLst>
+          </p:cNvPr>
+          <p:cNvCxnSpPr>
+            <a:cxnSpLocks/>
+          </p:cNvCxnSpPr>
+          <p:nvPr/>
+        </p:nvCxnSpPr>
+        <p:spPr>
+          <a:xfrm>
+            <a:off x="963761" y="1140903"/>
+            <a:ext cx="3162650" cy="0"/>
+          </a:xfrm>
+          <a:prstGeom prst="line">
+            <a:avLst/>
+          </a:prstGeom>
+          <a:ln w="28575">
+            <a:solidFill>
+              <a:schemeClr val="bg1">
+                <a:lumMod val="50000"/>
+              </a:schemeClr>
+            </a:solidFill>
+          </a:ln>
+        </p:spPr>
+        <p:style>
+          <a:lnRef idx="1">
+            <a:schemeClr val="accent1"/>
+          </a:lnRef>
+          <a:fillRef idx="0">
+            <a:schemeClr val="accent1"/>
+          </a:fillRef>
+          <a:effectRef idx="0">
+            <a:schemeClr val="accent1"/>
+          </a:effectRef>
+          <a:fontRef idx="minor">
+            <a:schemeClr val="tx1"/>
+          </a:fontRef>
+        </p:style>
+      </p:cxnSp>
+      <p:cxnSp>
+        <p:nvCxnSpPr>
+          <p:cNvPr id="7" name="直線接點 6">
+            <a:extLst>
+              <a:ext uri="{FF2B5EF4-FFF2-40B4-BE49-F238E27FC236}">
+                <a16:creationId xmlns:a16="http://schemas.microsoft.com/office/drawing/2014/main" id="{A0691FAE-F0D4-4313-B4CF-4CC74852712D}"/>
+              </a:ext>
+            </a:extLst>
+          </p:cNvPr>
+          <p:cNvCxnSpPr>
+            <a:cxnSpLocks/>
+          </p:cNvCxnSpPr>
+          <p:nvPr/>
+        </p:nvCxnSpPr>
+        <p:spPr>
+          <a:xfrm>
+            <a:off x="4126411" y="1140904"/>
+            <a:ext cx="285226" cy="503339"/>
+          </a:xfrm>
+          <a:prstGeom prst="line">
+            <a:avLst/>
+          </a:prstGeom>
+          <a:ln w="28575">
+            <a:solidFill>
+              <a:schemeClr val="bg1">
+                <a:lumMod val="50000"/>
+              </a:schemeClr>
+            </a:solidFill>
+          </a:ln>
+        </p:spPr>
+        <p:style>
+          <a:lnRef idx="1">
+            <a:schemeClr val="accent1"/>
+          </a:lnRef>
+          <a:fillRef idx="0">
+            <a:schemeClr val="accent1"/>
+          </a:fillRef>
+          <a:effectRef idx="0">
+            <a:schemeClr val="accent1"/>
+          </a:effectRef>
+          <a:fontRef idx="minor">
+            <a:schemeClr val="tx1"/>
+          </a:fontRef>
+        </p:style>
+      </p:cxnSp>
       <p:sp>
         <p:nvSpPr>
-          <p:cNvPr id="5" name="文字方塊 4">
-            <a:extLst>
-              <a:ext uri="{FF2B5EF4-FFF2-40B4-BE49-F238E27FC236}">
-                <a16:creationId xmlns:a16="http://schemas.microsoft.com/office/drawing/2014/main" id="{33738984-596C-407B-AF0A-5E03C8107317}"/>
+          <p:cNvPr id="8" name="文字方塊 7">
+            <a:extLst>
+              <a:ext uri="{FF2B5EF4-FFF2-40B4-BE49-F238E27FC236}">
+                <a16:creationId xmlns:a16="http://schemas.microsoft.com/office/drawing/2014/main" id="{6A38E037-79E3-4336-9282-B3E67DEFE58E}"/>
               </a:ext>
             </a:extLst>
           </p:cNvPr>
@@ -9655,8 +10950,8 @@
         </p:nvSpPr>
         <p:spPr>
           <a:xfrm>
-            <a:off x="393308" y="907853"/>
-            <a:ext cx="7996100" cy="2956515"/>
+            <a:off x="963761" y="433017"/>
+            <a:ext cx="4523418" cy="707886"/>
           </a:xfrm>
           <a:prstGeom prst="rect">
             <a:avLst/>
@@ -9669,199 +10964,170 @@
           </a:bodyPr>
           <a:lstStyle/>
           <a:p>
+            <a:r>
+              <a:rPr lang="en-US" altLang="zh-TW" sz="4000" dirty="0">
+                <a:latin typeface="微軟正黑體" panose="020B0604030504040204" pitchFamily="34" charset="-120"/>
+                <a:ea typeface="微軟正黑體" panose="020B0604030504040204" pitchFamily="34" charset="-120"/>
+                <a:cs typeface="Times New Roman" panose="02020603050405020304" pitchFamily="18" charset="0"/>
+                <a:hlinkClick r:id="rId4"/>
+              </a:rPr>
+              <a:t>Jupyter Notebook</a:t>
+            </a:r>
+            <a:endParaRPr lang="zh-TW" altLang="en-US" sz="4000" dirty="0">
+              <a:latin typeface="微軟正黑體" panose="020B0604030504040204" pitchFamily="34" charset="-120"/>
+              <a:ea typeface="微軟正黑體" panose="020B0604030504040204" pitchFamily="34" charset="-120"/>
+              <a:cs typeface="Times New Roman" panose="02020603050405020304" pitchFamily="18" charset="0"/>
+            </a:endParaRPr>
+          </a:p>
+        </p:txBody>
+      </p:sp>
+      <p:pic>
+        <p:nvPicPr>
+          <p:cNvPr id="9" name="圖片 8" descr="一張含有 鳥, 花 的圖片&#10;&#10;自動產生的描述">
+            <a:extLst>
+              <a:ext uri="{FF2B5EF4-FFF2-40B4-BE49-F238E27FC236}">
+                <a16:creationId xmlns:a16="http://schemas.microsoft.com/office/drawing/2014/main" id="{F5F5A402-395E-44A3-B1CD-E1999BAB250B}"/>
+              </a:ext>
+            </a:extLst>
+          </p:cNvPr>
+          <p:cNvPicPr>
+            <a:picLocks noChangeAspect="1"/>
+          </p:cNvPicPr>
+          <p:nvPr/>
+        </p:nvPicPr>
+        <p:blipFill>
+          <a:blip r:embed="rId5">
+            <a:extLst>
+              <a:ext uri="{28A0092B-C50C-407E-A947-70E740481C1C}">
+                <a14:useLocalDpi xmlns:a14="http://schemas.microsoft.com/office/drawing/2010/main" val="0"/>
+              </a:ext>
+            </a:extLst>
+          </a:blip>
+          <a:stretch>
+            <a:fillRect/>
+          </a:stretch>
+        </p:blipFill>
+        <p:spPr>
+          <a:xfrm>
+            <a:off x="679074" y="2551517"/>
+            <a:ext cx="5495640" cy="1146631"/>
+          </a:xfrm>
+          <a:prstGeom prst="rect">
+            <a:avLst/>
+          </a:prstGeom>
+        </p:spPr>
+      </p:pic>
+      <p:pic>
+        <p:nvPicPr>
+          <p:cNvPr id="11" name="圖片 10">
+            <a:extLst>
+              <a:ext uri="{FF2B5EF4-FFF2-40B4-BE49-F238E27FC236}">
+                <a16:creationId xmlns:a16="http://schemas.microsoft.com/office/drawing/2014/main" id="{0CB58179-B54C-46CB-B9D4-788BF0BD4F27}"/>
+              </a:ext>
+            </a:extLst>
+          </p:cNvPr>
+          <p:cNvPicPr>
+            <a:picLocks noChangeAspect="1"/>
+          </p:cNvPicPr>
+          <p:nvPr/>
+        </p:nvPicPr>
+        <p:blipFill rotWithShape="1">
+          <a:blip r:embed="rId6">
+            <a:extLst>
+              <a:ext uri="{28A0092B-C50C-407E-A947-70E740481C1C}">
+                <a14:useLocalDpi xmlns:a14="http://schemas.microsoft.com/office/drawing/2010/main" val="0"/>
+              </a:ext>
+            </a:extLst>
+          </a:blip>
+          <a:srcRect b="14775"/>
+          <a:stretch/>
+        </p:blipFill>
+        <p:spPr>
+          <a:xfrm>
+            <a:off x="854271" y="3844005"/>
+            <a:ext cx="7222921" cy="1397466"/>
+          </a:xfrm>
+          <a:prstGeom prst="rect">
+            <a:avLst/>
+          </a:prstGeom>
+          <a:ln w="38100" cap="sq">
+            <a:solidFill>
+              <a:srgbClr val="000000"/>
+            </a:solidFill>
+            <a:prstDash val="solid"/>
+            <a:miter lim="800000"/>
+          </a:ln>
+          <a:effectLst>
+            <a:outerShdw blurRad="50800" dist="38100" dir="2700000" algn="tl" rotWithShape="0">
+              <a:srgbClr val="000000">
+                <a:alpha val="43000"/>
+              </a:srgbClr>
+            </a:outerShdw>
+          </a:effectLst>
+        </p:spPr>
+      </p:pic>
+      <p:sp>
+        <p:nvSpPr>
+          <p:cNvPr id="12" name="文字方塊 11">
+            <a:hlinkClick r:id="rId7"/>
+            <a:extLst>
+              <a:ext uri="{FF2B5EF4-FFF2-40B4-BE49-F238E27FC236}">
+                <a16:creationId xmlns:a16="http://schemas.microsoft.com/office/drawing/2014/main" id="{ACAB6D4A-98F8-46D5-A311-339F94F2391C}"/>
+              </a:ext>
+            </a:extLst>
+          </p:cNvPr>
+          <p:cNvSpPr txBox="1"/>
+          <p:nvPr/>
+        </p:nvSpPr>
+        <p:spPr>
+          <a:xfrm>
+            <a:off x="678535" y="1694577"/>
+            <a:ext cx="3734933" cy="578492"/>
+          </a:xfrm>
+          <a:prstGeom prst="rect">
+            <a:avLst/>
+          </a:prstGeom>
+          <a:noFill/>
+        </p:spPr>
+        <p:txBody>
+          <a:bodyPr wrap="none" rtlCol="0">
+            <a:spAutoFit/>
+          </a:bodyPr>
+          <a:lstStyle/>
+          <a:p>
             <a:pPr>
               <a:lnSpc>
                 <a:spcPct val="150000"/>
               </a:lnSpc>
             </a:pPr>
             <a:r>
-              <a:rPr lang="zh-TW" altLang="en-US" sz="3200" dirty="0">
+              <a:rPr lang="zh-TW" altLang="en-US" sz="2400" dirty="0">
                 <a:latin typeface="微軟正黑體" panose="020B0604030504040204" pitchFamily="34" charset="-120"/>
                 <a:ea typeface="微軟正黑體" panose="020B0604030504040204" pitchFamily="34" charset="-120"/>
               </a:rPr>
               <a:t>．</a:t>
             </a:r>
             <a:r>
-              <a:rPr lang="en-US" altLang="zh-TW" sz="3200" dirty="0">
+              <a:rPr lang="en-US" altLang="zh-TW" sz="2400" dirty="0">
                 <a:latin typeface="微軟正黑體" panose="020B0604030504040204" pitchFamily="34" charset="-120"/>
                 <a:ea typeface="微軟正黑體" panose="020B0604030504040204" pitchFamily="34" charset="-120"/>
+                <a:hlinkClick r:id="rId7"/>
               </a:rPr>
-              <a:t>Run your code block-wise</a:t>
-            </a:r>
-          </a:p>
-          <a:p>
-            <a:pPr>
-              <a:lnSpc>
-                <a:spcPct val="150000"/>
-              </a:lnSpc>
-            </a:pPr>
-            <a:r>
-              <a:rPr lang="zh-TW" altLang="en-US" sz="3200" dirty="0">
-                <a:latin typeface="微軟正黑體" panose="020B0604030504040204" pitchFamily="34" charset="-120"/>
-                <a:ea typeface="微軟正黑體" panose="020B0604030504040204" pitchFamily="34" charset="-120"/>
-              </a:rPr>
-              <a:t>．</a:t>
-            </a:r>
-            <a:r>
-              <a:rPr lang="en-US" altLang="zh-TW" sz="3200" dirty="0">
-                <a:latin typeface="微軟正黑體" panose="020B0604030504040204" pitchFamily="34" charset="-120"/>
-                <a:ea typeface="微軟正黑體" panose="020B0604030504040204" pitchFamily="34" charset="-120"/>
-              </a:rPr>
-              <a:t>Tab for auto-fill</a:t>
-            </a:r>
-          </a:p>
-          <a:p>
-            <a:pPr>
-              <a:lnSpc>
-                <a:spcPct val="150000"/>
-              </a:lnSpc>
-            </a:pPr>
-            <a:r>
-              <a:rPr lang="zh-TW" altLang="en-US" sz="3200" dirty="0">
-                <a:latin typeface="微軟正黑體" panose="020B0604030504040204" pitchFamily="34" charset="-120"/>
-                <a:ea typeface="微軟正黑體" panose="020B0604030504040204" pitchFamily="34" charset="-120"/>
-              </a:rPr>
-              <a:t>．</a:t>
-            </a:r>
-            <a:r>
-              <a:rPr lang="en-US" altLang="zh-TW" sz="3200" dirty="0">
-                <a:latin typeface="微軟正黑體" panose="020B0604030504040204" pitchFamily="34" charset="-120"/>
-                <a:ea typeface="微軟正黑體" panose="020B0604030504040204" pitchFamily="34" charset="-120"/>
-              </a:rPr>
-              <a:t>Ctrl + / for comment out multiple lines</a:t>
-            </a:r>
-          </a:p>
-          <a:p>
-            <a:pPr>
-              <a:lnSpc>
-                <a:spcPct val="150000"/>
-              </a:lnSpc>
-            </a:pPr>
-            <a:r>
-              <a:rPr lang="zh-TW" altLang="en-US" sz="3200" dirty="0">
-                <a:latin typeface="微軟正黑體" panose="020B0604030504040204" pitchFamily="34" charset="-120"/>
-                <a:ea typeface="微軟正黑體" panose="020B0604030504040204" pitchFamily="34" charset="-120"/>
-              </a:rPr>
-              <a:t>．</a:t>
-            </a:r>
-            <a:r>
-              <a:rPr lang="en-US" altLang="zh-TW" sz="3200" dirty="0">
-                <a:latin typeface="微軟正黑體" panose="020B0604030504040204" pitchFamily="34" charset="-120"/>
-                <a:ea typeface="微軟正黑體" panose="020B0604030504040204" pitchFamily="34" charset="-120"/>
-              </a:rPr>
-              <a:t>Shift + Tab for tooltips</a:t>
-            </a:r>
-          </a:p>
-        </p:txBody>
-      </p:sp>
-      <p:sp>
-        <p:nvSpPr>
-          <p:cNvPr id="2" name="矩形 1">
-            <a:extLst>
-              <a:ext uri="{FF2B5EF4-FFF2-40B4-BE49-F238E27FC236}">
-                <a16:creationId xmlns:a16="http://schemas.microsoft.com/office/drawing/2014/main" id="{A2036964-DDBF-4F69-BA8A-40108ED4519D}"/>
-              </a:ext>
-            </a:extLst>
-          </p:cNvPr>
-          <p:cNvSpPr/>
-          <p:nvPr/>
-        </p:nvSpPr>
-        <p:spPr>
-          <a:xfrm>
-            <a:off x="4572000" y="679393"/>
-            <a:ext cx="3604513" cy="456920"/>
-          </a:xfrm>
-          <a:prstGeom prst="rect">
-            <a:avLst/>
-          </a:prstGeom>
-        </p:spPr>
-        <p:txBody>
-          <a:bodyPr wrap="none">
-            <a:spAutoFit/>
-          </a:bodyPr>
-          <a:lstStyle/>
-          <a:p>
-            <a:pPr>
-              <a:lnSpc>
-                <a:spcPct val="150000"/>
-              </a:lnSpc>
-            </a:pPr>
-            <a:r>
-              <a:rPr lang="zh-TW" altLang="en-US" dirty="0">
-                <a:latin typeface="微軟正黑體" panose="020B0604030504040204" pitchFamily="34" charset="-120"/>
-                <a:ea typeface="微軟正黑體" panose="020B0604030504040204" pitchFamily="34" charset="-120"/>
-              </a:rPr>
-              <a:t> （</a:t>
-            </a:r>
-            <a:r>
-              <a:rPr lang="en-US" altLang="zh-TW" dirty="0">
-                <a:latin typeface="微軟正黑體" panose="020B0604030504040204" pitchFamily="34" charset="-120"/>
-                <a:ea typeface="微軟正黑體" panose="020B0604030504040204" pitchFamily="34" charset="-120"/>
-              </a:rPr>
-              <a:t>shift + Enter or Ctrl + Enter</a:t>
-            </a:r>
-            <a:r>
-              <a:rPr lang="zh-TW" altLang="en-US" dirty="0">
-                <a:latin typeface="微軟正黑體" panose="020B0604030504040204" pitchFamily="34" charset="-120"/>
-                <a:ea typeface="微軟正黑體" panose="020B0604030504040204" pitchFamily="34" charset="-120"/>
-              </a:rPr>
-              <a:t>）</a:t>
-            </a:r>
-            <a:endParaRPr lang="en-US" altLang="zh-TW" dirty="0">
+              <a:t>Starting the Notebook</a:t>
+            </a:r>
+            <a:endParaRPr lang="en-US" altLang="zh-TW" sz="2400" dirty="0">
               <a:latin typeface="微軟正黑體" panose="020B0604030504040204" pitchFamily="34" charset="-120"/>
               <a:ea typeface="微軟正黑體" panose="020B0604030504040204" pitchFamily="34" charset="-120"/>
             </a:endParaRPr>
-          </a:p>
-        </p:txBody>
-      </p:sp>
-      <p:sp>
-        <p:nvSpPr>
-          <p:cNvPr id="8" name="矩形 7">
-            <a:extLst>
-              <a:ext uri="{FF2B5EF4-FFF2-40B4-BE49-F238E27FC236}">
-                <a16:creationId xmlns:a16="http://schemas.microsoft.com/office/drawing/2014/main" id="{A8527303-D1D0-47F1-A64F-47BD8A40D2A8}"/>
-              </a:ext>
-            </a:extLst>
-          </p:cNvPr>
-          <p:cNvSpPr/>
-          <p:nvPr/>
-        </p:nvSpPr>
-        <p:spPr>
-          <a:xfrm>
-            <a:off x="3461231" y="4677134"/>
-            <a:ext cx="1860253" cy="578492"/>
-          </a:xfrm>
-          <a:prstGeom prst="rect">
-            <a:avLst/>
-          </a:prstGeom>
-        </p:spPr>
-        <p:txBody>
-          <a:bodyPr wrap="none">
-            <a:spAutoFit/>
-          </a:bodyPr>
-          <a:lstStyle/>
-          <a:p>
-            <a:pPr>
-              <a:lnSpc>
-                <a:spcPct val="150000"/>
-              </a:lnSpc>
-            </a:pPr>
-            <a:r>
-              <a:rPr lang="en-US" altLang="zh-TW" sz="2400" dirty="0">
-                <a:latin typeface="微軟正黑體" panose="020B0604030504040204" pitchFamily="34" charset="-120"/>
-                <a:ea typeface="微軟正黑體" panose="020B0604030504040204" pitchFamily="34" charset="-120"/>
-              </a:rPr>
-              <a:t>And more…</a:t>
-            </a:r>
           </a:p>
         </p:txBody>
       </p:sp>
       <p:pic>
         <p:nvPicPr>
-          <p:cNvPr id="10" name="圖片 9" descr="一張含有 螢幕擷取畫面 的圖片&#10;&#10;自動產生的描述">
-            <a:extLst>
-              <a:ext uri="{FF2B5EF4-FFF2-40B4-BE49-F238E27FC236}">
-                <a16:creationId xmlns:a16="http://schemas.microsoft.com/office/drawing/2014/main" id="{D3F37D3B-260E-4387-A787-045686059CEB}"/>
+          <p:cNvPr id="13" name="圖片 12">
+            <a:extLst>
+              <a:ext uri="{FF2B5EF4-FFF2-40B4-BE49-F238E27FC236}">
+                <a16:creationId xmlns:a16="http://schemas.microsoft.com/office/drawing/2014/main" id="{34EA3792-1113-4FC7-9BF5-1DB3E8DC6B8E}"/>
               </a:ext>
             </a:extLst>
           </p:cNvPr>
@@ -9871,7 +11137,7 @@
           <p:nvPr/>
         </p:nvPicPr>
         <p:blipFill>
-          <a:blip r:embed="rId4">
+          <a:blip r:embed="rId8">
             <a:extLst>
               <a:ext uri="{28A0092B-C50C-407E-A947-70E740481C1C}">
                 <a14:useLocalDpi xmlns:a14="http://schemas.microsoft.com/office/drawing/2010/main" val="0"/>
@@ -9884,8 +11150,44 @@
         </p:blipFill>
         <p:spPr>
           <a:xfrm>
-            <a:off x="5521183" y="3864368"/>
-            <a:ext cx="3245521" cy="2782517"/>
+            <a:off x="6598915" y="5513829"/>
+            <a:ext cx="2189527" cy="1094764"/>
+          </a:xfrm>
+          <a:prstGeom prst="rect">
+            <a:avLst/>
+          </a:prstGeom>
+        </p:spPr>
+      </p:pic>
+      <p:pic>
+        <p:nvPicPr>
+          <p:cNvPr id="15" name="圖片 14" descr="一張含有 螢幕擷取畫面 的圖片&#10;&#10;自動產生的描述">
+            <a:extLst>
+              <a:ext uri="{FF2B5EF4-FFF2-40B4-BE49-F238E27FC236}">
+                <a16:creationId xmlns:a16="http://schemas.microsoft.com/office/drawing/2014/main" id="{CA7D3767-43B5-4BE5-9BF5-0FD1E0EB802F}"/>
+              </a:ext>
+            </a:extLst>
+          </p:cNvPr>
+          <p:cNvPicPr>
+            <a:picLocks noChangeAspect="1"/>
+          </p:cNvPicPr>
+          <p:nvPr/>
+        </p:nvPicPr>
+        <p:blipFill>
+          <a:blip r:embed="rId9">
+            <a:extLst>
+              <a:ext uri="{28A0092B-C50C-407E-A947-70E740481C1C}">
+                <a14:useLocalDpi xmlns:a14="http://schemas.microsoft.com/office/drawing/2010/main" val="0"/>
+              </a:ext>
+            </a:extLst>
+          </a:blip>
+          <a:stretch>
+            <a:fillRect/>
+          </a:stretch>
+        </p:blipFill>
+        <p:spPr>
+          <a:xfrm>
+            <a:off x="6303136" y="2833119"/>
+            <a:ext cx="2189527" cy="834106"/>
           </a:xfrm>
           <a:prstGeom prst="rect">
             <a:avLst/>
@@ -9895,7 +11197,7 @@
     </p:spTree>
     <p:extLst>
       <p:ext uri="{BB962C8B-B14F-4D97-AF65-F5344CB8AC3E}">
-        <p14:creationId xmlns:p14="http://schemas.microsoft.com/office/powerpoint/2010/main" val="1281486643"/>
+        <p14:creationId xmlns:p14="http://schemas.microsoft.com/office/powerpoint/2010/main" val="778652953"/>
       </p:ext>
     </p:extLst>
   </p:cSld>
@@ -9994,147 +11296,12 @@
           </a:prstGeom>
         </p:spPr>
       </p:pic>
-      <p:cxnSp>
-        <p:nvCxnSpPr>
-          <p:cNvPr id="5" name="直線接點 4">
-            <a:extLst>
-              <a:ext uri="{FF2B5EF4-FFF2-40B4-BE49-F238E27FC236}">
-                <a16:creationId xmlns:a16="http://schemas.microsoft.com/office/drawing/2014/main" id="{4F6D391F-CEFD-4FB2-875E-E73FD4FD3567}"/>
-              </a:ext>
-            </a:extLst>
-          </p:cNvPr>
-          <p:cNvCxnSpPr>
-            <a:cxnSpLocks/>
-          </p:cNvCxnSpPr>
-          <p:nvPr/>
-        </p:nvCxnSpPr>
-        <p:spPr>
-          <a:xfrm>
-            <a:off x="678535" y="637564"/>
-            <a:ext cx="285226" cy="503339"/>
-          </a:xfrm>
-          <a:prstGeom prst="line">
-            <a:avLst/>
-          </a:prstGeom>
-          <a:ln w="28575">
-            <a:solidFill>
-              <a:schemeClr val="bg1">
-                <a:lumMod val="50000"/>
-              </a:schemeClr>
-            </a:solidFill>
-          </a:ln>
-        </p:spPr>
-        <p:style>
-          <a:lnRef idx="1">
-            <a:schemeClr val="accent1"/>
-          </a:lnRef>
-          <a:fillRef idx="0">
-            <a:schemeClr val="accent1"/>
-          </a:fillRef>
-          <a:effectRef idx="0">
-            <a:schemeClr val="accent1"/>
-          </a:effectRef>
-          <a:fontRef idx="minor">
-            <a:schemeClr val="tx1"/>
-          </a:fontRef>
-        </p:style>
-      </p:cxnSp>
-      <p:cxnSp>
-        <p:nvCxnSpPr>
-          <p:cNvPr id="6" name="直線接點 5">
-            <a:extLst>
-              <a:ext uri="{FF2B5EF4-FFF2-40B4-BE49-F238E27FC236}">
-                <a16:creationId xmlns:a16="http://schemas.microsoft.com/office/drawing/2014/main" id="{C9171345-2509-4BBF-9505-39CEBD75EB7D}"/>
-              </a:ext>
-            </a:extLst>
-          </p:cNvPr>
-          <p:cNvCxnSpPr>
-            <a:cxnSpLocks/>
-          </p:cNvCxnSpPr>
-          <p:nvPr/>
-        </p:nvCxnSpPr>
-        <p:spPr>
-          <a:xfrm>
-            <a:off x="963761" y="1140903"/>
-            <a:ext cx="3162650" cy="0"/>
-          </a:xfrm>
-          <a:prstGeom prst="line">
-            <a:avLst/>
-          </a:prstGeom>
-          <a:ln w="28575">
-            <a:solidFill>
-              <a:schemeClr val="bg1">
-                <a:lumMod val="50000"/>
-              </a:schemeClr>
-            </a:solidFill>
-          </a:ln>
-        </p:spPr>
-        <p:style>
-          <a:lnRef idx="1">
-            <a:schemeClr val="accent1"/>
-          </a:lnRef>
-          <a:fillRef idx="0">
-            <a:schemeClr val="accent1"/>
-          </a:fillRef>
-          <a:effectRef idx="0">
-            <a:schemeClr val="accent1"/>
-          </a:effectRef>
-          <a:fontRef idx="minor">
-            <a:schemeClr val="tx1"/>
-          </a:fontRef>
-        </p:style>
-      </p:cxnSp>
-      <p:cxnSp>
-        <p:nvCxnSpPr>
-          <p:cNvPr id="7" name="直線接點 6">
-            <a:extLst>
-              <a:ext uri="{FF2B5EF4-FFF2-40B4-BE49-F238E27FC236}">
-                <a16:creationId xmlns:a16="http://schemas.microsoft.com/office/drawing/2014/main" id="{A0691FAE-F0D4-4313-B4CF-4CC74852712D}"/>
-              </a:ext>
-            </a:extLst>
-          </p:cNvPr>
-          <p:cNvCxnSpPr>
-            <a:cxnSpLocks/>
-          </p:cNvCxnSpPr>
-          <p:nvPr/>
-        </p:nvCxnSpPr>
-        <p:spPr>
-          <a:xfrm>
-            <a:off x="4126411" y="1140904"/>
-            <a:ext cx="285226" cy="503339"/>
-          </a:xfrm>
-          <a:prstGeom prst="line">
-            <a:avLst/>
-          </a:prstGeom>
-          <a:ln w="28575">
-            <a:solidFill>
-              <a:schemeClr val="bg1">
-                <a:lumMod val="50000"/>
-              </a:schemeClr>
-            </a:solidFill>
-          </a:ln>
-        </p:spPr>
-        <p:style>
-          <a:lnRef idx="1">
-            <a:schemeClr val="accent1"/>
-          </a:lnRef>
-          <a:fillRef idx="0">
-            <a:schemeClr val="accent1"/>
-          </a:fillRef>
-          <a:effectRef idx="0">
-            <a:schemeClr val="accent1"/>
-          </a:effectRef>
-          <a:fontRef idx="minor">
-            <a:schemeClr val="tx1"/>
-          </a:fontRef>
-        </p:style>
-      </p:cxnSp>
       <p:sp>
         <p:nvSpPr>
-          <p:cNvPr id="8" name="文字方塊 7">
-            <a:extLst>
-              <a:ext uri="{FF2B5EF4-FFF2-40B4-BE49-F238E27FC236}">
-                <a16:creationId xmlns:a16="http://schemas.microsoft.com/office/drawing/2014/main" id="{6A38E037-79E3-4336-9282-B3E67DEFE58E}"/>
+          <p:cNvPr id="5" name="文字方塊 4">
+            <a:extLst>
+              <a:ext uri="{FF2B5EF4-FFF2-40B4-BE49-F238E27FC236}">
+                <a16:creationId xmlns:a16="http://schemas.microsoft.com/office/drawing/2014/main" id="{33738984-596C-407B-AF0A-5E03C8107317}"/>
               </a:ext>
             </a:extLst>
           </p:cNvPr>
@@ -10143,8 +11310,8 @@
         </p:nvSpPr>
         <p:spPr>
           <a:xfrm>
-            <a:off x="963761" y="433017"/>
-            <a:ext cx="5224892" cy="707886"/>
+            <a:off x="393308" y="907853"/>
+            <a:ext cx="7996100" cy="2956515"/>
           </a:xfrm>
           <a:prstGeom prst="rect">
             <a:avLst/>
@@ -10157,28 +11324,199 @@
           </a:bodyPr>
           <a:lstStyle/>
           <a:p>
-            <a:r>
-              <a:rPr lang="en-US" altLang="zh-TW" sz="4000" dirty="0">
+            <a:pPr>
+              <a:lnSpc>
+                <a:spcPct val="150000"/>
+              </a:lnSpc>
+            </a:pPr>
+            <a:r>
+              <a:rPr lang="zh-TW" altLang="en-US" sz="3200" dirty="0">
                 <a:latin typeface="微軟正黑體" panose="020B0604030504040204" pitchFamily="34" charset="-120"/>
                 <a:ea typeface="微軟正黑體" panose="020B0604030504040204" pitchFamily="34" charset="-120"/>
-                <a:cs typeface="Times New Roman" panose="02020603050405020304" pitchFamily="18" charset="0"/>
               </a:rPr>
-              <a:t>Python Quick Review</a:t>
-            </a:r>
-            <a:endParaRPr lang="zh-TW" altLang="en-US" sz="4000" dirty="0">
+              <a:t>．</a:t>
+            </a:r>
+            <a:r>
+              <a:rPr lang="en-US" altLang="zh-TW" sz="3200" dirty="0">
+                <a:latin typeface="微軟正黑體" panose="020B0604030504040204" pitchFamily="34" charset="-120"/>
+                <a:ea typeface="微軟正黑體" panose="020B0604030504040204" pitchFamily="34" charset="-120"/>
+              </a:rPr>
+              <a:t>Run your code block-wise</a:t>
+            </a:r>
+          </a:p>
+          <a:p>
+            <a:pPr>
+              <a:lnSpc>
+                <a:spcPct val="150000"/>
+              </a:lnSpc>
+            </a:pPr>
+            <a:r>
+              <a:rPr lang="zh-TW" altLang="en-US" sz="3200" dirty="0">
+                <a:latin typeface="微軟正黑體" panose="020B0604030504040204" pitchFamily="34" charset="-120"/>
+                <a:ea typeface="微軟正黑體" panose="020B0604030504040204" pitchFamily="34" charset="-120"/>
+              </a:rPr>
+              <a:t>．</a:t>
+            </a:r>
+            <a:r>
+              <a:rPr lang="en-US" altLang="zh-TW" sz="3200" dirty="0">
+                <a:latin typeface="微軟正黑體" panose="020B0604030504040204" pitchFamily="34" charset="-120"/>
+                <a:ea typeface="微軟正黑體" panose="020B0604030504040204" pitchFamily="34" charset="-120"/>
+              </a:rPr>
+              <a:t>Tab for auto-fill</a:t>
+            </a:r>
+          </a:p>
+          <a:p>
+            <a:pPr>
+              <a:lnSpc>
+                <a:spcPct val="150000"/>
+              </a:lnSpc>
+            </a:pPr>
+            <a:r>
+              <a:rPr lang="zh-TW" altLang="en-US" sz="3200" dirty="0">
+                <a:latin typeface="微軟正黑體" panose="020B0604030504040204" pitchFamily="34" charset="-120"/>
+                <a:ea typeface="微軟正黑體" panose="020B0604030504040204" pitchFamily="34" charset="-120"/>
+              </a:rPr>
+              <a:t>．</a:t>
+            </a:r>
+            <a:r>
+              <a:rPr lang="en-US" altLang="zh-TW" sz="3200" dirty="0">
+                <a:latin typeface="微軟正黑體" panose="020B0604030504040204" pitchFamily="34" charset="-120"/>
+                <a:ea typeface="微軟正黑體" panose="020B0604030504040204" pitchFamily="34" charset="-120"/>
+              </a:rPr>
+              <a:t>Ctrl + / for comment out multiple lines</a:t>
+            </a:r>
+          </a:p>
+          <a:p>
+            <a:pPr>
+              <a:lnSpc>
+                <a:spcPct val="150000"/>
+              </a:lnSpc>
+            </a:pPr>
+            <a:r>
+              <a:rPr lang="zh-TW" altLang="en-US" sz="3200" dirty="0">
+                <a:latin typeface="微軟正黑體" panose="020B0604030504040204" pitchFamily="34" charset="-120"/>
+                <a:ea typeface="微軟正黑體" panose="020B0604030504040204" pitchFamily="34" charset="-120"/>
+              </a:rPr>
+              <a:t>．</a:t>
+            </a:r>
+            <a:r>
+              <a:rPr lang="en-US" altLang="zh-TW" sz="3200" dirty="0">
+                <a:latin typeface="微軟正黑體" panose="020B0604030504040204" pitchFamily="34" charset="-120"/>
+                <a:ea typeface="微軟正黑體" panose="020B0604030504040204" pitchFamily="34" charset="-120"/>
+              </a:rPr>
+              <a:t>Shift + Tab for tooltips</a:t>
+            </a:r>
+          </a:p>
+        </p:txBody>
+      </p:sp>
+      <p:sp>
+        <p:nvSpPr>
+          <p:cNvPr id="2" name="矩形 1">
+            <a:extLst>
+              <a:ext uri="{FF2B5EF4-FFF2-40B4-BE49-F238E27FC236}">
+                <a16:creationId xmlns:a16="http://schemas.microsoft.com/office/drawing/2014/main" id="{A2036964-DDBF-4F69-BA8A-40108ED4519D}"/>
+              </a:ext>
+            </a:extLst>
+          </p:cNvPr>
+          <p:cNvSpPr/>
+          <p:nvPr/>
+        </p:nvSpPr>
+        <p:spPr>
+          <a:xfrm>
+            <a:off x="4572000" y="679393"/>
+            <a:ext cx="3604513" cy="456920"/>
+          </a:xfrm>
+          <a:prstGeom prst="rect">
+            <a:avLst/>
+          </a:prstGeom>
+        </p:spPr>
+        <p:txBody>
+          <a:bodyPr wrap="none">
+            <a:spAutoFit/>
+          </a:bodyPr>
+          <a:lstStyle/>
+          <a:p>
+            <a:pPr>
+              <a:lnSpc>
+                <a:spcPct val="150000"/>
+              </a:lnSpc>
+            </a:pPr>
+            <a:r>
+              <a:rPr lang="zh-TW" altLang="en-US" dirty="0">
+                <a:latin typeface="微軟正黑體" panose="020B0604030504040204" pitchFamily="34" charset="-120"/>
+                <a:ea typeface="微軟正黑體" panose="020B0604030504040204" pitchFamily="34" charset="-120"/>
+              </a:rPr>
+              <a:t> （</a:t>
+            </a:r>
+            <a:r>
+              <a:rPr lang="en-US" altLang="zh-TW" dirty="0">
+                <a:latin typeface="微軟正黑體" panose="020B0604030504040204" pitchFamily="34" charset="-120"/>
+                <a:ea typeface="微軟正黑體" panose="020B0604030504040204" pitchFamily="34" charset="-120"/>
+              </a:rPr>
+              <a:t>shift + Enter or Ctrl + Enter</a:t>
+            </a:r>
+            <a:r>
+              <a:rPr lang="zh-TW" altLang="en-US" dirty="0">
+                <a:latin typeface="微軟正黑體" panose="020B0604030504040204" pitchFamily="34" charset="-120"/>
+                <a:ea typeface="微軟正黑體" panose="020B0604030504040204" pitchFamily="34" charset="-120"/>
+              </a:rPr>
+              <a:t>）</a:t>
+            </a:r>
+            <a:endParaRPr lang="en-US" altLang="zh-TW" dirty="0">
               <a:latin typeface="微軟正黑體" panose="020B0604030504040204" pitchFamily="34" charset="-120"/>
               <a:ea typeface="微軟正黑體" panose="020B0604030504040204" pitchFamily="34" charset="-120"/>
-              <a:cs typeface="Times New Roman" panose="02020603050405020304" pitchFamily="18" charset="0"/>
             </a:endParaRPr>
+          </a:p>
+        </p:txBody>
+      </p:sp>
+      <p:sp>
+        <p:nvSpPr>
+          <p:cNvPr id="8" name="矩形 7">
+            <a:extLst>
+              <a:ext uri="{FF2B5EF4-FFF2-40B4-BE49-F238E27FC236}">
+                <a16:creationId xmlns:a16="http://schemas.microsoft.com/office/drawing/2014/main" id="{A8527303-D1D0-47F1-A64F-47BD8A40D2A8}"/>
+              </a:ext>
+            </a:extLst>
+          </p:cNvPr>
+          <p:cNvSpPr/>
+          <p:nvPr/>
+        </p:nvSpPr>
+        <p:spPr>
+          <a:xfrm>
+            <a:off x="3461231" y="4677134"/>
+            <a:ext cx="1860253" cy="578492"/>
+          </a:xfrm>
+          <a:prstGeom prst="rect">
+            <a:avLst/>
+          </a:prstGeom>
+        </p:spPr>
+        <p:txBody>
+          <a:bodyPr wrap="none">
+            <a:spAutoFit/>
+          </a:bodyPr>
+          <a:lstStyle/>
+          <a:p>
+            <a:pPr>
+              <a:lnSpc>
+                <a:spcPct val="150000"/>
+              </a:lnSpc>
+            </a:pPr>
+            <a:r>
+              <a:rPr lang="en-US" altLang="zh-TW" sz="2400" dirty="0">
+                <a:latin typeface="微軟正黑體" panose="020B0604030504040204" pitchFamily="34" charset="-120"/>
+                <a:ea typeface="微軟正黑體" panose="020B0604030504040204" pitchFamily="34" charset="-120"/>
+              </a:rPr>
+              <a:t>And more…</a:t>
+            </a:r>
           </a:p>
         </p:txBody>
       </p:sp>
       <p:pic>
         <p:nvPicPr>
-          <p:cNvPr id="10" name="圖片 9">
-            <a:extLst>
-              <a:ext uri="{FF2B5EF4-FFF2-40B4-BE49-F238E27FC236}">
-                <a16:creationId xmlns:a16="http://schemas.microsoft.com/office/drawing/2014/main" id="{F22E8D40-DE6A-4EC0-BABF-DD765B9AE209}"/>
+          <p:cNvPr id="10" name="圖片 9" descr="一張含有 螢幕擷取畫面 的圖片&#10;&#10;自動產生的描述">
+            <a:extLst>
+              <a:ext uri="{FF2B5EF4-FFF2-40B4-BE49-F238E27FC236}">
+                <a16:creationId xmlns:a16="http://schemas.microsoft.com/office/drawing/2014/main" id="{D3F37D3B-260E-4387-A787-045686059CEB}"/>
               </a:ext>
             </a:extLst>
           </p:cNvPr>
@@ -10201,104 +11539,18 @@
         </p:blipFill>
         <p:spPr>
           <a:xfrm>
-            <a:off x="1644774" y="3289286"/>
-            <a:ext cx="5854452" cy="1877597"/>
+            <a:off x="5521183" y="3864368"/>
+            <a:ext cx="3245521" cy="2782517"/>
           </a:xfrm>
           <a:prstGeom prst="rect">
             <a:avLst/>
           </a:prstGeom>
         </p:spPr>
       </p:pic>
-      <p:pic>
-        <p:nvPicPr>
-          <p:cNvPr id="16" name="圖片 15" descr="一張含有 個人, 男人, 服飾, 室內 的圖片&#10;&#10;自動產生的描述">
-            <a:extLst>
-              <a:ext uri="{FF2B5EF4-FFF2-40B4-BE49-F238E27FC236}">
-                <a16:creationId xmlns:a16="http://schemas.microsoft.com/office/drawing/2014/main" id="{BF5C195B-0702-4A73-B4F8-73F53D416B87}"/>
-              </a:ext>
-            </a:extLst>
-          </p:cNvPr>
-          <p:cNvPicPr>
-            <a:picLocks noChangeAspect="1"/>
-          </p:cNvPicPr>
-          <p:nvPr/>
-        </p:nvPicPr>
-        <p:blipFill>
-          <a:blip r:embed="rId5">
-            <a:extLst>
-              <a:ext uri="{28A0092B-C50C-407E-A947-70E740481C1C}">
-                <a14:useLocalDpi xmlns:a14="http://schemas.microsoft.com/office/drawing/2010/main" val="0"/>
-              </a:ext>
-            </a:extLst>
-          </a:blip>
-          <a:stretch>
-            <a:fillRect/>
-          </a:stretch>
-        </p:blipFill>
-        <p:spPr>
-          <a:xfrm>
-            <a:off x="1067076" y="1895912"/>
-            <a:ext cx="1066949" cy="1066949"/>
-          </a:xfrm>
-          <a:prstGeom prst="rect">
-            <a:avLst/>
-          </a:prstGeom>
-        </p:spPr>
-      </p:pic>
-      <p:sp>
-        <p:nvSpPr>
-          <p:cNvPr id="17" name="文字方塊 16">
-            <a:extLst>
-              <a:ext uri="{FF2B5EF4-FFF2-40B4-BE49-F238E27FC236}">
-                <a16:creationId xmlns:a16="http://schemas.microsoft.com/office/drawing/2014/main" id="{F1C028FB-BA7F-4CAD-AF3E-6701EF266D25}"/>
-              </a:ext>
-            </a:extLst>
-          </p:cNvPr>
-          <p:cNvSpPr txBox="1"/>
-          <p:nvPr/>
-        </p:nvSpPr>
-        <p:spPr>
-          <a:xfrm>
-            <a:off x="2134025" y="2222337"/>
-            <a:ext cx="4171911" cy="740524"/>
-          </a:xfrm>
-          <a:prstGeom prst="rect">
-            <a:avLst/>
-          </a:prstGeom>
-          <a:noFill/>
-        </p:spPr>
-        <p:txBody>
-          <a:bodyPr wrap="none" rtlCol="0">
-            <a:spAutoFit/>
-          </a:bodyPr>
-          <a:lstStyle/>
-          <a:p>
-            <a:pPr>
-              <a:lnSpc>
-                <a:spcPct val="150000"/>
-              </a:lnSpc>
-            </a:pPr>
-            <a:r>
-              <a:rPr lang="en-US" altLang="zh-TW" sz="3200" dirty="0" err="1">
-                <a:latin typeface="微軟正黑體" panose="020B0604030504040204" pitchFamily="34" charset="-120"/>
-                <a:ea typeface="微軟正黑體" panose="020B0604030504040204" pitchFamily="34" charset="-120"/>
-              </a:rPr>
-              <a:t>Wut</a:t>
-            </a:r>
-            <a:r>
-              <a:rPr lang="en-US" altLang="zh-TW" sz="3200" dirty="0">
-                <a:latin typeface="微軟正黑體" panose="020B0604030504040204" pitchFamily="34" charset="-120"/>
-                <a:ea typeface="微軟正黑體" panose="020B0604030504040204" pitchFamily="34" charset="-120"/>
-              </a:rPr>
-              <a:t>… Error again ?!!</a:t>
-            </a:r>
-          </a:p>
-        </p:txBody>
-      </p:sp>
     </p:spTree>
     <p:extLst>
       <p:ext uri="{BB962C8B-B14F-4D97-AF65-F5344CB8AC3E}">
-        <p14:creationId xmlns:p14="http://schemas.microsoft.com/office/powerpoint/2010/main" val="2230014497"/>
+        <p14:creationId xmlns:p14="http://schemas.microsoft.com/office/powerpoint/2010/main" val="1281486643"/>
       </p:ext>
     </p:extLst>
   </p:cSld>
